--- a/Lecture slides/ADAP B02 - Class and Interface Design.pptx
+++ b/Lecture slides/ADAP B02 - Class and Interface Design.pptx
@@ -741,7 +741,7 @@
   <p:cSld>
     <p:spTree>
       <p:nvGrpSpPr>
-        <p:cNvPr id="32" name="Shape 32"/>
+        <p:cNvPr id="47" name="Shape 47"/>
         <p:cNvGrpSpPr/>
         <p:nvPr/>
       </p:nvGrpSpPr>
@@ -755,7 +755,7 @@
       </p:grpSpPr>
       <p:sp>
         <p:nvSpPr>
-          <p:cNvPr id="33" name="Google Shape;33;p:notes"/>
+          <p:cNvPr id="48" name="Google Shape;48;p:notes"/>
           <p:cNvSpPr/>
           <p:nvPr>
             <p:ph idx="2" type="sldImg"/>
@@ -790,7 +790,7 @@
       </p:sp>
       <p:sp>
         <p:nvSpPr>
-          <p:cNvPr id="34" name="Google Shape;34;p:notes"/>
+          <p:cNvPr id="49" name="Google Shape;49;p:notes"/>
           <p:cNvSpPr txBox="1"/>
           <p:nvPr>
             <p:ph idx="1" type="body"/>
@@ -840,7 +840,7 @@
   <p:cSld>
     <p:spTree>
       <p:nvGrpSpPr>
-        <p:cNvPr id="93" name="Shape 93"/>
+        <p:cNvPr id="108" name="Shape 108"/>
         <p:cNvGrpSpPr/>
         <p:nvPr/>
       </p:nvGrpSpPr>
@@ -854,7 +854,7 @@
       </p:grpSpPr>
       <p:sp>
         <p:nvSpPr>
-          <p:cNvPr id="94" name="Google Shape;94;g30268aaaedc_0_71:notes"/>
+          <p:cNvPr id="109" name="Google Shape;109;g30268aaaedc_0_71:notes"/>
           <p:cNvSpPr/>
           <p:nvPr>
             <p:ph idx="2" type="sldImg"/>
@@ -889,7 +889,7 @@
       </p:sp>
       <p:sp>
         <p:nvSpPr>
-          <p:cNvPr id="95" name="Google Shape;95;g30268aaaedc_0_71:notes"/>
+          <p:cNvPr id="110" name="Google Shape;110;g30268aaaedc_0_71:notes"/>
           <p:cNvSpPr txBox="1"/>
           <p:nvPr>
             <p:ph idx="1" type="body"/>
@@ -939,7 +939,7 @@
   <p:cSld>
     <p:spTree>
       <p:nvGrpSpPr>
-        <p:cNvPr id="100" name="Shape 100"/>
+        <p:cNvPr id="115" name="Shape 115"/>
         <p:cNvGrpSpPr/>
         <p:nvPr/>
       </p:nvGrpSpPr>
@@ -953,7 +953,7 @@
       </p:grpSpPr>
       <p:sp>
         <p:nvSpPr>
-          <p:cNvPr id="101" name="Google Shape;101;g2fe5ef885d0_0_0:notes"/>
+          <p:cNvPr id="116" name="Google Shape;116;g2fe5ef885d0_0_0:notes"/>
           <p:cNvSpPr/>
           <p:nvPr>
             <p:ph idx="2" type="sldImg"/>
@@ -988,7 +988,7 @@
       </p:sp>
       <p:sp>
         <p:nvSpPr>
-          <p:cNvPr id="102" name="Google Shape;102;g2fe5ef885d0_0_0:notes"/>
+          <p:cNvPr id="117" name="Google Shape;117;g2fe5ef885d0_0_0:notes"/>
           <p:cNvSpPr txBox="1"/>
           <p:nvPr>
             <p:ph idx="1" type="body"/>
@@ -1038,7 +1038,7 @@
   <p:cSld>
     <p:spTree>
       <p:nvGrpSpPr>
-        <p:cNvPr id="105" name="Shape 105"/>
+        <p:cNvPr id="120" name="Shape 120"/>
         <p:cNvGrpSpPr/>
         <p:nvPr/>
       </p:nvGrpSpPr>
@@ -1052,7 +1052,7 @@
       </p:grpSpPr>
       <p:sp>
         <p:nvSpPr>
-          <p:cNvPr id="106" name="Google Shape;106;g2fe02fb2832_0_0:notes"/>
+          <p:cNvPr id="121" name="Google Shape;121;g2fe02fb2832_0_0:notes"/>
           <p:cNvSpPr/>
           <p:nvPr>
             <p:ph idx="2" type="sldImg"/>
@@ -1087,7 +1087,7 @@
       </p:sp>
       <p:sp>
         <p:nvSpPr>
-          <p:cNvPr id="107" name="Google Shape;107;g2fe02fb2832_0_0:notes"/>
+          <p:cNvPr id="122" name="Google Shape;122;g2fe02fb2832_0_0:notes"/>
           <p:cNvSpPr txBox="1"/>
           <p:nvPr>
             <p:ph idx="1" type="body"/>
@@ -1137,7 +1137,7 @@
   <p:cSld>
     <p:spTree>
       <p:nvGrpSpPr>
-        <p:cNvPr id="112" name="Shape 112"/>
+        <p:cNvPr id="127" name="Shape 127"/>
         <p:cNvGrpSpPr/>
         <p:nvPr/>
       </p:nvGrpSpPr>
@@ -1151,7 +1151,7 @@
       </p:grpSpPr>
       <p:sp>
         <p:nvSpPr>
-          <p:cNvPr id="113" name="Google Shape;113;g30268aaaedc_0_65:notes"/>
+          <p:cNvPr id="128" name="Google Shape;128;g30268aaaedc_0_65:notes"/>
           <p:cNvSpPr/>
           <p:nvPr>
             <p:ph idx="2" type="sldImg"/>
@@ -1186,7 +1186,7 @@
       </p:sp>
       <p:sp>
         <p:nvSpPr>
-          <p:cNvPr id="114" name="Google Shape;114;g30268aaaedc_0_65:notes"/>
+          <p:cNvPr id="129" name="Google Shape;129;g30268aaaedc_0_65:notes"/>
           <p:cNvSpPr txBox="1"/>
           <p:nvPr>
             <p:ph idx="1" type="body"/>
@@ -1236,7 +1236,7 @@
   <p:cSld>
     <p:spTree>
       <p:nvGrpSpPr>
-        <p:cNvPr id="119" name="Shape 119"/>
+        <p:cNvPr id="134" name="Shape 134"/>
         <p:cNvGrpSpPr/>
         <p:nvPr/>
       </p:nvGrpSpPr>
@@ -1250,7 +1250,7 @@
       </p:grpSpPr>
       <p:sp>
         <p:nvSpPr>
-          <p:cNvPr id="120" name="Google Shape;120;g30268aaaedc_0_86:notes"/>
+          <p:cNvPr id="135" name="Google Shape;135;g30268aaaedc_0_86:notes"/>
           <p:cNvSpPr/>
           <p:nvPr>
             <p:ph idx="2" type="sldImg"/>
@@ -1285,7 +1285,7 @@
       </p:sp>
       <p:sp>
         <p:nvSpPr>
-          <p:cNvPr id="121" name="Google Shape;121;g30268aaaedc_0_86:notes"/>
+          <p:cNvPr id="136" name="Google Shape;136;g30268aaaedc_0_86:notes"/>
           <p:cNvSpPr txBox="1"/>
           <p:nvPr>
             <p:ph idx="1" type="body"/>
@@ -1335,7 +1335,7 @@
   <p:cSld>
     <p:spTree>
       <p:nvGrpSpPr>
-        <p:cNvPr id="126" name="Shape 126"/>
+        <p:cNvPr id="141" name="Shape 141"/>
         <p:cNvGrpSpPr/>
         <p:nvPr/>
       </p:nvGrpSpPr>
@@ -1349,7 +1349,7 @@
       </p:grpSpPr>
       <p:sp>
         <p:nvSpPr>
-          <p:cNvPr id="127" name="Google Shape;127;g30268aaaedc_0_59:notes"/>
+          <p:cNvPr id="142" name="Google Shape;142;g30268aaaedc_0_59:notes"/>
           <p:cNvSpPr/>
           <p:nvPr>
             <p:ph idx="2" type="sldImg"/>
@@ -1384,7 +1384,7 @@
       </p:sp>
       <p:sp>
         <p:nvSpPr>
-          <p:cNvPr id="128" name="Google Shape;128;g30268aaaedc_0_59:notes"/>
+          <p:cNvPr id="143" name="Google Shape;143;g30268aaaedc_0_59:notes"/>
           <p:cNvSpPr txBox="1"/>
           <p:nvPr>
             <p:ph idx="1" type="body"/>
@@ -1434,7 +1434,7 @@
   <p:cSld>
     <p:spTree>
       <p:nvGrpSpPr>
-        <p:cNvPr id="133" name="Shape 133"/>
+        <p:cNvPr id="148" name="Shape 148"/>
         <p:cNvGrpSpPr/>
         <p:nvPr/>
       </p:nvGrpSpPr>
@@ -1448,7 +1448,7 @@
       </p:grpSpPr>
       <p:sp>
         <p:nvSpPr>
-          <p:cNvPr id="134" name="Google Shape;134;g30268aaaedc_0_102:notes"/>
+          <p:cNvPr id="149" name="Google Shape;149;g30268aaaedc_0_102:notes"/>
           <p:cNvSpPr/>
           <p:nvPr>
             <p:ph idx="2" type="sldImg"/>
@@ -1483,7 +1483,7 @@
       </p:sp>
       <p:sp>
         <p:nvSpPr>
-          <p:cNvPr id="135" name="Google Shape;135;g30268aaaedc_0_102:notes"/>
+          <p:cNvPr id="150" name="Google Shape;150;g30268aaaedc_0_102:notes"/>
           <p:cNvSpPr txBox="1"/>
           <p:nvPr>
             <p:ph idx="1" type="body"/>
@@ -1533,7 +1533,7 @@
   <p:cSld>
     <p:spTree>
       <p:nvGrpSpPr>
-        <p:cNvPr id="141" name="Shape 141"/>
+        <p:cNvPr id="156" name="Shape 156"/>
         <p:cNvGrpSpPr/>
         <p:nvPr/>
       </p:nvGrpSpPr>
@@ -1547,7 +1547,7 @@
       </p:grpSpPr>
       <p:sp>
         <p:nvSpPr>
-          <p:cNvPr id="142" name="Google Shape;142;g30268aaaedc_0_112:notes"/>
+          <p:cNvPr id="157" name="Google Shape;157;g30268aaaedc_0_112:notes"/>
           <p:cNvSpPr/>
           <p:nvPr>
             <p:ph idx="2" type="sldImg"/>
@@ -1582,7 +1582,7 @@
       </p:sp>
       <p:sp>
         <p:nvSpPr>
-          <p:cNvPr id="143" name="Google Shape;143;g30268aaaedc_0_112:notes"/>
+          <p:cNvPr id="158" name="Google Shape;158;g30268aaaedc_0_112:notes"/>
           <p:cNvSpPr txBox="1"/>
           <p:nvPr>
             <p:ph idx="1" type="body"/>
@@ -1632,7 +1632,7 @@
   <p:cSld>
     <p:spTree>
       <p:nvGrpSpPr>
-        <p:cNvPr id="146" name="Shape 146"/>
+        <p:cNvPr id="161" name="Shape 161"/>
         <p:cNvGrpSpPr/>
         <p:nvPr/>
       </p:nvGrpSpPr>
@@ -1646,7 +1646,7 @@
       </p:grpSpPr>
       <p:sp>
         <p:nvSpPr>
-          <p:cNvPr id="147" name="Google Shape;147;g30268aaaedc_0_95:notes"/>
+          <p:cNvPr id="162" name="Google Shape;162;g30268aaaedc_0_95:notes"/>
           <p:cNvSpPr/>
           <p:nvPr>
             <p:ph idx="2" type="sldImg"/>
@@ -1681,7 +1681,7 @@
       </p:sp>
       <p:sp>
         <p:nvSpPr>
-          <p:cNvPr id="148" name="Google Shape;148;g30268aaaedc_0_95:notes"/>
+          <p:cNvPr id="163" name="Google Shape;163;g30268aaaedc_0_95:notes"/>
           <p:cNvSpPr txBox="1"/>
           <p:nvPr>
             <p:ph idx="1" type="body"/>
@@ -1731,7 +1731,7 @@
   <p:cSld>
     <p:spTree>
       <p:nvGrpSpPr>
-        <p:cNvPr id="153" name="Shape 153"/>
+        <p:cNvPr id="168" name="Shape 168"/>
         <p:cNvGrpSpPr/>
         <p:nvPr/>
       </p:nvGrpSpPr>
@@ -1745,7 +1745,7 @@
       </p:grpSpPr>
       <p:sp>
         <p:nvSpPr>
-          <p:cNvPr id="154" name="Google Shape;154;g30268aaaedc_0_119:notes"/>
+          <p:cNvPr id="169" name="Google Shape;169;g30268aaaedc_0_119:notes"/>
           <p:cNvSpPr/>
           <p:nvPr>
             <p:ph idx="2" type="sldImg"/>
@@ -1780,7 +1780,7 @@
       </p:sp>
       <p:sp>
         <p:nvSpPr>
-          <p:cNvPr id="155" name="Google Shape;155;g30268aaaedc_0_119:notes"/>
+          <p:cNvPr id="170" name="Google Shape;170;g30268aaaedc_0_119:notes"/>
           <p:cNvSpPr txBox="1"/>
           <p:nvPr>
             <p:ph idx="1" type="body"/>
@@ -1830,7 +1830,7 @@
   <p:cSld>
     <p:spTree>
       <p:nvGrpSpPr>
-        <p:cNvPr id="38" name="Shape 38"/>
+        <p:cNvPr id="53" name="Shape 53"/>
         <p:cNvGrpSpPr/>
         <p:nvPr/>
       </p:nvGrpSpPr>
@@ -1844,7 +1844,7 @@
       </p:grpSpPr>
       <p:sp>
         <p:nvSpPr>
-          <p:cNvPr id="39" name="Google Shape;39;g2fe02fb2832_0_6:notes"/>
+          <p:cNvPr id="54" name="Google Shape;54;g2fe02fb2832_0_6:notes"/>
           <p:cNvSpPr/>
           <p:nvPr>
             <p:ph idx="2" type="sldImg"/>
@@ -1879,7 +1879,7 @@
       </p:sp>
       <p:sp>
         <p:nvSpPr>
-          <p:cNvPr id="40" name="Google Shape;40;g2fe02fb2832_0_6:notes"/>
+          <p:cNvPr id="55" name="Google Shape;55;g2fe02fb2832_0_6:notes"/>
           <p:cNvSpPr txBox="1"/>
           <p:nvPr>
             <p:ph idx="1" type="body"/>
@@ -1929,7 +1929,7 @@
   <p:cSld>
     <p:spTree>
       <p:nvGrpSpPr>
-        <p:cNvPr id="160" name="Shape 160"/>
+        <p:cNvPr id="175" name="Shape 175"/>
         <p:cNvGrpSpPr/>
         <p:nvPr/>
       </p:nvGrpSpPr>
@@ -1943,7 +1943,7 @@
       </p:grpSpPr>
       <p:sp>
         <p:nvSpPr>
-          <p:cNvPr id="161" name="Google Shape;161;g30268aaaedc_0_125:notes"/>
+          <p:cNvPr id="176" name="Google Shape;176;g30268aaaedc_0_125:notes"/>
           <p:cNvSpPr/>
           <p:nvPr>
             <p:ph idx="2" type="sldImg"/>
@@ -1978,7 +1978,7 @@
       </p:sp>
       <p:sp>
         <p:nvSpPr>
-          <p:cNvPr id="162" name="Google Shape;162;g30268aaaedc_0_125:notes"/>
+          <p:cNvPr id="177" name="Google Shape;177;g30268aaaedc_0_125:notes"/>
           <p:cNvSpPr txBox="1"/>
           <p:nvPr>
             <p:ph idx="1" type="body"/>
@@ -2028,7 +2028,7 @@
   <p:cSld>
     <p:spTree>
       <p:nvGrpSpPr>
-        <p:cNvPr id="167" name="Shape 167"/>
+        <p:cNvPr id="182" name="Shape 182"/>
         <p:cNvGrpSpPr/>
         <p:nvPr/>
       </p:nvGrpSpPr>
@@ -2042,7 +2042,7 @@
       </p:grpSpPr>
       <p:sp>
         <p:nvSpPr>
-          <p:cNvPr id="168" name="Google Shape;168;g30268aaaedc_0_139:notes"/>
+          <p:cNvPr id="183" name="Google Shape;183;g30268aaaedc_0_139:notes"/>
           <p:cNvSpPr/>
           <p:nvPr>
             <p:ph idx="2" type="sldImg"/>
@@ -2077,7 +2077,7 @@
       </p:sp>
       <p:sp>
         <p:nvSpPr>
-          <p:cNvPr id="169" name="Google Shape;169;g30268aaaedc_0_139:notes"/>
+          <p:cNvPr id="184" name="Google Shape;184;g30268aaaedc_0_139:notes"/>
           <p:cNvSpPr txBox="1"/>
           <p:nvPr>
             <p:ph idx="1" type="body"/>
@@ -2127,7 +2127,7 @@
   <p:cSld>
     <p:spTree>
       <p:nvGrpSpPr>
-        <p:cNvPr id="172" name="Shape 172"/>
+        <p:cNvPr id="187" name="Shape 187"/>
         <p:cNvGrpSpPr/>
         <p:nvPr/>
       </p:nvGrpSpPr>
@@ -2141,7 +2141,7 @@
       </p:grpSpPr>
       <p:sp>
         <p:nvSpPr>
-          <p:cNvPr id="173" name="Google Shape;173;g30268aaaedc_0_8:notes"/>
+          <p:cNvPr id="188" name="Google Shape;188;g30268aaaedc_0_8:notes"/>
           <p:cNvSpPr/>
           <p:nvPr>
             <p:ph idx="2" type="sldImg"/>
@@ -2176,7 +2176,7 @@
       </p:sp>
       <p:sp>
         <p:nvSpPr>
-          <p:cNvPr id="174" name="Google Shape;174;g30268aaaedc_0_8:notes"/>
+          <p:cNvPr id="189" name="Google Shape;189;g30268aaaedc_0_8:notes"/>
           <p:cNvSpPr txBox="1"/>
           <p:nvPr>
             <p:ph idx="1" type="body"/>
@@ -2226,7 +2226,7 @@
   <p:cSld>
     <p:spTree>
       <p:nvGrpSpPr>
-        <p:cNvPr id="179" name="Shape 179"/>
+        <p:cNvPr id="194" name="Shape 194"/>
         <p:cNvGrpSpPr/>
         <p:nvPr/>
       </p:nvGrpSpPr>
@@ -2240,7 +2240,7 @@
       </p:grpSpPr>
       <p:sp>
         <p:nvSpPr>
-          <p:cNvPr id="180" name="Google Shape;180;g30268aaaedc_0_131:notes"/>
+          <p:cNvPr id="195" name="Google Shape;195;g30268aaaedc_0_131:notes"/>
           <p:cNvSpPr/>
           <p:nvPr>
             <p:ph idx="2" type="sldImg"/>
@@ -2275,7 +2275,7 @@
       </p:sp>
       <p:sp>
         <p:nvSpPr>
-          <p:cNvPr id="181" name="Google Shape;181;g30268aaaedc_0_131:notes"/>
+          <p:cNvPr id="196" name="Google Shape;196;g30268aaaedc_0_131:notes"/>
           <p:cNvSpPr txBox="1"/>
           <p:nvPr>
             <p:ph idx="1" type="body"/>
@@ -2325,7 +2325,7 @@
   <p:cSld>
     <p:spTree>
       <p:nvGrpSpPr>
-        <p:cNvPr id="186" name="Shape 186"/>
+        <p:cNvPr id="201" name="Shape 201"/>
         <p:cNvGrpSpPr/>
         <p:nvPr/>
       </p:nvGrpSpPr>
@@ -2339,7 +2339,7 @@
       </p:grpSpPr>
       <p:sp>
         <p:nvSpPr>
-          <p:cNvPr id="187" name="Google Shape;187;g302caffcd6e_0_26:notes"/>
+          <p:cNvPr id="202" name="Google Shape;202;g302caffcd6e_0_26:notes"/>
           <p:cNvSpPr/>
           <p:nvPr>
             <p:ph idx="2" type="sldImg"/>
@@ -2374,7 +2374,7 @@
       </p:sp>
       <p:sp>
         <p:nvSpPr>
-          <p:cNvPr id="188" name="Google Shape;188;g302caffcd6e_0_26:notes"/>
+          <p:cNvPr id="203" name="Google Shape;203;g302caffcd6e_0_26:notes"/>
           <p:cNvSpPr txBox="1"/>
           <p:nvPr>
             <p:ph idx="1" type="body"/>
@@ -2424,7 +2424,7 @@
   <p:cSld>
     <p:spTree>
       <p:nvGrpSpPr>
-        <p:cNvPr id="193" name="Shape 193"/>
+        <p:cNvPr id="208" name="Shape 208"/>
         <p:cNvGrpSpPr/>
         <p:nvPr/>
       </p:nvGrpSpPr>
@@ -2438,7 +2438,7 @@
       </p:grpSpPr>
       <p:sp>
         <p:nvSpPr>
-          <p:cNvPr id="194" name="Google Shape;194;g30f161cc959_0_0:notes"/>
+          <p:cNvPr id="209" name="Google Shape;209;g30f161cc959_0_0:notes"/>
           <p:cNvSpPr/>
           <p:nvPr>
             <p:ph idx="2" type="sldImg"/>
@@ -2473,7 +2473,7 @@
       </p:sp>
       <p:sp>
         <p:nvSpPr>
-          <p:cNvPr id="195" name="Google Shape;195;g30f161cc959_0_0:notes"/>
+          <p:cNvPr id="210" name="Google Shape;210;g30f161cc959_0_0:notes"/>
           <p:cNvSpPr txBox="1"/>
           <p:nvPr>
             <p:ph idx="1" type="body"/>
@@ -2523,7 +2523,7 @@
   <p:cSld>
     <p:spTree>
       <p:nvGrpSpPr>
-        <p:cNvPr id="200" name="Shape 200"/>
+        <p:cNvPr id="215" name="Shape 215"/>
         <p:cNvGrpSpPr/>
         <p:nvPr/>
       </p:nvGrpSpPr>
@@ -2537,7 +2537,7 @@
       </p:grpSpPr>
       <p:sp>
         <p:nvSpPr>
-          <p:cNvPr id="201" name="Google Shape;201;g302d3105e37_0_1:notes"/>
+          <p:cNvPr id="216" name="Google Shape;216;g302d3105e37_0_1:notes"/>
           <p:cNvSpPr/>
           <p:nvPr>
             <p:ph idx="2" type="sldImg"/>
@@ -2572,7 +2572,7 @@
       </p:sp>
       <p:sp>
         <p:nvSpPr>
-          <p:cNvPr id="202" name="Google Shape;202;g302d3105e37_0_1:notes"/>
+          <p:cNvPr id="217" name="Google Shape;217;g302d3105e37_0_1:notes"/>
           <p:cNvSpPr txBox="1"/>
           <p:nvPr>
             <p:ph idx="1" type="body"/>
@@ -2622,7 +2622,7 @@
   <p:cSld>
     <p:spTree>
       <p:nvGrpSpPr>
-        <p:cNvPr id="205" name="Shape 205"/>
+        <p:cNvPr id="220" name="Shape 220"/>
         <p:cNvGrpSpPr/>
         <p:nvPr/>
       </p:nvGrpSpPr>
@@ -2636,7 +2636,7 @@
       </p:grpSpPr>
       <p:sp>
         <p:nvSpPr>
-          <p:cNvPr id="206" name="Google Shape;206;g302caffcd6e_0_0:notes"/>
+          <p:cNvPr id="221" name="Google Shape;221;g302caffcd6e_0_0:notes"/>
           <p:cNvSpPr/>
           <p:nvPr>
             <p:ph idx="2" type="sldImg"/>
@@ -2671,7 +2671,7 @@
       </p:sp>
       <p:sp>
         <p:nvSpPr>
-          <p:cNvPr id="207" name="Google Shape;207;g302caffcd6e_0_0:notes"/>
+          <p:cNvPr id="222" name="Google Shape;222;g302caffcd6e_0_0:notes"/>
           <p:cNvSpPr txBox="1"/>
           <p:nvPr>
             <p:ph idx="1" type="body"/>
@@ -2721,7 +2721,7 @@
   <p:cSld>
     <p:spTree>
       <p:nvGrpSpPr>
-        <p:cNvPr id="212" name="Shape 212"/>
+        <p:cNvPr id="227" name="Shape 227"/>
         <p:cNvGrpSpPr/>
         <p:nvPr/>
       </p:nvGrpSpPr>
@@ -2735,7 +2735,7 @@
       </p:grpSpPr>
       <p:sp>
         <p:nvSpPr>
-          <p:cNvPr id="213" name="Google Shape;213;g30304b9c80a_1_0:notes"/>
+          <p:cNvPr id="228" name="Google Shape;228;g30304b9c80a_1_0:notes"/>
           <p:cNvSpPr/>
           <p:nvPr>
             <p:ph idx="2" type="sldImg"/>
@@ -2770,7 +2770,7 @@
       </p:sp>
       <p:sp>
         <p:nvSpPr>
-          <p:cNvPr id="214" name="Google Shape;214;g30304b9c80a_1_0:notes"/>
+          <p:cNvPr id="229" name="Google Shape;229;g30304b9c80a_1_0:notes"/>
           <p:cNvSpPr txBox="1"/>
           <p:nvPr>
             <p:ph idx="1" type="body"/>
@@ -2820,7 +2820,7 @@
   <p:cSld>
     <p:spTree>
       <p:nvGrpSpPr>
-        <p:cNvPr id="219" name="Shape 219"/>
+        <p:cNvPr id="234" name="Shape 234"/>
         <p:cNvGrpSpPr/>
         <p:nvPr/>
       </p:nvGrpSpPr>
@@ -2834,7 +2834,7 @@
       </p:grpSpPr>
       <p:sp>
         <p:nvSpPr>
-          <p:cNvPr id="220" name="Google Shape;220;g302caffcd6e_0_6:notes"/>
+          <p:cNvPr id="235" name="Google Shape;235;g302caffcd6e_0_6:notes"/>
           <p:cNvSpPr/>
           <p:nvPr>
             <p:ph idx="2" type="sldImg"/>
@@ -2869,7 +2869,7 @@
       </p:sp>
       <p:sp>
         <p:nvSpPr>
-          <p:cNvPr id="221" name="Google Shape;221;g302caffcd6e_0_6:notes"/>
+          <p:cNvPr id="236" name="Google Shape;236;g302caffcd6e_0_6:notes"/>
           <p:cNvSpPr txBox="1"/>
           <p:nvPr>
             <p:ph idx="1" type="body"/>
@@ -2919,7 +2919,7 @@
   <p:cSld>
     <p:spTree>
       <p:nvGrpSpPr>
-        <p:cNvPr id="46" name="Shape 46"/>
+        <p:cNvPr id="61" name="Shape 61"/>
         <p:cNvGrpSpPr/>
         <p:nvPr/>
       </p:nvGrpSpPr>
@@ -2933,7 +2933,7 @@
       </p:grpSpPr>
       <p:sp>
         <p:nvSpPr>
-          <p:cNvPr id="47" name="Google Shape;47;g30268aaaedc_0_1:notes"/>
+          <p:cNvPr id="62" name="Google Shape;62;g30268aaaedc_0_1:notes"/>
           <p:cNvSpPr/>
           <p:nvPr>
             <p:ph idx="2" type="sldImg"/>
@@ -2968,7 +2968,7 @@
       </p:sp>
       <p:sp>
         <p:nvSpPr>
-          <p:cNvPr id="48" name="Google Shape;48;g30268aaaedc_0_1:notes"/>
+          <p:cNvPr id="63" name="Google Shape;63;g30268aaaedc_0_1:notes"/>
           <p:cNvSpPr txBox="1"/>
           <p:nvPr>
             <p:ph idx="1" type="body"/>
@@ -3018,7 +3018,7 @@
   <p:cSld>
     <p:spTree>
       <p:nvGrpSpPr>
-        <p:cNvPr id="226" name="Shape 226"/>
+        <p:cNvPr id="241" name="Shape 241"/>
         <p:cNvGrpSpPr/>
         <p:nvPr/>
       </p:nvGrpSpPr>
@@ -3032,7 +3032,7 @@
       </p:grpSpPr>
       <p:sp>
         <p:nvSpPr>
-          <p:cNvPr id="227" name="Google Shape;227;g313cc4519ca_0_0:notes"/>
+          <p:cNvPr id="242" name="Google Shape;242;g313cc4519ca_0_0:notes"/>
           <p:cNvSpPr/>
           <p:nvPr>
             <p:ph idx="2" type="sldImg"/>
@@ -3067,7 +3067,7 @@
       </p:sp>
       <p:sp>
         <p:nvSpPr>
-          <p:cNvPr id="228" name="Google Shape;228;g313cc4519ca_0_0:notes"/>
+          <p:cNvPr id="243" name="Google Shape;243;g313cc4519ca_0_0:notes"/>
           <p:cNvSpPr txBox="1"/>
           <p:nvPr>
             <p:ph idx="1" type="body"/>
@@ -3117,7 +3117,7 @@
   <p:cSld>
     <p:spTree>
       <p:nvGrpSpPr>
-        <p:cNvPr id="233" name="Shape 233"/>
+        <p:cNvPr id="248" name="Shape 248"/>
         <p:cNvGrpSpPr/>
         <p:nvPr/>
       </p:nvGrpSpPr>
@@ -3131,7 +3131,7 @@
       </p:grpSpPr>
       <p:sp>
         <p:nvSpPr>
-          <p:cNvPr id="234" name="Google Shape;234;g30304b9c80a_1_13:notes"/>
+          <p:cNvPr id="249" name="Google Shape;249;g30304b9c80a_1_13:notes"/>
           <p:cNvSpPr/>
           <p:nvPr>
             <p:ph idx="2" type="sldImg"/>
@@ -3166,7 +3166,7 @@
       </p:sp>
       <p:sp>
         <p:nvSpPr>
-          <p:cNvPr id="235" name="Google Shape;235;g30304b9c80a_1_13:notes"/>
+          <p:cNvPr id="250" name="Google Shape;250;g30304b9c80a_1_13:notes"/>
           <p:cNvSpPr txBox="1"/>
           <p:nvPr>
             <p:ph idx="1" type="body"/>
@@ -3216,7 +3216,7 @@
   <p:cSld>
     <p:spTree>
       <p:nvGrpSpPr>
-        <p:cNvPr id="238" name="Shape 238"/>
+        <p:cNvPr id="253" name="Shape 253"/>
         <p:cNvGrpSpPr/>
         <p:nvPr/>
       </p:nvGrpSpPr>
@@ -3230,7 +3230,7 @@
       </p:grpSpPr>
       <p:sp>
         <p:nvSpPr>
-          <p:cNvPr id="239" name="Google Shape;239;g30304b9c80a_1_17:notes"/>
+          <p:cNvPr id="254" name="Google Shape;254;g30304b9c80a_1_17:notes"/>
           <p:cNvSpPr/>
           <p:nvPr>
             <p:ph idx="2" type="sldImg"/>
@@ -3265,7 +3265,7 @@
       </p:sp>
       <p:sp>
         <p:nvSpPr>
-          <p:cNvPr id="240" name="Google Shape;240;g30304b9c80a_1_17:notes"/>
+          <p:cNvPr id="255" name="Google Shape;255;g30304b9c80a_1_17:notes"/>
           <p:cNvSpPr txBox="1"/>
           <p:nvPr>
             <p:ph idx="1" type="body"/>
@@ -3315,7 +3315,7 @@
   <p:cSld>
     <p:spTree>
       <p:nvGrpSpPr>
-        <p:cNvPr id="245" name="Shape 245"/>
+        <p:cNvPr id="260" name="Shape 260"/>
         <p:cNvGrpSpPr/>
         <p:nvPr/>
       </p:nvGrpSpPr>
@@ -3329,7 +3329,7 @@
       </p:grpSpPr>
       <p:sp>
         <p:nvSpPr>
-          <p:cNvPr id="246" name="Google Shape;246;g30304b9c80a_1_23:notes"/>
+          <p:cNvPr id="261" name="Google Shape;261;g30304b9c80a_1_23:notes"/>
           <p:cNvSpPr/>
           <p:nvPr>
             <p:ph idx="2" type="sldImg"/>
@@ -3364,7 +3364,7 @@
       </p:sp>
       <p:sp>
         <p:nvSpPr>
-          <p:cNvPr id="247" name="Google Shape;247;g30304b9c80a_1_23:notes"/>
+          <p:cNvPr id="262" name="Google Shape;262;g30304b9c80a_1_23:notes"/>
           <p:cNvSpPr txBox="1"/>
           <p:nvPr>
             <p:ph idx="1" type="body"/>
@@ -3414,7 +3414,7 @@
   <p:cSld>
     <p:spTree>
       <p:nvGrpSpPr>
-        <p:cNvPr id="252" name="Shape 252"/>
+        <p:cNvPr id="267" name="Shape 267"/>
         <p:cNvGrpSpPr/>
         <p:nvPr/>
       </p:nvGrpSpPr>
@@ -3428,7 +3428,7 @@
       </p:grpSpPr>
       <p:sp>
         <p:nvSpPr>
-          <p:cNvPr id="253" name="Google Shape;253;g30304b9c80a_1_29:notes"/>
+          <p:cNvPr id="268" name="Google Shape;268;g30304b9c80a_1_29:notes"/>
           <p:cNvSpPr/>
           <p:nvPr>
             <p:ph idx="2" type="sldImg"/>
@@ -3463,7 +3463,7 @@
       </p:sp>
       <p:sp>
         <p:nvSpPr>
-          <p:cNvPr id="254" name="Google Shape;254;g30304b9c80a_1_29:notes"/>
+          <p:cNvPr id="269" name="Google Shape;269;g30304b9c80a_1_29:notes"/>
           <p:cNvSpPr txBox="1"/>
           <p:nvPr>
             <p:ph idx="1" type="body"/>
@@ -3513,7 +3513,7 @@
   <p:cSld>
     <p:spTree>
       <p:nvGrpSpPr>
-        <p:cNvPr id="259" name="Shape 259"/>
+        <p:cNvPr id="274" name="Shape 274"/>
         <p:cNvGrpSpPr/>
         <p:nvPr/>
       </p:nvGrpSpPr>
@@ -3527,7 +3527,7 @@
       </p:grpSpPr>
       <p:sp>
         <p:nvSpPr>
-          <p:cNvPr id="260" name="Google Shape;260;g30304b9c80a_1_37:notes"/>
+          <p:cNvPr id="275" name="Google Shape;275;g30304b9c80a_1_37:notes"/>
           <p:cNvSpPr/>
           <p:nvPr>
             <p:ph idx="2" type="sldImg"/>
@@ -3562,7 +3562,7 @@
       </p:sp>
       <p:sp>
         <p:nvSpPr>
-          <p:cNvPr id="261" name="Google Shape;261;g30304b9c80a_1_37:notes"/>
+          <p:cNvPr id="276" name="Google Shape;276;g30304b9c80a_1_37:notes"/>
           <p:cNvSpPr txBox="1"/>
           <p:nvPr>
             <p:ph idx="1" type="body"/>
@@ -3612,7 +3612,7 @@
   <p:cSld>
     <p:spTree>
       <p:nvGrpSpPr>
-        <p:cNvPr id="266" name="Shape 266"/>
+        <p:cNvPr id="281" name="Shape 281"/>
         <p:cNvGrpSpPr/>
         <p:nvPr/>
       </p:nvGrpSpPr>
@@ -3626,7 +3626,7 @@
       </p:grpSpPr>
       <p:sp>
         <p:nvSpPr>
-          <p:cNvPr id="267" name="Google Shape;267;g30304b9c80a_1_43:notes"/>
+          <p:cNvPr id="282" name="Google Shape;282;g30304b9c80a_1_43:notes"/>
           <p:cNvSpPr/>
           <p:nvPr>
             <p:ph idx="2" type="sldImg"/>
@@ -3661,7 +3661,7 @@
       </p:sp>
       <p:sp>
         <p:nvSpPr>
-          <p:cNvPr id="268" name="Google Shape;268;g30304b9c80a_1_43:notes"/>
+          <p:cNvPr id="283" name="Google Shape;283;g30304b9c80a_1_43:notes"/>
           <p:cNvSpPr txBox="1"/>
           <p:nvPr>
             <p:ph idx="1" type="body"/>
@@ -3711,7 +3711,7 @@
   <p:cSld>
     <p:spTree>
       <p:nvGrpSpPr>
-        <p:cNvPr id="273" name="Shape 273"/>
+        <p:cNvPr id="288" name="Shape 288"/>
         <p:cNvGrpSpPr/>
         <p:nvPr/>
       </p:nvGrpSpPr>
@@ -3725,7 +3725,7 @@
       </p:grpSpPr>
       <p:sp>
         <p:nvSpPr>
-          <p:cNvPr id="274" name="Google Shape;274;g30304b9c80a_1_49:notes"/>
+          <p:cNvPr id="289" name="Google Shape;289;g30304b9c80a_1_49:notes"/>
           <p:cNvSpPr/>
           <p:nvPr>
             <p:ph idx="2" type="sldImg"/>
@@ -3760,7 +3760,7 @@
       </p:sp>
       <p:sp>
         <p:nvSpPr>
-          <p:cNvPr id="275" name="Google Shape;275;g30304b9c80a_1_49:notes"/>
+          <p:cNvPr id="290" name="Google Shape;290;g30304b9c80a_1_49:notes"/>
           <p:cNvSpPr txBox="1"/>
           <p:nvPr>
             <p:ph idx="1" type="body"/>
@@ -3810,7 +3810,7 @@
   <p:cSld>
     <p:spTree>
       <p:nvGrpSpPr>
-        <p:cNvPr id="280" name="Shape 280"/>
+        <p:cNvPr id="295" name="Shape 295"/>
         <p:cNvGrpSpPr/>
         <p:nvPr/>
       </p:nvGrpSpPr>
@@ -3824,7 +3824,7 @@
       </p:grpSpPr>
       <p:sp>
         <p:nvSpPr>
-          <p:cNvPr id="281" name="Google Shape;281;g30304b9c80a_1_55:notes"/>
+          <p:cNvPr id="296" name="Google Shape;296;g30304b9c80a_1_55:notes"/>
           <p:cNvSpPr/>
           <p:nvPr>
             <p:ph idx="2" type="sldImg"/>
@@ -3859,7 +3859,7 @@
       </p:sp>
       <p:sp>
         <p:nvSpPr>
-          <p:cNvPr id="282" name="Google Shape;282;g30304b9c80a_1_55:notes"/>
+          <p:cNvPr id="297" name="Google Shape;297;g30304b9c80a_1_55:notes"/>
           <p:cNvSpPr txBox="1"/>
           <p:nvPr>
             <p:ph idx="1" type="body"/>
@@ -3909,7 +3909,7 @@
   <p:cSld>
     <p:spTree>
       <p:nvGrpSpPr>
-        <p:cNvPr id="287" name="Shape 287"/>
+        <p:cNvPr id="302" name="Shape 302"/>
         <p:cNvGrpSpPr/>
         <p:nvPr/>
       </p:nvGrpSpPr>
@@ -3923,7 +3923,7 @@
       </p:grpSpPr>
       <p:sp>
         <p:nvSpPr>
-          <p:cNvPr id="288" name="Google Shape;288;g30304b9c80a_1_7:notes"/>
+          <p:cNvPr id="303" name="Google Shape;303;g30304b9c80a_1_7:notes"/>
           <p:cNvSpPr/>
           <p:nvPr>
             <p:ph idx="2" type="sldImg"/>
@@ -3958,7 +3958,7 @@
       </p:sp>
       <p:sp>
         <p:nvSpPr>
-          <p:cNvPr id="289" name="Google Shape;289;g30304b9c80a_1_7:notes"/>
+          <p:cNvPr id="304" name="Google Shape;304;g30304b9c80a_1_7:notes"/>
           <p:cNvSpPr txBox="1"/>
           <p:nvPr>
             <p:ph idx="1" type="body"/>
@@ -4008,7 +4008,7 @@
   <p:cSld>
     <p:spTree>
       <p:nvGrpSpPr>
-        <p:cNvPr id="51" name="Shape 51"/>
+        <p:cNvPr id="66" name="Shape 66"/>
         <p:cNvGrpSpPr/>
         <p:nvPr/>
       </p:nvGrpSpPr>
@@ -4022,7 +4022,7 @@
       </p:grpSpPr>
       <p:sp>
         <p:nvSpPr>
-          <p:cNvPr id="52" name="Google Shape;52;g30268aaaedc_0_15:notes"/>
+          <p:cNvPr id="67" name="Google Shape;67;g30268aaaedc_0_15:notes"/>
           <p:cNvSpPr/>
           <p:nvPr>
             <p:ph idx="2" type="sldImg"/>
@@ -4057,7 +4057,7 @@
       </p:sp>
       <p:sp>
         <p:nvSpPr>
-          <p:cNvPr id="53" name="Google Shape;53;g30268aaaedc_0_15:notes"/>
+          <p:cNvPr id="68" name="Google Shape;68;g30268aaaedc_0_15:notes"/>
           <p:cNvSpPr txBox="1"/>
           <p:nvPr>
             <p:ph idx="1" type="body"/>
@@ -4107,7 +4107,7 @@
   <p:cSld>
     <p:spTree>
       <p:nvGrpSpPr>
-        <p:cNvPr id="292" name="Shape 292"/>
+        <p:cNvPr id="307" name="Shape 307"/>
         <p:cNvGrpSpPr/>
         <p:nvPr/>
       </p:nvGrpSpPr>
@@ -4121,7 +4121,7 @@
       </p:grpSpPr>
       <p:sp>
         <p:nvSpPr>
-          <p:cNvPr id="293" name="Google Shape;293;g30304b9c80a_1_61:notes"/>
+          <p:cNvPr id="308" name="Google Shape;308;g30304b9c80a_1_61:notes"/>
           <p:cNvSpPr/>
           <p:nvPr>
             <p:ph idx="2" type="sldImg"/>
@@ -4156,7 +4156,7 @@
       </p:sp>
       <p:sp>
         <p:nvSpPr>
-          <p:cNvPr id="294" name="Google Shape;294;g30304b9c80a_1_61:notes"/>
+          <p:cNvPr id="309" name="Google Shape;309;g30304b9c80a_1_61:notes"/>
           <p:cNvSpPr txBox="1"/>
           <p:nvPr>
             <p:ph idx="1" type="body"/>
@@ -4206,7 +4206,7 @@
   <p:cSld>
     <p:spTree>
       <p:nvGrpSpPr>
-        <p:cNvPr id="299" name="Shape 299"/>
+        <p:cNvPr id="314" name="Shape 314"/>
         <p:cNvGrpSpPr/>
         <p:nvPr/>
       </p:nvGrpSpPr>
@@ -4220,7 +4220,7 @@
       </p:grpSpPr>
       <p:sp>
         <p:nvSpPr>
-          <p:cNvPr id="300" name="Google Shape;300;g30304b9c80a_1_73:notes"/>
+          <p:cNvPr id="315" name="Google Shape;315;g30304b9c80a_1_73:notes"/>
           <p:cNvSpPr/>
           <p:nvPr>
             <p:ph idx="2" type="sldImg"/>
@@ -4255,7 +4255,7 @@
       </p:sp>
       <p:sp>
         <p:nvSpPr>
-          <p:cNvPr id="301" name="Google Shape;301;g30304b9c80a_1_73:notes"/>
+          <p:cNvPr id="316" name="Google Shape;316;g30304b9c80a_1_73:notes"/>
           <p:cNvSpPr txBox="1"/>
           <p:nvPr>
             <p:ph idx="1" type="body"/>
@@ -4305,7 +4305,7 @@
   <p:cSld>
     <p:spTree>
       <p:nvGrpSpPr>
-        <p:cNvPr id="306" name="Shape 306"/>
+        <p:cNvPr id="321" name="Shape 321"/>
         <p:cNvGrpSpPr/>
         <p:nvPr/>
       </p:nvGrpSpPr>
@@ -4319,7 +4319,7 @@
       </p:grpSpPr>
       <p:sp>
         <p:nvSpPr>
-          <p:cNvPr id="307" name="Google Shape;307;g30304b9c80a_1_79:notes"/>
+          <p:cNvPr id="322" name="Google Shape;322;g30304b9c80a_1_79:notes"/>
           <p:cNvSpPr/>
           <p:nvPr>
             <p:ph idx="2" type="sldImg"/>
@@ -4354,7 +4354,7 @@
       </p:sp>
       <p:sp>
         <p:nvSpPr>
-          <p:cNvPr id="308" name="Google Shape;308;g30304b9c80a_1_79:notes"/>
+          <p:cNvPr id="323" name="Google Shape;323;g30304b9c80a_1_79:notes"/>
           <p:cNvSpPr txBox="1"/>
           <p:nvPr>
             <p:ph idx="1" type="body"/>
@@ -4404,7 +4404,7 @@
   <p:cSld>
     <p:spTree>
       <p:nvGrpSpPr>
-        <p:cNvPr id="313" name="Shape 313"/>
+        <p:cNvPr id="328" name="Shape 328"/>
         <p:cNvGrpSpPr/>
         <p:nvPr/>
       </p:nvGrpSpPr>
@@ -4418,7 +4418,7 @@
       </p:grpSpPr>
       <p:sp>
         <p:nvSpPr>
-          <p:cNvPr id="314" name="Google Shape;314;g30304b9c80a_1_85:notes"/>
+          <p:cNvPr id="329" name="Google Shape;329;g30304b9c80a_1_85:notes"/>
           <p:cNvSpPr/>
           <p:nvPr>
             <p:ph idx="2" type="sldImg"/>
@@ -4453,7 +4453,7 @@
       </p:sp>
       <p:sp>
         <p:nvSpPr>
-          <p:cNvPr id="315" name="Google Shape;315;g30304b9c80a_1_85:notes"/>
+          <p:cNvPr id="330" name="Google Shape;330;g30304b9c80a_1_85:notes"/>
           <p:cNvSpPr txBox="1"/>
           <p:nvPr>
             <p:ph idx="1" type="body"/>
@@ -4503,7 +4503,7 @@
   <p:cSld>
     <p:spTree>
       <p:nvGrpSpPr>
-        <p:cNvPr id="320" name="Shape 320"/>
+        <p:cNvPr id="335" name="Shape 335"/>
         <p:cNvGrpSpPr/>
         <p:nvPr/>
       </p:nvGrpSpPr>
@@ -4517,7 +4517,7 @@
       </p:grpSpPr>
       <p:sp>
         <p:nvSpPr>
-          <p:cNvPr id="321" name="Google Shape;321;g30304b9c80a_1_91:notes"/>
+          <p:cNvPr id="336" name="Google Shape;336;g30304b9c80a_1_91:notes"/>
           <p:cNvSpPr/>
           <p:nvPr>
             <p:ph idx="2" type="sldImg"/>
@@ -4552,7 +4552,7 @@
       </p:sp>
       <p:sp>
         <p:nvSpPr>
-          <p:cNvPr id="322" name="Google Shape;322;g30304b9c80a_1_91:notes"/>
+          <p:cNvPr id="337" name="Google Shape;337;g30304b9c80a_1_91:notes"/>
           <p:cNvSpPr txBox="1"/>
           <p:nvPr>
             <p:ph idx="1" type="body"/>
@@ -4602,7 +4602,7 @@
   <p:cSld>
     <p:spTree>
       <p:nvGrpSpPr>
-        <p:cNvPr id="327" name="Shape 327"/>
+        <p:cNvPr id="342" name="Shape 342"/>
         <p:cNvGrpSpPr/>
         <p:nvPr/>
       </p:nvGrpSpPr>
@@ -4616,7 +4616,7 @@
       </p:grpSpPr>
       <p:sp>
         <p:nvSpPr>
-          <p:cNvPr id="328" name="Google Shape;328;g30465d2178b_0_0:notes"/>
+          <p:cNvPr id="343" name="Google Shape;343;g30465d2178b_0_0:notes"/>
           <p:cNvSpPr/>
           <p:nvPr>
             <p:ph idx="2" type="sldImg"/>
@@ -4651,7 +4651,7 @@
       </p:sp>
       <p:sp>
         <p:nvSpPr>
-          <p:cNvPr id="329" name="Google Shape;329;g30465d2178b_0_0:notes"/>
+          <p:cNvPr id="344" name="Google Shape;344;g30465d2178b_0_0:notes"/>
           <p:cNvSpPr txBox="1"/>
           <p:nvPr>
             <p:ph idx="1" type="body"/>
@@ -4701,7 +4701,7 @@
   <p:cSld>
     <p:spTree>
       <p:nvGrpSpPr>
-        <p:cNvPr id="335" name="Shape 335"/>
+        <p:cNvPr id="350" name="Shape 350"/>
         <p:cNvGrpSpPr/>
         <p:nvPr/>
       </p:nvGrpSpPr>
@@ -4715,7 +4715,7 @@
       </p:grpSpPr>
       <p:sp>
         <p:nvSpPr>
-          <p:cNvPr id="336" name="Google Shape;336;g2d40b766212_1_1:notes"/>
+          <p:cNvPr id="351" name="Google Shape;351;g2d40b766212_1_1:notes"/>
           <p:cNvSpPr/>
           <p:nvPr>
             <p:ph idx="2" type="sldImg"/>
@@ -4750,7 +4750,7 @@
       </p:sp>
       <p:sp>
         <p:nvSpPr>
-          <p:cNvPr id="337" name="Google Shape;337;g2d40b766212_1_1:notes"/>
+          <p:cNvPr id="352" name="Google Shape;352;g2d40b766212_1_1:notes"/>
           <p:cNvSpPr txBox="1"/>
           <p:nvPr>
             <p:ph idx="1" type="body"/>
@@ -4800,7 +4800,7 @@
   <p:cSld>
     <p:spTree>
       <p:nvGrpSpPr>
-        <p:cNvPr id="342" name="Shape 342"/>
+        <p:cNvPr id="357" name="Shape 357"/>
         <p:cNvGrpSpPr/>
         <p:nvPr/>
       </p:nvGrpSpPr>
@@ -4814,7 +4814,7 @@
       </p:grpSpPr>
       <p:sp>
         <p:nvSpPr>
-          <p:cNvPr id="343" name="Google Shape;343;g30f161cc959_0_6:notes"/>
+          <p:cNvPr id="358" name="Google Shape;358;g30f161cc959_0_6:notes"/>
           <p:cNvSpPr/>
           <p:nvPr>
             <p:ph idx="2" type="sldImg"/>
@@ -4849,7 +4849,7 @@
       </p:sp>
       <p:sp>
         <p:nvSpPr>
-          <p:cNvPr id="344" name="Google Shape;344;g30f161cc959_0_6:notes"/>
+          <p:cNvPr id="359" name="Google Shape;359;g30f161cc959_0_6:notes"/>
           <p:cNvSpPr txBox="1"/>
           <p:nvPr>
             <p:ph idx="1" type="body"/>
@@ -4899,7 +4899,7 @@
   <p:cSld>
     <p:spTree>
       <p:nvGrpSpPr>
-        <p:cNvPr id="347" name="Shape 347"/>
+        <p:cNvPr id="362" name="Shape 362"/>
         <p:cNvGrpSpPr/>
         <p:nvPr/>
       </p:nvGrpSpPr>
@@ -4913,7 +4913,7 @@
       </p:grpSpPr>
       <p:sp>
         <p:nvSpPr>
-          <p:cNvPr id="348" name="Google Shape;348;g30f161cc959_0_12:notes"/>
+          <p:cNvPr id="363" name="Google Shape;363;g30f161cc959_0_12:notes"/>
           <p:cNvSpPr/>
           <p:nvPr>
             <p:ph idx="2" type="sldImg"/>
@@ -4948,7 +4948,7 @@
       </p:sp>
       <p:sp>
         <p:nvSpPr>
-          <p:cNvPr id="349" name="Google Shape;349;g30f161cc959_0_12:notes"/>
+          <p:cNvPr id="364" name="Google Shape;364;g30f161cc959_0_12:notes"/>
           <p:cNvSpPr txBox="1"/>
           <p:nvPr>
             <p:ph idx="1" type="body"/>
@@ -4998,7 +4998,7 @@
   <p:cSld>
     <p:spTree>
       <p:nvGrpSpPr>
-        <p:cNvPr id="354" name="Shape 354"/>
+        <p:cNvPr id="369" name="Shape 369"/>
         <p:cNvGrpSpPr/>
         <p:nvPr/>
       </p:nvGrpSpPr>
@@ -5012,7 +5012,7 @@
       </p:grpSpPr>
       <p:sp>
         <p:nvSpPr>
-          <p:cNvPr id="355" name="Google Shape;355;g30304b9c80a_1_67:notes"/>
+          <p:cNvPr id="370" name="Google Shape;370;g30304b9c80a_1_67:notes"/>
           <p:cNvSpPr/>
           <p:nvPr>
             <p:ph idx="2" type="sldImg"/>
@@ -5047,7 +5047,7 @@
       </p:sp>
       <p:sp>
         <p:nvSpPr>
-          <p:cNvPr id="356" name="Google Shape;356;g30304b9c80a_1_67:notes"/>
+          <p:cNvPr id="371" name="Google Shape;371;g30304b9c80a_1_67:notes"/>
           <p:cNvSpPr txBox="1"/>
           <p:nvPr>
             <p:ph idx="1" type="body"/>
@@ -5097,7 +5097,7 @@
   <p:cSld>
     <p:spTree>
       <p:nvGrpSpPr>
-        <p:cNvPr id="58" name="Shape 58"/>
+        <p:cNvPr id="73" name="Shape 73"/>
         <p:cNvGrpSpPr/>
         <p:nvPr/>
       </p:nvGrpSpPr>
@@ -5111,7 +5111,7 @@
       </p:grpSpPr>
       <p:sp>
         <p:nvSpPr>
-          <p:cNvPr id="59" name="Google Shape;59;g30268aaaedc_0_22:notes"/>
+          <p:cNvPr id="74" name="Google Shape;74;g30268aaaedc_0_22:notes"/>
           <p:cNvSpPr/>
           <p:nvPr>
             <p:ph idx="2" type="sldImg"/>
@@ -5146,7 +5146,7 @@
       </p:sp>
       <p:sp>
         <p:nvSpPr>
-          <p:cNvPr id="60" name="Google Shape;60;g30268aaaedc_0_22:notes"/>
+          <p:cNvPr id="75" name="Google Shape;75;g30268aaaedc_0_22:notes"/>
           <p:cNvSpPr txBox="1"/>
           <p:nvPr>
             <p:ph idx="1" type="body"/>
@@ -5196,7 +5196,7 @@
   <p:cSld>
     <p:spTree>
       <p:nvGrpSpPr>
-        <p:cNvPr id="361" name="Shape 361"/>
+        <p:cNvPr id="376" name="Shape 376"/>
         <p:cNvGrpSpPr/>
         <p:nvPr/>
       </p:nvGrpSpPr>
@@ -5210,7 +5210,7 @@
       </p:grpSpPr>
       <p:sp>
         <p:nvSpPr>
-          <p:cNvPr id="362" name="Google Shape;362;g239609b2c0c_0_42:notes"/>
+          <p:cNvPr id="377" name="Google Shape;377;g239609b2c0c_0_42:notes"/>
           <p:cNvSpPr/>
           <p:nvPr>
             <p:ph idx="2" type="sldImg"/>
@@ -5245,7 +5245,7 @@
       </p:sp>
       <p:sp>
         <p:nvSpPr>
-          <p:cNvPr id="363" name="Google Shape;363;g239609b2c0c_0_42:notes"/>
+          <p:cNvPr id="378" name="Google Shape;378;g239609b2c0c_0_42:notes"/>
           <p:cNvSpPr txBox="1"/>
           <p:nvPr>
             <p:ph idx="1" type="body"/>
@@ -5295,7 +5295,7 @@
   <p:cSld>
     <p:spTree>
       <p:nvGrpSpPr>
-        <p:cNvPr id="367" name="Shape 367"/>
+        <p:cNvPr id="382" name="Shape 382"/>
         <p:cNvGrpSpPr/>
         <p:nvPr/>
       </p:nvGrpSpPr>
@@ -5309,7 +5309,7 @@
       </p:grpSpPr>
       <p:sp>
         <p:nvSpPr>
-          <p:cNvPr id="368" name="Google Shape;368;g239609b2c0c_0_47:notes"/>
+          <p:cNvPr id="383" name="Google Shape;383;g239609b2c0c_0_47:notes"/>
           <p:cNvSpPr/>
           <p:nvPr>
             <p:ph idx="2" type="sldImg"/>
@@ -5344,7 +5344,7 @@
       </p:sp>
       <p:sp>
         <p:nvSpPr>
-          <p:cNvPr id="369" name="Google Shape;369;g239609b2c0c_0_47:notes"/>
+          <p:cNvPr id="384" name="Google Shape;384;g239609b2c0c_0_47:notes"/>
           <p:cNvSpPr txBox="1"/>
           <p:nvPr>
             <p:ph idx="1" type="body"/>
@@ -5394,7 +5394,7 @@
   <p:cSld>
     <p:spTree>
       <p:nvGrpSpPr>
-        <p:cNvPr id="65" name="Shape 65"/>
+        <p:cNvPr id="80" name="Shape 80"/>
         <p:cNvGrpSpPr/>
         <p:nvPr/>
       </p:nvGrpSpPr>
@@ -5408,7 +5408,7 @@
       </p:grpSpPr>
       <p:sp>
         <p:nvSpPr>
-          <p:cNvPr id="66" name="Google Shape;66;g30268aaaedc_0_29:notes"/>
+          <p:cNvPr id="81" name="Google Shape;81;g30268aaaedc_0_29:notes"/>
           <p:cNvSpPr/>
           <p:nvPr>
             <p:ph idx="2" type="sldImg"/>
@@ -5443,7 +5443,7 @@
       </p:sp>
       <p:sp>
         <p:nvSpPr>
-          <p:cNvPr id="67" name="Google Shape;67;g30268aaaedc_0_29:notes"/>
+          <p:cNvPr id="82" name="Google Shape;82;g30268aaaedc_0_29:notes"/>
           <p:cNvSpPr txBox="1"/>
           <p:nvPr>
             <p:ph idx="1" type="body"/>
@@ -5493,7 +5493,7 @@
   <p:cSld>
     <p:spTree>
       <p:nvGrpSpPr>
-        <p:cNvPr id="72" name="Shape 72"/>
+        <p:cNvPr id="87" name="Shape 87"/>
         <p:cNvGrpSpPr/>
         <p:nvPr/>
       </p:nvGrpSpPr>
@@ -5507,7 +5507,7 @@
       </p:grpSpPr>
       <p:sp>
         <p:nvSpPr>
-          <p:cNvPr id="73" name="Google Shape;73;g30268aaaedc_0_35:notes"/>
+          <p:cNvPr id="88" name="Google Shape;88;g30268aaaedc_0_35:notes"/>
           <p:cNvSpPr/>
           <p:nvPr>
             <p:ph idx="2" type="sldImg"/>
@@ -5542,7 +5542,7 @@
       </p:sp>
       <p:sp>
         <p:nvSpPr>
-          <p:cNvPr id="74" name="Google Shape;74;g30268aaaedc_0_35:notes"/>
+          <p:cNvPr id="89" name="Google Shape;89;g30268aaaedc_0_35:notes"/>
           <p:cNvSpPr txBox="1"/>
           <p:nvPr>
             <p:ph idx="1" type="body"/>
@@ -5592,7 +5592,7 @@
   <p:cSld>
     <p:spTree>
       <p:nvGrpSpPr>
-        <p:cNvPr id="79" name="Shape 79"/>
+        <p:cNvPr id="94" name="Shape 94"/>
         <p:cNvGrpSpPr/>
         <p:nvPr/>
       </p:nvGrpSpPr>
@@ -5606,7 +5606,7 @@
       </p:grpSpPr>
       <p:sp>
         <p:nvSpPr>
-          <p:cNvPr id="80" name="Google Shape;80;g30268aaaedc_0_41:notes"/>
+          <p:cNvPr id="95" name="Google Shape;95;g30268aaaedc_0_41:notes"/>
           <p:cNvSpPr/>
           <p:nvPr>
             <p:ph idx="2" type="sldImg"/>
@@ -5641,7 +5641,7 @@
       </p:sp>
       <p:sp>
         <p:nvSpPr>
-          <p:cNvPr id="81" name="Google Shape;81;g30268aaaedc_0_41:notes"/>
+          <p:cNvPr id="96" name="Google Shape;96;g30268aaaedc_0_41:notes"/>
           <p:cNvSpPr txBox="1"/>
           <p:nvPr>
             <p:ph idx="1" type="body"/>
@@ -5691,7 +5691,7 @@
   <p:cSld>
     <p:spTree>
       <p:nvGrpSpPr>
-        <p:cNvPr id="86" name="Shape 86"/>
+        <p:cNvPr id="101" name="Shape 101"/>
         <p:cNvGrpSpPr/>
         <p:nvPr/>
       </p:nvGrpSpPr>
@@ -5705,7 +5705,7 @@
       </p:grpSpPr>
       <p:sp>
         <p:nvSpPr>
-          <p:cNvPr id="87" name="Google Shape;87;g30268aaaedc_0_53:notes"/>
+          <p:cNvPr id="102" name="Google Shape;102;g30268aaaedc_0_53:notes"/>
           <p:cNvSpPr/>
           <p:nvPr>
             <p:ph idx="2" type="sldImg"/>
@@ -5740,7 +5740,7 @@
       </p:sp>
       <p:sp>
         <p:nvSpPr>
-          <p:cNvPr id="88" name="Google Shape;88;g30268aaaedc_0_53:notes"/>
+          <p:cNvPr id="103" name="Google Shape;103;g30268aaaedc_0_53:notes"/>
           <p:cNvSpPr txBox="1"/>
           <p:nvPr>
             <p:ph idx="1" type="body"/>
@@ -6087,49 +6087,150 @@
           <a:p/>
         </p:txBody>
       </p:sp>
-      <p:sp>
-        <p:nvSpPr>
+      <p:grpSp>
+        <p:nvGrpSpPr>
           <p:cNvPr id="12" name="Google Shape;12;p2"/>
-          <p:cNvSpPr/>
+          <p:cNvGrpSpPr/>
           <p:nvPr/>
-        </p:nvSpPr>
-        <p:spPr>
+        </p:nvGrpSpPr>
+        <p:grpSpPr>
           <a:xfrm>
             <a:off x="0" y="2388810"/>
             <a:ext cx="9144000" cy="183000"/>
+            <a:chOff x="0" y="2388810"/>
+            <a:chExt cx="9144000" cy="183000"/>
           </a:xfrm>
-          <a:prstGeom prst="rect">
-            <a:avLst/>
-          </a:prstGeom>
-          <a:solidFill>
-            <a:schemeClr val="accent4"/>
-          </a:solidFill>
-          <a:ln>
-            <a:noFill/>
-          </a:ln>
-        </p:spPr>
-        <p:txBody>
-          <a:bodyPr anchorCtr="0" anchor="ctr" bIns="91425" lIns="91425" spcFirstLastPara="1" rIns="91425" wrap="square" tIns="91425">
-            <a:noAutofit/>
-          </a:bodyPr>
-          <a:lstStyle/>
-          <a:p>
-            <a:pPr indent="0" lvl="0" marL="0" rtl="0" algn="l">
-              <a:spcBef>
-                <a:spcPts val="0"/>
-              </a:spcBef>
-              <a:spcAft>
-                <a:spcPts val="0"/>
-              </a:spcAft>
-              <a:buNone/>
-            </a:pPr>
-            <a:r>
-              <a:t/>
-            </a:r>
-            <a:endParaRPr/>
-          </a:p>
-        </p:txBody>
-      </p:sp>
+        </p:grpSpPr>
+        <p:sp>
+          <p:nvSpPr>
+            <p:cNvPr id="13" name="Google Shape;13;p2"/>
+            <p:cNvSpPr/>
+            <p:nvPr/>
+          </p:nvSpPr>
+          <p:spPr>
+            <a:xfrm>
+              <a:off x="0" y="2388810"/>
+              <a:ext cx="914400" cy="183000"/>
+            </a:xfrm>
+            <a:prstGeom prst="rect">
+              <a:avLst/>
+            </a:prstGeom>
+            <a:solidFill>
+              <a:schemeClr val="accent2"/>
+            </a:solidFill>
+            <a:ln>
+              <a:noFill/>
+            </a:ln>
+          </p:spPr>
+          <p:txBody>
+            <a:bodyPr anchorCtr="0" anchor="ctr" bIns="91425" lIns="91425" spcFirstLastPara="1" rIns="91425" wrap="square" tIns="91425">
+              <a:noAutofit/>
+            </a:bodyPr>
+            <a:lstStyle/>
+            <a:p>
+              <a:pPr indent="0" lvl="0" marL="0" rtl="0" algn="l">
+                <a:spcBef>
+                  <a:spcPts val="0"/>
+                </a:spcBef>
+                <a:spcAft>
+                  <a:spcPts val="0"/>
+                </a:spcAft>
+                <a:buNone/>
+              </a:pPr>
+              <a:r>
+                <a:t/>
+              </a:r>
+              <a:endParaRPr/>
+            </a:p>
+          </p:txBody>
+        </p:sp>
+        <p:sp>
+          <p:nvSpPr>
+            <p:cNvPr id="14" name="Google Shape;14;p2"/>
+            <p:cNvSpPr/>
+            <p:nvPr/>
+          </p:nvSpPr>
+          <p:spPr>
+            <a:xfrm>
+              <a:off x="914400" y="2388810"/>
+              <a:ext cx="1828800" cy="183000"/>
+            </a:xfrm>
+            <a:prstGeom prst="rect">
+              <a:avLst/>
+            </a:prstGeom>
+            <a:solidFill>
+              <a:schemeClr val="accent3"/>
+            </a:solidFill>
+            <a:ln>
+              <a:noFill/>
+            </a:ln>
+          </p:spPr>
+          <p:txBody>
+            <a:bodyPr anchorCtr="0" anchor="ctr" bIns="91425" lIns="91425" spcFirstLastPara="1" rIns="91425" wrap="square" tIns="91425">
+              <a:noAutofit/>
+            </a:bodyPr>
+            <a:lstStyle/>
+            <a:p>
+              <a:pPr indent="0" lvl="0" marL="0" rtl="0" algn="l">
+                <a:spcBef>
+                  <a:spcPts val="0"/>
+                </a:spcBef>
+                <a:spcAft>
+                  <a:spcPts val="0"/>
+                </a:spcAft>
+                <a:buNone/>
+              </a:pPr>
+              <a:r>
+                <a:t/>
+              </a:r>
+              <a:endParaRPr/>
+            </a:p>
+          </p:txBody>
+        </p:sp>
+        <p:sp>
+          <p:nvSpPr>
+            <p:cNvPr id="15" name="Google Shape;15;p2"/>
+            <p:cNvSpPr/>
+            <p:nvPr/>
+          </p:nvSpPr>
+          <p:spPr>
+            <a:xfrm>
+              <a:off x="2743200" y="2388810"/>
+              <a:ext cx="6400800" cy="183000"/>
+            </a:xfrm>
+            <a:prstGeom prst="rect">
+              <a:avLst/>
+            </a:prstGeom>
+            <a:solidFill>
+              <a:schemeClr val="accent4"/>
+            </a:solidFill>
+            <a:ln>
+              <a:noFill/>
+            </a:ln>
+          </p:spPr>
+          <p:txBody>
+            <a:bodyPr anchorCtr="0" anchor="ctr" bIns="91425" lIns="91425" spcFirstLastPara="1" rIns="91425" wrap="square" tIns="91425">
+              <a:noAutofit/>
+            </a:bodyPr>
+            <a:lstStyle/>
+            <a:p>
+              <a:pPr indent="0" lvl="0" marL="0" rtl="0" algn="l">
+                <a:spcBef>
+                  <a:spcPts val="0"/>
+                </a:spcBef>
+                <a:spcAft>
+                  <a:spcPts val="0"/>
+                </a:spcAft>
+                <a:buNone/>
+              </a:pPr>
+              <a:r>
+                <a:t/>
+              </a:r>
+              <a:endParaRPr/>
+            </a:p>
+          </p:txBody>
+        </p:sp>
+      </p:grpSp>
     </p:spTree>
   </p:cSld>
   <p:clrMapOvr>
@@ -6143,7 +6244,7 @@
   <p:cSld name="SECTION_HEADER">
     <p:spTree>
       <p:nvGrpSpPr>
-        <p:cNvPr id="13" name="Shape 13"/>
+        <p:cNvPr id="16" name="Shape 16"/>
         <p:cNvGrpSpPr/>
         <p:nvPr/>
       </p:nvGrpSpPr>
@@ -6157,7 +6258,7 @@
       </p:grpSpPr>
       <p:sp>
         <p:nvSpPr>
-          <p:cNvPr id="14" name="Google Shape;14;p3"/>
+          <p:cNvPr id="17" name="Google Shape;17;p3"/>
           <p:cNvSpPr txBox="1"/>
           <p:nvPr>
             <p:ph type="title"/>
@@ -6280,49 +6381,150 @@
           <a:p/>
         </p:txBody>
       </p:sp>
-      <p:sp>
-        <p:nvSpPr>
-          <p:cNvPr id="15" name="Google Shape;15;p3"/>
-          <p:cNvSpPr/>
+      <p:grpSp>
+        <p:nvGrpSpPr>
+          <p:cNvPr id="18" name="Google Shape;18;p3"/>
+          <p:cNvGrpSpPr/>
           <p:nvPr/>
-        </p:nvSpPr>
-        <p:spPr>
+        </p:nvGrpSpPr>
+        <p:grpSpPr>
           <a:xfrm>
-            <a:off x="0" y="2386584"/>
+            <a:off x="0" y="2432304"/>
             <a:ext cx="9144000" cy="91500"/>
+            <a:chOff x="0" y="2386584"/>
+            <a:chExt cx="9144000" cy="91500"/>
           </a:xfrm>
-          <a:prstGeom prst="rect">
-            <a:avLst/>
-          </a:prstGeom>
-          <a:solidFill>
-            <a:schemeClr val="accent4"/>
-          </a:solidFill>
-          <a:ln>
-            <a:noFill/>
-          </a:ln>
-        </p:spPr>
-        <p:txBody>
-          <a:bodyPr anchorCtr="0" anchor="ctr" bIns="91425" lIns="91425" spcFirstLastPara="1" rIns="91425" wrap="square" tIns="91425">
-            <a:noAutofit/>
-          </a:bodyPr>
-          <a:lstStyle/>
-          <a:p>
-            <a:pPr indent="0" lvl="0" marL="0" rtl="0" algn="l">
-              <a:spcBef>
-                <a:spcPts val="0"/>
-              </a:spcBef>
-              <a:spcAft>
-                <a:spcPts val="0"/>
-              </a:spcAft>
-              <a:buNone/>
-            </a:pPr>
-            <a:r>
-              <a:t/>
-            </a:r>
-            <a:endParaRPr/>
-          </a:p>
-        </p:txBody>
-      </p:sp>
+        </p:grpSpPr>
+        <p:sp>
+          <p:nvSpPr>
+            <p:cNvPr id="19" name="Google Shape;19;p3"/>
+            <p:cNvSpPr/>
+            <p:nvPr/>
+          </p:nvSpPr>
+          <p:spPr>
+            <a:xfrm>
+              <a:off x="0" y="2386584"/>
+              <a:ext cx="914400" cy="91500"/>
+            </a:xfrm>
+            <a:prstGeom prst="rect">
+              <a:avLst/>
+            </a:prstGeom>
+            <a:solidFill>
+              <a:schemeClr val="accent2"/>
+            </a:solidFill>
+            <a:ln>
+              <a:noFill/>
+            </a:ln>
+          </p:spPr>
+          <p:txBody>
+            <a:bodyPr anchorCtr="0" anchor="ctr" bIns="91425" lIns="91425" spcFirstLastPara="1" rIns="91425" wrap="square" tIns="91425">
+              <a:noAutofit/>
+            </a:bodyPr>
+            <a:lstStyle/>
+            <a:p>
+              <a:pPr indent="0" lvl="0" marL="0" rtl="0" algn="l">
+                <a:spcBef>
+                  <a:spcPts val="0"/>
+                </a:spcBef>
+                <a:spcAft>
+                  <a:spcPts val="0"/>
+                </a:spcAft>
+                <a:buNone/>
+              </a:pPr>
+              <a:r>
+                <a:t/>
+              </a:r>
+              <a:endParaRPr/>
+            </a:p>
+          </p:txBody>
+        </p:sp>
+        <p:sp>
+          <p:nvSpPr>
+            <p:cNvPr id="20" name="Google Shape;20;p3"/>
+            <p:cNvSpPr/>
+            <p:nvPr/>
+          </p:nvSpPr>
+          <p:spPr>
+            <a:xfrm>
+              <a:off x="914400" y="2386584"/>
+              <a:ext cx="1828800" cy="91500"/>
+            </a:xfrm>
+            <a:prstGeom prst="rect">
+              <a:avLst/>
+            </a:prstGeom>
+            <a:solidFill>
+              <a:schemeClr val="accent3"/>
+            </a:solidFill>
+            <a:ln>
+              <a:noFill/>
+            </a:ln>
+          </p:spPr>
+          <p:txBody>
+            <a:bodyPr anchorCtr="0" anchor="ctr" bIns="91425" lIns="91425" spcFirstLastPara="1" rIns="91425" wrap="square" tIns="91425">
+              <a:noAutofit/>
+            </a:bodyPr>
+            <a:lstStyle/>
+            <a:p>
+              <a:pPr indent="0" lvl="0" marL="0" rtl="0" algn="l">
+                <a:spcBef>
+                  <a:spcPts val="0"/>
+                </a:spcBef>
+                <a:spcAft>
+                  <a:spcPts val="0"/>
+                </a:spcAft>
+                <a:buNone/>
+              </a:pPr>
+              <a:r>
+                <a:t/>
+              </a:r>
+              <a:endParaRPr/>
+            </a:p>
+          </p:txBody>
+        </p:sp>
+        <p:sp>
+          <p:nvSpPr>
+            <p:cNvPr id="21" name="Google Shape;21;p3"/>
+            <p:cNvSpPr/>
+            <p:nvPr/>
+          </p:nvSpPr>
+          <p:spPr>
+            <a:xfrm>
+              <a:off x="2743200" y="2386584"/>
+              <a:ext cx="6400800" cy="91500"/>
+            </a:xfrm>
+            <a:prstGeom prst="rect">
+              <a:avLst/>
+            </a:prstGeom>
+            <a:solidFill>
+              <a:schemeClr val="accent4"/>
+            </a:solidFill>
+            <a:ln>
+              <a:noFill/>
+            </a:ln>
+          </p:spPr>
+          <p:txBody>
+            <a:bodyPr anchorCtr="0" anchor="ctr" bIns="91425" lIns="91425" spcFirstLastPara="1" rIns="91425" wrap="square" tIns="91425">
+              <a:noAutofit/>
+            </a:bodyPr>
+            <a:lstStyle/>
+            <a:p>
+              <a:pPr indent="0" lvl="0" marL="0" rtl="0" algn="l">
+                <a:spcBef>
+                  <a:spcPts val="0"/>
+                </a:spcBef>
+                <a:spcAft>
+                  <a:spcPts val="0"/>
+                </a:spcAft>
+                <a:buNone/>
+              </a:pPr>
+              <a:r>
+                <a:t/>
+              </a:r>
+              <a:endParaRPr/>
+            </a:p>
+          </p:txBody>
+        </p:sp>
+      </p:grpSp>
     </p:spTree>
   </p:cSld>
   <p:clrMapOvr>
@@ -6336,7 +6538,7 @@
   <p:cSld name="TITLE_AND_BODY">
     <p:spTree>
       <p:nvGrpSpPr>
-        <p:cNvPr id="16" name="Shape 16"/>
+        <p:cNvPr id="22" name="Shape 22"/>
         <p:cNvGrpSpPr/>
         <p:nvPr/>
       </p:nvGrpSpPr>
@@ -6350,7 +6552,7 @@
       </p:grpSpPr>
       <p:sp>
         <p:nvSpPr>
-          <p:cNvPr id="17" name="Google Shape;17;p4"/>
+          <p:cNvPr id="23" name="Google Shape;23;p4"/>
           <p:cNvSpPr txBox="1"/>
           <p:nvPr>
             <p:ph type="title"/>
@@ -6475,7 +6677,7 @@
       </p:sp>
       <p:sp>
         <p:nvSpPr>
-          <p:cNvPr id="18" name="Google Shape;18;p4"/>
+          <p:cNvPr id="24" name="Google Shape;24;p4"/>
           <p:cNvSpPr txBox="1"/>
           <p:nvPr>
             <p:ph idx="1" type="body"/>
@@ -6600,50 +6802,7 @@
       </p:sp>
       <p:sp>
         <p:nvSpPr>
-          <p:cNvPr id="19" name="Google Shape;19;p4"/>
-          <p:cNvSpPr/>
-          <p:nvPr/>
-        </p:nvSpPr>
-        <p:spPr>
-          <a:xfrm>
-            <a:off x="0" y="685800"/>
-            <a:ext cx="9144000" cy="91500"/>
-          </a:xfrm>
-          <a:prstGeom prst="rect">
-            <a:avLst/>
-          </a:prstGeom>
-          <a:solidFill>
-            <a:schemeClr val="accent4"/>
-          </a:solidFill>
-          <a:ln>
-            <a:noFill/>
-          </a:ln>
-        </p:spPr>
-        <p:txBody>
-          <a:bodyPr anchorCtr="0" anchor="ctr" bIns="91425" lIns="91425" spcFirstLastPara="1" rIns="91425" wrap="square" tIns="91425">
-            <a:noAutofit/>
-          </a:bodyPr>
-          <a:lstStyle/>
-          <a:p>
-            <a:pPr indent="0" lvl="0" marL="0" rtl="0" algn="l">
-              <a:spcBef>
-                <a:spcPts val="0"/>
-              </a:spcBef>
-              <a:spcAft>
-                <a:spcPts val="0"/>
-              </a:spcAft>
-              <a:buNone/>
-            </a:pPr>
-            <a:r>
-              <a:t/>
-            </a:r>
-            <a:endParaRPr/>
-          </a:p>
-        </p:txBody>
-      </p:sp>
-      <p:sp>
-        <p:nvSpPr>
-          <p:cNvPr id="20" name="Google Shape;20;p4"/>
+          <p:cNvPr id="25" name="Google Shape;25;p4"/>
           <p:cNvSpPr txBox="1"/>
           <p:nvPr>
             <p:ph idx="12" type="sldNum"/>
@@ -6651,8 +6810,8 @@
         </p:nvSpPr>
         <p:spPr>
           <a:xfrm>
-            <a:off x="7315209" y="4229101"/>
-            <a:ext cx="1828800" cy="914400"/>
+            <a:off x="7315202" y="4416550"/>
+            <a:ext cx="1828800" cy="731400"/>
           </a:xfrm>
           <a:prstGeom prst="rect">
             <a:avLst/>
@@ -6663,73 +6822,73 @@
             <a:noAutofit/>
           </a:bodyPr>
           <a:lstStyle>
-            <a:lvl1pPr lvl="0" rtl="0" algn="r">
-              <a:buNone/>
-              <a:defRPr b="1" sz="2400">
+            <a:lvl1pPr lvl="0" rtl="0">
+              <a:buNone/>
+              <a:defRPr>
                 <a:solidFill>
                   <a:schemeClr val="dk1"/>
                 </a:solidFill>
               </a:defRPr>
             </a:lvl1pPr>
-            <a:lvl2pPr lvl="1" rtl="0" algn="r">
-              <a:buNone/>
-              <a:defRPr b="1" sz="2400">
+            <a:lvl2pPr lvl="1" rtl="0">
+              <a:buNone/>
+              <a:defRPr>
                 <a:solidFill>
                   <a:schemeClr val="dk1"/>
                 </a:solidFill>
               </a:defRPr>
             </a:lvl2pPr>
-            <a:lvl3pPr lvl="2" rtl="0" algn="r">
-              <a:buNone/>
-              <a:defRPr b="1" sz="2400">
+            <a:lvl3pPr lvl="2" rtl="0">
+              <a:buNone/>
+              <a:defRPr>
                 <a:solidFill>
                   <a:schemeClr val="dk1"/>
                 </a:solidFill>
               </a:defRPr>
             </a:lvl3pPr>
-            <a:lvl4pPr lvl="3" rtl="0" algn="r">
-              <a:buNone/>
-              <a:defRPr b="1" sz="2400">
+            <a:lvl4pPr lvl="3" rtl="0">
+              <a:buNone/>
+              <a:defRPr>
                 <a:solidFill>
                   <a:schemeClr val="dk1"/>
                 </a:solidFill>
               </a:defRPr>
             </a:lvl4pPr>
-            <a:lvl5pPr lvl="4" rtl="0" algn="r">
-              <a:buNone/>
-              <a:defRPr b="1" sz="2400">
+            <a:lvl5pPr lvl="4" rtl="0">
+              <a:buNone/>
+              <a:defRPr>
                 <a:solidFill>
                   <a:schemeClr val="dk1"/>
                 </a:solidFill>
               </a:defRPr>
             </a:lvl5pPr>
-            <a:lvl6pPr lvl="5" rtl="0" algn="r">
-              <a:buNone/>
-              <a:defRPr b="1" sz="2400">
+            <a:lvl6pPr lvl="5" rtl="0">
+              <a:buNone/>
+              <a:defRPr>
                 <a:solidFill>
                   <a:schemeClr val="dk1"/>
                 </a:solidFill>
               </a:defRPr>
             </a:lvl6pPr>
-            <a:lvl7pPr lvl="6" rtl="0" algn="r">
-              <a:buNone/>
-              <a:defRPr b="1" sz="2400">
+            <a:lvl7pPr lvl="6" rtl="0">
+              <a:buNone/>
+              <a:defRPr>
                 <a:solidFill>
                   <a:schemeClr val="dk1"/>
                 </a:solidFill>
               </a:defRPr>
             </a:lvl7pPr>
-            <a:lvl8pPr lvl="7" rtl="0" algn="r">
-              <a:buNone/>
-              <a:defRPr b="1" sz="2400">
+            <a:lvl8pPr lvl="7" rtl="0">
+              <a:buNone/>
+              <a:defRPr>
                 <a:solidFill>
                   <a:schemeClr val="dk1"/>
                 </a:solidFill>
               </a:defRPr>
             </a:lvl8pPr>
-            <a:lvl9pPr lvl="8" rtl="0" algn="r">
-              <a:buNone/>
-              <a:defRPr b="1" sz="2400">
+            <a:lvl9pPr lvl="8" rtl="0">
+              <a:buNone/>
+              <a:defRPr>
                 <a:solidFill>
                   <a:schemeClr val="dk1"/>
                 </a:solidFill>
@@ -6760,26 +6919,177 @@
               <a:spcAft>
                 <a:spcPts val="0"/>
               </a:spcAft>
-              <a:buClr>
-                <a:schemeClr val="dk1"/>
-              </a:buClr>
-              <a:buSzPts val="1100"/>
-              <a:buFont typeface="Arial"/>
-              <a:buNone/>
-            </a:pPr>
-            <a:r>
-              <a:rPr b="0" lang="en" sz="1000" u="sng">
+              <a:buNone/>
+            </a:pPr>
+            <a:r>
+              <a:rPr b="0" lang="en" sz="900" u="sng">
                 <a:solidFill>
                   <a:schemeClr val="hlink"/>
                 </a:solidFill>
                 <a:hlinkClick r:id="rId2"/>
               </a:rPr>
-              <a:t>https://profriehle.com</a:t>
-            </a:r>
-            <a:endParaRPr b="0" sz="1000"/>
+              <a:t>https://oss.cs.fau.de</a:t>
+            </a:r>
+            <a:r>
+              <a:rPr b="0" lang="en" sz="900">
+                <a:solidFill>
+                  <a:schemeClr val="dk2"/>
+                </a:solidFill>
+              </a:rPr>
+              <a:t> </a:t>
+            </a:r>
+            <a:endParaRPr b="0" sz="900">
+              <a:solidFill>
+                <a:schemeClr val="dk2"/>
+              </a:solidFill>
+            </a:endParaRPr>
           </a:p>
         </p:txBody>
       </p:sp>
+      <p:grpSp>
+        <p:nvGrpSpPr>
+          <p:cNvPr id="26" name="Google Shape;26;p4"/>
+          <p:cNvGrpSpPr/>
+          <p:nvPr/>
+        </p:nvGrpSpPr>
+        <p:grpSpPr>
+          <a:xfrm>
+            <a:off x="0" y="685800"/>
+            <a:ext cx="9144000" cy="91500"/>
+            <a:chOff x="0" y="2386584"/>
+            <a:chExt cx="9144000" cy="91500"/>
+          </a:xfrm>
+        </p:grpSpPr>
+        <p:sp>
+          <p:nvSpPr>
+            <p:cNvPr id="27" name="Google Shape;27;p4"/>
+            <p:cNvSpPr/>
+            <p:nvPr/>
+          </p:nvSpPr>
+          <p:spPr>
+            <a:xfrm>
+              <a:off x="0" y="2386584"/>
+              <a:ext cx="914400" cy="91500"/>
+            </a:xfrm>
+            <a:prstGeom prst="rect">
+              <a:avLst/>
+            </a:prstGeom>
+            <a:solidFill>
+              <a:schemeClr val="accent2"/>
+            </a:solidFill>
+            <a:ln>
+              <a:noFill/>
+            </a:ln>
+          </p:spPr>
+          <p:txBody>
+            <a:bodyPr anchorCtr="0" anchor="ctr" bIns="91425" lIns="91425" spcFirstLastPara="1" rIns="91425" wrap="square" tIns="91425">
+              <a:noAutofit/>
+            </a:bodyPr>
+            <a:lstStyle/>
+            <a:p>
+              <a:pPr indent="0" lvl="0" marL="0" rtl="0" algn="l">
+                <a:spcBef>
+                  <a:spcPts val="0"/>
+                </a:spcBef>
+                <a:spcAft>
+                  <a:spcPts val="0"/>
+                </a:spcAft>
+                <a:buNone/>
+              </a:pPr>
+              <a:r>
+                <a:t/>
+              </a:r>
+              <a:endParaRPr/>
+            </a:p>
+          </p:txBody>
+        </p:sp>
+        <p:sp>
+          <p:nvSpPr>
+            <p:cNvPr id="28" name="Google Shape;28;p4"/>
+            <p:cNvSpPr/>
+            <p:nvPr/>
+          </p:nvSpPr>
+          <p:spPr>
+            <a:xfrm>
+              <a:off x="914400" y="2386584"/>
+              <a:ext cx="1828800" cy="91500"/>
+            </a:xfrm>
+            <a:prstGeom prst="rect">
+              <a:avLst/>
+            </a:prstGeom>
+            <a:solidFill>
+              <a:schemeClr val="accent3"/>
+            </a:solidFill>
+            <a:ln>
+              <a:noFill/>
+            </a:ln>
+          </p:spPr>
+          <p:txBody>
+            <a:bodyPr anchorCtr="0" anchor="ctr" bIns="91425" lIns="91425" spcFirstLastPara="1" rIns="91425" wrap="square" tIns="91425">
+              <a:noAutofit/>
+            </a:bodyPr>
+            <a:lstStyle/>
+            <a:p>
+              <a:pPr indent="0" lvl="0" marL="0" rtl="0" algn="l">
+                <a:spcBef>
+                  <a:spcPts val="0"/>
+                </a:spcBef>
+                <a:spcAft>
+                  <a:spcPts val="0"/>
+                </a:spcAft>
+                <a:buNone/>
+              </a:pPr>
+              <a:r>
+                <a:t/>
+              </a:r>
+              <a:endParaRPr/>
+            </a:p>
+          </p:txBody>
+        </p:sp>
+        <p:sp>
+          <p:nvSpPr>
+            <p:cNvPr id="29" name="Google Shape;29;p4"/>
+            <p:cNvSpPr/>
+            <p:nvPr/>
+          </p:nvSpPr>
+          <p:spPr>
+            <a:xfrm>
+              <a:off x="2743200" y="2386584"/>
+              <a:ext cx="6400800" cy="91500"/>
+            </a:xfrm>
+            <a:prstGeom prst="rect">
+              <a:avLst/>
+            </a:prstGeom>
+            <a:solidFill>
+              <a:schemeClr val="accent4"/>
+            </a:solidFill>
+            <a:ln>
+              <a:noFill/>
+            </a:ln>
+          </p:spPr>
+          <p:txBody>
+            <a:bodyPr anchorCtr="0" anchor="ctr" bIns="91425" lIns="91425" spcFirstLastPara="1" rIns="91425" wrap="square" tIns="91425">
+              <a:noAutofit/>
+            </a:bodyPr>
+            <a:lstStyle/>
+            <a:p>
+              <a:pPr indent="0" lvl="0" marL="0" rtl="0" algn="l">
+                <a:spcBef>
+                  <a:spcPts val="0"/>
+                </a:spcBef>
+                <a:spcAft>
+                  <a:spcPts val="0"/>
+                </a:spcAft>
+                <a:buNone/>
+              </a:pPr>
+              <a:r>
+                <a:t/>
+              </a:r>
+              <a:endParaRPr/>
+            </a:p>
+          </p:txBody>
+        </p:sp>
+      </p:grpSp>
     </p:spTree>
   </p:cSld>
   <p:clrMapOvr>
@@ -6793,7 +7103,7 @@
   <p:cSld name="TITLE_AND_TWO_COLUMNS">
     <p:spTree>
       <p:nvGrpSpPr>
-        <p:cNvPr id="21" name="Shape 21"/>
+        <p:cNvPr id="30" name="Shape 30"/>
         <p:cNvGrpSpPr/>
         <p:nvPr/>
       </p:nvGrpSpPr>
@@ -6807,7 +7117,7 @@
       </p:grpSpPr>
       <p:sp>
         <p:nvSpPr>
-          <p:cNvPr id="22" name="Google Shape;22;p5"/>
+          <p:cNvPr id="31" name="Google Shape;31;p5"/>
           <p:cNvSpPr txBox="1"/>
           <p:nvPr>
             <p:ph type="title"/>
@@ -6935,7 +7245,7 @@
       </p:sp>
       <p:sp>
         <p:nvSpPr>
-          <p:cNvPr id="23" name="Google Shape;23;p5"/>
+          <p:cNvPr id="32" name="Google Shape;32;p5"/>
           <p:cNvSpPr txBox="1"/>
           <p:nvPr>
             <p:ph idx="1" type="body"/>
@@ -7060,7 +7370,7 @@
       </p:sp>
       <p:sp>
         <p:nvSpPr>
-          <p:cNvPr id="24" name="Google Shape;24;p5"/>
+          <p:cNvPr id="33" name="Google Shape;33;p5"/>
           <p:cNvSpPr txBox="1"/>
           <p:nvPr>
             <p:ph idx="2" type="body"/>
@@ -7185,50 +7495,7 @@
       </p:sp>
       <p:sp>
         <p:nvSpPr>
-          <p:cNvPr id="25" name="Google Shape;25;p5"/>
-          <p:cNvSpPr/>
-          <p:nvPr/>
-        </p:nvSpPr>
-        <p:spPr>
-          <a:xfrm>
-            <a:off x="0" y="685800"/>
-            <a:ext cx="9144000" cy="91500"/>
-          </a:xfrm>
-          <a:prstGeom prst="rect">
-            <a:avLst/>
-          </a:prstGeom>
-          <a:solidFill>
-            <a:schemeClr val="accent4"/>
-          </a:solidFill>
-          <a:ln>
-            <a:noFill/>
-          </a:ln>
-        </p:spPr>
-        <p:txBody>
-          <a:bodyPr anchorCtr="0" anchor="ctr" bIns="91425" lIns="91425" spcFirstLastPara="1" rIns="91425" wrap="square" tIns="91425">
-            <a:noAutofit/>
-          </a:bodyPr>
-          <a:lstStyle/>
-          <a:p>
-            <a:pPr indent="0" lvl="0" marL="0" rtl="0" algn="l">
-              <a:spcBef>
-                <a:spcPts val="0"/>
-              </a:spcBef>
-              <a:spcAft>
-                <a:spcPts val="0"/>
-              </a:spcAft>
-              <a:buNone/>
-            </a:pPr>
-            <a:r>
-              <a:t/>
-            </a:r>
-            <a:endParaRPr/>
-          </a:p>
-        </p:txBody>
-      </p:sp>
-      <p:sp>
-        <p:nvSpPr>
-          <p:cNvPr id="26" name="Google Shape;26;p5"/>
+          <p:cNvPr id="34" name="Google Shape;34;p5"/>
           <p:cNvSpPr txBox="1"/>
           <p:nvPr>
             <p:ph idx="12" type="sldNum"/>
@@ -7236,8 +7503,8 @@
         </p:nvSpPr>
         <p:spPr>
           <a:xfrm>
-            <a:off x="7315209" y="4229101"/>
-            <a:ext cx="1828800" cy="914400"/>
+            <a:off x="7315202" y="4416550"/>
+            <a:ext cx="1828800" cy="731400"/>
           </a:xfrm>
           <a:prstGeom prst="rect">
             <a:avLst/>
@@ -7248,73 +7515,73 @@
             <a:noAutofit/>
           </a:bodyPr>
           <a:lstStyle>
-            <a:lvl1pPr lvl="0" rtl="0" algn="r">
-              <a:buNone/>
-              <a:defRPr b="1" sz="2400">
+            <a:lvl1pPr lvl="0">
+              <a:buNone/>
+              <a:defRPr>
                 <a:solidFill>
                   <a:schemeClr val="dk1"/>
                 </a:solidFill>
               </a:defRPr>
             </a:lvl1pPr>
-            <a:lvl2pPr lvl="1" rtl="0" algn="r">
-              <a:buNone/>
-              <a:defRPr b="1" sz="2400">
+            <a:lvl2pPr lvl="1">
+              <a:buNone/>
+              <a:defRPr>
                 <a:solidFill>
                   <a:schemeClr val="dk1"/>
                 </a:solidFill>
               </a:defRPr>
             </a:lvl2pPr>
-            <a:lvl3pPr lvl="2" rtl="0" algn="r">
-              <a:buNone/>
-              <a:defRPr b="1" sz="2400">
+            <a:lvl3pPr lvl="2">
+              <a:buNone/>
+              <a:defRPr>
                 <a:solidFill>
                   <a:schemeClr val="dk1"/>
                 </a:solidFill>
               </a:defRPr>
             </a:lvl3pPr>
-            <a:lvl4pPr lvl="3" rtl="0" algn="r">
-              <a:buNone/>
-              <a:defRPr b="1" sz="2400">
+            <a:lvl4pPr lvl="3">
+              <a:buNone/>
+              <a:defRPr>
                 <a:solidFill>
                   <a:schemeClr val="dk1"/>
                 </a:solidFill>
               </a:defRPr>
             </a:lvl4pPr>
-            <a:lvl5pPr lvl="4" rtl="0" algn="r">
-              <a:buNone/>
-              <a:defRPr b="1" sz="2400">
+            <a:lvl5pPr lvl="4">
+              <a:buNone/>
+              <a:defRPr>
                 <a:solidFill>
                   <a:schemeClr val="dk1"/>
                 </a:solidFill>
               </a:defRPr>
             </a:lvl5pPr>
-            <a:lvl6pPr lvl="5" rtl="0" algn="r">
-              <a:buNone/>
-              <a:defRPr b="1" sz="2400">
+            <a:lvl6pPr lvl="5">
+              <a:buNone/>
+              <a:defRPr>
                 <a:solidFill>
                   <a:schemeClr val="dk1"/>
                 </a:solidFill>
               </a:defRPr>
             </a:lvl6pPr>
-            <a:lvl7pPr lvl="6" rtl="0" algn="r">
-              <a:buNone/>
-              <a:defRPr b="1" sz="2400">
+            <a:lvl7pPr lvl="6">
+              <a:buNone/>
+              <a:defRPr>
                 <a:solidFill>
                   <a:schemeClr val="dk1"/>
                 </a:solidFill>
               </a:defRPr>
             </a:lvl7pPr>
-            <a:lvl8pPr lvl="7" rtl="0" algn="r">
-              <a:buNone/>
-              <a:defRPr b="1" sz="2400">
+            <a:lvl8pPr lvl="7">
+              <a:buNone/>
+              <a:defRPr>
                 <a:solidFill>
                   <a:schemeClr val="dk1"/>
                 </a:solidFill>
               </a:defRPr>
             </a:lvl8pPr>
-            <a:lvl9pPr lvl="8" rtl="0" algn="r">
-              <a:buNone/>
-              <a:defRPr b="1" sz="2400">
+            <a:lvl9pPr lvl="8">
+              <a:buNone/>
+              <a:defRPr>
                 <a:solidFill>
                   <a:schemeClr val="dk1"/>
                 </a:solidFill>
@@ -7353,18 +7620,166 @@
               <a:buNone/>
             </a:pPr>
             <a:r>
-              <a:rPr b="0" lang="en" sz="1000" u="sng">
+              <a:rPr b="0" lang="en" sz="900" u="sng">
                 <a:solidFill>
                   <a:schemeClr val="hlink"/>
                 </a:solidFill>
                 <a:hlinkClick r:id="rId2"/>
               </a:rPr>
-              <a:t>https://profriehle.com</a:t>
-            </a:r>
-            <a:endParaRPr b="0" sz="1000"/>
+              <a:t>https://oss.cs.fau.de</a:t>
+            </a:r>
+            <a:endParaRPr>
+              <a:solidFill>
+                <a:schemeClr val="dk2"/>
+              </a:solidFill>
+            </a:endParaRPr>
           </a:p>
         </p:txBody>
       </p:sp>
+      <p:grpSp>
+        <p:nvGrpSpPr>
+          <p:cNvPr id="35" name="Google Shape;35;p5"/>
+          <p:cNvGrpSpPr/>
+          <p:nvPr/>
+        </p:nvGrpSpPr>
+        <p:grpSpPr>
+          <a:xfrm>
+            <a:off x="0" y="685800"/>
+            <a:ext cx="9144000" cy="91500"/>
+            <a:chOff x="0" y="2386584"/>
+            <a:chExt cx="9144000" cy="91500"/>
+          </a:xfrm>
+        </p:grpSpPr>
+        <p:sp>
+          <p:nvSpPr>
+            <p:cNvPr id="36" name="Google Shape;36;p5"/>
+            <p:cNvSpPr/>
+            <p:nvPr/>
+          </p:nvSpPr>
+          <p:spPr>
+            <a:xfrm>
+              <a:off x="0" y="2386584"/>
+              <a:ext cx="914400" cy="91500"/>
+            </a:xfrm>
+            <a:prstGeom prst="rect">
+              <a:avLst/>
+            </a:prstGeom>
+            <a:solidFill>
+              <a:schemeClr val="accent2"/>
+            </a:solidFill>
+            <a:ln>
+              <a:noFill/>
+            </a:ln>
+          </p:spPr>
+          <p:txBody>
+            <a:bodyPr anchorCtr="0" anchor="ctr" bIns="91425" lIns="91425" spcFirstLastPara="1" rIns="91425" wrap="square" tIns="91425">
+              <a:noAutofit/>
+            </a:bodyPr>
+            <a:lstStyle/>
+            <a:p>
+              <a:pPr indent="0" lvl="0" marL="0" rtl="0" algn="l">
+                <a:spcBef>
+                  <a:spcPts val="0"/>
+                </a:spcBef>
+                <a:spcAft>
+                  <a:spcPts val="0"/>
+                </a:spcAft>
+                <a:buNone/>
+              </a:pPr>
+              <a:r>
+                <a:t/>
+              </a:r>
+              <a:endParaRPr/>
+            </a:p>
+          </p:txBody>
+        </p:sp>
+        <p:sp>
+          <p:nvSpPr>
+            <p:cNvPr id="37" name="Google Shape;37;p5"/>
+            <p:cNvSpPr/>
+            <p:nvPr/>
+          </p:nvSpPr>
+          <p:spPr>
+            <a:xfrm>
+              <a:off x="914400" y="2386584"/>
+              <a:ext cx="1828800" cy="91500"/>
+            </a:xfrm>
+            <a:prstGeom prst="rect">
+              <a:avLst/>
+            </a:prstGeom>
+            <a:solidFill>
+              <a:schemeClr val="accent3"/>
+            </a:solidFill>
+            <a:ln>
+              <a:noFill/>
+            </a:ln>
+          </p:spPr>
+          <p:txBody>
+            <a:bodyPr anchorCtr="0" anchor="ctr" bIns="91425" lIns="91425" spcFirstLastPara="1" rIns="91425" wrap="square" tIns="91425">
+              <a:noAutofit/>
+            </a:bodyPr>
+            <a:lstStyle/>
+            <a:p>
+              <a:pPr indent="0" lvl="0" marL="0" rtl="0" algn="l">
+                <a:spcBef>
+                  <a:spcPts val="0"/>
+                </a:spcBef>
+                <a:spcAft>
+                  <a:spcPts val="0"/>
+                </a:spcAft>
+                <a:buNone/>
+              </a:pPr>
+              <a:r>
+                <a:t/>
+              </a:r>
+              <a:endParaRPr/>
+            </a:p>
+          </p:txBody>
+        </p:sp>
+        <p:sp>
+          <p:nvSpPr>
+            <p:cNvPr id="38" name="Google Shape;38;p5"/>
+            <p:cNvSpPr/>
+            <p:nvPr/>
+          </p:nvSpPr>
+          <p:spPr>
+            <a:xfrm>
+              <a:off x="2743200" y="2386584"/>
+              <a:ext cx="6400800" cy="91500"/>
+            </a:xfrm>
+            <a:prstGeom prst="rect">
+              <a:avLst/>
+            </a:prstGeom>
+            <a:solidFill>
+              <a:schemeClr val="accent4"/>
+            </a:solidFill>
+            <a:ln>
+              <a:noFill/>
+            </a:ln>
+          </p:spPr>
+          <p:txBody>
+            <a:bodyPr anchorCtr="0" anchor="ctr" bIns="91425" lIns="91425" spcFirstLastPara="1" rIns="91425" wrap="square" tIns="91425">
+              <a:noAutofit/>
+            </a:bodyPr>
+            <a:lstStyle/>
+            <a:p>
+              <a:pPr indent="0" lvl="0" marL="0" rtl="0" algn="l">
+                <a:spcBef>
+                  <a:spcPts val="0"/>
+                </a:spcBef>
+                <a:spcAft>
+                  <a:spcPts val="0"/>
+                </a:spcAft>
+                <a:buNone/>
+              </a:pPr>
+              <a:r>
+                <a:t/>
+              </a:r>
+              <a:endParaRPr/>
+            </a:p>
+          </p:txBody>
+        </p:sp>
+      </p:grpSp>
     </p:spTree>
   </p:cSld>
   <p:clrMapOvr>
@@ -7378,7 +7793,7 @@
   <p:cSld name="TITLE_ONLY">
     <p:spTree>
       <p:nvGrpSpPr>
-        <p:cNvPr id="27" name="Shape 27"/>
+        <p:cNvPr id="39" name="Shape 39"/>
         <p:cNvGrpSpPr/>
         <p:nvPr/>
       </p:nvGrpSpPr>
@@ -7392,7 +7807,7 @@
       </p:grpSpPr>
       <p:sp>
         <p:nvSpPr>
-          <p:cNvPr id="28" name="Google Shape;28;p6"/>
+          <p:cNvPr id="40" name="Google Shape;40;p6"/>
           <p:cNvSpPr txBox="1"/>
           <p:nvPr>
             <p:ph type="title"/>
@@ -7517,50 +7932,7 @@
       </p:sp>
       <p:sp>
         <p:nvSpPr>
-          <p:cNvPr id="29" name="Google Shape;29;p6"/>
-          <p:cNvSpPr/>
-          <p:nvPr/>
-        </p:nvSpPr>
-        <p:spPr>
-          <a:xfrm>
-            <a:off x="0" y="685800"/>
-            <a:ext cx="9144000" cy="91500"/>
-          </a:xfrm>
-          <a:prstGeom prst="rect">
-            <a:avLst/>
-          </a:prstGeom>
-          <a:solidFill>
-            <a:schemeClr val="accent4"/>
-          </a:solidFill>
-          <a:ln>
-            <a:noFill/>
-          </a:ln>
-        </p:spPr>
-        <p:txBody>
-          <a:bodyPr anchorCtr="0" anchor="ctr" bIns="91425" lIns="91425" spcFirstLastPara="1" rIns="91425" wrap="square" tIns="91425">
-            <a:noAutofit/>
-          </a:bodyPr>
-          <a:lstStyle/>
-          <a:p>
-            <a:pPr indent="0" lvl="0" marL="0" rtl="0" algn="l">
-              <a:spcBef>
-                <a:spcPts val="0"/>
-              </a:spcBef>
-              <a:spcAft>
-                <a:spcPts val="0"/>
-              </a:spcAft>
-              <a:buNone/>
-            </a:pPr>
-            <a:r>
-              <a:t/>
-            </a:r>
-            <a:endParaRPr/>
-          </a:p>
-        </p:txBody>
-      </p:sp>
-      <p:sp>
-        <p:nvSpPr>
-          <p:cNvPr id="30" name="Google Shape;30;p6"/>
+          <p:cNvPr id="41" name="Google Shape;41;p6"/>
           <p:cNvSpPr txBox="1"/>
           <p:nvPr>
             <p:ph idx="12" type="sldNum"/>
@@ -7568,8 +7940,8 @@
         </p:nvSpPr>
         <p:spPr>
           <a:xfrm>
-            <a:off x="7315209" y="4229101"/>
-            <a:ext cx="1828800" cy="914400"/>
+            <a:off x="7315202" y="4416550"/>
+            <a:ext cx="1828800" cy="731400"/>
           </a:xfrm>
           <a:prstGeom prst="rect">
             <a:avLst/>
@@ -7580,73 +7952,73 @@
             <a:noAutofit/>
           </a:bodyPr>
           <a:lstStyle>
-            <a:lvl1pPr lvl="0" rtl="0" algn="r">
-              <a:buNone/>
-              <a:defRPr b="1" sz="2400">
+            <a:lvl1pPr lvl="0">
+              <a:buNone/>
+              <a:defRPr>
                 <a:solidFill>
                   <a:schemeClr val="dk1"/>
                 </a:solidFill>
               </a:defRPr>
             </a:lvl1pPr>
-            <a:lvl2pPr lvl="1" rtl="0" algn="r">
-              <a:buNone/>
-              <a:defRPr b="1" sz="2400">
+            <a:lvl2pPr lvl="1">
+              <a:buNone/>
+              <a:defRPr>
                 <a:solidFill>
                   <a:schemeClr val="dk1"/>
                 </a:solidFill>
               </a:defRPr>
             </a:lvl2pPr>
-            <a:lvl3pPr lvl="2" rtl="0" algn="r">
-              <a:buNone/>
-              <a:defRPr b="1" sz="2400">
+            <a:lvl3pPr lvl="2">
+              <a:buNone/>
+              <a:defRPr>
                 <a:solidFill>
                   <a:schemeClr val="dk1"/>
                 </a:solidFill>
               </a:defRPr>
             </a:lvl3pPr>
-            <a:lvl4pPr lvl="3" rtl="0" algn="r">
-              <a:buNone/>
-              <a:defRPr b="1" sz="2400">
+            <a:lvl4pPr lvl="3">
+              <a:buNone/>
+              <a:defRPr>
                 <a:solidFill>
                   <a:schemeClr val="dk1"/>
                 </a:solidFill>
               </a:defRPr>
             </a:lvl4pPr>
-            <a:lvl5pPr lvl="4" rtl="0" algn="r">
-              <a:buNone/>
-              <a:defRPr b="1" sz="2400">
+            <a:lvl5pPr lvl="4">
+              <a:buNone/>
+              <a:defRPr>
                 <a:solidFill>
                   <a:schemeClr val="dk1"/>
                 </a:solidFill>
               </a:defRPr>
             </a:lvl5pPr>
-            <a:lvl6pPr lvl="5" rtl="0" algn="r">
-              <a:buNone/>
-              <a:defRPr b="1" sz="2400">
+            <a:lvl6pPr lvl="5">
+              <a:buNone/>
+              <a:defRPr>
                 <a:solidFill>
                   <a:schemeClr val="dk1"/>
                 </a:solidFill>
               </a:defRPr>
             </a:lvl6pPr>
-            <a:lvl7pPr lvl="6" rtl="0" algn="r">
-              <a:buNone/>
-              <a:defRPr b="1" sz="2400">
+            <a:lvl7pPr lvl="6">
+              <a:buNone/>
+              <a:defRPr>
                 <a:solidFill>
                   <a:schemeClr val="dk1"/>
                 </a:solidFill>
               </a:defRPr>
             </a:lvl7pPr>
-            <a:lvl8pPr lvl="7" rtl="0" algn="r">
-              <a:buNone/>
-              <a:defRPr b="1" sz="2400">
+            <a:lvl8pPr lvl="7">
+              <a:buNone/>
+              <a:defRPr>
                 <a:solidFill>
                   <a:schemeClr val="dk1"/>
                 </a:solidFill>
               </a:defRPr>
             </a:lvl8pPr>
-            <a:lvl9pPr lvl="8" rtl="0" algn="r">
-              <a:buNone/>
-              <a:defRPr b="1" sz="2400">
+            <a:lvl9pPr lvl="8">
+              <a:buNone/>
+              <a:defRPr>
                 <a:solidFill>
                   <a:schemeClr val="dk1"/>
                 </a:solidFill>
@@ -7677,26 +8049,177 @@
               <a:spcAft>
                 <a:spcPts val="0"/>
               </a:spcAft>
-              <a:buClr>
-                <a:schemeClr val="dk1"/>
-              </a:buClr>
-              <a:buSzPts val="1100"/>
-              <a:buFont typeface="Arial"/>
-              <a:buNone/>
-            </a:pPr>
-            <a:r>
-              <a:rPr b="0" lang="en" sz="1000" u="sng">
+              <a:buNone/>
+            </a:pPr>
+            <a:r>
+              <a:rPr b="0" lang="en" sz="900" u="sng">
                 <a:solidFill>
                   <a:schemeClr val="hlink"/>
                 </a:solidFill>
                 <a:hlinkClick r:id="rId2"/>
               </a:rPr>
-              <a:t>https://profriehle.com</a:t>
-            </a:r>
-            <a:endParaRPr b="0" sz="1000"/>
+              <a:t>https://oss.cs.fau.de</a:t>
+            </a:r>
+            <a:r>
+              <a:rPr b="0" lang="en" sz="900">
+                <a:solidFill>
+                  <a:schemeClr val="dk2"/>
+                </a:solidFill>
+              </a:rPr>
+              <a:t> </a:t>
+            </a:r>
+            <a:endParaRPr>
+              <a:solidFill>
+                <a:schemeClr val="dk2"/>
+              </a:solidFill>
+            </a:endParaRPr>
           </a:p>
         </p:txBody>
       </p:sp>
+      <p:grpSp>
+        <p:nvGrpSpPr>
+          <p:cNvPr id="42" name="Google Shape;42;p6"/>
+          <p:cNvGrpSpPr/>
+          <p:nvPr/>
+        </p:nvGrpSpPr>
+        <p:grpSpPr>
+          <a:xfrm>
+            <a:off x="0" y="685800"/>
+            <a:ext cx="9144000" cy="91500"/>
+            <a:chOff x="0" y="2386584"/>
+            <a:chExt cx="9144000" cy="91500"/>
+          </a:xfrm>
+        </p:grpSpPr>
+        <p:sp>
+          <p:nvSpPr>
+            <p:cNvPr id="43" name="Google Shape;43;p6"/>
+            <p:cNvSpPr/>
+            <p:nvPr/>
+          </p:nvSpPr>
+          <p:spPr>
+            <a:xfrm>
+              <a:off x="0" y="2386584"/>
+              <a:ext cx="914400" cy="91500"/>
+            </a:xfrm>
+            <a:prstGeom prst="rect">
+              <a:avLst/>
+            </a:prstGeom>
+            <a:solidFill>
+              <a:schemeClr val="accent2"/>
+            </a:solidFill>
+            <a:ln>
+              <a:noFill/>
+            </a:ln>
+          </p:spPr>
+          <p:txBody>
+            <a:bodyPr anchorCtr="0" anchor="ctr" bIns="91425" lIns="91425" spcFirstLastPara="1" rIns="91425" wrap="square" tIns="91425">
+              <a:noAutofit/>
+            </a:bodyPr>
+            <a:lstStyle/>
+            <a:p>
+              <a:pPr indent="0" lvl="0" marL="0" rtl="0" algn="l">
+                <a:spcBef>
+                  <a:spcPts val="0"/>
+                </a:spcBef>
+                <a:spcAft>
+                  <a:spcPts val="0"/>
+                </a:spcAft>
+                <a:buNone/>
+              </a:pPr>
+              <a:r>
+                <a:t/>
+              </a:r>
+              <a:endParaRPr/>
+            </a:p>
+          </p:txBody>
+        </p:sp>
+        <p:sp>
+          <p:nvSpPr>
+            <p:cNvPr id="44" name="Google Shape;44;p6"/>
+            <p:cNvSpPr/>
+            <p:nvPr/>
+          </p:nvSpPr>
+          <p:spPr>
+            <a:xfrm>
+              <a:off x="914400" y="2386584"/>
+              <a:ext cx="1828800" cy="91500"/>
+            </a:xfrm>
+            <a:prstGeom prst="rect">
+              <a:avLst/>
+            </a:prstGeom>
+            <a:solidFill>
+              <a:schemeClr val="accent3"/>
+            </a:solidFill>
+            <a:ln>
+              <a:noFill/>
+            </a:ln>
+          </p:spPr>
+          <p:txBody>
+            <a:bodyPr anchorCtr="0" anchor="ctr" bIns="91425" lIns="91425" spcFirstLastPara="1" rIns="91425" wrap="square" tIns="91425">
+              <a:noAutofit/>
+            </a:bodyPr>
+            <a:lstStyle/>
+            <a:p>
+              <a:pPr indent="0" lvl="0" marL="0" rtl="0" algn="l">
+                <a:spcBef>
+                  <a:spcPts val="0"/>
+                </a:spcBef>
+                <a:spcAft>
+                  <a:spcPts val="0"/>
+                </a:spcAft>
+                <a:buNone/>
+              </a:pPr>
+              <a:r>
+                <a:t/>
+              </a:r>
+              <a:endParaRPr/>
+            </a:p>
+          </p:txBody>
+        </p:sp>
+        <p:sp>
+          <p:nvSpPr>
+            <p:cNvPr id="45" name="Google Shape;45;p6"/>
+            <p:cNvSpPr/>
+            <p:nvPr/>
+          </p:nvSpPr>
+          <p:spPr>
+            <a:xfrm>
+              <a:off x="2743200" y="2386584"/>
+              <a:ext cx="6400800" cy="91500"/>
+            </a:xfrm>
+            <a:prstGeom prst="rect">
+              <a:avLst/>
+            </a:prstGeom>
+            <a:solidFill>
+              <a:schemeClr val="accent4"/>
+            </a:solidFill>
+            <a:ln>
+              <a:noFill/>
+            </a:ln>
+          </p:spPr>
+          <p:txBody>
+            <a:bodyPr anchorCtr="0" anchor="ctr" bIns="91425" lIns="91425" spcFirstLastPara="1" rIns="91425" wrap="square" tIns="91425">
+              <a:noAutofit/>
+            </a:bodyPr>
+            <a:lstStyle/>
+            <a:p>
+              <a:pPr indent="0" lvl="0" marL="0" rtl="0" algn="l">
+                <a:spcBef>
+                  <a:spcPts val="0"/>
+                </a:spcBef>
+                <a:spcAft>
+                  <a:spcPts val="0"/>
+                </a:spcAft>
+                <a:buNone/>
+              </a:pPr>
+              <a:r>
+                <a:t/>
+              </a:r>
+              <a:endParaRPr/>
+            </a:p>
+          </p:txBody>
+        </p:sp>
+      </p:grpSp>
     </p:spTree>
   </p:cSld>
   <p:clrMapOvr>
@@ -7710,7 +8233,7 @@
   <p:cSld name="BLANK">
     <p:spTree>
       <p:nvGrpSpPr>
-        <p:cNvPr id="31" name="Shape 31"/>
+        <p:cNvPr id="46" name="Shape 46"/>
         <p:cNvGrpSpPr/>
         <p:nvPr/>
       </p:nvGrpSpPr>
@@ -8175,8 +8698,8 @@
         </p:nvSpPr>
         <p:spPr>
           <a:xfrm>
-            <a:off x="7315209" y="4229101"/>
-            <a:ext cx="1828800" cy="914400"/>
+            <a:off x="7315202" y="4416550"/>
+            <a:ext cx="1828800" cy="731400"/>
           </a:xfrm>
           <a:prstGeom prst="rect">
             <a:avLst/>
@@ -8195,7 +8718,7 @@
               <a:buNone/>
               <a:defRPr b="1" sz="2400">
                 <a:solidFill>
-                  <a:schemeClr val="dk1"/>
+                  <a:schemeClr val="dk2"/>
                 </a:solidFill>
               </a:defRPr>
             </a:lvl1pPr>
@@ -8203,7 +8726,7 @@
               <a:buNone/>
               <a:defRPr b="1" sz="2400">
                 <a:solidFill>
-                  <a:schemeClr val="dk1"/>
+                  <a:schemeClr val="dk2"/>
                 </a:solidFill>
               </a:defRPr>
             </a:lvl2pPr>
@@ -8211,7 +8734,7 @@
               <a:buNone/>
               <a:defRPr b="1" sz="2400">
                 <a:solidFill>
-                  <a:schemeClr val="dk1"/>
+                  <a:schemeClr val="dk2"/>
                 </a:solidFill>
               </a:defRPr>
             </a:lvl3pPr>
@@ -8219,7 +8742,7 @@
               <a:buNone/>
               <a:defRPr b="1" sz="2400">
                 <a:solidFill>
-                  <a:schemeClr val="dk1"/>
+                  <a:schemeClr val="dk2"/>
                 </a:solidFill>
               </a:defRPr>
             </a:lvl4pPr>
@@ -8227,7 +8750,7 @@
               <a:buNone/>
               <a:defRPr b="1" sz="2400">
                 <a:solidFill>
-                  <a:schemeClr val="dk1"/>
+                  <a:schemeClr val="dk2"/>
                 </a:solidFill>
               </a:defRPr>
             </a:lvl5pPr>
@@ -8235,7 +8758,7 @@
               <a:buNone/>
               <a:defRPr b="1" sz="2400">
                 <a:solidFill>
-                  <a:schemeClr val="dk1"/>
+                  <a:schemeClr val="dk2"/>
                 </a:solidFill>
               </a:defRPr>
             </a:lvl6pPr>
@@ -8243,7 +8766,7 @@
               <a:buNone/>
               <a:defRPr b="1" sz="2400">
                 <a:solidFill>
-                  <a:schemeClr val="dk1"/>
+                  <a:schemeClr val="dk2"/>
                 </a:solidFill>
               </a:defRPr>
             </a:lvl7pPr>
@@ -8251,7 +8774,7 @@
               <a:buNone/>
               <a:defRPr b="1" sz="2400">
                 <a:solidFill>
-                  <a:schemeClr val="dk1"/>
+                  <a:schemeClr val="dk2"/>
                 </a:solidFill>
               </a:defRPr>
             </a:lvl8pPr>
@@ -8259,7 +8782,7 @@
               <a:buNone/>
               <a:defRPr b="1" sz="2400">
                 <a:solidFill>
-                  <a:schemeClr val="dk1"/>
+                  <a:schemeClr val="dk2"/>
                 </a:solidFill>
               </a:defRPr>
             </a:lvl9pPr>
@@ -8291,19 +8814,19 @@
               <a:buNone/>
             </a:pPr>
             <a:r>
-              <a:rPr b="0" lang="en" sz="1000" u="sng">
+              <a:rPr b="0" lang="en" sz="900" u="sng">
                 <a:solidFill>
                   <a:schemeClr val="hlink"/>
                 </a:solidFill>
                 <a:hlinkClick r:id="rId1"/>
               </a:rPr>
-              <a:t>https://profriehle.com</a:t>
-            </a:r>
-            <a:r>
-              <a:rPr b="0" lang="en" sz="1000"/>
-              <a:t>  </a:t>
-            </a:r>
-            <a:endParaRPr b="0" sz="1000"/>
+              <a:t>https://oss.cs.fau.de</a:t>
+            </a:r>
+            <a:r>
+              <a:rPr b="0" lang="en" sz="900"/>
+              <a:t> </a:t>
+            </a:r>
+            <a:endParaRPr b="0" sz="900"/>
           </a:p>
         </p:txBody>
       </p:sp>
@@ -9016,7 +9539,7 @@
   <p:cSld>
     <p:spTree>
       <p:nvGrpSpPr>
-        <p:cNvPr id="35" name="Shape 35"/>
+        <p:cNvPr id="50" name="Shape 50"/>
         <p:cNvGrpSpPr/>
         <p:nvPr/>
       </p:nvGrpSpPr>
@@ -9030,7 +9553,7 @@
       </p:grpSpPr>
       <p:sp>
         <p:nvSpPr>
-          <p:cNvPr id="36" name="Google Shape;36;p8"/>
+          <p:cNvPr id="51" name="Google Shape;51;p8"/>
           <p:cNvSpPr txBox="1"/>
           <p:nvPr>
             <p:ph type="ctrTitle"/>
@@ -9070,7 +9593,7 @@
       </p:sp>
       <p:sp>
         <p:nvSpPr>
-          <p:cNvPr id="37" name="Google Shape;37;p8"/>
+          <p:cNvPr id="52" name="Google Shape;52;p8"/>
           <p:cNvSpPr txBox="1"/>
           <p:nvPr>
             <p:ph idx="1" type="subTitle"/>
@@ -9177,7 +9700,7 @@
   <p:cSld>
     <p:spTree>
       <p:nvGrpSpPr>
-        <p:cNvPr id="96" name="Shape 96"/>
+        <p:cNvPr id="111" name="Shape 111"/>
         <p:cNvGrpSpPr/>
         <p:nvPr/>
       </p:nvGrpSpPr>
@@ -9191,7 +9714,7 @@
       </p:grpSpPr>
       <p:sp>
         <p:nvSpPr>
-          <p:cNvPr id="97" name="Google Shape;97;p17"/>
+          <p:cNvPr id="112" name="Google Shape;112;p17"/>
           <p:cNvSpPr txBox="1"/>
           <p:nvPr>
             <p:ph type="title"/>
@@ -9231,7 +9754,7 @@
       </p:sp>
       <p:sp>
         <p:nvSpPr>
-          <p:cNvPr id="98" name="Google Shape;98;p17"/>
+          <p:cNvPr id="113" name="Google Shape;113;p17"/>
           <p:cNvSpPr txBox="1"/>
           <p:nvPr>
             <p:ph idx="12" type="sldNum"/>
@@ -9239,8 +9762,8 @@
         </p:nvSpPr>
         <p:spPr>
           <a:xfrm>
-            <a:off x="7315209" y="4229101"/>
-            <a:ext cx="1828800" cy="914400"/>
+            <a:off x="7315202" y="4416550"/>
+            <a:ext cx="1828800" cy="731400"/>
           </a:xfrm>
           <a:prstGeom prst="rect">
             <a:avLst/>
@@ -9275,29 +9798,36 @@
               <a:spcAft>
                 <a:spcPts val="0"/>
               </a:spcAft>
-              <a:buClr>
-                <a:schemeClr val="dk1"/>
-              </a:buClr>
-              <a:buSzPts val="1100"/>
-              <a:buFont typeface="Arial"/>
-              <a:buNone/>
-            </a:pPr>
-            <a:r>
-              <a:rPr b="0" lang="en" sz="1000" u="sng">
+              <a:buNone/>
+            </a:pPr>
+            <a:r>
+              <a:rPr b="0" lang="en" sz="900" u="sng">
                 <a:solidFill>
                   <a:schemeClr val="hlink"/>
                 </a:solidFill>
                 <a:hlinkClick r:id="rId3"/>
               </a:rPr>
-              <a:t>https://profriehle.com</a:t>
-            </a:r>
-            <a:endParaRPr b="0" sz="1000"/>
+              <a:t>https://oss.cs.fau.de</a:t>
+            </a:r>
+            <a:r>
+              <a:rPr b="0" lang="en" sz="900">
+                <a:solidFill>
+                  <a:schemeClr val="dk2"/>
+                </a:solidFill>
+              </a:rPr>
+              <a:t> </a:t>
+            </a:r>
+            <a:endParaRPr b="0" sz="900">
+              <a:solidFill>
+                <a:schemeClr val="dk2"/>
+              </a:solidFill>
+            </a:endParaRPr>
           </a:p>
         </p:txBody>
       </p:sp>
       <p:pic>
         <p:nvPicPr>
-          <p:cNvPr id="99" name="Google Shape;99;p17"/>
+          <p:cNvPr id="114" name="Google Shape;114;p17"/>
           <p:cNvPicPr preferRelativeResize="0"/>
           <p:nvPr/>
         </p:nvPicPr>
@@ -9312,7 +9842,7 @@
         <p:spPr>
           <a:xfrm>
             <a:off x="274320" y="914400"/>
-            <a:ext cx="8595360" cy="3493598"/>
+            <a:ext cx="8595360" cy="3502840"/>
           </a:xfrm>
           <a:prstGeom prst="rect">
             <a:avLst/>
@@ -9336,7 +9866,7 @@
   <p:cSld>
     <p:spTree>
       <p:nvGrpSpPr>
-        <p:cNvPr id="103" name="Shape 103"/>
+        <p:cNvPr id="118" name="Shape 118"/>
         <p:cNvGrpSpPr/>
         <p:nvPr/>
       </p:nvGrpSpPr>
@@ -9350,7 +9880,7 @@
       </p:grpSpPr>
       <p:sp>
         <p:nvSpPr>
-          <p:cNvPr id="104" name="Google Shape;104;p18"/>
+          <p:cNvPr id="119" name="Google Shape;119;p18"/>
           <p:cNvSpPr txBox="1"/>
           <p:nvPr>
             <p:ph type="title"/>
@@ -9401,7 +9931,7 @@
   <p:cSld>
     <p:spTree>
       <p:nvGrpSpPr>
-        <p:cNvPr id="108" name="Shape 108"/>
+        <p:cNvPr id="123" name="Shape 123"/>
         <p:cNvGrpSpPr/>
         <p:nvPr/>
       </p:nvGrpSpPr>
@@ -9415,7 +9945,7 @@
       </p:grpSpPr>
       <p:sp>
         <p:nvSpPr>
-          <p:cNvPr id="109" name="Google Shape;109;p19"/>
+          <p:cNvPr id="124" name="Google Shape;124;p19"/>
           <p:cNvSpPr txBox="1"/>
           <p:nvPr>
             <p:ph type="title"/>
@@ -9455,7 +9985,7 @@
       </p:sp>
       <p:sp>
         <p:nvSpPr>
-          <p:cNvPr id="110" name="Google Shape;110;p19"/>
+          <p:cNvPr id="125" name="Google Shape;125;p19"/>
           <p:cNvSpPr txBox="1"/>
           <p:nvPr>
             <p:ph idx="1" type="body"/>
@@ -9590,7 +10120,7 @@
       </p:sp>
       <p:sp>
         <p:nvSpPr>
-          <p:cNvPr id="111" name="Google Shape;111;p19"/>
+          <p:cNvPr id="126" name="Google Shape;126;p19"/>
           <p:cNvSpPr txBox="1"/>
           <p:nvPr>
             <p:ph idx="12" type="sldNum"/>
@@ -9598,8 +10128,8 @@
         </p:nvSpPr>
         <p:spPr>
           <a:xfrm>
-            <a:off x="7315209" y="4229101"/>
-            <a:ext cx="1828800" cy="914400"/>
+            <a:off x="7315202" y="4416550"/>
+            <a:ext cx="1828800" cy="731400"/>
           </a:xfrm>
           <a:prstGeom prst="rect">
             <a:avLst/>
@@ -9634,23 +10164,30 @@
               <a:spcAft>
                 <a:spcPts val="0"/>
               </a:spcAft>
-              <a:buClr>
-                <a:schemeClr val="dk1"/>
-              </a:buClr>
-              <a:buSzPts val="1100"/>
-              <a:buFont typeface="Arial"/>
-              <a:buNone/>
-            </a:pPr>
-            <a:r>
-              <a:rPr b="0" lang="en" sz="1000" u="sng">
+              <a:buNone/>
+            </a:pPr>
+            <a:r>
+              <a:rPr b="0" lang="en" sz="900" u="sng">
                 <a:solidFill>
                   <a:schemeClr val="hlink"/>
                 </a:solidFill>
                 <a:hlinkClick r:id="rId3"/>
               </a:rPr>
-              <a:t>https://profriehle.com</a:t>
-            </a:r>
-            <a:endParaRPr b="0" sz="1000"/>
+              <a:t>https://oss.cs.fau.de</a:t>
+            </a:r>
+            <a:r>
+              <a:rPr b="0" lang="en" sz="900">
+                <a:solidFill>
+                  <a:schemeClr val="dk2"/>
+                </a:solidFill>
+              </a:rPr>
+              <a:t> </a:t>
+            </a:r>
+            <a:endParaRPr b="0" sz="900">
+              <a:solidFill>
+                <a:schemeClr val="dk2"/>
+              </a:solidFill>
+            </a:endParaRPr>
           </a:p>
         </p:txBody>
       </p:sp>
@@ -9667,7 +10204,7 @@
   <p:cSld>
     <p:spTree>
       <p:nvGrpSpPr>
-        <p:cNvPr id="115" name="Shape 115"/>
+        <p:cNvPr id="130" name="Shape 130"/>
         <p:cNvGrpSpPr/>
         <p:nvPr/>
       </p:nvGrpSpPr>
@@ -9681,7 +10218,7 @@
       </p:grpSpPr>
       <p:sp>
         <p:nvSpPr>
-          <p:cNvPr id="116" name="Google Shape;116;p20"/>
+          <p:cNvPr id="131" name="Google Shape;131;p20"/>
           <p:cNvSpPr txBox="1"/>
           <p:nvPr>
             <p:ph type="title"/>
@@ -9721,7 +10258,7 @@
       </p:sp>
       <p:sp>
         <p:nvSpPr>
-          <p:cNvPr id="117" name="Google Shape;117;p20"/>
+          <p:cNvPr id="132" name="Google Shape;132;p20"/>
           <p:cNvSpPr txBox="1"/>
           <p:nvPr>
             <p:ph idx="1" type="body"/>
@@ -11133,7 +11670,7 @@
       </p:sp>
       <p:sp>
         <p:nvSpPr>
-          <p:cNvPr id="118" name="Google Shape;118;p20"/>
+          <p:cNvPr id="133" name="Google Shape;133;p20"/>
           <p:cNvSpPr txBox="1"/>
           <p:nvPr>
             <p:ph idx="12" type="sldNum"/>
@@ -11141,8 +11678,8 @@
         </p:nvSpPr>
         <p:spPr>
           <a:xfrm>
-            <a:off x="7315209" y="4229101"/>
-            <a:ext cx="1828800" cy="914400"/>
+            <a:off x="7315202" y="4416550"/>
+            <a:ext cx="1828800" cy="731400"/>
           </a:xfrm>
           <a:prstGeom prst="rect">
             <a:avLst/>
@@ -11177,23 +11714,30 @@
               <a:spcAft>
                 <a:spcPts val="0"/>
               </a:spcAft>
-              <a:buClr>
-                <a:schemeClr val="dk1"/>
-              </a:buClr>
-              <a:buSzPts val="1100"/>
-              <a:buFont typeface="Arial"/>
-              <a:buNone/>
-            </a:pPr>
-            <a:r>
-              <a:rPr b="0" lang="en" sz="1000" u="sng">
+              <a:buNone/>
+            </a:pPr>
+            <a:r>
+              <a:rPr b="0" lang="en" sz="900" u="sng">
                 <a:solidFill>
                   <a:schemeClr val="hlink"/>
                 </a:solidFill>
                 <a:hlinkClick r:id="rId3"/>
               </a:rPr>
-              <a:t>https://profriehle.com</a:t>
-            </a:r>
-            <a:endParaRPr b="0" sz="1000"/>
+              <a:t>https://oss.cs.fau.de</a:t>
+            </a:r>
+            <a:r>
+              <a:rPr b="0" lang="en" sz="900">
+                <a:solidFill>
+                  <a:schemeClr val="dk2"/>
+                </a:solidFill>
+              </a:rPr>
+              <a:t> </a:t>
+            </a:r>
+            <a:endParaRPr b="0" sz="900">
+              <a:solidFill>
+                <a:schemeClr val="dk2"/>
+              </a:solidFill>
+            </a:endParaRPr>
           </a:p>
         </p:txBody>
       </p:sp>
@@ -11210,7 +11754,7 @@
   <p:cSld>
     <p:spTree>
       <p:nvGrpSpPr>
-        <p:cNvPr id="122" name="Shape 122"/>
+        <p:cNvPr id="137" name="Shape 137"/>
         <p:cNvGrpSpPr/>
         <p:nvPr/>
       </p:nvGrpSpPr>
@@ -11224,7 +11768,7 @@
       </p:grpSpPr>
       <p:sp>
         <p:nvSpPr>
-          <p:cNvPr id="123" name="Google Shape;123;p21"/>
+          <p:cNvPr id="138" name="Google Shape;138;p21"/>
           <p:cNvSpPr txBox="1"/>
           <p:nvPr>
             <p:ph type="title"/>
@@ -11264,7 +11808,7 @@
       </p:sp>
       <p:sp>
         <p:nvSpPr>
-          <p:cNvPr id="124" name="Google Shape;124;p21"/>
+          <p:cNvPr id="139" name="Google Shape;139;p21"/>
           <p:cNvSpPr txBox="1"/>
           <p:nvPr>
             <p:ph idx="12" type="sldNum"/>
@@ -11272,8 +11816,8 @@
         </p:nvSpPr>
         <p:spPr>
           <a:xfrm>
-            <a:off x="7315209" y="4229101"/>
-            <a:ext cx="1828800" cy="914400"/>
+            <a:off x="7315202" y="4416550"/>
+            <a:ext cx="1828800" cy="731400"/>
           </a:xfrm>
           <a:prstGeom prst="rect">
             <a:avLst/>
@@ -11308,29 +11852,36 @@
               <a:spcAft>
                 <a:spcPts val="0"/>
               </a:spcAft>
-              <a:buClr>
-                <a:schemeClr val="dk1"/>
-              </a:buClr>
-              <a:buSzPts val="1100"/>
-              <a:buFont typeface="Arial"/>
-              <a:buNone/>
-            </a:pPr>
-            <a:r>
-              <a:rPr b="0" lang="en" sz="1000" u="sng">
+              <a:buNone/>
+            </a:pPr>
+            <a:r>
+              <a:rPr b="0" lang="en" sz="900" u="sng">
                 <a:solidFill>
                   <a:schemeClr val="hlink"/>
                 </a:solidFill>
                 <a:hlinkClick r:id="rId3"/>
               </a:rPr>
-              <a:t>https://profriehle.com</a:t>
-            </a:r>
-            <a:endParaRPr b="0" sz="1000"/>
+              <a:t>https://oss.cs.fau.de</a:t>
+            </a:r>
+            <a:r>
+              <a:rPr b="0" lang="en" sz="900">
+                <a:solidFill>
+                  <a:schemeClr val="dk2"/>
+                </a:solidFill>
+              </a:rPr>
+              <a:t> </a:t>
+            </a:r>
+            <a:endParaRPr b="0" sz="900">
+              <a:solidFill>
+                <a:schemeClr val="dk2"/>
+              </a:solidFill>
+            </a:endParaRPr>
           </a:p>
         </p:txBody>
       </p:sp>
       <p:pic>
         <p:nvPicPr>
-          <p:cNvPr id="125" name="Google Shape;125;p21"/>
+          <p:cNvPr id="140" name="Google Shape;140;p21"/>
           <p:cNvPicPr preferRelativeResize="0"/>
           <p:nvPr/>
         </p:nvPicPr>
@@ -11345,7 +11896,7 @@
         <p:spPr>
           <a:xfrm>
             <a:off x="274320" y="914400"/>
-            <a:ext cx="8595360" cy="3493598"/>
+            <a:ext cx="8595360" cy="3502840"/>
           </a:xfrm>
           <a:prstGeom prst="rect">
             <a:avLst/>
@@ -11369,7 +11920,7 @@
   <p:cSld>
     <p:spTree>
       <p:nvGrpSpPr>
-        <p:cNvPr id="129" name="Shape 129"/>
+        <p:cNvPr id="144" name="Shape 144"/>
         <p:cNvGrpSpPr/>
         <p:nvPr/>
       </p:nvGrpSpPr>
@@ -11383,7 +11934,7 @@
       </p:grpSpPr>
       <p:sp>
         <p:nvSpPr>
-          <p:cNvPr id="130" name="Google Shape;130;p22"/>
+          <p:cNvPr id="145" name="Google Shape;145;p22"/>
           <p:cNvSpPr txBox="1"/>
           <p:nvPr>
             <p:ph type="title"/>
@@ -11423,7 +11974,7 @@
       </p:sp>
       <p:sp>
         <p:nvSpPr>
-          <p:cNvPr id="131" name="Google Shape;131;p22"/>
+          <p:cNvPr id="146" name="Google Shape;146;p22"/>
           <p:cNvSpPr txBox="1"/>
           <p:nvPr>
             <p:ph idx="1" type="body"/>
@@ -13231,7 +13782,7 @@
       </p:sp>
       <p:sp>
         <p:nvSpPr>
-          <p:cNvPr id="132" name="Google Shape;132;p22"/>
+          <p:cNvPr id="147" name="Google Shape;147;p22"/>
           <p:cNvSpPr txBox="1"/>
           <p:nvPr>
             <p:ph idx="12" type="sldNum"/>
@@ -13239,8 +13790,8 @@
         </p:nvSpPr>
         <p:spPr>
           <a:xfrm>
-            <a:off x="7315209" y="4229101"/>
-            <a:ext cx="1828800" cy="914400"/>
+            <a:off x="7315202" y="4416550"/>
+            <a:ext cx="1828800" cy="731400"/>
           </a:xfrm>
           <a:prstGeom prst="rect">
             <a:avLst/>
@@ -13275,23 +13826,30 @@
               <a:spcAft>
                 <a:spcPts val="0"/>
               </a:spcAft>
-              <a:buClr>
-                <a:schemeClr val="dk1"/>
-              </a:buClr>
-              <a:buSzPts val="1100"/>
-              <a:buFont typeface="Arial"/>
-              <a:buNone/>
-            </a:pPr>
-            <a:r>
-              <a:rPr b="0" lang="en" sz="1000" u="sng">
+              <a:buNone/>
+            </a:pPr>
+            <a:r>
+              <a:rPr b="0" lang="en" sz="900" u="sng">
                 <a:solidFill>
                   <a:schemeClr val="hlink"/>
                 </a:solidFill>
                 <a:hlinkClick r:id="rId3"/>
               </a:rPr>
-              <a:t>https://profriehle.com</a:t>
-            </a:r>
-            <a:endParaRPr b="0" sz="1000"/>
+              <a:t>https://oss.cs.fau.de</a:t>
+            </a:r>
+            <a:r>
+              <a:rPr b="0" lang="en" sz="900">
+                <a:solidFill>
+                  <a:schemeClr val="dk2"/>
+                </a:solidFill>
+              </a:rPr>
+              <a:t> </a:t>
+            </a:r>
+            <a:endParaRPr b="0" sz="900">
+              <a:solidFill>
+                <a:schemeClr val="dk2"/>
+              </a:solidFill>
+            </a:endParaRPr>
           </a:p>
         </p:txBody>
       </p:sp>
@@ -13308,7 +13866,7 @@
   <p:cSld>
     <p:spTree>
       <p:nvGrpSpPr>
-        <p:cNvPr id="136" name="Shape 136"/>
+        <p:cNvPr id="151" name="Shape 151"/>
         <p:cNvGrpSpPr/>
         <p:nvPr/>
       </p:nvGrpSpPr>
@@ -13322,7 +13880,7 @@
       </p:grpSpPr>
       <p:sp>
         <p:nvSpPr>
-          <p:cNvPr id="137" name="Google Shape;137;p23"/>
+          <p:cNvPr id="152" name="Google Shape;152;p23"/>
           <p:cNvSpPr txBox="1"/>
           <p:nvPr>
             <p:ph type="title"/>
@@ -13362,7 +13920,7 @@
       </p:sp>
       <p:sp>
         <p:nvSpPr>
-          <p:cNvPr id="138" name="Google Shape;138;p23"/>
+          <p:cNvPr id="153" name="Google Shape;153;p23"/>
           <p:cNvSpPr txBox="1"/>
           <p:nvPr>
             <p:ph idx="1" type="body"/>
@@ -14554,7 +15112,7 @@
       </p:sp>
       <p:sp>
         <p:nvSpPr>
-          <p:cNvPr id="139" name="Google Shape;139;p23"/>
+          <p:cNvPr id="154" name="Google Shape;154;p23"/>
           <p:cNvSpPr txBox="1"/>
           <p:nvPr>
             <p:ph idx="12" type="sldNum"/>
@@ -14562,8 +15120,8 @@
         </p:nvSpPr>
         <p:spPr>
           <a:xfrm>
-            <a:off x="7315209" y="4229101"/>
-            <a:ext cx="1828800" cy="914400"/>
+            <a:off x="7315202" y="4416550"/>
+            <a:ext cx="1828800" cy="731400"/>
           </a:xfrm>
           <a:prstGeom prst="rect">
             <a:avLst/>
@@ -14606,21 +15164,25 @@
               <a:buNone/>
             </a:pPr>
             <a:r>
-              <a:rPr b="0" lang="en" sz="1000" u="sng">
+              <a:rPr b="0" lang="en" sz="900" u="sng">
                 <a:solidFill>
                   <a:schemeClr val="hlink"/>
                 </a:solidFill>
                 <a:hlinkClick r:id="rId3"/>
               </a:rPr>
-              <a:t>https://profriehle.com</a:t>
-            </a:r>
-            <a:endParaRPr b="0" sz="1000"/>
+              <a:t>https://oss.cs.fau.de</a:t>
+            </a:r>
+            <a:endParaRPr>
+              <a:solidFill>
+                <a:schemeClr val="dk2"/>
+              </a:solidFill>
+            </a:endParaRPr>
           </a:p>
         </p:txBody>
       </p:sp>
       <p:sp>
         <p:nvSpPr>
-          <p:cNvPr id="140" name="Google Shape;140;p23"/>
+          <p:cNvPr id="155" name="Google Shape;155;p23"/>
           <p:cNvSpPr txBox="1"/>
           <p:nvPr>
             <p:ph idx="2" type="body"/>
@@ -16509,7 +17071,7 @@
   <p:cSld>
     <p:spTree>
       <p:nvGrpSpPr>
-        <p:cNvPr id="144" name="Shape 144"/>
+        <p:cNvPr id="159" name="Shape 159"/>
         <p:cNvGrpSpPr/>
         <p:nvPr/>
       </p:nvGrpSpPr>
@@ -16523,7 +17085,7 @@
       </p:grpSpPr>
       <p:sp>
         <p:nvSpPr>
-          <p:cNvPr id="145" name="Google Shape;145;p24"/>
+          <p:cNvPr id="160" name="Google Shape;160;p24"/>
           <p:cNvSpPr txBox="1"/>
           <p:nvPr>
             <p:ph type="title"/>
@@ -16574,7 +17136,7 @@
   <p:cSld>
     <p:spTree>
       <p:nvGrpSpPr>
-        <p:cNvPr id="149" name="Shape 149"/>
+        <p:cNvPr id="164" name="Shape 164"/>
         <p:cNvGrpSpPr/>
         <p:nvPr/>
       </p:nvGrpSpPr>
@@ -16588,7 +17150,7 @@
       </p:grpSpPr>
       <p:sp>
         <p:nvSpPr>
-          <p:cNvPr id="150" name="Google Shape;150;p25"/>
+          <p:cNvPr id="165" name="Google Shape;165;p25"/>
           <p:cNvSpPr txBox="1"/>
           <p:nvPr>
             <p:ph type="title"/>
@@ -16628,7 +17190,7 @@
       </p:sp>
       <p:sp>
         <p:nvSpPr>
-          <p:cNvPr id="151" name="Google Shape;151;p25"/>
+          <p:cNvPr id="166" name="Google Shape;166;p25"/>
           <p:cNvSpPr txBox="1"/>
           <p:nvPr>
             <p:ph idx="1" type="body"/>
@@ -16668,7 +17230,7 @@
       </p:sp>
       <p:sp>
         <p:nvSpPr>
-          <p:cNvPr id="152" name="Google Shape;152;p25"/>
+          <p:cNvPr id="167" name="Google Shape;167;p25"/>
           <p:cNvSpPr txBox="1"/>
           <p:nvPr>
             <p:ph idx="12" type="sldNum"/>
@@ -16676,8 +17238,8 @@
         </p:nvSpPr>
         <p:spPr>
           <a:xfrm>
-            <a:off x="7315209" y="4229101"/>
-            <a:ext cx="1828800" cy="914400"/>
+            <a:off x="7315202" y="4416550"/>
+            <a:ext cx="1828800" cy="731400"/>
           </a:xfrm>
           <a:prstGeom prst="rect">
             <a:avLst/>
@@ -16712,23 +17274,30 @@
               <a:spcAft>
                 <a:spcPts val="0"/>
               </a:spcAft>
-              <a:buClr>
-                <a:schemeClr val="dk1"/>
-              </a:buClr>
-              <a:buSzPts val="1100"/>
-              <a:buFont typeface="Arial"/>
-              <a:buNone/>
-            </a:pPr>
-            <a:r>
-              <a:rPr b="0" lang="en" sz="1000" u="sng">
+              <a:buNone/>
+            </a:pPr>
+            <a:r>
+              <a:rPr b="0" lang="en" sz="900" u="sng">
                 <a:solidFill>
                   <a:schemeClr val="hlink"/>
                 </a:solidFill>
                 <a:hlinkClick r:id="rId3"/>
               </a:rPr>
-              <a:t>https://profriehle.com</a:t>
-            </a:r>
-            <a:endParaRPr b="0" sz="1000"/>
+              <a:t>https://oss.cs.fau.de</a:t>
+            </a:r>
+            <a:r>
+              <a:rPr b="0" lang="en" sz="900">
+                <a:solidFill>
+                  <a:schemeClr val="dk2"/>
+                </a:solidFill>
+              </a:rPr>
+              <a:t> </a:t>
+            </a:r>
+            <a:endParaRPr b="0" sz="900">
+              <a:solidFill>
+                <a:schemeClr val="dk2"/>
+              </a:solidFill>
+            </a:endParaRPr>
           </a:p>
         </p:txBody>
       </p:sp>
@@ -16745,7 +17314,7 @@
   <p:cSld>
     <p:spTree>
       <p:nvGrpSpPr>
-        <p:cNvPr id="156" name="Shape 156"/>
+        <p:cNvPr id="171" name="Shape 171"/>
         <p:cNvGrpSpPr/>
         <p:nvPr/>
       </p:nvGrpSpPr>
@@ -16759,7 +17328,7 @@
       </p:grpSpPr>
       <p:sp>
         <p:nvSpPr>
-          <p:cNvPr id="157" name="Google Shape;157;p26"/>
+          <p:cNvPr id="172" name="Google Shape;172;p26"/>
           <p:cNvSpPr txBox="1"/>
           <p:nvPr>
             <p:ph type="title"/>
@@ -16799,7 +17368,7 @@
       </p:sp>
       <p:sp>
         <p:nvSpPr>
-          <p:cNvPr id="158" name="Google Shape;158;p26"/>
+          <p:cNvPr id="173" name="Google Shape;173;p26"/>
           <p:cNvSpPr txBox="1"/>
           <p:nvPr>
             <p:ph idx="1" type="body"/>
@@ -16926,7 +17495,7 @@
       </p:sp>
       <p:sp>
         <p:nvSpPr>
-          <p:cNvPr id="159" name="Google Shape;159;p26"/>
+          <p:cNvPr id="174" name="Google Shape;174;p26"/>
           <p:cNvSpPr txBox="1"/>
           <p:nvPr>
             <p:ph idx="12" type="sldNum"/>
@@ -16934,8 +17503,8 @@
         </p:nvSpPr>
         <p:spPr>
           <a:xfrm>
-            <a:off x="7315209" y="4229101"/>
-            <a:ext cx="1828800" cy="914400"/>
+            <a:off x="7315202" y="4416550"/>
+            <a:ext cx="1828800" cy="731400"/>
           </a:xfrm>
           <a:prstGeom prst="rect">
             <a:avLst/>
@@ -16970,23 +17539,30 @@
               <a:spcAft>
                 <a:spcPts val="0"/>
               </a:spcAft>
-              <a:buClr>
-                <a:schemeClr val="dk1"/>
-              </a:buClr>
-              <a:buSzPts val="1100"/>
-              <a:buFont typeface="Arial"/>
-              <a:buNone/>
-            </a:pPr>
-            <a:r>
-              <a:rPr b="0" lang="en" sz="1000" u="sng">
+              <a:buNone/>
+            </a:pPr>
+            <a:r>
+              <a:rPr b="0" lang="en" sz="900" u="sng">
                 <a:solidFill>
                   <a:schemeClr val="hlink"/>
                 </a:solidFill>
                 <a:hlinkClick r:id="rId3"/>
               </a:rPr>
-              <a:t>https://profriehle.com</a:t>
-            </a:r>
-            <a:endParaRPr b="0" sz="1000"/>
+              <a:t>https://oss.cs.fau.de</a:t>
+            </a:r>
+            <a:r>
+              <a:rPr b="0" lang="en" sz="900">
+                <a:solidFill>
+                  <a:schemeClr val="dk2"/>
+                </a:solidFill>
+              </a:rPr>
+              <a:t> </a:t>
+            </a:r>
+            <a:endParaRPr b="0" sz="900">
+              <a:solidFill>
+                <a:schemeClr val="dk2"/>
+              </a:solidFill>
+            </a:endParaRPr>
           </a:p>
         </p:txBody>
       </p:sp>
@@ -17003,7 +17579,7 @@
   <p:cSld>
     <p:spTree>
       <p:nvGrpSpPr>
-        <p:cNvPr id="41" name="Shape 41"/>
+        <p:cNvPr id="56" name="Shape 56"/>
         <p:cNvGrpSpPr/>
         <p:nvPr/>
       </p:nvGrpSpPr>
@@ -17017,7 +17593,7 @@
       </p:grpSpPr>
       <p:sp>
         <p:nvSpPr>
-          <p:cNvPr id="42" name="Google Shape;42;p9"/>
+          <p:cNvPr id="57" name="Google Shape;57;p9"/>
           <p:cNvSpPr txBox="1"/>
           <p:nvPr>
             <p:ph type="title"/>
@@ -17057,7 +17633,7 @@
       </p:sp>
       <p:sp>
         <p:nvSpPr>
-          <p:cNvPr id="43" name="Google Shape;43;p9"/>
+          <p:cNvPr id="58" name="Google Shape;58;p9"/>
           <p:cNvSpPr txBox="1"/>
           <p:nvPr>
             <p:ph idx="1" type="body"/>
@@ -17215,7 +17791,7 @@
       </p:sp>
       <p:sp>
         <p:nvSpPr>
-          <p:cNvPr id="44" name="Google Shape;44;p9"/>
+          <p:cNvPr id="59" name="Google Shape;59;p9"/>
           <p:cNvSpPr txBox="1"/>
           <p:nvPr>
             <p:ph idx="12" type="sldNum"/>
@@ -17223,8 +17799,8 @@
         </p:nvSpPr>
         <p:spPr>
           <a:xfrm>
-            <a:off x="7315209" y="4229101"/>
-            <a:ext cx="1828800" cy="914400"/>
+            <a:off x="7315202" y="4416550"/>
+            <a:ext cx="1828800" cy="731400"/>
           </a:xfrm>
           <a:prstGeom prst="rect">
             <a:avLst/>
@@ -17267,21 +17843,25 @@
               <a:buNone/>
             </a:pPr>
             <a:r>
-              <a:rPr b="0" lang="en" sz="1000" u="sng">
+              <a:rPr b="0" lang="en" sz="900" u="sng">
                 <a:solidFill>
                   <a:schemeClr val="hlink"/>
                 </a:solidFill>
                 <a:hlinkClick r:id="rId3"/>
               </a:rPr>
-              <a:t>https://profriehle.com</a:t>
-            </a:r>
-            <a:endParaRPr b="0" sz="1000"/>
+              <a:t>https://oss.cs.fau.de</a:t>
+            </a:r>
+            <a:endParaRPr>
+              <a:solidFill>
+                <a:schemeClr val="dk2"/>
+              </a:solidFill>
+            </a:endParaRPr>
           </a:p>
         </p:txBody>
       </p:sp>
       <p:sp>
         <p:nvSpPr>
-          <p:cNvPr id="45" name="Google Shape;45;p9"/>
+          <p:cNvPr id="60" name="Google Shape;60;p9"/>
           <p:cNvSpPr txBox="1"/>
           <p:nvPr>
             <p:ph idx="2" type="body"/>
@@ -17332,7 +17912,7 @@
   <p:cSld>
     <p:spTree>
       <p:nvGrpSpPr>
-        <p:cNvPr id="163" name="Shape 163"/>
+        <p:cNvPr id="178" name="Shape 178"/>
         <p:cNvGrpSpPr/>
         <p:nvPr/>
       </p:nvGrpSpPr>
@@ -17346,7 +17926,7 @@
       </p:grpSpPr>
       <p:sp>
         <p:nvSpPr>
-          <p:cNvPr id="164" name="Google Shape;164;p27"/>
+          <p:cNvPr id="179" name="Google Shape;179;p27"/>
           <p:cNvSpPr txBox="1"/>
           <p:nvPr>
             <p:ph type="title"/>
@@ -17386,7 +17966,7 @@
       </p:sp>
       <p:sp>
         <p:nvSpPr>
-          <p:cNvPr id="165" name="Google Shape;165;p27"/>
+          <p:cNvPr id="180" name="Google Shape;180;p27"/>
           <p:cNvSpPr txBox="1"/>
           <p:nvPr>
             <p:ph idx="1" type="body"/>
@@ -17533,7 +18113,7 @@
       </p:sp>
       <p:sp>
         <p:nvSpPr>
-          <p:cNvPr id="166" name="Google Shape;166;p27"/>
+          <p:cNvPr id="181" name="Google Shape;181;p27"/>
           <p:cNvSpPr txBox="1"/>
           <p:nvPr>
             <p:ph idx="12" type="sldNum"/>
@@ -17541,8 +18121,8 @@
         </p:nvSpPr>
         <p:spPr>
           <a:xfrm>
-            <a:off x="7315209" y="4229101"/>
-            <a:ext cx="1828800" cy="914400"/>
+            <a:off x="7315202" y="4416550"/>
+            <a:ext cx="1828800" cy="731400"/>
           </a:xfrm>
           <a:prstGeom prst="rect">
             <a:avLst/>
@@ -17577,23 +18157,30 @@
               <a:spcAft>
                 <a:spcPts val="0"/>
               </a:spcAft>
-              <a:buClr>
-                <a:schemeClr val="dk1"/>
-              </a:buClr>
-              <a:buSzPts val="1100"/>
-              <a:buFont typeface="Arial"/>
-              <a:buNone/>
-            </a:pPr>
-            <a:r>
-              <a:rPr b="0" lang="en" sz="1000" u="sng">
+              <a:buNone/>
+            </a:pPr>
+            <a:r>
+              <a:rPr b="0" lang="en" sz="900" u="sng">
                 <a:solidFill>
                   <a:schemeClr val="hlink"/>
                 </a:solidFill>
                 <a:hlinkClick r:id="rId3"/>
               </a:rPr>
-              <a:t>https://profriehle.com</a:t>
-            </a:r>
-            <a:endParaRPr b="0" sz="1000"/>
+              <a:t>https://oss.cs.fau.de</a:t>
+            </a:r>
+            <a:r>
+              <a:rPr b="0" lang="en" sz="900">
+                <a:solidFill>
+                  <a:schemeClr val="dk2"/>
+                </a:solidFill>
+              </a:rPr>
+              <a:t> </a:t>
+            </a:r>
+            <a:endParaRPr b="0" sz="900">
+              <a:solidFill>
+                <a:schemeClr val="dk2"/>
+              </a:solidFill>
+            </a:endParaRPr>
           </a:p>
         </p:txBody>
       </p:sp>
@@ -17610,7 +18197,7 @@
   <p:cSld>
     <p:spTree>
       <p:nvGrpSpPr>
-        <p:cNvPr id="170" name="Shape 170"/>
+        <p:cNvPr id="185" name="Shape 185"/>
         <p:cNvGrpSpPr/>
         <p:nvPr/>
       </p:nvGrpSpPr>
@@ -17624,7 +18211,7 @@
       </p:grpSpPr>
       <p:sp>
         <p:nvSpPr>
-          <p:cNvPr id="171" name="Google Shape;171;p28"/>
+          <p:cNvPr id="186" name="Google Shape;186;p28"/>
           <p:cNvSpPr txBox="1"/>
           <p:nvPr>
             <p:ph type="title"/>
@@ -17675,7 +18262,7 @@
   <p:cSld>
     <p:spTree>
       <p:nvGrpSpPr>
-        <p:cNvPr id="175" name="Shape 175"/>
+        <p:cNvPr id="190" name="Shape 190"/>
         <p:cNvGrpSpPr/>
         <p:nvPr/>
       </p:nvGrpSpPr>
@@ -17689,7 +18276,7 @@
       </p:grpSpPr>
       <p:sp>
         <p:nvSpPr>
-          <p:cNvPr id="176" name="Google Shape;176;p29"/>
+          <p:cNvPr id="191" name="Google Shape;191;p29"/>
           <p:cNvSpPr txBox="1"/>
           <p:nvPr>
             <p:ph type="title"/>
@@ -17729,7 +18316,7 @@
       </p:sp>
       <p:sp>
         <p:nvSpPr>
-          <p:cNvPr id="177" name="Google Shape;177;p29"/>
+          <p:cNvPr id="192" name="Google Shape;192;p29"/>
           <p:cNvSpPr txBox="1"/>
           <p:nvPr>
             <p:ph idx="1" type="body"/>
@@ -17810,7 +18397,7 @@
       </p:sp>
       <p:sp>
         <p:nvSpPr>
-          <p:cNvPr id="178" name="Google Shape;178;p29"/>
+          <p:cNvPr id="193" name="Google Shape;193;p29"/>
           <p:cNvSpPr txBox="1"/>
           <p:nvPr>
             <p:ph idx="12" type="sldNum"/>
@@ -17818,8 +18405,8 @@
         </p:nvSpPr>
         <p:spPr>
           <a:xfrm>
-            <a:off x="7315209" y="4229101"/>
-            <a:ext cx="1828800" cy="914400"/>
+            <a:off x="7315202" y="4416550"/>
+            <a:ext cx="1828800" cy="731400"/>
           </a:xfrm>
           <a:prstGeom prst="rect">
             <a:avLst/>
@@ -17854,23 +18441,30 @@
               <a:spcAft>
                 <a:spcPts val="0"/>
               </a:spcAft>
-              <a:buClr>
-                <a:schemeClr val="dk1"/>
-              </a:buClr>
-              <a:buSzPts val="1100"/>
-              <a:buFont typeface="Arial"/>
-              <a:buNone/>
-            </a:pPr>
-            <a:r>
-              <a:rPr b="0" lang="en" sz="1000" u="sng">
+              <a:buNone/>
+            </a:pPr>
+            <a:r>
+              <a:rPr b="0" lang="en" sz="900" u="sng">
                 <a:solidFill>
                   <a:schemeClr val="hlink"/>
                 </a:solidFill>
                 <a:hlinkClick r:id="rId3"/>
               </a:rPr>
-              <a:t>https://profriehle.com</a:t>
-            </a:r>
-            <a:endParaRPr b="0" sz="1000"/>
+              <a:t>https://oss.cs.fau.de</a:t>
+            </a:r>
+            <a:r>
+              <a:rPr b="0" lang="en" sz="900">
+                <a:solidFill>
+                  <a:schemeClr val="dk2"/>
+                </a:solidFill>
+              </a:rPr>
+              <a:t> </a:t>
+            </a:r>
+            <a:endParaRPr b="0" sz="900">
+              <a:solidFill>
+                <a:schemeClr val="dk2"/>
+              </a:solidFill>
+            </a:endParaRPr>
           </a:p>
         </p:txBody>
       </p:sp>
@@ -17887,7 +18481,7 @@
   <p:cSld>
     <p:spTree>
       <p:nvGrpSpPr>
-        <p:cNvPr id="182" name="Shape 182"/>
+        <p:cNvPr id="197" name="Shape 197"/>
         <p:cNvGrpSpPr/>
         <p:nvPr/>
       </p:nvGrpSpPr>
@@ -17901,7 +18495,7 @@
       </p:grpSpPr>
       <p:sp>
         <p:nvSpPr>
-          <p:cNvPr id="183" name="Google Shape;183;p30"/>
+          <p:cNvPr id="198" name="Google Shape;198;p30"/>
           <p:cNvSpPr txBox="1"/>
           <p:nvPr>
             <p:ph type="title"/>
@@ -17941,7 +18535,7 @@
       </p:sp>
       <p:sp>
         <p:nvSpPr>
-          <p:cNvPr id="184" name="Google Shape;184;p30"/>
+          <p:cNvPr id="199" name="Google Shape;199;p30"/>
           <p:cNvSpPr txBox="1"/>
           <p:nvPr>
             <p:ph idx="1" type="body"/>
@@ -18056,7 +18650,7 @@
       </p:sp>
       <p:sp>
         <p:nvSpPr>
-          <p:cNvPr id="185" name="Google Shape;185;p30"/>
+          <p:cNvPr id="200" name="Google Shape;200;p30"/>
           <p:cNvSpPr txBox="1"/>
           <p:nvPr>
             <p:ph idx="12" type="sldNum"/>
@@ -18064,8 +18658,8 @@
         </p:nvSpPr>
         <p:spPr>
           <a:xfrm>
-            <a:off x="7315209" y="4229101"/>
-            <a:ext cx="1828800" cy="914400"/>
+            <a:off x="7315202" y="4416550"/>
+            <a:ext cx="1828800" cy="731400"/>
           </a:xfrm>
           <a:prstGeom prst="rect">
             <a:avLst/>
@@ -18100,23 +18694,30 @@
               <a:spcAft>
                 <a:spcPts val="0"/>
               </a:spcAft>
-              <a:buClr>
-                <a:schemeClr val="dk1"/>
-              </a:buClr>
-              <a:buSzPts val="1100"/>
-              <a:buFont typeface="Arial"/>
-              <a:buNone/>
-            </a:pPr>
-            <a:r>
-              <a:rPr b="0" lang="en" sz="1000" u="sng">
+              <a:buNone/>
+            </a:pPr>
+            <a:r>
+              <a:rPr b="0" lang="en" sz="900" u="sng">
                 <a:solidFill>
                   <a:schemeClr val="hlink"/>
                 </a:solidFill>
                 <a:hlinkClick r:id="rId3"/>
               </a:rPr>
-              <a:t>https://profriehle.com</a:t>
-            </a:r>
-            <a:endParaRPr b="0" sz="1000"/>
+              <a:t>https://oss.cs.fau.de</a:t>
+            </a:r>
+            <a:r>
+              <a:rPr b="0" lang="en" sz="900">
+                <a:solidFill>
+                  <a:schemeClr val="dk2"/>
+                </a:solidFill>
+              </a:rPr>
+              <a:t> </a:t>
+            </a:r>
+            <a:endParaRPr b="0" sz="900">
+              <a:solidFill>
+                <a:schemeClr val="dk2"/>
+              </a:solidFill>
+            </a:endParaRPr>
           </a:p>
         </p:txBody>
       </p:sp>
@@ -18133,7 +18734,7 @@
   <p:cSld>
     <p:spTree>
       <p:nvGrpSpPr>
-        <p:cNvPr id="189" name="Shape 189"/>
+        <p:cNvPr id="204" name="Shape 204"/>
         <p:cNvGrpSpPr/>
         <p:nvPr/>
       </p:nvGrpSpPr>
@@ -18147,7 +18748,7 @@
       </p:grpSpPr>
       <p:sp>
         <p:nvSpPr>
-          <p:cNvPr id="190" name="Google Shape;190;p31"/>
+          <p:cNvPr id="205" name="Google Shape;205;p31"/>
           <p:cNvSpPr txBox="1"/>
           <p:nvPr>
             <p:ph type="title"/>
@@ -18187,7 +18788,7 @@
       </p:sp>
       <p:sp>
         <p:nvSpPr>
-          <p:cNvPr id="191" name="Google Shape;191;p31"/>
+          <p:cNvPr id="206" name="Google Shape;206;p31"/>
           <p:cNvSpPr txBox="1"/>
           <p:nvPr>
             <p:ph idx="1" type="body"/>
@@ -20547,7 +21148,7 @@
       </p:sp>
       <p:sp>
         <p:nvSpPr>
-          <p:cNvPr id="192" name="Google Shape;192;p31"/>
+          <p:cNvPr id="207" name="Google Shape;207;p31"/>
           <p:cNvSpPr txBox="1"/>
           <p:nvPr>
             <p:ph idx="12" type="sldNum"/>
@@ -20555,8 +21156,8 @@
         </p:nvSpPr>
         <p:spPr>
           <a:xfrm>
-            <a:off x="7315209" y="4229101"/>
-            <a:ext cx="1828800" cy="914400"/>
+            <a:off x="7315202" y="4416550"/>
+            <a:ext cx="1828800" cy="731400"/>
           </a:xfrm>
           <a:prstGeom prst="rect">
             <a:avLst/>
@@ -20591,23 +21192,30 @@
               <a:spcAft>
                 <a:spcPts val="0"/>
               </a:spcAft>
-              <a:buClr>
-                <a:schemeClr val="dk1"/>
-              </a:buClr>
-              <a:buSzPts val="1100"/>
-              <a:buFont typeface="Arial"/>
-              <a:buNone/>
-            </a:pPr>
-            <a:r>
-              <a:rPr b="0" lang="en" sz="1000" u="sng">
+              <a:buNone/>
+            </a:pPr>
+            <a:r>
+              <a:rPr b="0" lang="en" sz="900" u="sng">
                 <a:solidFill>
                   <a:schemeClr val="hlink"/>
                 </a:solidFill>
                 <a:hlinkClick r:id="rId3"/>
               </a:rPr>
-              <a:t>https://profriehle.com</a:t>
-            </a:r>
-            <a:endParaRPr b="0" sz="1000"/>
+              <a:t>https://oss.cs.fau.de</a:t>
+            </a:r>
+            <a:r>
+              <a:rPr b="0" lang="en" sz="900">
+                <a:solidFill>
+                  <a:schemeClr val="dk2"/>
+                </a:solidFill>
+              </a:rPr>
+              <a:t> </a:t>
+            </a:r>
+            <a:endParaRPr b="0" sz="900">
+              <a:solidFill>
+                <a:schemeClr val="dk2"/>
+              </a:solidFill>
+            </a:endParaRPr>
           </a:p>
         </p:txBody>
       </p:sp>
@@ -20624,7 +21232,7 @@
   <p:cSld>
     <p:spTree>
       <p:nvGrpSpPr>
-        <p:cNvPr id="196" name="Shape 196"/>
+        <p:cNvPr id="211" name="Shape 211"/>
         <p:cNvGrpSpPr/>
         <p:nvPr/>
       </p:nvGrpSpPr>
@@ -20638,7 +21246,7 @@
       </p:grpSpPr>
       <p:sp>
         <p:nvSpPr>
-          <p:cNvPr id="197" name="Google Shape;197;p32"/>
+          <p:cNvPr id="212" name="Google Shape;212;p32"/>
           <p:cNvSpPr txBox="1"/>
           <p:nvPr>
             <p:ph type="title"/>
@@ -20678,7 +21286,7 @@
       </p:sp>
       <p:sp>
         <p:nvSpPr>
-          <p:cNvPr id="198" name="Google Shape;198;p32"/>
+          <p:cNvPr id="213" name="Google Shape;213;p32"/>
           <p:cNvSpPr txBox="1"/>
           <p:nvPr>
             <p:ph idx="1" type="body"/>
@@ -20767,7 +21375,7 @@
       </p:sp>
       <p:sp>
         <p:nvSpPr>
-          <p:cNvPr id="199" name="Google Shape;199;p32"/>
+          <p:cNvPr id="214" name="Google Shape;214;p32"/>
           <p:cNvSpPr txBox="1"/>
           <p:nvPr>
             <p:ph idx="12" type="sldNum"/>
@@ -20775,8 +21383,8 @@
         </p:nvSpPr>
         <p:spPr>
           <a:xfrm>
-            <a:off x="7315209" y="4229101"/>
-            <a:ext cx="1828800" cy="914400"/>
+            <a:off x="7315202" y="4416550"/>
+            <a:ext cx="1828800" cy="731400"/>
           </a:xfrm>
           <a:prstGeom prst="rect">
             <a:avLst/>
@@ -20811,23 +21419,30 @@
               <a:spcAft>
                 <a:spcPts val="0"/>
               </a:spcAft>
-              <a:buClr>
-                <a:schemeClr val="dk1"/>
-              </a:buClr>
-              <a:buSzPts val="1100"/>
-              <a:buFont typeface="Arial"/>
-              <a:buNone/>
-            </a:pPr>
-            <a:r>
-              <a:rPr b="0" lang="en" sz="1000" u="sng">
+              <a:buNone/>
+            </a:pPr>
+            <a:r>
+              <a:rPr b="0" lang="en" sz="900" u="sng">
                 <a:solidFill>
                   <a:schemeClr val="hlink"/>
                 </a:solidFill>
                 <a:hlinkClick r:id="rId3"/>
               </a:rPr>
-              <a:t>https://profriehle.com</a:t>
-            </a:r>
-            <a:endParaRPr b="0" sz="1000"/>
+              <a:t>https://oss.cs.fau.de</a:t>
+            </a:r>
+            <a:r>
+              <a:rPr b="0" lang="en" sz="900">
+                <a:solidFill>
+                  <a:schemeClr val="dk2"/>
+                </a:solidFill>
+              </a:rPr>
+              <a:t> </a:t>
+            </a:r>
+            <a:endParaRPr b="0" sz="900">
+              <a:solidFill>
+                <a:schemeClr val="dk2"/>
+              </a:solidFill>
+            </a:endParaRPr>
           </a:p>
         </p:txBody>
       </p:sp>
@@ -20844,7 +21459,7 @@
   <p:cSld>
     <p:spTree>
       <p:nvGrpSpPr>
-        <p:cNvPr id="203" name="Shape 203"/>
+        <p:cNvPr id="218" name="Shape 218"/>
         <p:cNvGrpSpPr/>
         <p:nvPr/>
       </p:nvGrpSpPr>
@@ -20858,7 +21473,7 @@
       </p:grpSpPr>
       <p:sp>
         <p:nvSpPr>
-          <p:cNvPr id="204" name="Google Shape;204;p33"/>
+          <p:cNvPr id="219" name="Google Shape;219;p33"/>
           <p:cNvSpPr txBox="1"/>
           <p:nvPr>
             <p:ph type="title"/>
@@ -20909,7 +21524,7 @@
   <p:cSld>
     <p:spTree>
       <p:nvGrpSpPr>
-        <p:cNvPr id="208" name="Shape 208"/>
+        <p:cNvPr id="223" name="Shape 223"/>
         <p:cNvGrpSpPr/>
         <p:nvPr/>
       </p:nvGrpSpPr>
@@ -20923,7 +21538,7 @@
       </p:grpSpPr>
       <p:sp>
         <p:nvSpPr>
-          <p:cNvPr id="209" name="Google Shape;209;p34"/>
+          <p:cNvPr id="224" name="Google Shape;224;p34"/>
           <p:cNvSpPr txBox="1"/>
           <p:nvPr>
             <p:ph type="title"/>
@@ -20963,7 +21578,7 @@
       </p:sp>
       <p:sp>
         <p:nvSpPr>
-          <p:cNvPr id="210" name="Google Shape;210;p34"/>
+          <p:cNvPr id="225" name="Google Shape;225;p34"/>
           <p:cNvSpPr txBox="1"/>
           <p:nvPr>
             <p:ph idx="1" type="body"/>
@@ -21085,7 +21700,7 @@
       </p:sp>
       <p:sp>
         <p:nvSpPr>
-          <p:cNvPr id="211" name="Google Shape;211;p34"/>
+          <p:cNvPr id="226" name="Google Shape;226;p34"/>
           <p:cNvSpPr txBox="1"/>
           <p:nvPr>
             <p:ph idx="12" type="sldNum"/>
@@ -21093,8 +21708,8 @@
         </p:nvSpPr>
         <p:spPr>
           <a:xfrm>
-            <a:off x="7315209" y="4229101"/>
-            <a:ext cx="1828800" cy="914400"/>
+            <a:off x="7315202" y="4416550"/>
+            <a:ext cx="1828800" cy="731400"/>
           </a:xfrm>
           <a:prstGeom prst="rect">
             <a:avLst/>
@@ -21129,23 +21744,30 @@
               <a:spcAft>
                 <a:spcPts val="0"/>
               </a:spcAft>
-              <a:buClr>
-                <a:schemeClr val="dk1"/>
-              </a:buClr>
-              <a:buSzPts val="1100"/>
-              <a:buFont typeface="Arial"/>
-              <a:buNone/>
-            </a:pPr>
-            <a:r>
-              <a:rPr b="0" lang="en" sz="1000" u="sng">
+              <a:buNone/>
+            </a:pPr>
+            <a:r>
+              <a:rPr b="0" lang="en" sz="900" u="sng">
                 <a:solidFill>
                   <a:schemeClr val="hlink"/>
                 </a:solidFill>
                 <a:hlinkClick r:id="rId3"/>
               </a:rPr>
-              <a:t>https://profriehle.com</a:t>
-            </a:r>
-            <a:endParaRPr b="0" sz="1000"/>
+              <a:t>https://oss.cs.fau.de</a:t>
+            </a:r>
+            <a:r>
+              <a:rPr b="0" lang="en" sz="900">
+                <a:solidFill>
+                  <a:schemeClr val="dk2"/>
+                </a:solidFill>
+              </a:rPr>
+              <a:t> </a:t>
+            </a:r>
+            <a:endParaRPr b="0" sz="900">
+              <a:solidFill>
+                <a:schemeClr val="dk2"/>
+              </a:solidFill>
+            </a:endParaRPr>
           </a:p>
         </p:txBody>
       </p:sp>
@@ -21162,7 +21784,7 @@
   <p:cSld>
     <p:spTree>
       <p:nvGrpSpPr>
-        <p:cNvPr id="215" name="Shape 215"/>
+        <p:cNvPr id="230" name="Shape 230"/>
         <p:cNvGrpSpPr/>
         <p:nvPr/>
       </p:nvGrpSpPr>
@@ -21176,7 +21798,7 @@
       </p:grpSpPr>
       <p:sp>
         <p:nvSpPr>
-          <p:cNvPr id="216" name="Google Shape;216;p35"/>
+          <p:cNvPr id="231" name="Google Shape;231;p35"/>
           <p:cNvSpPr txBox="1"/>
           <p:nvPr>
             <p:ph type="title"/>
@@ -21216,7 +21838,7 @@
       </p:sp>
       <p:sp>
         <p:nvSpPr>
-          <p:cNvPr id="217" name="Google Shape;217;p35"/>
+          <p:cNvPr id="232" name="Google Shape;232;p35"/>
           <p:cNvSpPr txBox="1"/>
           <p:nvPr>
             <p:ph idx="12" type="sldNum"/>
@@ -21224,8 +21846,8 @@
         </p:nvSpPr>
         <p:spPr>
           <a:xfrm>
-            <a:off x="7315209" y="4229101"/>
-            <a:ext cx="1828800" cy="914400"/>
+            <a:off x="7315202" y="4416550"/>
+            <a:ext cx="1828800" cy="731400"/>
           </a:xfrm>
           <a:prstGeom prst="rect">
             <a:avLst/>
@@ -21260,29 +21882,36 @@
               <a:spcAft>
                 <a:spcPts val="0"/>
               </a:spcAft>
-              <a:buClr>
-                <a:schemeClr val="dk1"/>
-              </a:buClr>
-              <a:buSzPts val="1100"/>
-              <a:buFont typeface="Arial"/>
-              <a:buNone/>
-            </a:pPr>
-            <a:r>
-              <a:rPr b="0" lang="en" sz="1000" u="sng">
+              <a:buNone/>
+            </a:pPr>
+            <a:r>
+              <a:rPr b="0" lang="en" sz="900" u="sng">
                 <a:solidFill>
                   <a:schemeClr val="hlink"/>
                 </a:solidFill>
                 <a:hlinkClick r:id="rId3"/>
               </a:rPr>
-              <a:t>https://profriehle.com</a:t>
-            </a:r>
-            <a:endParaRPr b="0" sz="1000"/>
+              <a:t>https://oss.cs.fau.de</a:t>
+            </a:r>
+            <a:r>
+              <a:rPr b="0" lang="en" sz="900">
+                <a:solidFill>
+                  <a:schemeClr val="dk2"/>
+                </a:solidFill>
+              </a:rPr>
+              <a:t> </a:t>
+            </a:r>
+            <a:endParaRPr b="0" sz="900">
+              <a:solidFill>
+                <a:schemeClr val="dk2"/>
+              </a:solidFill>
+            </a:endParaRPr>
           </a:p>
         </p:txBody>
       </p:sp>
       <p:pic>
         <p:nvPicPr>
-          <p:cNvPr id="218" name="Google Shape;218;p35"/>
+          <p:cNvPr id="233" name="Google Shape;233;p35"/>
           <p:cNvPicPr preferRelativeResize="0"/>
           <p:nvPr/>
         </p:nvPicPr>
@@ -21297,7 +21926,7 @@
         <p:spPr>
           <a:xfrm>
             <a:off x="274320" y="914400"/>
-            <a:ext cx="8595360" cy="3493598"/>
+            <a:ext cx="8595360" cy="3502840"/>
           </a:xfrm>
           <a:prstGeom prst="rect">
             <a:avLst/>
@@ -21321,7 +21950,7 @@
   <p:cSld>
     <p:spTree>
       <p:nvGrpSpPr>
-        <p:cNvPr id="222" name="Shape 222"/>
+        <p:cNvPr id="237" name="Shape 237"/>
         <p:cNvGrpSpPr/>
         <p:nvPr/>
       </p:nvGrpSpPr>
@@ -21335,7 +21964,7 @@
       </p:grpSpPr>
       <p:sp>
         <p:nvSpPr>
-          <p:cNvPr id="223" name="Google Shape;223;p36"/>
+          <p:cNvPr id="238" name="Google Shape;238;p36"/>
           <p:cNvSpPr txBox="1"/>
           <p:nvPr>
             <p:ph type="title"/>
@@ -21375,7 +22004,7 @@
       </p:sp>
       <p:sp>
         <p:nvSpPr>
-          <p:cNvPr id="224" name="Google Shape;224;p36"/>
+          <p:cNvPr id="239" name="Google Shape;239;p36"/>
           <p:cNvSpPr txBox="1"/>
           <p:nvPr>
             <p:ph idx="1" type="body"/>
@@ -21454,7 +22083,7 @@
       </p:sp>
       <p:sp>
         <p:nvSpPr>
-          <p:cNvPr id="225" name="Google Shape;225;p36"/>
+          <p:cNvPr id="240" name="Google Shape;240;p36"/>
           <p:cNvSpPr txBox="1"/>
           <p:nvPr>
             <p:ph idx="12" type="sldNum"/>
@@ -21462,8 +22091,8 @@
         </p:nvSpPr>
         <p:spPr>
           <a:xfrm>
-            <a:off x="7315209" y="4229101"/>
-            <a:ext cx="1828800" cy="914400"/>
+            <a:off x="7315202" y="4416550"/>
+            <a:ext cx="1828800" cy="731400"/>
           </a:xfrm>
           <a:prstGeom prst="rect">
             <a:avLst/>
@@ -21498,23 +22127,30 @@
               <a:spcAft>
                 <a:spcPts val="0"/>
               </a:spcAft>
-              <a:buClr>
-                <a:schemeClr val="dk1"/>
-              </a:buClr>
-              <a:buSzPts val="1100"/>
-              <a:buFont typeface="Arial"/>
-              <a:buNone/>
-            </a:pPr>
-            <a:r>
-              <a:rPr b="0" lang="en" sz="1000" u="sng">
+              <a:buNone/>
+            </a:pPr>
+            <a:r>
+              <a:rPr b="0" lang="en" sz="900" u="sng">
                 <a:solidFill>
                   <a:schemeClr val="hlink"/>
                 </a:solidFill>
                 <a:hlinkClick r:id="rId3"/>
               </a:rPr>
-              <a:t>https://profriehle.com</a:t>
-            </a:r>
-            <a:endParaRPr b="0" sz="1000"/>
+              <a:t>https://oss.cs.fau.de</a:t>
+            </a:r>
+            <a:r>
+              <a:rPr b="0" lang="en" sz="900">
+                <a:solidFill>
+                  <a:schemeClr val="dk2"/>
+                </a:solidFill>
+              </a:rPr>
+              <a:t> </a:t>
+            </a:r>
+            <a:endParaRPr b="0" sz="900">
+              <a:solidFill>
+                <a:schemeClr val="dk2"/>
+              </a:solidFill>
+            </a:endParaRPr>
           </a:p>
         </p:txBody>
       </p:sp>
@@ -21531,7 +22167,7 @@
   <p:cSld>
     <p:spTree>
       <p:nvGrpSpPr>
-        <p:cNvPr id="49" name="Shape 49"/>
+        <p:cNvPr id="64" name="Shape 64"/>
         <p:cNvGrpSpPr/>
         <p:nvPr/>
       </p:nvGrpSpPr>
@@ -21545,7 +22181,7 @@
       </p:grpSpPr>
       <p:sp>
         <p:nvSpPr>
-          <p:cNvPr id="50" name="Google Shape;50;p10"/>
+          <p:cNvPr id="65" name="Google Shape;65;p10"/>
           <p:cNvSpPr txBox="1"/>
           <p:nvPr>
             <p:ph type="title"/>
@@ -21596,7 +22232,7 @@
   <p:cSld>
     <p:spTree>
       <p:nvGrpSpPr>
-        <p:cNvPr id="229" name="Shape 229"/>
+        <p:cNvPr id="244" name="Shape 244"/>
         <p:cNvGrpSpPr/>
         <p:nvPr/>
       </p:nvGrpSpPr>
@@ -21610,7 +22246,7 @@
       </p:grpSpPr>
       <p:sp>
         <p:nvSpPr>
-          <p:cNvPr id="230" name="Google Shape;230;p37"/>
+          <p:cNvPr id="245" name="Google Shape;245;p37"/>
           <p:cNvSpPr txBox="1"/>
           <p:nvPr>
             <p:ph type="title"/>
@@ -21650,7 +22286,7 @@
       </p:sp>
       <p:sp>
         <p:nvSpPr>
-          <p:cNvPr id="231" name="Google Shape;231;p37"/>
+          <p:cNvPr id="246" name="Google Shape;246;p37"/>
           <p:cNvSpPr txBox="1"/>
           <p:nvPr>
             <p:ph idx="1" type="body"/>
@@ -21772,7 +22408,7 @@
       </p:sp>
       <p:sp>
         <p:nvSpPr>
-          <p:cNvPr id="232" name="Google Shape;232;p37"/>
+          <p:cNvPr id="247" name="Google Shape;247;p37"/>
           <p:cNvSpPr txBox="1"/>
           <p:nvPr>
             <p:ph idx="12" type="sldNum"/>
@@ -21780,8 +22416,8 @@
         </p:nvSpPr>
         <p:spPr>
           <a:xfrm>
-            <a:off x="7315209" y="4229101"/>
-            <a:ext cx="1828800" cy="914400"/>
+            <a:off x="7315202" y="4416550"/>
+            <a:ext cx="1828800" cy="731400"/>
           </a:xfrm>
           <a:prstGeom prst="rect">
             <a:avLst/>
@@ -21816,23 +22452,30 @@
               <a:spcAft>
                 <a:spcPts val="0"/>
               </a:spcAft>
-              <a:buClr>
-                <a:schemeClr val="dk1"/>
-              </a:buClr>
-              <a:buSzPts val="1100"/>
-              <a:buFont typeface="Arial"/>
-              <a:buNone/>
-            </a:pPr>
-            <a:r>
-              <a:rPr b="0" lang="en" sz="1000" u="sng">
+              <a:buNone/>
+            </a:pPr>
+            <a:r>
+              <a:rPr b="0" lang="en" sz="900" u="sng">
                 <a:solidFill>
                   <a:schemeClr val="hlink"/>
                 </a:solidFill>
                 <a:hlinkClick r:id="rId3"/>
               </a:rPr>
-              <a:t>https://profriehle.com</a:t>
-            </a:r>
-            <a:endParaRPr b="0" sz="1000"/>
+              <a:t>https://oss.cs.fau.de</a:t>
+            </a:r>
+            <a:r>
+              <a:rPr b="0" lang="en" sz="900">
+                <a:solidFill>
+                  <a:schemeClr val="dk2"/>
+                </a:solidFill>
+              </a:rPr>
+              <a:t> </a:t>
+            </a:r>
+            <a:endParaRPr b="0" sz="900">
+              <a:solidFill>
+                <a:schemeClr val="dk2"/>
+              </a:solidFill>
+            </a:endParaRPr>
           </a:p>
         </p:txBody>
       </p:sp>
@@ -21849,7 +22492,7 @@
   <p:cSld>
     <p:spTree>
       <p:nvGrpSpPr>
-        <p:cNvPr id="236" name="Shape 236"/>
+        <p:cNvPr id="251" name="Shape 251"/>
         <p:cNvGrpSpPr/>
         <p:nvPr/>
       </p:nvGrpSpPr>
@@ -21863,7 +22506,7 @@
       </p:grpSpPr>
       <p:sp>
         <p:nvSpPr>
-          <p:cNvPr id="237" name="Google Shape;237;p38"/>
+          <p:cNvPr id="252" name="Google Shape;252;p38"/>
           <p:cNvSpPr txBox="1"/>
           <p:nvPr>
             <p:ph type="title"/>
@@ -21914,7 +22557,7 @@
   <p:cSld>
     <p:spTree>
       <p:nvGrpSpPr>
-        <p:cNvPr id="241" name="Shape 241"/>
+        <p:cNvPr id="256" name="Shape 256"/>
         <p:cNvGrpSpPr/>
         <p:nvPr/>
       </p:nvGrpSpPr>
@@ -21928,7 +22571,7 @@
       </p:grpSpPr>
       <p:sp>
         <p:nvSpPr>
-          <p:cNvPr id="242" name="Google Shape;242;p39"/>
+          <p:cNvPr id="257" name="Google Shape;257;p39"/>
           <p:cNvSpPr txBox="1"/>
           <p:nvPr>
             <p:ph type="title"/>
@@ -21968,7 +22611,7 @@
       </p:sp>
       <p:sp>
         <p:nvSpPr>
-          <p:cNvPr id="243" name="Google Shape;243;p39"/>
+          <p:cNvPr id="258" name="Google Shape;258;p39"/>
           <p:cNvSpPr txBox="1"/>
           <p:nvPr>
             <p:ph idx="1" type="body"/>
@@ -22061,7 +22704,7 @@
       </p:sp>
       <p:sp>
         <p:nvSpPr>
-          <p:cNvPr id="244" name="Google Shape;244;p39"/>
+          <p:cNvPr id="259" name="Google Shape;259;p39"/>
           <p:cNvSpPr txBox="1"/>
           <p:nvPr>
             <p:ph idx="12" type="sldNum"/>
@@ -22069,8 +22712,8 @@
         </p:nvSpPr>
         <p:spPr>
           <a:xfrm>
-            <a:off x="7315209" y="4229101"/>
-            <a:ext cx="1828800" cy="914400"/>
+            <a:off x="7315202" y="4416550"/>
+            <a:ext cx="1828800" cy="731400"/>
           </a:xfrm>
           <a:prstGeom prst="rect">
             <a:avLst/>
@@ -22105,23 +22748,30 @@
               <a:spcAft>
                 <a:spcPts val="0"/>
               </a:spcAft>
-              <a:buClr>
-                <a:schemeClr val="dk1"/>
-              </a:buClr>
-              <a:buSzPts val="1100"/>
-              <a:buFont typeface="Arial"/>
-              <a:buNone/>
-            </a:pPr>
-            <a:r>
-              <a:rPr b="0" lang="en" sz="1000" u="sng">
+              <a:buNone/>
+            </a:pPr>
+            <a:r>
+              <a:rPr b="0" lang="en" sz="900" u="sng">
                 <a:solidFill>
                   <a:schemeClr val="hlink"/>
                 </a:solidFill>
                 <a:hlinkClick r:id="rId3"/>
               </a:rPr>
-              <a:t>https://profriehle.com</a:t>
-            </a:r>
-            <a:endParaRPr b="0" sz="1000"/>
+              <a:t>https://oss.cs.fau.de</a:t>
+            </a:r>
+            <a:r>
+              <a:rPr b="0" lang="en" sz="900">
+                <a:solidFill>
+                  <a:schemeClr val="dk2"/>
+                </a:solidFill>
+              </a:rPr>
+              <a:t> </a:t>
+            </a:r>
+            <a:endParaRPr b="0" sz="900">
+              <a:solidFill>
+                <a:schemeClr val="dk2"/>
+              </a:solidFill>
+            </a:endParaRPr>
           </a:p>
         </p:txBody>
       </p:sp>
@@ -22138,7 +22788,7 @@
   <p:cSld>
     <p:spTree>
       <p:nvGrpSpPr>
-        <p:cNvPr id="248" name="Shape 248"/>
+        <p:cNvPr id="263" name="Shape 263"/>
         <p:cNvGrpSpPr/>
         <p:nvPr/>
       </p:nvGrpSpPr>
@@ -22152,7 +22802,7 @@
       </p:grpSpPr>
       <p:sp>
         <p:nvSpPr>
-          <p:cNvPr id="249" name="Google Shape;249;p40"/>
+          <p:cNvPr id="264" name="Google Shape;264;p40"/>
           <p:cNvSpPr txBox="1"/>
           <p:nvPr>
             <p:ph type="title"/>
@@ -22192,7 +22842,7 @@
       </p:sp>
       <p:sp>
         <p:nvSpPr>
-          <p:cNvPr id="250" name="Google Shape;250;p40"/>
+          <p:cNvPr id="265" name="Google Shape;265;p40"/>
           <p:cNvSpPr txBox="1"/>
           <p:nvPr>
             <p:ph idx="1" type="body"/>
@@ -22291,7 +22941,7 @@
       </p:sp>
       <p:sp>
         <p:nvSpPr>
-          <p:cNvPr id="251" name="Google Shape;251;p40"/>
+          <p:cNvPr id="266" name="Google Shape;266;p40"/>
           <p:cNvSpPr txBox="1"/>
           <p:nvPr>
             <p:ph idx="12" type="sldNum"/>
@@ -22299,8 +22949,8 @@
         </p:nvSpPr>
         <p:spPr>
           <a:xfrm>
-            <a:off x="7315209" y="4229101"/>
-            <a:ext cx="1828800" cy="914400"/>
+            <a:off x="7315202" y="4416550"/>
+            <a:ext cx="1828800" cy="731400"/>
           </a:xfrm>
           <a:prstGeom prst="rect">
             <a:avLst/>
@@ -22335,23 +22985,30 @@
               <a:spcAft>
                 <a:spcPts val="0"/>
               </a:spcAft>
-              <a:buClr>
-                <a:schemeClr val="dk1"/>
-              </a:buClr>
-              <a:buSzPts val="1100"/>
-              <a:buFont typeface="Arial"/>
-              <a:buNone/>
-            </a:pPr>
-            <a:r>
-              <a:rPr b="0" lang="en" sz="1000" u="sng">
+              <a:buNone/>
+            </a:pPr>
+            <a:r>
+              <a:rPr b="0" lang="en" sz="900" u="sng">
                 <a:solidFill>
                   <a:schemeClr val="hlink"/>
                 </a:solidFill>
                 <a:hlinkClick r:id="rId3"/>
               </a:rPr>
-              <a:t>https://profriehle.com</a:t>
-            </a:r>
-            <a:endParaRPr b="0" sz="1000"/>
+              <a:t>https://oss.cs.fau.de</a:t>
+            </a:r>
+            <a:r>
+              <a:rPr b="0" lang="en" sz="900">
+                <a:solidFill>
+                  <a:schemeClr val="dk2"/>
+                </a:solidFill>
+              </a:rPr>
+              <a:t> </a:t>
+            </a:r>
+            <a:endParaRPr b="0" sz="900">
+              <a:solidFill>
+                <a:schemeClr val="dk2"/>
+              </a:solidFill>
+            </a:endParaRPr>
           </a:p>
         </p:txBody>
       </p:sp>
@@ -22368,7 +23025,7 @@
   <p:cSld>
     <p:spTree>
       <p:nvGrpSpPr>
-        <p:cNvPr id="255" name="Shape 255"/>
+        <p:cNvPr id="270" name="Shape 270"/>
         <p:cNvGrpSpPr/>
         <p:nvPr/>
       </p:nvGrpSpPr>
@@ -22382,7 +23039,7 @@
       </p:grpSpPr>
       <p:sp>
         <p:nvSpPr>
-          <p:cNvPr id="256" name="Google Shape;256;p41"/>
+          <p:cNvPr id="271" name="Google Shape;271;p41"/>
           <p:cNvSpPr txBox="1"/>
           <p:nvPr>
             <p:ph type="title"/>
@@ -22422,7 +23079,7 @@
       </p:sp>
       <p:sp>
         <p:nvSpPr>
-          <p:cNvPr id="257" name="Google Shape;257;p41"/>
+          <p:cNvPr id="272" name="Google Shape;272;p41"/>
           <p:cNvSpPr txBox="1"/>
           <p:nvPr>
             <p:ph idx="1" type="body"/>
@@ -24702,7 +25359,7 @@
       </p:sp>
       <p:sp>
         <p:nvSpPr>
-          <p:cNvPr id="258" name="Google Shape;258;p41"/>
+          <p:cNvPr id="273" name="Google Shape;273;p41"/>
           <p:cNvSpPr txBox="1"/>
           <p:nvPr>
             <p:ph idx="12" type="sldNum"/>
@@ -24710,8 +25367,8 @@
         </p:nvSpPr>
         <p:spPr>
           <a:xfrm>
-            <a:off x="7315209" y="4229101"/>
-            <a:ext cx="1828800" cy="914400"/>
+            <a:off x="7315202" y="4416550"/>
+            <a:ext cx="1828800" cy="731400"/>
           </a:xfrm>
           <a:prstGeom prst="rect">
             <a:avLst/>
@@ -24746,23 +25403,30 @@
               <a:spcAft>
                 <a:spcPts val="0"/>
               </a:spcAft>
-              <a:buClr>
-                <a:schemeClr val="dk1"/>
-              </a:buClr>
-              <a:buSzPts val="1100"/>
-              <a:buFont typeface="Arial"/>
-              <a:buNone/>
-            </a:pPr>
-            <a:r>
-              <a:rPr b="0" lang="en" sz="1000" u="sng">
+              <a:buNone/>
+            </a:pPr>
+            <a:r>
+              <a:rPr b="0" lang="en" sz="900" u="sng">
                 <a:solidFill>
                   <a:schemeClr val="hlink"/>
                 </a:solidFill>
                 <a:hlinkClick r:id="rId3"/>
               </a:rPr>
-              <a:t>https://profriehle.com</a:t>
-            </a:r>
-            <a:endParaRPr b="0" sz="1000"/>
+              <a:t>https://oss.cs.fau.de</a:t>
+            </a:r>
+            <a:r>
+              <a:rPr b="0" lang="en" sz="900">
+                <a:solidFill>
+                  <a:schemeClr val="dk2"/>
+                </a:solidFill>
+              </a:rPr>
+              <a:t> </a:t>
+            </a:r>
+            <a:endParaRPr b="0" sz="900">
+              <a:solidFill>
+                <a:schemeClr val="dk2"/>
+              </a:solidFill>
+            </a:endParaRPr>
           </a:p>
         </p:txBody>
       </p:sp>
@@ -24779,7 +25443,7 @@
   <p:cSld>
     <p:spTree>
       <p:nvGrpSpPr>
-        <p:cNvPr id="262" name="Shape 262"/>
+        <p:cNvPr id="277" name="Shape 277"/>
         <p:cNvGrpSpPr/>
         <p:nvPr/>
       </p:nvGrpSpPr>
@@ -24793,7 +25457,7 @@
       </p:grpSpPr>
       <p:sp>
         <p:nvSpPr>
-          <p:cNvPr id="263" name="Google Shape;263;p42"/>
+          <p:cNvPr id="278" name="Google Shape;278;p42"/>
           <p:cNvSpPr txBox="1"/>
           <p:nvPr>
             <p:ph type="title"/>
@@ -24833,7 +25497,7 @@
       </p:sp>
       <p:sp>
         <p:nvSpPr>
-          <p:cNvPr id="264" name="Google Shape;264;p42"/>
+          <p:cNvPr id="279" name="Google Shape;279;p42"/>
           <p:cNvSpPr txBox="1"/>
           <p:nvPr>
             <p:ph idx="1" type="body"/>
@@ -24929,7 +25593,7 @@
       </p:sp>
       <p:sp>
         <p:nvSpPr>
-          <p:cNvPr id="265" name="Google Shape;265;p42"/>
+          <p:cNvPr id="280" name="Google Shape;280;p42"/>
           <p:cNvSpPr txBox="1"/>
           <p:nvPr>
             <p:ph idx="12" type="sldNum"/>
@@ -24937,8 +25601,8 @@
         </p:nvSpPr>
         <p:spPr>
           <a:xfrm>
-            <a:off x="7315209" y="4229101"/>
-            <a:ext cx="1828800" cy="914400"/>
+            <a:off x="7315202" y="4416550"/>
+            <a:ext cx="1828800" cy="731400"/>
           </a:xfrm>
           <a:prstGeom prst="rect">
             <a:avLst/>
@@ -24973,23 +25637,30 @@
               <a:spcAft>
                 <a:spcPts val="0"/>
               </a:spcAft>
-              <a:buClr>
-                <a:schemeClr val="dk1"/>
-              </a:buClr>
-              <a:buSzPts val="1100"/>
-              <a:buFont typeface="Arial"/>
-              <a:buNone/>
-            </a:pPr>
-            <a:r>
-              <a:rPr b="0" lang="en" sz="1000" u="sng">
+              <a:buNone/>
+            </a:pPr>
+            <a:r>
+              <a:rPr b="0" lang="en" sz="900" u="sng">
                 <a:solidFill>
                   <a:schemeClr val="hlink"/>
                 </a:solidFill>
                 <a:hlinkClick r:id="rId3"/>
               </a:rPr>
-              <a:t>https://profriehle.com</a:t>
-            </a:r>
-            <a:endParaRPr b="0" sz="1000"/>
+              <a:t>https://oss.cs.fau.de</a:t>
+            </a:r>
+            <a:r>
+              <a:rPr b="0" lang="en" sz="900">
+                <a:solidFill>
+                  <a:schemeClr val="dk2"/>
+                </a:solidFill>
+              </a:rPr>
+              <a:t> </a:t>
+            </a:r>
+            <a:endParaRPr b="0" sz="900">
+              <a:solidFill>
+                <a:schemeClr val="dk2"/>
+              </a:solidFill>
+            </a:endParaRPr>
           </a:p>
         </p:txBody>
       </p:sp>
@@ -25006,7 +25677,7 @@
   <p:cSld>
     <p:spTree>
       <p:nvGrpSpPr>
-        <p:cNvPr id="269" name="Shape 269"/>
+        <p:cNvPr id="284" name="Shape 284"/>
         <p:cNvGrpSpPr/>
         <p:nvPr/>
       </p:nvGrpSpPr>
@@ -25020,7 +25691,7 @@
       </p:grpSpPr>
       <p:sp>
         <p:nvSpPr>
-          <p:cNvPr id="270" name="Google Shape;270;p43"/>
+          <p:cNvPr id="285" name="Google Shape;285;p43"/>
           <p:cNvSpPr txBox="1"/>
           <p:nvPr>
             <p:ph type="title"/>
@@ -25060,7 +25731,7 @@
       </p:sp>
       <p:sp>
         <p:nvSpPr>
-          <p:cNvPr id="271" name="Google Shape;271;p43"/>
+          <p:cNvPr id="286" name="Google Shape;286;p43"/>
           <p:cNvSpPr txBox="1"/>
           <p:nvPr>
             <p:ph idx="1" type="body"/>
@@ -25116,7 +25787,7 @@
       </p:sp>
       <p:sp>
         <p:nvSpPr>
-          <p:cNvPr id="272" name="Google Shape;272;p43"/>
+          <p:cNvPr id="287" name="Google Shape;287;p43"/>
           <p:cNvSpPr txBox="1"/>
           <p:nvPr>
             <p:ph idx="12" type="sldNum"/>
@@ -25124,8 +25795,8 @@
         </p:nvSpPr>
         <p:spPr>
           <a:xfrm>
-            <a:off x="7315209" y="4229101"/>
-            <a:ext cx="1828800" cy="914400"/>
+            <a:off x="7315202" y="4416550"/>
+            <a:ext cx="1828800" cy="731400"/>
           </a:xfrm>
           <a:prstGeom prst="rect">
             <a:avLst/>
@@ -25160,23 +25831,30 @@
               <a:spcAft>
                 <a:spcPts val="0"/>
               </a:spcAft>
-              <a:buClr>
-                <a:schemeClr val="dk1"/>
-              </a:buClr>
-              <a:buSzPts val="1100"/>
-              <a:buFont typeface="Arial"/>
-              <a:buNone/>
-            </a:pPr>
-            <a:r>
-              <a:rPr b="0" lang="en" sz="1000" u="sng">
+              <a:buNone/>
+            </a:pPr>
+            <a:r>
+              <a:rPr b="0" lang="en" sz="900" u="sng">
                 <a:solidFill>
                   <a:schemeClr val="hlink"/>
                 </a:solidFill>
                 <a:hlinkClick r:id="rId3"/>
               </a:rPr>
-              <a:t>https://profriehle.com</a:t>
-            </a:r>
-            <a:endParaRPr b="0" sz="1000"/>
+              <a:t>https://oss.cs.fau.de</a:t>
+            </a:r>
+            <a:r>
+              <a:rPr b="0" lang="en" sz="900">
+                <a:solidFill>
+                  <a:schemeClr val="dk2"/>
+                </a:solidFill>
+              </a:rPr>
+              <a:t> </a:t>
+            </a:r>
+            <a:endParaRPr b="0" sz="900">
+              <a:solidFill>
+                <a:schemeClr val="dk2"/>
+              </a:solidFill>
+            </a:endParaRPr>
           </a:p>
         </p:txBody>
       </p:sp>
@@ -25193,7 +25871,7 @@
   <p:cSld>
     <p:spTree>
       <p:nvGrpSpPr>
-        <p:cNvPr id="276" name="Shape 276"/>
+        <p:cNvPr id="291" name="Shape 291"/>
         <p:cNvGrpSpPr/>
         <p:nvPr/>
       </p:nvGrpSpPr>
@@ -25207,7 +25885,7 @@
       </p:grpSpPr>
       <p:sp>
         <p:nvSpPr>
-          <p:cNvPr id="277" name="Google Shape;277;p44"/>
+          <p:cNvPr id="292" name="Google Shape;292;p44"/>
           <p:cNvSpPr txBox="1"/>
           <p:nvPr>
             <p:ph type="title"/>
@@ -25247,7 +25925,7 @@
       </p:sp>
       <p:sp>
         <p:nvSpPr>
-          <p:cNvPr id="278" name="Google Shape;278;p44"/>
+          <p:cNvPr id="293" name="Google Shape;293;p44"/>
           <p:cNvSpPr txBox="1"/>
           <p:nvPr>
             <p:ph idx="1" type="body"/>
@@ -25327,7 +26005,7 @@
       </p:sp>
       <p:sp>
         <p:nvSpPr>
-          <p:cNvPr id="279" name="Google Shape;279;p44"/>
+          <p:cNvPr id="294" name="Google Shape;294;p44"/>
           <p:cNvSpPr txBox="1"/>
           <p:nvPr>
             <p:ph idx="12" type="sldNum"/>
@@ -25335,8 +26013,8 @@
         </p:nvSpPr>
         <p:spPr>
           <a:xfrm>
-            <a:off x="7315209" y="4229101"/>
-            <a:ext cx="1828800" cy="914400"/>
+            <a:off x="7315202" y="4416550"/>
+            <a:ext cx="1828800" cy="731400"/>
           </a:xfrm>
           <a:prstGeom prst="rect">
             <a:avLst/>
@@ -25371,23 +26049,30 @@
               <a:spcAft>
                 <a:spcPts val="0"/>
               </a:spcAft>
-              <a:buClr>
-                <a:schemeClr val="dk1"/>
-              </a:buClr>
-              <a:buSzPts val="1100"/>
-              <a:buFont typeface="Arial"/>
-              <a:buNone/>
-            </a:pPr>
-            <a:r>
-              <a:rPr b="0" lang="en" sz="1000" u="sng">
+              <a:buNone/>
+            </a:pPr>
+            <a:r>
+              <a:rPr b="0" lang="en" sz="900" u="sng">
                 <a:solidFill>
                   <a:schemeClr val="hlink"/>
                 </a:solidFill>
                 <a:hlinkClick r:id="rId3"/>
               </a:rPr>
-              <a:t>https://profriehle.com</a:t>
-            </a:r>
-            <a:endParaRPr b="0" sz="1000"/>
+              <a:t>https://oss.cs.fau.de</a:t>
+            </a:r>
+            <a:r>
+              <a:rPr b="0" lang="en" sz="900">
+                <a:solidFill>
+                  <a:schemeClr val="dk2"/>
+                </a:solidFill>
+              </a:rPr>
+              <a:t> </a:t>
+            </a:r>
+            <a:endParaRPr b="0" sz="900">
+              <a:solidFill>
+                <a:schemeClr val="dk2"/>
+              </a:solidFill>
+            </a:endParaRPr>
           </a:p>
         </p:txBody>
       </p:sp>
@@ -25404,7 +26089,7 @@
   <p:cSld>
     <p:spTree>
       <p:nvGrpSpPr>
-        <p:cNvPr id="283" name="Shape 283"/>
+        <p:cNvPr id="298" name="Shape 298"/>
         <p:cNvGrpSpPr/>
         <p:nvPr/>
       </p:nvGrpSpPr>
@@ -25418,7 +26103,7 @@
       </p:grpSpPr>
       <p:sp>
         <p:nvSpPr>
-          <p:cNvPr id="284" name="Google Shape;284;p45"/>
+          <p:cNvPr id="299" name="Google Shape;299;p45"/>
           <p:cNvSpPr txBox="1"/>
           <p:nvPr>
             <p:ph type="title"/>
@@ -25458,7 +26143,7 @@
       </p:sp>
       <p:sp>
         <p:nvSpPr>
-          <p:cNvPr id="285" name="Google Shape;285;p45"/>
+          <p:cNvPr id="300" name="Google Shape;300;p45"/>
           <p:cNvSpPr txBox="1"/>
           <p:nvPr>
             <p:ph idx="1" type="body"/>
@@ -25530,7 +26215,7 @@
       </p:sp>
       <p:sp>
         <p:nvSpPr>
-          <p:cNvPr id="286" name="Google Shape;286;p45"/>
+          <p:cNvPr id="301" name="Google Shape;301;p45"/>
           <p:cNvSpPr txBox="1"/>
           <p:nvPr>
             <p:ph idx="12" type="sldNum"/>
@@ -25538,8 +26223,8 @@
         </p:nvSpPr>
         <p:spPr>
           <a:xfrm>
-            <a:off x="7315209" y="4229101"/>
-            <a:ext cx="1828800" cy="914400"/>
+            <a:off x="7315202" y="4416550"/>
+            <a:ext cx="1828800" cy="731400"/>
           </a:xfrm>
           <a:prstGeom prst="rect">
             <a:avLst/>
@@ -25574,23 +26259,30 @@
               <a:spcAft>
                 <a:spcPts val="0"/>
               </a:spcAft>
-              <a:buClr>
-                <a:schemeClr val="dk1"/>
-              </a:buClr>
-              <a:buSzPts val="1100"/>
-              <a:buFont typeface="Arial"/>
-              <a:buNone/>
-            </a:pPr>
-            <a:r>
-              <a:rPr b="0" lang="en" sz="1000" u="sng">
+              <a:buNone/>
+            </a:pPr>
+            <a:r>
+              <a:rPr b="0" lang="en" sz="900" u="sng">
                 <a:solidFill>
                   <a:schemeClr val="hlink"/>
                 </a:solidFill>
                 <a:hlinkClick r:id="rId3"/>
               </a:rPr>
-              <a:t>https://profriehle.com</a:t>
-            </a:r>
-            <a:endParaRPr b="0" sz="1000"/>
+              <a:t>https://oss.cs.fau.de</a:t>
+            </a:r>
+            <a:r>
+              <a:rPr b="0" lang="en" sz="900">
+                <a:solidFill>
+                  <a:schemeClr val="dk2"/>
+                </a:solidFill>
+              </a:rPr>
+              <a:t> </a:t>
+            </a:r>
+            <a:endParaRPr b="0" sz="900">
+              <a:solidFill>
+                <a:schemeClr val="dk2"/>
+              </a:solidFill>
+            </a:endParaRPr>
           </a:p>
         </p:txBody>
       </p:sp>
@@ -25607,7 +26299,7 @@
   <p:cSld>
     <p:spTree>
       <p:nvGrpSpPr>
-        <p:cNvPr id="290" name="Shape 290"/>
+        <p:cNvPr id="305" name="Shape 305"/>
         <p:cNvGrpSpPr/>
         <p:nvPr/>
       </p:nvGrpSpPr>
@@ -25621,7 +26313,7 @@
       </p:grpSpPr>
       <p:sp>
         <p:nvSpPr>
-          <p:cNvPr id="291" name="Google Shape;291;p46"/>
+          <p:cNvPr id="306" name="Google Shape;306;p46"/>
           <p:cNvSpPr txBox="1"/>
           <p:nvPr>
             <p:ph type="title"/>
@@ -25672,7 +26364,7 @@
   <p:cSld>
     <p:spTree>
       <p:nvGrpSpPr>
-        <p:cNvPr id="54" name="Shape 54"/>
+        <p:cNvPr id="69" name="Shape 69"/>
         <p:cNvGrpSpPr/>
         <p:nvPr/>
       </p:nvGrpSpPr>
@@ -25686,7 +26378,7 @@
       </p:grpSpPr>
       <p:sp>
         <p:nvSpPr>
-          <p:cNvPr id="55" name="Google Shape;55;p11"/>
+          <p:cNvPr id="70" name="Google Shape;70;p11"/>
           <p:cNvSpPr txBox="1"/>
           <p:nvPr>
             <p:ph type="title"/>
@@ -25726,7 +26418,7 @@
       </p:sp>
       <p:sp>
         <p:nvSpPr>
-          <p:cNvPr id="56" name="Google Shape;56;p11"/>
+          <p:cNvPr id="71" name="Google Shape;71;p11"/>
           <p:cNvSpPr txBox="1"/>
           <p:nvPr>
             <p:ph idx="1" type="body"/>
@@ -25875,7 +26567,7 @@
       </p:sp>
       <p:sp>
         <p:nvSpPr>
-          <p:cNvPr id="57" name="Google Shape;57;p11"/>
+          <p:cNvPr id="72" name="Google Shape;72;p11"/>
           <p:cNvSpPr txBox="1"/>
           <p:nvPr>
             <p:ph idx="12" type="sldNum"/>
@@ -25883,8 +26575,8 @@
         </p:nvSpPr>
         <p:spPr>
           <a:xfrm>
-            <a:off x="7315209" y="4229101"/>
-            <a:ext cx="1828800" cy="914400"/>
+            <a:off x="7315202" y="4416550"/>
+            <a:ext cx="1828800" cy="731400"/>
           </a:xfrm>
           <a:prstGeom prst="rect">
             <a:avLst/>
@@ -25919,23 +26611,30 @@
               <a:spcAft>
                 <a:spcPts val="0"/>
               </a:spcAft>
-              <a:buClr>
-                <a:schemeClr val="dk1"/>
-              </a:buClr>
-              <a:buSzPts val="1100"/>
-              <a:buFont typeface="Arial"/>
-              <a:buNone/>
-            </a:pPr>
-            <a:r>
-              <a:rPr b="0" lang="en" sz="1000" u="sng">
+              <a:buNone/>
+            </a:pPr>
+            <a:r>
+              <a:rPr b="0" lang="en" sz="900" u="sng">
                 <a:solidFill>
                   <a:schemeClr val="hlink"/>
                 </a:solidFill>
                 <a:hlinkClick r:id="rId3"/>
               </a:rPr>
-              <a:t>https://profriehle.com</a:t>
-            </a:r>
-            <a:endParaRPr b="0" sz="1000"/>
+              <a:t>https://oss.cs.fau.de</a:t>
+            </a:r>
+            <a:r>
+              <a:rPr b="0" lang="en" sz="900">
+                <a:solidFill>
+                  <a:schemeClr val="dk2"/>
+                </a:solidFill>
+              </a:rPr>
+              <a:t> </a:t>
+            </a:r>
+            <a:endParaRPr b="0" sz="900">
+              <a:solidFill>
+                <a:schemeClr val="dk2"/>
+              </a:solidFill>
+            </a:endParaRPr>
           </a:p>
         </p:txBody>
       </p:sp>
@@ -25952,7 +26651,7 @@
   <p:cSld>
     <p:spTree>
       <p:nvGrpSpPr>
-        <p:cNvPr id="295" name="Shape 295"/>
+        <p:cNvPr id="310" name="Shape 310"/>
         <p:cNvGrpSpPr/>
         <p:nvPr/>
       </p:nvGrpSpPr>
@@ -25966,7 +26665,7 @@
       </p:grpSpPr>
       <p:sp>
         <p:nvSpPr>
-          <p:cNvPr id="296" name="Google Shape;296;p47"/>
+          <p:cNvPr id="311" name="Google Shape;311;p47"/>
           <p:cNvSpPr txBox="1"/>
           <p:nvPr>
             <p:ph type="title"/>
@@ -26010,7 +26709,7 @@
       </p:sp>
       <p:sp>
         <p:nvSpPr>
-          <p:cNvPr id="297" name="Google Shape;297;p47"/>
+          <p:cNvPr id="312" name="Google Shape;312;p47"/>
           <p:cNvSpPr txBox="1"/>
           <p:nvPr>
             <p:ph idx="1" type="body"/>
@@ -26110,7 +26809,7 @@
       </p:sp>
       <p:sp>
         <p:nvSpPr>
-          <p:cNvPr id="298" name="Google Shape;298;p47"/>
+          <p:cNvPr id="313" name="Google Shape;313;p47"/>
           <p:cNvSpPr txBox="1"/>
           <p:nvPr>
             <p:ph idx="12" type="sldNum"/>
@@ -26118,8 +26817,8 @@
         </p:nvSpPr>
         <p:spPr>
           <a:xfrm>
-            <a:off x="7315209" y="4229101"/>
-            <a:ext cx="1828800" cy="914400"/>
+            <a:off x="7315202" y="4416550"/>
+            <a:ext cx="1828800" cy="731400"/>
           </a:xfrm>
           <a:prstGeom prst="rect">
             <a:avLst/>
@@ -26154,23 +26853,30 @@
               <a:spcAft>
                 <a:spcPts val="0"/>
               </a:spcAft>
-              <a:buClr>
-                <a:schemeClr val="dk1"/>
-              </a:buClr>
-              <a:buSzPts val="1100"/>
-              <a:buFont typeface="Arial"/>
-              <a:buNone/>
-            </a:pPr>
-            <a:r>
-              <a:rPr b="0" lang="en" sz="1000" u="sng">
+              <a:buNone/>
+            </a:pPr>
+            <a:r>
+              <a:rPr b="0" lang="en" sz="900" u="sng">
                 <a:solidFill>
                   <a:schemeClr val="hlink"/>
                 </a:solidFill>
                 <a:hlinkClick r:id="rId3"/>
               </a:rPr>
-              <a:t>https://profriehle.com</a:t>
-            </a:r>
-            <a:endParaRPr b="0" sz="1000"/>
+              <a:t>https://oss.cs.fau.de</a:t>
+            </a:r>
+            <a:r>
+              <a:rPr b="0" lang="en" sz="900">
+                <a:solidFill>
+                  <a:schemeClr val="dk2"/>
+                </a:solidFill>
+              </a:rPr>
+              <a:t> </a:t>
+            </a:r>
+            <a:endParaRPr b="0" sz="900">
+              <a:solidFill>
+                <a:schemeClr val="dk2"/>
+              </a:solidFill>
+            </a:endParaRPr>
           </a:p>
         </p:txBody>
       </p:sp>
@@ -26187,7 +26893,7 @@
   <p:cSld>
     <p:spTree>
       <p:nvGrpSpPr>
-        <p:cNvPr id="302" name="Shape 302"/>
+        <p:cNvPr id="317" name="Shape 317"/>
         <p:cNvGrpSpPr/>
         <p:nvPr/>
       </p:nvGrpSpPr>
@@ -26201,7 +26907,7 @@
       </p:grpSpPr>
       <p:sp>
         <p:nvSpPr>
-          <p:cNvPr id="303" name="Google Shape;303;p48"/>
+          <p:cNvPr id="318" name="Google Shape;318;p48"/>
           <p:cNvSpPr txBox="1"/>
           <p:nvPr>
             <p:ph type="title"/>
@@ -26241,7 +26947,7 @@
       </p:sp>
       <p:sp>
         <p:nvSpPr>
-          <p:cNvPr id="304" name="Google Shape;304;p48"/>
+          <p:cNvPr id="319" name="Google Shape;319;p48"/>
           <p:cNvSpPr txBox="1"/>
           <p:nvPr>
             <p:ph idx="12" type="sldNum"/>
@@ -26249,8 +26955,8 @@
         </p:nvSpPr>
         <p:spPr>
           <a:xfrm>
-            <a:off x="7315209" y="4229101"/>
-            <a:ext cx="1828800" cy="914400"/>
+            <a:off x="7315202" y="4416550"/>
+            <a:ext cx="1828800" cy="731400"/>
           </a:xfrm>
           <a:prstGeom prst="rect">
             <a:avLst/>
@@ -26285,29 +26991,36 @@
               <a:spcAft>
                 <a:spcPts val="0"/>
               </a:spcAft>
-              <a:buClr>
-                <a:schemeClr val="dk1"/>
-              </a:buClr>
-              <a:buSzPts val="1100"/>
-              <a:buFont typeface="Arial"/>
-              <a:buNone/>
-            </a:pPr>
-            <a:r>
-              <a:rPr b="0" lang="en" sz="1000" u="sng">
+              <a:buNone/>
+            </a:pPr>
+            <a:r>
+              <a:rPr b="0" lang="en" sz="900" u="sng">
                 <a:solidFill>
                   <a:schemeClr val="hlink"/>
                 </a:solidFill>
                 <a:hlinkClick r:id="rId3"/>
               </a:rPr>
-              <a:t>https://profriehle.com</a:t>
-            </a:r>
-            <a:endParaRPr b="0" sz="1000"/>
+              <a:t>https://oss.cs.fau.de</a:t>
+            </a:r>
+            <a:r>
+              <a:rPr b="0" lang="en" sz="900">
+                <a:solidFill>
+                  <a:schemeClr val="dk2"/>
+                </a:solidFill>
+              </a:rPr>
+              <a:t> </a:t>
+            </a:r>
+            <a:endParaRPr>
+              <a:solidFill>
+                <a:schemeClr val="dk2"/>
+              </a:solidFill>
+            </a:endParaRPr>
           </a:p>
         </p:txBody>
       </p:sp>
       <p:pic>
         <p:nvPicPr>
-          <p:cNvPr id="305" name="Google Shape;305;p48"/>
+          <p:cNvPr id="320" name="Google Shape;320;p48"/>
           <p:cNvPicPr preferRelativeResize="0"/>
           <p:nvPr/>
         </p:nvPicPr>
@@ -26322,7 +27035,7 @@
         <p:spPr>
           <a:xfrm>
             <a:off x="274320" y="914400"/>
-            <a:ext cx="8595360" cy="3493598"/>
+            <a:ext cx="8595360" cy="3502840"/>
           </a:xfrm>
           <a:prstGeom prst="rect">
             <a:avLst/>
@@ -26346,7 +27059,7 @@
   <p:cSld>
     <p:spTree>
       <p:nvGrpSpPr>
-        <p:cNvPr id="309" name="Shape 309"/>
+        <p:cNvPr id="324" name="Shape 324"/>
         <p:cNvGrpSpPr/>
         <p:nvPr/>
       </p:nvGrpSpPr>
@@ -26360,7 +27073,7 @@
       </p:grpSpPr>
       <p:sp>
         <p:nvSpPr>
-          <p:cNvPr id="310" name="Google Shape;310;p49"/>
+          <p:cNvPr id="325" name="Google Shape;325;p49"/>
           <p:cNvSpPr txBox="1"/>
           <p:nvPr>
             <p:ph type="title"/>
@@ -26400,7 +27113,7 @@
       </p:sp>
       <p:sp>
         <p:nvSpPr>
-          <p:cNvPr id="311" name="Google Shape;311;p49"/>
+          <p:cNvPr id="326" name="Google Shape;326;p49"/>
           <p:cNvSpPr txBox="1"/>
           <p:nvPr>
             <p:ph idx="12" type="sldNum"/>
@@ -26408,8 +27121,8 @@
         </p:nvSpPr>
         <p:spPr>
           <a:xfrm>
-            <a:off x="7315209" y="4229101"/>
-            <a:ext cx="1828800" cy="914400"/>
+            <a:off x="7315202" y="4416550"/>
+            <a:ext cx="1828800" cy="731400"/>
           </a:xfrm>
           <a:prstGeom prst="rect">
             <a:avLst/>
@@ -26444,29 +27157,36 @@
               <a:spcAft>
                 <a:spcPts val="0"/>
               </a:spcAft>
-              <a:buClr>
-                <a:schemeClr val="dk1"/>
-              </a:buClr>
-              <a:buSzPts val="1100"/>
-              <a:buFont typeface="Arial"/>
-              <a:buNone/>
-            </a:pPr>
-            <a:r>
-              <a:rPr b="0" lang="en" sz="1000" u="sng">
+              <a:buNone/>
+            </a:pPr>
+            <a:r>
+              <a:rPr b="0" lang="en" sz="900" u="sng">
                 <a:solidFill>
                   <a:schemeClr val="hlink"/>
                 </a:solidFill>
                 <a:hlinkClick r:id="rId3"/>
               </a:rPr>
-              <a:t>https://profriehle.com</a:t>
-            </a:r>
-            <a:endParaRPr b="0" sz="1000"/>
+              <a:t>https://oss.cs.fau.de</a:t>
+            </a:r>
+            <a:r>
+              <a:rPr b="0" lang="en" sz="900">
+                <a:solidFill>
+                  <a:schemeClr val="dk2"/>
+                </a:solidFill>
+              </a:rPr>
+              <a:t> </a:t>
+            </a:r>
+            <a:endParaRPr>
+              <a:solidFill>
+                <a:schemeClr val="dk2"/>
+              </a:solidFill>
+            </a:endParaRPr>
           </a:p>
         </p:txBody>
       </p:sp>
       <p:pic>
         <p:nvPicPr>
-          <p:cNvPr id="312" name="Google Shape;312;p49"/>
+          <p:cNvPr id="327" name="Google Shape;327;p49"/>
           <p:cNvPicPr preferRelativeResize="0"/>
           <p:nvPr/>
         </p:nvPicPr>
@@ -26481,7 +27201,7 @@
         <p:spPr>
           <a:xfrm>
             <a:off x="274320" y="914400"/>
-            <a:ext cx="8595360" cy="3493598"/>
+            <a:ext cx="8595360" cy="3502840"/>
           </a:xfrm>
           <a:prstGeom prst="rect">
             <a:avLst/>
@@ -26505,7 +27225,7 @@
   <p:cSld>
     <p:spTree>
       <p:nvGrpSpPr>
-        <p:cNvPr id="316" name="Shape 316"/>
+        <p:cNvPr id="331" name="Shape 331"/>
         <p:cNvGrpSpPr/>
         <p:nvPr/>
       </p:nvGrpSpPr>
@@ -26519,7 +27239,7 @@
       </p:grpSpPr>
       <p:sp>
         <p:nvSpPr>
-          <p:cNvPr id="317" name="Google Shape;317;p50"/>
+          <p:cNvPr id="332" name="Google Shape;332;p50"/>
           <p:cNvSpPr txBox="1"/>
           <p:nvPr>
             <p:ph type="title"/>
@@ -26559,7 +27279,7 @@
       </p:sp>
       <p:sp>
         <p:nvSpPr>
-          <p:cNvPr id="318" name="Google Shape;318;p50"/>
+          <p:cNvPr id="333" name="Google Shape;333;p50"/>
           <p:cNvSpPr txBox="1"/>
           <p:nvPr>
             <p:ph idx="12" type="sldNum"/>
@@ -26567,8 +27287,8 @@
         </p:nvSpPr>
         <p:spPr>
           <a:xfrm>
-            <a:off x="7315209" y="4229101"/>
-            <a:ext cx="1828800" cy="914400"/>
+            <a:off x="7315202" y="4416550"/>
+            <a:ext cx="1828800" cy="731400"/>
           </a:xfrm>
           <a:prstGeom prst="rect">
             <a:avLst/>
@@ -26603,29 +27323,36 @@
               <a:spcAft>
                 <a:spcPts val="0"/>
               </a:spcAft>
-              <a:buClr>
-                <a:schemeClr val="dk1"/>
-              </a:buClr>
-              <a:buSzPts val="1100"/>
-              <a:buFont typeface="Arial"/>
-              <a:buNone/>
-            </a:pPr>
-            <a:r>
-              <a:rPr b="0" lang="en" sz="1000" u="sng">
+              <a:buNone/>
+            </a:pPr>
+            <a:r>
+              <a:rPr b="0" lang="en" sz="900" u="sng">
                 <a:solidFill>
                   <a:schemeClr val="hlink"/>
                 </a:solidFill>
                 <a:hlinkClick r:id="rId3"/>
               </a:rPr>
-              <a:t>https://profriehle.com</a:t>
-            </a:r>
-            <a:endParaRPr b="0" sz="1000"/>
+              <a:t>https://oss.cs.fau.de</a:t>
+            </a:r>
+            <a:r>
+              <a:rPr b="0" lang="en" sz="900">
+                <a:solidFill>
+                  <a:schemeClr val="dk2"/>
+                </a:solidFill>
+              </a:rPr>
+              <a:t> </a:t>
+            </a:r>
+            <a:endParaRPr>
+              <a:solidFill>
+                <a:schemeClr val="dk2"/>
+              </a:solidFill>
+            </a:endParaRPr>
           </a:p>
         </p:txBody>
       </p:sp>
       <p:pic>
         <p:nvPicPr>
-          <p:cNvPr id="319" name="Google Shape;319;p50"/>
+          <p:cNvPr id="334" name="Google Shape;334;p50"/>
           <p:cNvPicPr preferRelativeResize="0"/>
           <p:nvPr/>
         </p:nvPicPr>
@@ -26640,7 +27367,7 @@
         <p:spPr>
           <a:xfrm>
             <a:off x="274320" y="914400"/>
-            <a:ext cx="8595360" cy="3493598"/>
+            <a:ext cx="8595360" cy="3502840"/>
           </a:xfrm>
           <a:prstGeom prst="rect">
             <a:avLst/>
@@ -26664,7 +27391,7 @@
   <p:cSld>
     <p:spTree>
       <p:nvGrpSpPr>
-        <p:cNvPr id="323" name="Shape 323"/>
+        <p:cNvPr id="338" name="Shape 338"/>
         <p:cNvGrpSpPr/>
         <p:nvPr/>
       </p:nvGrpSpPr>
@@ -26678,7 +27405,7 @@
       </p:grpSpPr>
       <p:sp>
         <p:nvSpPr>
-          <p:cNvPr id="324" name="Google Shape;324;p51"/>
+          <p:cNvPr id="339" name="Google Shape;339;p51"/>
           <p:cNvSpPr txBox="1"/>
           <p:nvPr>
             <p:ph type="title"/>
@@ -26718,7 +27445,7 @@
       </p:sp>
       <p:sp>
         <p:nvSpPr>
-          <p:cNvPr id="325" name="Google Shape;325;p51"/>
+          <p:cNvPr id="340" name="Google Shape;340;p51"/>
           <p:cNvSpPr txBox="1"/>
           <p:nvPr>
             <p:ph idx="12" type="sldNum"/>
@@ -26726,8 +27453,8 @@
         </p:nvSpPr>
         <p:spPr>
           <a:xfrm>
-            <a:off x="7315209" y="4229101"/>
-            <a:ext cx="1828800" cy="914400"/>
+            <a:off x="7315202" y="4416550"/>
+            <a:ext cx="1828800" cy="731400"/>
           </a:xfrm>
           <a:prstGeom prst="rect">
             <a:avLst/>
@@ -26762,29 +27489,36 @@
               <a:spcAft>
                 <a:spcPts val="0"/>
               </a:spcAft>
-              <a:buClr>
-                <a:schemeClr val="dk1"/>
-              </a:buClr>
-              <a:buSzPts val="1100"/>
-              <a:buFont typeface="Arial"/>
-              <a:buNone/>
-            </a:pPr>
-            <a:r>
-              <a:rPr b="0" lang="en" sz="1000" u="sng">
+              <a:buNone/>
+            </a:pPr>
+            <a:r>
+              <a:rPr b="0" lang="en" sz="900" u="sng">
                 <a:solidFill>
                   <a:schemeClr val="hlink"/>
                 </a:solidFill>
                 <a:hlinkClick r:id="rId3"/>
               </a:rPr>
-              <a:t>https://profriehle.com</a:t>
-            </a:r>
-            <a:endParaRPr b="0" sz="1000"/>
+              <a:t>https://oss.cs.fau.de</a:t>
+            </a:r>
+            <a:r>
+              <a:rPr b="0" lang="en" sz="900">
+                <a:solidFill>
+                  <a:schemeClr val="dk2"/>
+                </a:solidFill>
+              </a:rPr>
+              <a:t> </a:t>
+            </a:r>
+            <a:endParaRPr>
+              <a:solidFill>
+                <a:schemeClr val="dk2"/>
+              </a:solidFill>
+            </a:endParaRPr>
           </a:p>
         </p:txBody>
       </p:sp>
       <p:pic>
         <p:nvPicPr>
-          <p:cNvPr id="326" name="Google Shape;326;p51"/>
+          <p:cNvPr id="341" name="Google Shape;341;p51"/>
           <p:cNvPicPr preferRelativeResize="0"/>
           <p:nvPr/>
         </p:nvPicPr>
@@ -26799,7 +27533,7 @@
         <p:spPr>
           <a:xfrm>
             <a:off x="274320" y="914400"/>
-            <a:ext cx="8595360" cy="3493598"/>
+            <a:ext cx="8595360" cy="3502840"/>
           </a:xfrm>
           <a:prstGeom prst="rect">
             <a:avLst/>
@@ -26823,7 +27557,7 @@
   <p:cSld>
     <p:spTree>
       <p:nvGrpSpPr>
-        <p:cNvPr id="330" name="Shape 330"/>
+        <p:cNvPr id="345" name="Shape 345"/>
         <p:cNvGrpSpPr/>
         <p:nvPr/>
       </p:nvGrpSpPr>
@@ -26837,7 +27571,7 @@
       </p:grpSpPr>
       <p:sp>
         <p:nvSpPr>
-          <p:cNvPr id="331" name="Google Shape;331;p52"/>
+          <p:cNvPr id="346" name="Google Shape;346;p52"/>
           <p:cNvSpPr txBox="1"/>
           <p:nvPr>
             <p:ph type="title"/>
@@ -26877,7 +27611,7 @@
       </p:sp>
       <p:sp>
         <p:nvSpPr>
-          <p:cNvPr id="332" name="Google Shape;332;p52"/>
+          <p:cNvPr id="347" name="Google Shape;347;p52"/>
           <p:cNvSpPr txBox="1"/>
           <p:nvPr>
             <p:ph idx="12" type="sldNum"/>
@@ -26885,8 +27619,8 @@
         </p:nvSpPr>
         <p:spPr>
           <a:xfrm>
-            <a:off x="7315209" y="4229101"/>
-            <a:ext cx="1828800" cy="914400"/>
+            <a:off x="7315202" y="4416550"/>
+            <a:ext cx="1828800" cy="731400"/>
           </a:xfrm>
           <a:prstGeom prst="rect">
             <a:avLst/>
@@ -26929,21 +27663,25 @@
               <a:buNone/>
             </a:pPr>
             <a:r>
-              <a:rPr b="0" lang="en" sz="1000" u="sng">
+              <a:rPr b="0" lang="en" sz="900" u="sng">
                 <a:solidFill>
                   <a:schemeClr val="hlink"/>
                 </a:solidFill>
                 <a:hlinkClick r:id="rId3"/>
               </a:rPr>
-              <a:t>https://profriehle.com</a:t>
-            </a:r>
-            <a:endParaRPr b="0" sz="1000"/>
+              <a:t>https://oss.cs.fau.de</a:t>
+            </a:r>
+            <a:endParaRPr>
+              <a:solidFill>
+                <a:schemeClr val="dk2"/>
+              </a:solidFill>
+            </a:endParaRPr>
           </a:p>
         </p:txBody>
       </p:sp>
       <p:sp>
         <p:nvSpPr>
-          <p:cNvPr id="333" name="Google Shape;333;p52"/>
+          <p:cNvPr id="348" name="Google Shape;348;p52"/>
           <p:cNvSpPr txBox="1"/>
           <p:nvPr>
             <p:ph idx="1" type="body"/>
@@ -27136,7 +27874,7 @@
       </p:sp>
       <p:sp>
         <p:nvSpPr>
-          <p:cNvPr id="334" name="Google Shape;334;p52"/>
+          <p:cNvPr id="349" name="Google Shape;349;p52"/>
           <p:cNvSpPr txBox="1"/>
           <p:nvPr>
             <p:ph idx="2" type="body"/>
@@ -27306,7 +28044,7 @@
   <p:cSld>
     <p:spTree>
       <p:nvGrpSpPr>
-        <p:cNvPr id="338" name="Shape 338"/>
+        <p:cNvPr id="353" name="Shape 353"/>
         <p:cNvGrpSpPr/>
         <p:nvPr/>
       </p:nvGrpSpPr>
@@ -27320,7 +28058,7 @@
       </p:grpSpPr>
       <p:sp>
         <p:nvSpPr>
-          <p:cNvPr id="339" name="Google Shape;339;p53"/>
+          <p:cNvPr id="354" name="Google Shape;354;p53"/>
           <p:cNvSpPr txBox="1"/>
           <p:nvPr>
             <p:ph type="title"/>
@@ -27360,7 +28098,7 @@
       </p:sp>
       <p:sp>
         <p:nvSpPr>
-          <p:cNvPr id="340" name="Google Shape;340;p53"/>
+          <p:cNvPr id="355" name="Google Shape;355;p53"/>
           <p:cNvSpPr txBox="1"/>
           <p:nvPr>
             <p:ph idx="1" type="body"/>
@@ -27476,7 +28214,7 @@
             </a:pPr>
             <a:r>
               <a:rPr lang="en"/>
-              <a:t>UglyLargeRipeStraightYellowJamaicanSoftEdibleBanana</a:t>
+              <a:t>FunnyLargeRipeStraightYellowJamaicanSoftEdibleBanana</a:t>
             </a:r>
             <a:endParaRPr/>
           </a:p>
@@ -27516,7 +28254,7 @@
       </p:sp>
       <p:sp>
         <p:nvSpPr>
-          <p:cNvPr id="341" name="Google Shape;341;p53"/>
+          <p:cNvPr id="356" name="Google Shape;356;p53"/>
           <p:cNvSpPr txBox="1"/>
           <p:nvPr>
             <p:ph idx="12" type="sldNum"/>
@@ -27524,8 +28262,8 @@
         </p:nvSpPr>
         <p:spPr>
           <a:xfrm>
-            <a:off x="7315209" y="4229101"/>
-            <a:ext cx="1828800" cy="914400"/>
+            <a:off x="7315202" y="4416550"/>
+            <a:ext cx="1828800" cy="731400"/>
           </a:xfrm>
           <a:prstGeom prst="rect">
             <a:avLst/>
@@ -27560,23 +28298,30 @@
               <a:spcAft>
                 <a:spcPts val="0"/>
               </a:spcAft>
-              <a:buClr>
-                <a:schemeClr val="dk1"/>
-              </a:buClr>
-              <a:buSzPts val="1100"/>
-              <a:buFont typeface="Arial"/>
-              <a:buNone/>
-            </a:pPr>
-            <a:r>
-              <a:rPr b="0" lang="en" sz="1000" u="sng">
+              <a:buNone/>
+            </a:pPr>
+            <a:r>
+              <a:rPr b="0" lang="en" sz="900" u="sng">
                 <a:solidFill>
                   <a:schemeClr val="hlink"/>
                 </a:solidFill>
                 <a:hlinkClick r:id="rId3"/>
               </a:rPr>
-              <a:t>https://profriehle.com</a:t>
-            </a:r>
-            <a:endParaRPr b="0" sz="1000"/>
+              <a:t>https://oss.cs.fau.de</a:t>
+            </a:r>
+            <a:r>
+              <a:rPr b="0" lang="en" sz="900">
+                <a:solidFill>
+                  <a:schemeClr val="dk2"/>
+                </a:solidFill>
+              </a:rPr>
+              <a:t> </a:t>
+            </a:r>
+            <a:endParaRPr b="0" sz="900">
+              <a:solidFill>
+                <a:schemeClr val="dk2"/>
+              </a:solidFill>
+            </a:endParaRPr>
           </a:p>
         </p:txBody>
       </p:sp>
@@ -27593,7 +28338,7 @@
   <p:cSld>
     <p:spTree>
       <p:nvGrpSpPr>
-        <p:cNvPr id="345" name="Shape 345"/>
+        <p:cNvPr id="360" name="Shape 360"/>
         <p:cNvGrpSpPr/>
         <p:nvPr/>
       </p:nvGrpSpPr>
@@ -27607,7 +28352,7 @@
       </p:grpSpPr>
       <p:sp>
         <p:nvSpPr>
-          <p:cNvPr id="346" name="Google Shape;346;p54"/>
+          <p:cNvPr id="361" name="Google Shape;361;p54"/>
           <p:cNvSpPr txBox="1"/>
           <p:nvPr>
             <p:ph type="title"/>
@@ -27658,7 +28403,7 @@
   <p:cSld>
     <p:spTree>
       <p:nvGrpSpPr>
-        <p:cNvPr id="350" name="Shape 350"/>
+        <p:cNvPr id="365" name="Shape 365"/>
         <p:cNvGrpSpPr/>
         <p:nvPr/>
       </p:nvGrpSpPr>
@@ -27672,7 +28417,7 @@
       </p:grpSpPr>
       <p:sp>
         <p:nvSpPr>
-          <p:cNvPr id="351" name="Google Shape;351;p55"/>
+          <p:cNvPr id="366" name="Google Shape;366;p55"/>
           <p:cNvSpPr txBox="1"/>
           <p:nvPr>
             <p:ph type="title"/>
@@ -27712,7 +28457,7 @@
       </p:sp>
       <p:sp>
         <p:nvSpPr>
-          <p:cNvPr id="352" name="Google Shape;352;p55"/>
+          <p:cNvPr id="367" name="Google Shape;367;p55"/>
           <p:cNvSpPr txBox="1"/>
           <p:nvPr>
             <p:ph idx="1" type="body"/>
@@ -27830,7 +28575,7 @@
             </a:pPr>
             <a:r>
               <a:rPr lang="en"/>
-              <a:t>Commit homework by deadline to homework folder</a:t>
+              <a:t>Commit homework by deadline to homework repository</a:t>
             </a:r>
             <a:endParaRPr/>
           </a:p>
@@ -27853,7 +28598,7 @@
       </p:sp>
       <p:sp>
         <p:nvSpPr>
-          <p:cNvPr id="353" name="Google Shape;353;p55"/>
+          <p:cNvPr id="368" name="Google Shape;368;p55"/>
           <p:cNvSpPr txBox="1"/>
           <p:nvPr>
             <p:ph idx="12" type="sldNum"/>
@@ -27861,8 +28606,8 @@
         </p:nvSpPr>
         <p:spPr>
           <a:xfrm>
-            <a:off x="7315209" y="4229101"/>
-            <a:ext cx="1828800" cy="914400"/>
+            <a:off x="7315202" y="4416550"/>
+            <a:ext cx="1828800" cy="731400"/>
           </a:xfrm>
           <a:prstGeom prst="rect">
             <a:avLst/>
@@ -27897,23 +28642,30 @@
               <a:spcAft>
                 <a:spcPts val="0"/>
               </a:spcAft>
-              <a:buClr>
-                <a:schemeClr val="dk1"/>
-              </a:buClr>
-              <a:buSzPts val="1100"/>
-              <a:buFont typeface="Arial"/>
-              <a:buNone/>
-            </a:pPr>
-            <a:r>
-              <a:rPr b="0" lang="en" sz="1000" u="sng">
+              <a:buNone/>
+            </a:pPr>
+            <a:r>
+              <a:rPr b="0" lang="en" sz="900" u="sng">
                 <a:solidFill>
                   <a:schemeClr val="hlink"/>
                 </a:solidFill>
                 <a:hlinkClick r:id="rId3"/>
               </a:rPr>
-              <a:t>https://profriehle.com</a:t>
-            </a:r>
-            <a:endParaRPr b="0" sz="1000"/>
+              <a:t>https://oss.cs.fau.de</a:t>
+            </a:r>
+            <a:r>
+              <a:rPr b="0" lang="en" sz="900">
+                <a:solidFill>
+                  <a:schemeClr val="dk2"/>
+                </a:solidFill>
+              </a:rPr>
+              <a:t> </a:t>
+            </a:r>
+            <a:endParaRPr b="0" sz="900">
+              <a:solidFill>
+                <a:schemeClr val="dk2"/>
+              </a:solidFill>
+            </a:endParaRPr>
           </a:p>
         </p:txBody>
       </p:sp>
@@ -27930,7 +28682,7 @@
   <p:cSld>
     <p:spTree>
       <p:nvGrpSpPr>
-        <p:cNvPr id="357" name="Shape 357"/>
+        <p:cNvPr id="372" name="Shape 372"/>
         <p:cNvGrpSpPr/>
         <p:nvPr/>
       </p:nvGrpSpPr>
@@ -27944,7 +28696,7 @@
       </p:grpSpPr>
       <p:sp>
         <p:nvSpPr>
-          <p:cNvPr id="358" name="Google Shape;358;p56"/>
+          <p:cNvPr id="373" name="Google Shape;373;p56"/>
           <p:cNvSpPr txBox="1"/>
           <p:nvPr>
             <p:ph type="title"/>
@@ -27984,7 +28736,7 @@
       </p:sp>
       <p:sp>
         <p:nvSpPr>
-          <p:cNvPr id="359" name="Google Shape;359;p56"/>
+          <p:cNvPr id="374" name="Google Shape;374;p56"/>
           <p:cNvSpPr txBox="1"/>
           <p:nvPr>
             <p:ph idx="1" type="body"/>
@@ -28162,7 +28914,7 @@
       </p:sp>
       <p:sp>
         <p:nvSpPr>
-          <p:cNvPr id="360" name="Google Shape;360;p56"/>
+          <p:cNvPr id="375" name="Google Shape;375;p56"/>
           <p:cNvSpPr txBox="1"/>
           <p:nvPr>
             <p:ph idx="12" type="sldNum"/>
@@ -28170,8 +28922,8 @@
         </p:nvSpPr>
         <p:spPr>
           <a:xfrm>
-            <a:off x="7315209" y="4229101"/>
-            <a:ext cx="1828800" cy="914400"/>
+            <a:off x="7315202" y="4416550"/>
+            <a:ext cx="1828800" cy="731400"/>
           </a:xfrm>
           <a:prstGeom prst="rect">
             <a:avLst/>
@@ -28206,23 +28958,30 @@
               <a:spcAft>
                 <a:spcPts val="0"/>
               </a:spcAft>
-              <a:buClr>
-                <a:schemeClr val="dk1"/>
-              </a:buClr>
-              <a:buSzPts val="1100"/>
-              <a:buFont typeface="Arial"/>
-              <a:buNone/>
-            </a:pPr>
-            <a:r>
-              <a:rPr b="0" lang="en" sz="1000" u="sng">
+              <a:buNone/>
+            </a:pPr>
+            <a:r>
+              <a:rPr b="0" lang="en" sz="900" u="sng">
                 <a:solidFill>
                   <a:schemeClr val="hlink"/>
                 </a:solidFill>
                 <a:hlinkClick r:id="rId3"/>
               </a:rPr>
-              <a:t>https://profriehle.com</a:t>
-            </a:r>
-            <a:endParaRPr b="0" sz="1000"/>
+              <a:t>https://oss.cs.fau.de</a:t>
+            </a:r>
+            <a:r>
+              <a:rPr b="0" lang="en" sz="900">
+                <a:solidFill>
+                  <a:schemeClr val="dk2"/>
+                </a:solidFill>
+              </a:rPr>
+              <a:t> </a:t>
+            </a:r>
+            <a:endParaRPr b="0" sz="900">
+              <a:solidFill>
+                <a:schemeClr val="dk2"/>
+              </a:solidFill>
+            </a:endParaRPr>
           </a:p>
         </p:txBody>
       </p:sp>
@@ -28239,7 +28998,7 @@
   <p:cSld>
     <p:spTree>
       <p:nvGrpSpPr>
-        <p:cNvPr id="61" name="Shape 61"/>
+        <p:cNvPr id="76" name="Shape 76"/>
         <p:cNvGrpSpPr/>
         <p:nvPr/>
       </p:nvGrpSpPr>
@@ -28253,7 +29012,7 @@
       </p:grpSpPr>
       <p:sp>
         <p:nvSpPr>
-          <p:cNvPr id="62" name="Google Shape;62;p12"/>
+          <p:cNvPr id="77" name="Google Shape;77;p12"/>
           <p:cNvSpPr txBox="1"/>
           <p:nvPr>
             <p:ph idx="1" type="body"/>
@@ -28430,7 +29189,7 @@
       </p:sp>
       <p:sp>
         <p:nvSpPr>
-          <p:cNvPr id="63" name="Google Shape;63;p12"/>
+          <p:cNvPr id="78" name="Google Shape;78;p12"/>
           <p:cNvSpPr txBox="1"/>
           <p:nvPr>
             <p:ph type="title"/>
@@ -28470,7 +29229,7 @@
       </p:sp>
       <p:sp>
         <p:nvSpPr>
-          <p:cNvPr id="64" name="Google Shape;64;p12"/>
+          <p:cNvPr id="79" name="Google Shape;79;p12"/>
           <p:cNvSpPr txBox="1"/>
           <p:nvPr>
             <p:ph idx="12" type="sldNum"/>
@@ -28478,8 +29237,8 @@
         </p:nvSpPr>
         <p:spPr>
           <a:xfrm>
-            <a:off x="7315209" y="4229101"/>
-            <a:ext cx="1828800" cy="914400"/>
+            <a:off x="7315202" y="4416550"/>
+            <a:ext cx="1828800" cy="731400"/>
           </a:xfrm>
           <a:prstGeom prst="rect">
             <a:avLst/>
@@ -28514,23 +29273,30 @@
               <a:spcAft>
                 <a:spcPts val="0"/>
               </a:spcAft>
-              <a:buClr>
-                <a:schemeClr val="dk1"/>
-              </a:buClr>
-              <a:buSzPts val="1100"/>
-              <a:buFont typeface="Arial"/>
-              <a:buNone/>
-            </a:pPr>
-            <a:r>
-              <a:rPr b="0" lang="en" sz="1000" u="sng">
+              <a:buNone/>
+            </a:pPr>
+            <a:r>
+              <a:rPr b="0" lang="en" sz="900" u="sng">
                 <a:solidFill>
                   <a:schemeClr val="hlink"/>
                 </a:solidFill>
                 <a:hlinkClick r:id="rId3"/>
               </a:rPr>
-              <a:t>https://profriehle.com</a:t>
-            </a:r>
-            <a:endParaRPr b="0" sz="1000"/>
+              <a:t>https://oss.cs.fau.de</a:t>
+            </a:r>
+            <a:r>
+              <a:rPr b="0" lang="en" sz="900">
+                <a:solidFill>
+                  <a:schemeClr val="dk2"/>
+                </a:solidFill>
+              </a:rPr>
+              <a:t> </a:t>
+            </a:r>
+            <a:endParaRPr b="0" sz="900">
+              <a:solidFill>
+                <a:schemeClr val="dk2"/>
+              </a:solidFill>
+            </a:endParaRPr>
           </a:p>
         </p:txBody>
       </p:sp>
@@ -28547,7 +29313,7 @@
   <p:cSld>
     <p:spTree>
       <p:nvGrpSpPr>
-        <p:cNvPr id="364" name="Shape 364"/>
+        <p:cNvPr id="379" name="Shape 379"/>
         <p:cNvGrpSpPr/>
         <p:nvPr/>
       </p:nvGrpSpPr>
@@ -28561,7 +29327,7 @@
       </p:grpSpPr>
       <p:sp>
         <p:nvSpPr>
-          <p:cNvPr id="365" name="Google Shape;365;p57"/>
+          <p:cNvPr id="380" name="Google Shape;380;p57"/>
           <p:cNvSpPr txBox="1"/>
           <p:nvPr>
             <p:ph type="ctrTitle"/>
@@ -28601,7 +29367,7 @@
       </p:sp>
       <p:sp>
         <p:nvSpPr>
-          <p:cNvPr id="366" name="Google Shape;366;p57"/>
+          <p:cNvPr id="381" name="Google Shape;381;p57"/>
           <p:cNvSpPr txBox="1"/>
           <p:nvPr>
             <p:ph idx="1" type="subTitle"/>
@@ -28731,7 +29497,7 @@
   <p:cSld>
     <p:spTree>
       <p:nvGrpSpPr>
-        <p:cNvPr id="370" name="Shape 370"/>
+        <p:cNvPr id="385" name="Shape 385"/>
         <p:cNvGrpSpPr/>
         <p:nvPr/>
       </p:nvGrpSpPr>
@@ -28745,7 +29511,7 @@
       </p:grpSpPr>
       <p:sp>
         <p:nvSpPr>
-          <p:cNvPr id="371" name="Google Shape;371;p58"/>
+          <p:cNvPr id="386" name="Google Shape;386;p58"/>
           <p:cNvSpPr txBox="1"/>
           <p:nvPr>
             <p:ph type="title"/>
@@ -28785,7 +29551,7 @@
       </p:sp>
       <p:sp>
         <p:nvSpPr>
-          <p:cNvPr id="372" name="Google Shape;372;p58"/>
+          <p:cNvPr id="387" name="Google Shape;387;p58"/>
           <p:cNvSpPr txBox="1"/>
           <p:nvPr>
             <p:ph idx="12" type="sldNum"/>
@@ -28793,8 +29559,8 @@
         </p:nvSpPr>
         <p:spPr>
           <a:xfrm>
-            <a:off x="7315209" y="4229101"/>
-            <a:ext cx="1828800" cy="914400"/>
+            <a:off x="7315202" y="4416550"/>
+            <a:ext cx="1828800" cy="731400"/>
           </a:xfrm>
           <a:prstGeom prst="rect">
             <a:avLst/>
@@ -28838,7 +29604,7 @@
                 </a:solidFill>
                 <a:hlinkClick r:id="rId3"/>
               </a:rPr>
-              <a:t>https://profriehle.com</a:t>
+              <a:t>https://oss.cs.fau.de</a:t>
             </a:r>
             <a:r>
               <a:rPr b="0" lang="en" sz="900">
@@ -28858,7 +29624,7 @@
       </p:sp>
       <p:sp>
         <p:nvSpPr>
-          <p:cNvPr id="373" name="Google Shape;373;p58"/>
+          <p:cNvPr id="388" name="Google Shape;388;p58"/>
           <p:cNvSpPr txBox="1"/>
           <p:nvPr>
             <p:ph idx="1" type="body"/>
@@ -28987,7 +29753,7 @@
   <p:cSld>
     <p:spTree>
       <p:nvGrpSpPr>
-        <p:cNvPr id="68" name="Shape 68"/>
+        <p:cNvPr id="83" name="Shape 83"/>
         <p:cNvGrpSpPr/>
         <p:nvPr/>
       </p:nvGrpSpPr>
@@ -29001,7 +29767,7 @@
       </p:grpSpPr>
       <p:sp>
         <p:nvSpPr>
-          <p:cNvPr id="69" name="Google Shape;69;p13"/>
+          <p:cNvPr id="84" name="Google Shape;84;p13"/>
           <p:cNvSpPr txBox="1"/>
           <p:nvPr>
             <p:ph type="title"/>
@@ -29041,7 +29807,7 @@
       </p:sp>
       <p:sp>
         <p:nvSpPr>
-          <p:cNvPr id="70" name="Google Shape;70;p13"/>
+          <p:cNvPr id="85" name="Google Shape;85;p13"/>
           <p:cNvSpPr txBox="1"/>
           <p:nvPr>
             <p:ph idx="1" type="body"/>
@@ -29112,7 +29878,7 @@
       </p:sp>
       <p:sp>
         <p:nvSpPr>
-          <p:cNvPr id="71" name="Google Shape;71;p13"/>
+          <p:cNvPr id="86" name="Google Shape;86;p13"/>
           <p:cNvSpPr txBox="1"/>
           <p:nvPr>
             <p:ph idx="12" type="sldNum"/>
@@ -29120,8 +29886,8 @@
         </p:nvSpPr>
         <p:spPr>
           <a:xfrm>
-            <a:off x="7315209" y="4229101"/>
-            <a:ext cx="1828800" cy="914400"/>
+            <a:off x="7315202" y="4416550"/>
+            <a:ext cx="1828800" cy="731400"/>
           </a:xfrm>
           <a:prstGeom prst="rect">
             <a:avLst/>
@@ -29159,15 +29925,27 @@
               <a:buNone/>
             </a:pPr>
             <a:r>
-              <a:rPr b="0" lang="en" sz="1000" u="sng">
+              <a:rPr b="0" lang="en" sz="900" u="sng">
                 <a:solidFill>
                   <a:schemeClr val="hlink"/>
                 </a:solidFill>
                 <a:hlinkClick r:id="rId3"/>
               </a:rPr>
-              <a:t>https://profriehle.com</a:t>
-            </a:r>
-            <a:endParaRPr b="0" sz="1000"/>
+              <a:t>https://oss.cs.fau.de</a:t>
+            </a:r>
+            <a:r>
+              <a:rPr b="0" lang="en" sz="900">
+                <a:solidFill>
+                  <a:schemeClr val="dk2"/>
+                </a:solidFill>
+              </a:rPr>
+              <a:t> </a:t>
+            </a:r>
+            <a:endParaRPr b="0" sz="900">
+              <a:solidFill>
+                <a:schemeClr val="dk2"/>
+              </a:solidFill>
+            </a:endParaRPr>
           </a:p>
         </p:txBody>
       </p:sp>
@@ -29184,7 +29962,7 @@
   <p:cSld>
     <p:spTree>
       <p:nvGrpSpPr>
-        <p:cNvPr id="75" name="Shape 75"/>
+        <p:cNvPr id="90" name="Shape 90"/>
         <p:cNvGrpSpPr/>
         <p:nvPr/>
       </p:nvGrpSpPr>
@@ -29198,7 +29976,7 @@
       </p:grpSpPr>
       <p:sp>
         <p:nvSpPr>
-          <p:cNvPr id="76" name="Google Shape;76;p14"/>
+          <p:cNvPr id="91" name="Google Shape;91;p14"/>
           <p:cNvSpPr txBox="1"/>
           <p:nvPr>
             <p:ph type="title"/>
@@ -29238,7 +30016,7 @@
       </p:sp>
       <p:sp>
         <p:nvSpPr>
-          <p:cNvPr id="77" name="Google Shape;77;p14"/>
+          <p:cNvPr id="92" name="Google Shape;92;p14"/>
           <p:cNvSpPr txBox="1"/>
           <p:nvPr>
             <p:ph idx="1" type="body"/>
@@ -29294,7 +30072,7 @@
       </p:sp>
       <p:sp>
         <p:nvSpPr>
-          <p:cNvPr id="78" name="Google Shape;78;p14"/>
+          <p:cNvPr id="93" name="Google Shape;93;p14"/>
           <p:cNvSpPr txBox="1"/>
           <p:nvPr>
             <p:ph idx="12" type="sldNum"/>
@@ -29302,8 +30080,8 @@
         </p:nvSpPr>
         <p:spPr>
           <a:xfrm>
-            <a:off x="7315209" y="4229101"/>
-            <a:ext cx="1828800" cy="914400"/>
+            <a:off x="7315202" y="4416550"/>
+            <a:ext cx="1828800" cy="731400"/>
           </a:xfrm>
           <a:prstGeom prst="rect">
             <a:avLst/>
@@ -29341,15 +30119,27 @@
               <a:buNone/>
             </a:pPr>
             <a:r>
-              <a:rPr b="0" lang="en" sz="1000" u="sng">
+              <a:rPr b="0" lang="en" sz="900" u="sng">
                 <a:solidFill>
                   <a:schemeClr val="hlink"/>
                 </a:solidFill>
                 <a:hlinkClick r:id="rId3"/>
               </a:rPr>
-              <a:t>https://profriehle.com</a:t>
-            </a:r>
-            <a:endParaRPr b="0" sz="1000"/>
+              <a:t>https://oss.cs.fau.de</a:t>
+            </a:r>
+            <a:r>
+              <a:rPr b="0" lang="en" sz="900">
+                <a:solidFill>
+                  <a:schemeClr val="dk2"/>
+                </a:solidFill>
+              </a:rPr>
+              <a:t> </a:t>
+            </a:r>
+            <a:endParaRPr b="0" sz="900">
+              <a:solidFill>
+                <a:schemeClr val="dk2"/>
+              </a:solidFill>
+            </a:endParaRPr>
           </a:p>
         </p:txBody>
       </p:sp>
@@ -29366,7 +30156,7 @@
   <p:cSld>
     <p:spTree>
       <p:nvGrpSpPr>
-        <p:cNvPr id="82" name="Shape 82"/>
+        <p:cNvPr id="97" name="Shape 97"/>
         <p:cNvGrpSpPr/>
         <p:nvPr/>
       </p:nvGrpSpPr>
@@ -29380,7 +30170,7 @@
       </p:grpSpPr>
       <p:sp>
         <p:nvSpPr>
-          <p:cNvPr id="83" name="Google Shape;83;p15"/>
+          <p:cNvPr id="98" name="Google Shape;98;p15"/>
           <p:cNvSpPr txBox="1"/>
           <p:nvPr>
             <p:ph type="title"/>
@@ -29420,7 +30210,7 @@
       </p:sp>
       <p:sp>
         <p:nvSpPr>
-          <p:cNvPr id="84" name="Google Shape;84;p15"/>
+          <p:cNvPr id="99" name="Google Shape;99;p15"/>
           <p:cNvSpPr txBox="1"/>
           <p:nvPr>
             <p:ph idx="1" type="body"/>
@@ -29507,7 +30297,7 @@
       </p:sp>
       <p:sp>
         <p:nvSpPr>
-          <p:cNvPr id="85" name="Google Shape;85;p15"/>
+          <p:cNvPr id="100" name="Google Shape;100;p15"/>
           <p:cNvSpPr txBox="1"/>
           <p:nvPr>
             <p:ph idx="12" type="sldNum"/>
@@ -29515,8 +30305,8 @@
         </p:nvSpPr>
         <p:spPr>
           <a:xfrm>
-            <a:off x="7315209" y="4229101"/>
-            <a:ext cx="1828800" cy="914400"/>
+            <a:off x="7315202" y="4416550"/>
+            <a:ext cx="1828800" cy="731400"/>
           </a:xfrm>
           <a:prstGeom prst="rect">
             <a:avLst/>
@@ -29554,15 +30344,27 @@
               <a:buNone/>
             </a:pPr>
             <a:r>
-              <a:rPr b="0" lang="en" sz="1000" u="sng">
+              <a:rPr b="0" lang="en" sz="900" u="sng">
                 <a:solidFill>
                   <a:schemeClr val="hlink"/>
                 </a:solidFill>
                 <a:hlinkClick r:id="rId3"/>
               </a:rPr>
-              <a:t>https://profriehle.com</a:t>
-            </a:r>
-            <a:endParaRPr b="0" sz="1000"/>
+              <a:t>https://oss.cs.fau.de</a:t>
+            </a:r>
+            <a:r>
+              <a:rPr b="0" lang="en" sz="900">
+                <a:solidFill>
+                  <a:schemeClr val="dk2"/>
+                </a:solidFill>
+              </a:rPr>
+              <a:t> </a:t>
+            </a:r>
+            <a:endParaRPr b="0" sz="900">
+              <a:solidFill>
+                <a:schemeClr val="dk2"/>
+              </a:solidFill>
+            </a:endParaRPr>
           </a:p>
         </p:txBody>
       </p:sp>
@@ -29579,7 +30381,7 @@
   <p:cSld>
     <p:spTree>
       <p:nvGrpSpPr>
-        <p:cNvPr id="89" name="Shape 89"/>
+        <p:cNvPr id="104" name="Shape 104"/>
         <p:cNvGrpSpPr/>
         <p:nvPr/>
       </p:nvGrpSpPr>
@@ -29593,7 +30395,7 @@
       </p:grpSpPr>
       <p:sp>
         <p:nvSpPr>
-          <p:cNvPr id="90" name="Google Shape;90;p16"/>
+          <p:cNvPr id="105" name="Google Shape;105;p16"/>
           <p:cNvSpPr txBox="1"/>
           <p:nvPr>
             <p:ph type="title"/>
@@ -29633,7 +30435,7 @@
       </p:sp>
       <p:sp>
         <p:nvSpPr>
-          <p:cNvPr id="91" name="Google Shape;91;p16"/>
+          <p:cNvPr id="106" name="Google Shape;106;p16"/>
           <p:cNvSpPr txBox="1"/>
           <p:nvPr>
             <p:ph idx="1" type="body"/>
@@ -29772,7 +30574,7 @@
       </p:sp>
       <p:sp>
         <p:nvSpPr>
-          <p:cNvPr id="92" name="Google Shape;92;p16"/>
+          <p:cNvPr id="107" name="Google Shape;107;p16"/>
           <p:cNvSpPr txBox="1"/>
           <p:nvPr>
             <p:ph idx="12" type="sldNum"/>
@@ -29780,8 +30582,8 @@
         </p:nvSpPr>
         <p:spPr>
           <a:xfrm>
-            <a:off x="7315209" y="4229101"/>
-            <a:ext cx="1828800" cy="914400"/>
+            <a:off x="7315202" y="4416550"/>
+            <a:ext cx="1828800" cy="731400"/>
           </a:xfrm>
           <a:prstGeom prst="rect">
             <a:avLst/>
@@ -29816,23 +30618,30 @@
               <a:spcAft>
                 <a:spcPts val="0"/>
               </a:spcAft>
-              <a:buClr>
-                <a:schemeClr val="dk1"/>
-              </a:buClr>
-              <a:buSzPts val="1100"/>
-              <a:buFont typeface="Arial"/>
-              <a:buNone/>
-            </a:pPr>
-            <a:r>
-              <a:rPr b="0" lang="en" sz="1000" u="sng">
+              <a:buNone/>
+            </a:pPr>
+            <a:r>
+              <a:rPr b="0" lang="en" sz="900" u="sng">
                 <a:solidFill>
                   <a:schemeClr val="hlink"/>
                 </a:solidFill>
                 <a:hlinkClick r:id="rId3"/>
               </a:rPr>
-              <a:t>https://profriehle.com</a:t>
-            </a:r>
-            <a:endParaRPr b="0" sz="1000"/>
+              <a:t>https://oss.cs.fau.de</a:t>
+            </a:r>
+            <a:r>
+              <a:rPr b="0" lang="en" sz="900">
+                <a:solidFill>
+                  <a:schemeClr val="dk2"/>
+                </a:solidFill>
+              </a:rPr>
+              <a:t> </a:t>
+            </a:r>
+            <a:endParaRPr b="0" sz="900">
+              <a:solidFill>
+                <a:schemeClr val="dk2"/>
+              </a:solidFill>
+            </a:endParaRPr>
           </a:p>
         </p:txBody>
       </p:sp>
@@ -29845,7 +30654,7 @@
 </file>
 
 <file path=ppt/theme/theme1.xml><?xml version="1.0" encoding="utf-8"?>
-<a:theme xmlns:a="http://schemas.openxmlformats.org/drawingml/2006/main" xmlns:r="http://schemas.openxmlformats.org/officeDocument/2006/relationships" name="ADAP Slides Template">
+<a:theme xmlns:a="http://schemas.openxmlformats.org/drawingml/2006/main" xmlns:r="http://schemas.openxmlformats.org/officeDocument/2006/relationships" name="POSS Slides Template">
   <a:themeElements>
     <a:clrScheme name="Simple Light">
       <a:dk1>
@@ -29867,19 +30676,19 @@
         <a:srgbClr val="4169E1"/>
       </a:accent2>
       <a:accent3>
-        <a:srgbClr val="D50D01"/>
+        <a:srgbClr val="4CAF50"/>
       </a:accent3>
       <a:accent4>
         <a:srgbClr val="FEB612"/>
       </a:accent4>
       <a:accent5>
-        <a:srgbClr val="4CAF50"/>
+        <a:srgbClr val="F36838"/>
       </a:accent5>
       <a:accent6>
         <a:srgbClr val="8E44AD"/>
       </a:accent6>
       <a:hlink>
-        <a:srgbClr val="34A3C5"/>
+        <a:srgbClr val="1E90FF"/>
       </a:hlink>
       <a:folHlink>
         <a:srgbClr val="0097A7"/>

--- a/Lecture slides/ADAP B02 - Class and Interface Design.pptx
+++ b/Lecture slides/ADAP B02 - Class and Interface Design.pptx
@@ -58,6 +58,7 @@
     <p:sldId id="303" r:id="rId53"/>
     <p:sldId id="304" r:id="rId54"/>
     <p:sldId id="305" r:id="rId55"/>
+    <p:sldId id="306" r:id="rId56"/>
   </p:sldIdLst>
   <p:sldSz cy="5143500" cx="9144000"/>
   <p:notesSz cx="6858000" cy="9144000"/>
@@ -2833,7 +2834,7 @@
       </p:grpSpPr>
       <p:sp>
         <p:nvSpPr>
-          <p:cNvPr id="234" name="Google Shape;234;g302caffcd6e_0_6:notes"/>
+          <p:cNvPr id="234" name="Google Shape;234;g399feb6e257_0_0:notes"/>
           <p:cNvSpPr/>
           <p:nvPr>
             <p:ph idx="2" type="sldImg"/>
@@ -2868,7 +2869,7 @@
       </p:sp>
       <p:sp>
         <p:nvSpPr>
-          <p:cNvPr id="235" name="Google Shape;235;g302caffcd6e_0_6:notes"/>
+          <p:cNvPr id="235" name="Google Shape;235;g399feb6e257_0_0:notes"/>
           <p:cNvSpPr txBox="1"/>
           <p:nvPr>
             <p:ph idx="1" type="body"/>
@@ -3017,7 +3018,7 @@
   <p:cSld>
     <p:spTree>
       <p:nvGrpSpPr>
-        <p:cNvPr id="240" name="Shape 240"/>
+        <p:cNvPr id="241" name="Shape 241"/>
         <p:cNvGrpSpPr/>
         <p:nvPr/>
       </p:nvGrpSpPr>
@@ -3031,7 +3032,7 @@
       </p:grpSpPr>
       <p:sp>
         <p:nvSpPr>
-          <p:cNvPr id="241" name="Google Shape;241;g313cc4519ca_0_0:notes"/>
+          <p:cNvPr id="242" name="Google Shape;242;g302caffcd6e_0_6:notes"/>
           <p:cNvSpPr/>
           <p:nvPr>
             <p:ph idx="2" type="sldImg"/>
@@ -3066,7 +3067,7 @@
       </p:sp>
       <p:sp>
         <p:nvSpPr>
-          <p:cNvPr id="242" name="Google Shape;242;g313cc4519ca_0_0:notes"/>
+          <p:cNvPr id="243" name="Google Shape;243;g302caffcd6e_0_6:notes"/>
           <p:cNvSpPr txBox="1"/>
           <p:nvPr>
             <p:ph idx="1" type="body"/>
@@ -3116,7 +3117,7 @@
   <p:cSld>
     <p:spTree>
       <p:nvGrpSpPr>
-        <p:cNvPr id="247" name="Shape 247"/>
+        <p:cNvPr id="248" name="Shape 248"/>
         <p:cNvGrpSpPr/>
         <p:nvPr/>
       </p:nvGrpSpPr>
@@ -3130,7 +3131,7 @@
       </p:grpSpPr>
       <p:sp>
         <p:nvSpPr>
-          <p:cNvPr id="248" name="Google Shape;248;g30304b9c80a_1_13:notes"/>
+          <p:cNvPr id="249" name="Google Shape;249;g313cc4519ca_0_0:notes"/>
           <p:cNvSpPr/>
           <p:nvPr>
             <p:ph idx="2" type="sldImg"/>
@@ -3165,7 +3166,7 @@
       </p:sp>
       <p:sp>
         <p:nvSpPr>
-          <p:cNvPr id="249" name="Google Shape;249;g30304b9c80a_1_13:notes"/>
+          <p:cNvPr id="250" name="Google Shape;250;g313cc4519ca_0_0:notes"/>
           <p:cNvSpPr txBox="1"/>
           <p:nvPr>
             <p:ph idx="1" type="body"/>
@@ -3215,7 +3216,7 @@
   <p:cSld>
     <p:spTree>
       <p:nvGrpSpPr>
-        <p:cNvPr id="252" name="Shape 252"/>
+        <p:cNvPr id="255" name="Shape 255"/>
         <p:cNvGrpSpPr/>
         <p:nvPr/>
       </p:nvGrpSpPr>
@@ -3229,7 +3230,7 @@
       </p:grpSpPr>
       <p:sp>
         <p:nvSpPr>
-          <p:cNvPr id="253" name="Google Shape;253;g30304b9c80a_1_17:notes"/>
+          <p:cNvPr id="256" name="Google Shape;256;g30304b9c80a_1_13:notes"/>
           <p:cNvSpPr/>
           <p:nvPr>
             <p:ph idx="2" type="sldImg"/>
@@ -3264,7 +3265,7 @@
       </p:sp>
       <p:sp>
         <p:nvSpPr>
-          <p:cNvPr id="254" name="Google Shape;254;g30304b9c80a_1_17:notes"/>
+          <p:cNvPr id="257" name="Google Shape;257;g30304b9c80a_1_13:notes"/>
           <p:cNvSpPr txBox="1"/>
           <p:nvPr>
             <p:ph idx="1" type="body"/>
@@ -3314,7 +3315,7 @@
   <p:cSld>
     <p:spTree>
       <p:nvGrpSpPr>
-        <p:cNvPr id="259" name="Shape 259"/>
+        <p:cNvPr id="260" name="Shape 260"/>
         <p:cNvGrpSpPr/>
         <p:nvPr/>
       </p:nvGrpSpPr>
@@ -3328,7 +3329,7 @@
       </p:grpSpPr>
       <p:sp>
         <p:nvSpPr>
-          <p:cNvPr id="260" name="Google Shape;260;g397f86edc0a_1_0:notes"/>
+          <p:cNvPr id="261" name="Google Shape;261;g30304b9c80a_1_17:notes"/>
           <p:cNvSpPr/>
           <p:nvPr>
             <p:ph idx="2" type="sldImg"/>
@@ -3363,7 +3364,7 @@
       </p:sp>
       <p:sp>
         <p:nvSpPr>
-          <p:cNvPr id="261" name="Google Shape;261;g397f86edc0a_1_0:notes"/>
+          <p:cNvPr id="262" name="Google Shape;262;g30304b9c80a_1_17:notes"/>
           <p:cNvSpPr txBox="1"/>
           <p:nvPr>
             <p:ph idx="1" type="body"/>
@@ -3413,7 +3414,7 @@
   <p:cSld>
     <p:spTree>
       <p:nvGrpSpPr>
-        <p:cNvPr id="266" name="Shape 266"/>
+        <p:cNvPr id="267" name="Shape 267"/>
         <p:cNvGrpSpPr/>
         <p:nvPr/>
       </p:nvGrpSpPr>
@@ -3427,7 +3428,7 @@
       </p:grpSpPr>
       <p:sp>
         <p:nvSpPr>
-          <p:cNvPr id="267" name="Google Shape;267;g30304b9c80a_1_23:notes"/>
+          <p:cNvPr id="268" name="Google Shape;268;g397f86edc0a_1_0:notes"/>
           <p:cNvSpPr/>
           <p:nvPr>
             <p:ph idx="2" type="sldImg"/>
@@ -3462,7 +3463,7 @@
       </p:sp>
       <p:sp>
         <p:nvSpPr>
-          <p:cNvPr id="268" name="Google Shape;268;g30304b9c80a_1_23:notes"/>
+          <p:cNvPr id="269" name="Google Shape;269;g397f86edc0a_1_0:notes"/>
           <p:cNvSpPr txBox="1"/>
           <p:nvPr>
             <p:ph idx="1" type="body"/>
@@ -3512,7 +3513,7 @@
   <p:cSld>
     <p:spTree>
       <p:nvGrpSpPr>
-        <p:cNvPr id="273" name="Shape 273"/>
+        <p:cNvPr id="274" name="Shape 274"/>
         <p:cNvGrpSpPr/>
         <p:nvPr/>
       </p:nvGrpSpPr>
@@ -3526,7 +3527,7 @@
       </p:grpSpPr>
       <p:sp>
         <p:nvSpPr>
-          <p:cNvPr id="274" name="Google Shape;274;g30304b9c80a_1_29:notes"/>
+          <p:cNvPr id="275" name="Google Shape;275;g30304b9c80a_1_23:notes"/>
           <p:cNvSpPr/>
           <p:nvPr>
             <p:ph idx="2" type="sldImg"/>
@@ -3561,7 +3562,7 @@
       </p:sp>
       <p:sp>
         <p:nvSpPr>
-          <p:cNvPr id="275" name="Google Shape;275;g30304b9c80a_1_29:notes"/>
+          <p:cNvPr id="276" name="Google Shape;276;g30304b9c80a_1_23:notes"/>
           <p:cNvSpPr txBox="1"/>
           <p:nvPr>
             <p:ph idx="1" type="body"/>
@@ -3611,7 +3612,7 @@
   <p:cSld>
     <p:spTree>
       <p:nvGrpSpPr>
-        <p:cNvPr id="280" name="Shape 280"/>
+        <p:cNvPr id="281" name="Shape 281"/>
         <p:cNvGrpSpPr/>
         <p:nvPr/>
       </p:nvGrpSpPr>
@@ -3625,7 +3626,7 @@
       </p:grpSpPr>
       <p:sp>
         <p:nvSpPr>
-          <p:cNvPr id="281" name="Google Shape;281;g30304b9c80a_1_37:notes"/>
+          <p:cNvPr id="282" name="Google Shape;282;g30304b9c80a_1_29:notes"/>
           <p:cNvSpPr/>
           <p:nvPr>
             <p:ph idx="2" type="sldImg"/>
@@ -3660,7 +3661,7 @@
       </p:sp>
       <p:sp>
         <p:nvSpPr>
-          <p:cNvPr id="282" name="Google Shape;282;g30304b9c80a_1_37:notes"/>
+          <p:cNvPr id="283" name="Google Shape;283;g30304b9c80a_1_29:notes"/>
           <p:cNvSpPr txBox="1"/>
           <p:nvPr>
             <p:ph idx="1" type="body"/>
@@ -3710,7 +3711,7 @@
   <p:cSld>
     <p:spTree>
       <p:nvGrpSpPr>
-        <p:cNvPr id="287" name="Shape 287"/>
+        <p:cNvPr id="288" name="Shape 288"/>
         <p:cNvGrpSpPr/>
         <p:nvPr/>
       </p:nvGrpSpPr>
@@ -3724,7 +3725,7 @@
       </p:grpSpPr>
       <p:sp>
         <p:nvSpPr>
-          <p:cNvPr id="288" name="Google Shape;288;g30304b9c80a_1_43:notes"/>
+          <p:cNvPr id="289" name="Google Shape;289;g30304b9c80a_1_37:notes"/>
           <p:cNvSpPr/>
           <p:nvPr>
             <p:ph idx="2" type="sldImg"/>
@@ -3759,7 +3760,7 @@
       </p:sp>
       <p:sp>
         <p:nvSpPr>
-          <p:cNvPr id="289" name="Google Shape;289;g30304b9c80a_1_43:notes"/>
+          <p:cNvPr id="290" name="Google Shape;290;g30304b9c80a_1_37:notes"/>
           <p:cNvSpPr txBox="1"/>
           <p:nvPr>
             <p:ph idx="1" type="body"/>
@@ -3809,7 +3810,7 @@
   <p:cSld>
     <p:spTree>
       <p:nvGrpSpPr>
-        <p:cNvPr id="294" name="Shape 294"/>
+        <p:cNvPr id="295" name="Shape 295"/>
         <p:cNvGrpSpPr/>
         <p:nvPr/>
       </p:nvGrpSpPr>
@@ -3823,7 +3824,7 @@
       </p:grpSpPr>
       <p:sp>
         <p:nvSpPr>
-          <p:cNvPr id="295" name="Google Shape;295;g30304b9c80a_1_49:notes"/>
+          <p:cNvPr id="296" name="Google Shape;296;g30304b9c80a_1_43:notes"/>
           <p:cNvSpPr/>
           <p:nvPr>
             <p:ph idx="2" type="sldImg"/>
@@ -3858,7 +3859,7 @@
       </p:sp>
       <p:sp>
         <p:nvSpPr>
-          <p:cNvPr id="296" name="Google Shape;296;g30304b9c80a_1_49:notes"/>
+          <p:cNvPr id="297" name="Google Shape;297;g30304b9c80a_1_43:notes"/>
           <p:cNvSpPr txBox="1"/>
           <p:nvPr>
             <p:ph idx="1" type="body"/>
@@ -3908,7 +3909,7 @@
   <p:cSld>
     <p:spTree>
       <p:nvGrpSpPr>
-        <p:cNvPr id="301" name="Shape 301"/>
+        <p:cNvPr id="302" name="Shape 302"/>
         <p:cNvGrpSpPr/>
         <p:nvPr/>
       </p:nvGrpSpPr>
@@ -3922,7 +3923,7 @@
       </p:grpSpPr>
       <p:sp>
         <p:nvSpPr>
-          <p:cNvPr id="302" name="Google Shape;302;g30304b9c80a_1_55:notes"/>
+          <p:cNvPr id="303" name="Google Shape;303;g30304b9c80a_1_49:notes"/>
           <p:cNvSpPr/>
           <p:nvPr>
             <p:ph idx="2" type="sldImg"/>
@@ -3957,7 +3958,7 @@
       </p:sp>
       <p:sp>
         <p:nvSpPr>
-          <p:cNvPr id="303" name="Google Shape;303;g30304b9c80a_1_55:notes"/>
+          <p:cNvPr id="304" name="Google Shape;304;g30304b9c80a_1_49:notes"/>
           <p:cNvSpPr txBox="1"/>
           <p:nvPr>
             <p:ph idx="1" type="body"/>
@@ -4106,7 +4107,7 @@
   <p:cSld>
     <p:spTree>
       <p:nvGrpSpPr>
-        <p:cNvPr id="308" name="Shape 308"/>
+        <p:cNvPr id="309" name="Shape 309"/>
         <p:cNvGrpSpPr/>
         <p:nvPr/>
       </p:nvGrpSpPr>
@@ -4120,7 +4121,7 @@
       </p:grpSpPr>
       <p:sp>
         <p:nvSpPr>
-          <p:cNvPr id="309" name="Google Shape;309;g30304b9c80a_1_7:notes"/>
+          <p:cNvPr id="310" name="Google Shape;310;g30304b9c80a_1_55:notes"/>
           <p:cNvSpPr/>
           <p:nvPr>
             <p:ph idx="2" type="sldImg"/>
@@ -4155,7 +4156,7 @@
       </p:sp>
       <p:sp>
         <p:nvSpPr>
-          <p:cNvPr id="310" name="Google Shape;310;g30304b9c80a_1_7:notes"/>
+          <p:cNvPr id="311" name="Google Shape;311;g30304b9c80a_1_55:notes"/>
           <p:cNvSpPr txBox="1"/>
           <p:nvPr>
             <p:ph idx="1" type="body"/>
@@ -4205,7 +4206,7 @@
   <p:cSld>
     <p:spTree>
       <p:nvGrpSpPr>
-        <p:cNvPr id="313" name="Shape 313"/>
+        <p:cNvPr id="316" name="Shape 316"/>
         <p:cNvGrpSpPr/>
         <p:nvPr/>
       </p:nvGrpSpPr>
@@ -4219,7 +4220,7 @@
       </p:grpSpPr>
       <p:sp>
         <p:nvSpPr>
-          <p:cNvPr id="314" name="Google Shape;314;g30304b9c80a_1_61:notes"/>
+          <p:cNvPr id="317" name="Google Shape;317;g30304b9c80a_1_7:notes"/>
           <p:cNvSpPr/>
           <p:nvPr>
             <p:ph idx="2" type="sldImg"/>
@@ -4254,7 +4255,7 @@
       </p:sp>
       <p:sp>
         <p:nvSpPr>
-          <p:cNvPr id="315" name="Google Shape;315;g30304b9c80a_1_61:notes"/>
+          <p:cNvPr id="318" name="Google Shape;318;g30304b9c80a_1_7:notes"/>
           <p:cNvSpPr txBox="1"/>
           <p:nvPr>
             <p:ph idx="1" type="body"/>
@@ -4304,7 +4305,7 @@
   <p:cSld>
     <p:spTree>
       <p:nvGrpSpPr>
-        <p:cNvPr id="320" name="Shape 320"/>
+        <p:cNvPr id="321" name="Shape 321"/>
         <p:cNvGrpSpPr/>
         <p:nvPr/>
       </p:nvGrpSpPr>
@@ -4318,7 +4319,7 @@
       </p:grpSpPr>
       <p:sp>
         <p:nvSpPr>
-          <p:cNvPr id="321" name="Google Shape;321;g30304b9c80a_1_73:notes"/>
+          <p:cNvPr id="322" name="Google Shape;322;g30304b9c80a_1_61:notes"/>
           <p:cNvSpPr/>
           <p:nvPr>
             <p:ph idx="2" type="sldImg"/>
@@ -4353,7 +4354,7 @@
       </p:sp>
       <p:sp>
         <p:nvSpPr>
-          <p:cNvPr id="322" name="Google Shape;322;g30304b9c80a_1_73:notes"/>
+          <p:cNvPr id="323" name="Google Shape;323;g30304b9c80a_1_61:notes"/>
           <p:cNvSpPr txBox="1"/>
           <p:nvPr>
             <p:ph idx="1" type="body"/>
@@ -4403,7 +4404,7 @@
   <p:cSld>
     <p:spTree>
       <p:nvGrpSpPr>
-        <p:cNvPr id="327" name="Shape 327"/>
+        <p:cNvPr id="328" name="Shape 328"/>
         <p:cNvGrpSpPr/>
         <p:nvPr/>
       </p:nvGrpSpPr>
@@ -4417,7 +4418,7 @@
       </p:grpSpPr>
       <p:sp>
         <p:nvSpPr>
-          <p:cNvPr id="328" name="Google Shape;328;g30304b9c80a_1_79:notes"/>
+          <p:cNvPr id="329" name="Google Shape;329;g30304b9c80a_1_73:notes"/>
           <p:cNvSpPr/>
           <p:nvPr>
             <p:ph idx="2" type="sldImg"/>
@@ -4452,7 +4453,7 @@
       </p:sp>
       <p:sp>
         <p:nvSpPr>
-          <p:cNvPr id="329" name="Google Shape;329;g30304b9c80a_1_79:notes"/>
+          <p:cNvPr id="330" name="Google Shape;330;g30304b9c80a_1_73:notes"/>
           <p:cNvSpPr txBox="1"/>
           <p:nvPr>
             <p:ph idx="1" type="body"/>
@@ -4502,7 +4503,7 @@
   <p:cSld>
     <p:spTree>
       <p:nvGrpSpPr>
-        <p:cNvPr id="334" name="Shape 334"/>
+        <p:cNvPr id="335" name="Shape 335"/>
         <p:cNvGrpSpPr/>
         <p:nvPr/>
       </p:nvGrpSpPr>
@@ -4516,7 +4517,7 @@
       </p:grpSpPr>
       <p:sp>
         <p:nvSpPr>
-          <p:cNvPr id="335" name="Google Shape;335;g30304b9c80a_1_85:notes"/>
+          <p:cNvPr id="336" name="Google Shape;336;g30304b9c80a_1_79:notes"/>
           <p:cNvSpPr/>
           <p:nvPr>
             <p:ph idx="2" type="sldImg"/>
@@ -4551,7 +4552,7 @@
       </p:sp>
       <p:sp>
         <p:nvSpPr>
-          <p:cNvPr id="336" name="Google Shape;336;g30304b9c80a_1_85:notes"/>
+          <p:cNvPr id="337" name="Google Shape;337;g30304b9c80a_1_79:notes"/>
           <p:cNvSpPr txBox="1"/>
           <p:nvPr>
             <p:ph idx="1" type="body"/>
@@ -4601,7 +4602,7 @@
   <p:cSld>
     <p:spTree>
       <p:nvGrpSpPr>
-        <p:cNvPr id="341" name="Shape 341"/>
+        <p:cNvPr id="342" name="Shape 342"/>
         <p:cNvGrpSpPr/>
         <p:nvPr/>
       </p:nvGrpSpPr>
@@ -4615,7 +4616,7 @@
       </p:grpSpPr>
       <p:sp>
         <p:nvSpPr>
-          <p:cNvPr id="342" name="Google Shape;342;g30304b9c80a_1_91:notes"/>
+          <p:cNvPr id="343" name="Google Shape;343;g30304b9c80a_1_85:notes"/>
           <p:cNvSpPr/>
           <p:nvPr>
             <p:ph idx="2" type="sldImg"/>
@@ -4650,7 +4651,7 @@
       </p:sp>
       <p:sp>
         <p:nvSpPr>
-          <p:cNvPr id="343" name="Google Shape;343;g30304b9c80a_1_91:notes"/>
+          <p:cNvPr id="344" name="Google Shape;344;g30304b9c80a_1_85:notes"/>
           <p:cNvSpPr txBox="1"/>
           <p:nvPr>
             <p:ph idx="1" type="body"/>
@@ -4700,7 +4701,7 @@
   <p:cSld>
     <p:spTree>
       <p:nvGrpSpPr>
-        <p:cNvPr id="348" name="Shape 348"/>
+        <p:cNvPr id="349" name="Shape 349"/>
         <p:cNvGrpSpPr/>
         <p:nvPr/>
       </p:nvGrpSpPr>
@@ -4714,7 +4715,7 @@
       </p:grpSpPr>
       <p:sp>
         <p:nvSpPr>
-          <p:cNvPr id="349" name="Google Shape;349;g30465d2178b_0_0:notes"/>
+          <p:cNvPr id="350" name="Google Shape;350;g30304b9c80a_1_91:notes"/>
           <p:cNvSpPr/>
           <p:nvPr>
             <p:ph idx="2" type="sldImg"/>
@@ -4749,7 +4750,7 @@
       </p:sp>
       <p:sp>
         <p:nvSpPr>
-          <p:cNvPr id="350" name="Google Shape;350;g30465d2178b_0_0:notes"/>
+          <p:cNvPr id="351" name="Google Shape;351;g30304b9c80a_1_91:notes"/>
           <p:cNvSpPr txBox="1"/>
           <p:nvPr>
             <p:ph idx="1" type="body"/>
@@ -4799,7 +4800,7 @@
   <p:cSld>
     <p:spTree>
       <p:nvGrpSpPr>
-        <p:cNvPr id="357" name="Shape 357"/>
+        <p:cNvPr id="356" name="Shape 356"/>
         <p:cNvGrpSpPr/>
         <p:nvPr/>
       </p:nvGrpSpPr>
@@ -4813,7 +4814,7 @@
       </p:grpSpPr>
       <p:sp>
         <p:nvSpPr>
-          <p:cNvPr id="358" name="Google Shape;358;g2d40b766212_1_1:notes"/>
+          <p:cNvPr id="357" name="Google Shape;357;g30465d2178b_0_0:notes"/>
           <p:cNvSpPr/>
           <p:nvPr>
             <p:ph idx="2" type="sldImg"/>
@@ -4848,7 +4849,7 @@
       </p:sp>
       <p:sp>
         <p:nvSpPr>
-          <p:cNvPr id="359" name="Google Shape;359;g2d40b766212_1_1:notes"/>
+          <p:cNvPr id="358" name="Google Shape;358;g30465d2178b_0_0:notes"/>
           <p:cNvSpPr txBox="1"/>
           <p:nvPr>
             <p:ph idx="1" type="body"/>
@@ -4898,7 +4899,7 @@
   <p:cSld>
     <p:spTree>
       <p:nvGrpSpPr>
-        <p:cNvPr id="364" name="Shape 364"/>
+        <p:cNvPr id="365" name="Shape 365"/>
         <p:cNvGrpSpPr/>
         <p:nvPr/>
       </p:nvGrpSpPr>
@@ -4912,7 +4913,7 @@
       </p:grpSpPr>
       <p:sp>
         <p:nvSpPr>
-          <p:cNvPr id="365" name="Google Shape;365;g30304b9c80a_1_67:notes"/>
+          <p:cNvPr id="366" name="Google Shape;366;g2d40b766212_1_1:notes"/>
           <p:cNvSpPr/>
           <p:nvPr>
             <p:ph idx="2" type="sldImg"/>
@@ -4947,7 +4948,7 @@
       </p:sp>
       <p:sp>
         <p:nvSpPr>
-          <p:cNvPr id="366" name="Google Shape;366;g30304b9c80a_1_67:notes"/>
+          <p:cNvPr id="367" name="Google Shape;367;g2d40b766212_1_1:notes"/>
           <p:cNvSpPr txBox="1"/>
           <p:nvPr>
             <p:ph idx="1" type="body"/>
@@ -4997,7 +4998,7 @@
   <p:cSld>
     <p:spTree>
       <p:nvGrpSpPr>
-        <p:cNvPr id="371" name="Shape 371"/>
+        <p:cNvPr id="372" name="Shape 372"/>
         <p:cNvGrpSpPr/>
         <p:nvPr/>
       </p:nvGrpSpPr>
@@ -5011,7 +5012,7 @@
       </p:grpSpPr>
       <p:sp>
         <p:nvSpPr>
-          <p:cNvPr id="372" name="Google Shape;372;g239609b2c0c_0_42:notes"/>
+          <p:cNvPr id="373" name="Google Shape;373;g30304b9c80a_1_67:notes"/>
           <p:cNvSpPr/>
           <p:nvPr>
             <p:ph idx="2" type="sldImg"/>
@@ -5046,7 +5047,7 @@
       </p:sp>
       <p:sp>
         <p:nvSpPr>
-          <p:cNvPr id="373" name="Google Shape;373;g239609b2c0c_0_42:notes"/>
+          <p:cNvPr id="374" name="Google Shape;374;g30304b9c80a_1_67:notes"/>
           <p:cNvSpPr txBox="1"/>
           <p:nvPr>
             <p:ph idx="1" type="body"/>
@@ -5195,7 +5196,7 @@
   <p:cSld>
     <p:spTree>
       <p:nvGrpSpPr>
-        <p:cNvPr id="377" name="Shape 377"/>
+        <p:cNvPr id="379" name="Shape 379"/>
         <p:cNvGrpSpPr/>
         <p:nvPr/>
       </p:nvGrpSpPr>
@@ -5209,7 +5210,7 @@
       </p:grpSpPr>
       <p:sp>
         <p:nvSpPr>
-          <p:cNvPr id="378" name="Google Shape;378;g239609b2c0c_0_47:notes"/>
+          <p:cNvPr id="380" name="Google Shape;380;g239609b2c0c_0_42:notes"/>
           <p:cNvSpPr/>
           <p:nvPr>
             <p:ph idx="2" type="sldImg"/>
@@ -5244,7 +5245,106 @@
       </p:sp>
       <p:sp>
         <p:nvSpPr>
-          <p:cNvPr id="379" name="Google Shape;379;g239609b2c0c_0_47:notes"/>
+          <p:cNvPr id="381" name="Google Shape;381;g239609b2c0c_0_42:notes"/>
+          <p:cNvSpPr txBox="1"/>
+          <p:nvPr>
+            <p:ph idx="1" type="body"/>
+          </p:nvPr>
+        </p:nvSpPr>
+        <p:spPr>
+          <a:xfrm>
+            <a:off x="685800" y="4343400"/>
+            <a:ext cx="5486400" cy="4114800"/>
+          </a:xfrm>
+          <a:prstGeom prst="rect">
+            <a:avLst/>
+          </a:prstGeom>
+        </p:spPr>
+        <p:txBody>
+          <a:bodyPr anchorCtr="0" anchor="t" bIns="91425" lIns="91425" spcFirstLastPara="1" rIns="91425" wrap="square" tIns="91425">
+            <a:noAutofit/>
+          </a:bodyPr>
+          <a:lstStyle/>
+          <a:p>
+            <a:pPr indent="0" lvl="0" marL="0" rtl="0" algn="l">
+              <a:spcBef>
+                <a:spcPts val="0"/>
+              </a:spcBef>
+              <a:spcAft>
+                <a:spcPts val="0"/>
+              </a:spcAft>
+              <a:buNone/>
+            </a:pPr>
+            <a:r>
+              <a:t/>
+            </a:r>
+            <a:endParaRPr/>
+          </a:p>
+        </p:txBody>
+      </p:sp>
+    </p:spTree>
+  </p:cSld>
+  <p:clrMapOvr>
+    <a:masterClrMapping/>
+  </p:clrMapOvr>
+</p:notes>
+</file>
+
+<file path=ppt/notesSlides/notesSlide51.xml><?xml version="1.0" encoding="utf-8"?>
+<p:notes xmlns:a="http://schemas.openxmlformats.org/drawingml/2006/main" xmlns:r="http://schemas.openxmlformats.org/officeDocument/2006/relationships" xmlns:mc="http://schemas.openxmlformats.org/markup-compatibility/2006" xmlns:mv="urn:schemas-microsoft-com:mac:vml" xmlns:p="http://schemas.openxmlformats.org/presentationml/2006/main" xmlns:c="http://schemas.openxmlformats.org/drawingml/2006/chart" xmlns:dgm="http://schemas.openxmlformats.org/drawingml/2006/diagram" xmlns:o="urn:schemas-microsoft-com:office:office" xmlns:v="urn:schemas-microsoft-com:vml" xmlns:pvml="urn:schemas-microsoft-com:office:powerpoint" xmlns:com="http://schemas.openxmlformats.org/drawingml/2006/compatibility" xmlns:p14="http://schemas.microsoft.com/office/powerpoint/2010/main" xmlns:p15="http://schemas.microsoft.com/office/powerpoint/2012/main" xmlns:ahyp="http://schemas.microsoft.com/office/drawing/2018/hyperlinkcolor" showMasterPhAnim="0" showMasterSp="0">
+  <p:cSld>
+    <p:spTree>
+      <p:nvGrpSpPr>
+        <p:cNvPr id="385" name="Shape 385"/>
+        <p:cNvGrpSpPr/>
+        <p:nvPr/>
+      </p:nvGrpSpPr>
+      <p:grpSpPr>
+        <a:xfrm>
+          <a:off x="0" y="0"/>
+          <a:ext cx="0" cy="0"/>
+          <a:chOff x="0" y="0"/>
+          <a:chExt cx="0" cy="0"/>
+        </a:xfrm>
+      </p:grpSpPr>
+      <p:sp>
+        <p:nvSpPr>
+          <p:cNvPr id="386" name="Google Shape;386;g239609b2c0c_0_47:notes"/>
+          <p:cNvSpPr/>
+          <p:nvPr>
+            <p:ph idx="2" type="sldImg"/>
+          </p:nvPr>
+        </p:nvSpPr>
+        <p:spPr>
+          <a:xfrm>
+            <a:off x="381300" y="685800"/>
+            <a:ext cx="6096000" cy="3429000"/>
+          </a:xfrm>
+          <a:custGeom>
+            <a:rect b="b" l="l" r="r" t="t"/>
+            <a:pathLst>
+              <a:path extrusionOk="0" h="120000" w="120000">
+                <a:moveTo>
+                  <a:pt x="0" y="0"/>
+                </a:moveTo>
+                <a:lnTo>
+                  <a:pt x="120000" y="0"/>
+                </a:lnTo>
+                <a:lnTo>
+                  <a:pt x="120000" y="120000"/>
+                </a:lnTo>
+                <a:lnTo>
+                  <a:pt x="0" y="120000"/>
+                </a:lnTo>
+                <a:close/>
+              </a:path>
+            </a:pathLst>
+          </a:custGeom>
+        </p:spPr>
+      </p:sp>
+      <p:sp>
+        <p:nvSpPr>
+          <p:cNvPr id="387" name="Google Shape;387;g239609b2c0c_0_47:notes"/>
           <p:cNvSpPr txBox="1"/>
           <p:nvPr>
             <p:ph idx="1" type="body"/>
@@ -21859,7 +21959,7 @@
             </a:pPr>
             <a:r>
               <a:rPr lang="en"/>
-              <a:t>How to Structure a Class Implementation</a:t>
+              <a:t>Mixin Classes [1]</a:t>
             </a:r>
             <a:endParaRPr/>
           </a:p>
@@ -21895,16 +21995,11 @@
               <a:spcAft>
                 <a:spcPts val="0"/>
               </a:spcAft>
-              <a:buClr>
-                <a:schemeClr val="dk1"/>
-              </a:buClr>
-              <a:buSzPts val="1100"/>
-              <a:buFont typeface="Arial"/>
               <a:buNone/>
             </a:pPr>
             <a:r>
               <a:rPr lang="en"/>
-              <a:t>Group fields together, across traits or collaborations</a:t>
+              <a:t>A mixin class is a (typically small) class that </a:t>
             </a:r>
             <a:endParaRPr/>
           </a:p>
@@ -21921,14 +22016,34 @@
             </a:pPr>
             <a:r>
               <a:rPr lang="en"/>
-              <a:t>At top of file (most common) or bottom (less common)</a:t>
+              <a:t>Provides reusable code </a:t>
+            </a:r>
+            <a:r>
+              <a:rPr lang="en"/>
+              <a:t>focused on one aspect / trait / role of interest</a:t>
             </a:r>
             <a:endParaRPr/>
           </a:p>
           <a:p>
+            <a:pPr indent="0" lvl="0" marL="0" rtl="0" algn="l">
+              <a:spcBef>
+                <a:spcPts val="1200"/>
+              </a:spcBef>
+              <a:spcAft>
+                <a:spcPts val="0"/>
+              </a:spcAft>
+              <a:buNone/>
+            </a:pPr>
+            <a:r>
+              <a:rPr lang="en"/>
+              <a:t>A regular class then “mixes in” or inherits from one or more mixin classes to</a:t>
+            </a:r>
+            <a:endParaRPr/>
+          </a:p>
+          <a:p>
             <a:pPr indent="-342900" lvl="0" marL="457200" rtl="0" algn="l">
               <a:spcBef>
-                <a:spcPts val="0"/>
+                <a:spcPts val="1200"/>
               </a:spcBef>
               <a:spcAft>
                 <a:spcPts val="0"/>
@@ -21938,7 +22053,7 @@
             </a:pPr>
             <a:r>
               <a:rPr lang="en"/>
-              <a:t>Because implementation state works across collaborations</a:t>
+              <a:t>Compose the reusable code into the (larger) class</a:t>
             </a:r>
             <a:endParaRPr/>
           </a:p>
@@ -22014,6 +22129,48 @@
                 <a:schemeClr val="dk2"/>
               </a:solidFill>
             </a:endParaRPr>
+          </a:p>
+        </p:txBody>
+      </p:sp>
+      <p:sp>
+        <p:nvSpPr>
+          <p:cNvPr id="240" name="Google Shape;240;p36"/>
+          <p:cNvSpPr txBox="1"/>
+          <p:nvPr/>
+        </p:nvSpPr>
+        <p:spPr>
+          <a:xfrm>
+            <a:off x="0" y="4233672"/>
+            <a:ext cx="7315200" cy="914400"/>
+          </a:xfrm>
+          <a:prstGeom prst="rect">
+            <a:avLst/>
+          </a:prstGeom>
+          <a:noFill/>
+          <a:ln>
+            <a:noFill/>
+          </a:ln>
+        </p:spPr>
+        <p:txBody>
+          <a:bodyPr anchorCtr="0" anchor="b" bIns="91425" lIns="91425" spcFirstLastPara="1" rIns="91425" wrap="square" tIns="91425">
+            <a:noAutofit/>
+          </a:bodyPr>
+          <a:lstStyle/>
+          <a:p>
+            <a:pPr indent="0" lvl="0" marL="0" rtl="0" algn="l">
+              <a:spcBef>
+                <a:spcPts val="0"/>
+              </a:spcBef>
+              <a:spcAft>
+                <a:spcPts val="0"/>
+              </a:spcAft>
+              <a:buNone/>
+            </a:pPr>
+            <a:r>
+              <a:rPr lang="en"/>
+              <a:t>[1] Requires multiple inheritance or dedicated language mechanism</a:t>
+            </a:r>
+            <a:endParaRPr/>
           </a:p>
         </p:txBody>
       </p:sp>
@@ -22095,7 +22252,7 @@
   <p:cSld>
     <p:spTree>
       <p:nvGrpSpPr>
-        <p:cNvPr id="243" name="Shape 243"/>
+        <p:cNvPr id="244" name="Shape 244"/>
         <p:cNvGrpSpPr/>
         <p:nvPr/>
       </p:nvGrpSpPr>
@@ -22109,7 +22266,7 @@
       </p:grpSpPr>
       <p:sp>
         <p:nvSpPr>
-          <p:cNvPr id="244" name="Google Shape;244;p37"/>
+          <p:cNvPr id="245" name="Google Shape;245;p37"/>
           <p:cNvSpPr txBox="1"/>
           <p:nvPr>
             <p:ph type="title"/>
@@ -22141,7 +22298,7 @@
             </a:pPr>
             <a:r>
               <a:rPr lang="en"/>
-              <a:t>Tagging Interface</a:t>
+              <a:t>How to Structure a Class Implementation</a:t>
             </a:r>
             <a:endParaRPr/>
           </a:p>
@@ -22149,7 +22306,7 @@
       </p:sp>
       <p:sp>
         <p:nvSpPr>
-          <p:cNvPr id="245" name="Google Shape;245;p37"/>
+          <p:cNvPr id="246" name="Google Shape;246;p37"/>
           <p:cNvSpPr txBox="1"/>
           <p:nvPr>
             <p:ph idx="1" type="body"/>
@@ -22177,11 +22334,16 @@
               <a:spcAft>
                 <a:spcPts val="0"/>
               </a:spcAft>
+              <a:buClr>
+                <a:schemeClr val="dk1"/>
+              </a:buClr>
+              <a:buSzPts val="1100"/>
+              <a:buFont typeface="Arial"/>
               <a:buNone/>
             </a:pPr>
             <a:r>
               <a:rPr lang="en"/>
-              <a:t>A tagging interface is</a:t>
+              <a:t>Group fields together, across traits or collaborations</a:t>
             </a:r>
             <a:endParaRPr/>
           </a:p>
@@ -22198,7 +22360,7 @@
             </a:pPr>
             <a:r>
               <a:rPr lang="en"/>
-              <a:t>An interface that serves as a marker to the compiler to add “some magic”</a:t>
+              <a:t>At top of file (most common) or bottom (less common)</a:t>
             </a:r>
             <a:endParaRPr/>
           </a:p>
@@ -22215,55 +22377,7 @@
             </a:pPr>
             <a:r>
               <a:rPr lang="en"/>
-              <a:t>Typically void of any methods</a:t>
-            </a:r>
-            <a:endParaRPr/>
-          </a:p>
-          <a:p>
-            <a:pPr indent="-342900" lvl="0" marL="457200" rtl="0" algn="l">
-              <a:spcBef>
-                <a:spcPts val="0"/>
-              </a:spcBef>
-              <a:spcAft>
-                <a:spcPts val="0"/>
-              </a:spcAft>
-              <a:buSzPts val="1800"/>
-              <a:buChar char="●"/>
-            </a:pPr>
-            <a:r>
-              <a:rPr lang="en"/>
-              <a:t>A.k.a. marker interface</a:t>
-            </a:r>
-            <a:endParaRPr/>
-          </a:p>
-          <a:p>
-            <a:pPr indent="0" lvl="0" marL="0" rtl="0" algn="l">
-              <a:spcBef>
-                <a:spcPts val="1200"/>
-              </a:spcBef>
-              <a:spcAft>
-                <a:spcPts val="0"/>
-              </a:spcAft>
-              <a:buNone/>
-            </a:pPr>
-            <a:r>
-              <a:rPr lang="en"/>
-              <a:t>In Java, example tagging interfaces are Cloneable and Serializable</a:t>
-            </a:r>
-            <a:endParaRPr/>
-          </a:p>
-          <a:p>
-            <a:pPr indent="0" lvl="0" marL="0" rtl="0" algn="l">
-              <a:spcBef>
-                <a:spcPts val="1200"/>
-              </a:spcBef>
-              <a:spcAft>
-                <a:spcPts val="1200"/>
-              </a:spcAft>
-              <a:buNone/>
-            </a:pPr>
-            <a:r>
-              <a:t/>
+              <a:t>Because implementation state works across collaborations</a:t>
             </a:r>
             <a:endParaRPr/>
           </a:p>
@@ -22271,7 +22385,7 @@
       </p:sp>
       <p:sp>
         <p:nvSpPr>
-          <p:cNvPr id="246" name="Google Shape;246;p37"/>
+          <p:cNvPr id="247" name="Google Shape;247;p37"/>
           <p:cNvSpPr txBox="1"/>
           <p:nvPr>
             <p:ph idx="12" type="sldNum"/>
@@ -22355,7 +22469,7 @@
   <p:cSld>
     <p:spTree>
       <p:nvGrpSpPr>
-        <p:cNvPr id="250" name="Shape 250"/>
+        <p:cNvPr id="251" name="Shape 251"/>
         <p:cNvGrpSpPr/>
         <p:nvPr/>
       </p:nvGrpSpPr>
@@ -22369,7 +22483,267 @@
       </p:grpSpPr>
       <p:sp>
         <p:nvSpPr>
-          <p:cNvPr id="251" name="Google Shape;251;p38"/>
+          <p:cNvPr id="252" name="Google Shape;252;p38"/>
+          <p:cNvSpPr txBox="1"/>
+          <p:nvPr>
+            <p:ph type="title"/>
+          </p:nvPr>
+        </p:nvSpPr>
+        <p:spPr>
+          <a:xfrm>
+            <a:off x="0" y="0"/>
+            <a:ext cx="9144000" cy="685800"/>
+          </a:xfrm>
+          <a:prstGeom prst="rect">
+            <a:avLst/>
+          </a:prstGeom>
+        </p:spPr>
+        <p:txBody>
+          <a:bodyPr anchorCtr="0" anchor="ctr" bIns="91425" lIns="274300" spcFirstLastPara="1" rIns="91425" wrap="square" tIns="91425">
+            <a:noAutofit/>
+          </a:bodyPr>
+          <a:lstStyle/>
+          <a:p>
+            <a:pPr indent="0" lvl="0" marL="0" rtl="0" algn="l">
+              <a:spcBef>
+                <a:spcPts val="0"/>
+              </a:spcBef>
+              <a:spcAft>
+                <a:spcPts val="0"/>
+              </a:spcAft>
+              <a:buNone/>
+            </a:pPr>
+            <a:r>
+              <a:rPr lang="en"/>
+              <a:t>Tagging Interface</a:t>
+            </a:r>
+            <a:endParaRPr/>
+          </a:p>
+        </p:txBody>
+      </p:sp>
+      <p:sp>
+        <p:nvSpPr>
+          <p:cNvPr id="253" name="Google Shape;253;p38"/>
+          <p:cNvSpPr txBox="1"/>
+          <p:nvPr>
+            <p:ph idx="1" type="body"/>
+          </p:nvPr>
+        </p:nvSpPr>
+        <p:spPr>
+          <a:xfrm>
+            <a:off x="274320" y="914400"/>
+            <a:ext cx="8595300" cy="4114800"/>
+          </a:xfrm>
+          <a:prstGeom prst="rect">
+            <a:avLst/>
+          </a:prstGeom>
+        </p:spPr>
+        <p:txBody>
+          <a:bodyPr anchorCtr="0" anchor="t" bIns="0" lIns="0" spcFirstLastPara="1" rIns="0" wrap="square" tIns="0">
+            <a:noAutofit/>
+          </a:bodyPr>
+          <a:lstStyle/>
+          <a:p>
+            <a:pPr indent="0" lvl="0" marL="0" rtl="0" algn="l">
+              <a:spcBef>
+                <a:spcPts val="0"/>
+              </a:spcBef>
+              <a:spcAft>
+                <a:spcPts val="0"/>
+              </a:spcAft>
+              <a:buNone/>
+            </a:pPr>
+            <a:r>
+              <a:rPr lang="en"/>
+              <a:t>A tagging interface is</a:t>
+            </a:r>
+            <a:endParaRPr/>
+          </a:p>
+          <a:p>
+            <a:pPr indent="-342900" lvl="0" marL="457200" rtl="0" algn="l">
+              <a:spcBef>
+                <a:spcPts val="1200"/>
+              </a:spcBef>
+              <a:spcAft>
+                <a:spcPts val="0"/>
+              </a:spcAft>
+              <a:buSzPts val="1800"/>
+              <a:buChar char="●"/>
+            </a:pPr>
+            <a:r>
+              <a:rPr lang="en"/>
+              <a:t>An interface that serves as a marker to the compiler to add “some magic”</a:t>
+            </a:r>
+            <a:endParaRPr/>
+          </a:p>
+          <a:p>
+            <a:pPr indent="-342900" lvl="0" marL="457200" rtl="0" algn="l">
+              <a:spcBef>
+                <a:spcPts val="0"/>
+              </a:spcBef>
+              <a:spcAft>
+                <a:spcPts val="0"/>
+              </a:spcAft>
+              <a:buSzPts val="1800"/>
+              <a:buChar char="●"/>
+            </a:pPr>
+            <a:r>
+              <a:rPr lang="en"/>
+              <a:t>Typically void of any methods</a:t>
+            </a:r>
+            <a:endParaRPr/>
+          </a:p>
+          <a:p>
+            <a:pPr indent="-342900" lvl="0" marL="457200" rtl="0" algn="l">
+              <a:spcBef>
+                <a:spcPts val="0"/>
+              </a:spcBef>
+              <a:spcAft>
+                <a:spcPts val="0"/>
+              </a:spcAft>
+              <a:buSzPts val="1800"/>
+              <a:buChar char="●"/>
+            </a:pPr>
+            <a:r>
+              <a:rPr lang="en"/>
+              <a:t>A.k.a. marker interface</a:t>
+            </a:r>
+            <a:endParaRPr/>
+          </a:p>
+          <a:p>
+            <a:pPr indent="0" lvl="0" marL="0" rtl="0" algn="l">
+              <a:spcBef>
+                <a:spcPts val="1200"/>
+              </a:spcBef>
+              <a:spcAft>
+                <a:spcPts val="0"/>
+              </a:spcAft>
+              <a:buNone/>
+            </a:pPr>
+            <a:r>
+              <a:rPr lang="en"/>
+              <a:t>In Java, example tagging interfaces are Cloneable and Serializable</a:t>
+            </a:r>
+            <a:endParaRPr/>
+          </a:p>
+          <a:p>
+            <a:pPr indent="0" lvl="0" marL="0" rtl="0" algn="l">
+              <a:spcBef>
+                <a:spcPts val="1200"/>
+              </a:spcBef>
+              <a:spcAft>
+                <a:spcPts val="1200"/>
+              </a:spcAft>
+              <a:buNone/>
+            </a:pPr>
+            <a:r>
+              <a:t/>
+            </a:r>
+            <a:endParaRPr/>
+          </a:p>
+        </p:txBody>
+      </p:sp>
+      <p:sp>
+        <p:nvSpPr>
+          <p:cNvPr id="254" name="Google Shape;254;p38"/>
+          <p:cNvSpPr txBox="1"/>
+          <p:nvPr>
+            <p:ph idx="12" type="sldNum"/>
+          </p:nvPr>
+        </p:nvSpPr>
+        <p:spPr>
+          <a:xfrm>
+            <a:off x="7315202" y="4416550"/>
+            <a:ext cx="1828800" cy="731400"/>
+          </a:xfrm>
+          <a:prstGeom prst="rect">
+            <a:avLst/>
+          </a:prstGeom>
+        </p:spPr>
+        <p:txBody>
+          <a:bodyPr anchorCtr="0" anchor="b" bIns="91425" lIns="91425" spcFirstLastPara="1" rIns="91425" wrap="square" tIns="91425">
+            <a:noAutofit/>
+          </a:bodyPr>
+          <a:lstStyle/>
+          <a:p>
+            <a:pPr indent="0" lvl="0" marL="0" rtl="0" algn="r">
+              <a:spcBef>
+                <a:spcPts val="0"/>
+              </a:spcBef>
+              <a:spcAft>
+                <a:spcPts val="0"/>
+              </a:spcAft>
+              <a:buNone/>
+            </a:pPr>
+            <a:fld id="{00000000-1234-1234-1234-123412341234}" type="slidenum">
+              <a:rPr lang="en"/>
+              <a:t>‹#›</a:t>
+            </a:fld>
+            <a:endParaRPr/>
+          </a:p>
+          <a:p>
+            <a:pPr indent="0" lvl="0" marL="0" rtl="0" algn="r">
+              <a:spcBef>
+                <a:spcPts val="0"/>
+              </a:spcBef>
+              <a:spcAft>
+                <a:spcPts val="0"/>
+              </a:spcAft>
+              <a:buNone/>
+            </a:pPr>
+            <a:r>
+              <a:rPr b="0" lang="en" sz="900" u="sng">
+                <a:solidFill>
+                  <a:schemeClr val="hlink"/>
+                </a:solidFill>
+                <a:hlinkClick r:id="rId3"/>
+              </a:rPr>
+              <a:t>https://oss.cs.fau.de</a:t>
+            </a:r>
+            <a:r>
+              <a:rPr b="0" lang="en" sz="900">
+                <a:solidFill>
+                  <a:schemeClr val="dk2"/>
+                </a:solidFill>
+              </a:rPr>
+              <a:t> </a:t>
+            </a:r>
+            <a:endParaRPr b="0" sz="900">
+              <a:solidFill>
+                <a:schemeClr val="dk2"/>
+              </a:solidFill>
+            </a:endParaRPr>
+          </a:p>
+        </p:txBody>
+      </p:sp>
+    </p:spTree>
+  </p:cSld>
+  <p:clrMapOvr>
+    <a:masterClrMapping/>
+  </p:clrMapOvr>
+</p:sld>
+</file>
+
+<file path=ppt/slides/slide32.xml><?xml version="1.0" encoding="utf-8"?>
+<p:sld xmlns:a="http://schemas.openxmlformats.org/drawingml/2006/main" xmlns:r="http://schemas.openxmlformats.org/officeDocument/2006/relationships" xmlns:mc="http://schemas.openxmlformats.org/markup-compatibility/2006" xmlns:mv="urn:schemas-microsoft-com:mac:vml" xmlns:p="http://schemas.openxmlformats.org/presentationml/2006/main" xmlns:c="http://schemas.openxmlformats.org/drawingml/2006/chart" xmlns:dgm="http://schemas.openxmlformats.org/drawingml/2006/diagram" xmlns:o="urn:schemas-microsoft-com:office:office" xmlns:v="urn:schemas-microsoft-com:vml" xmlns:pvml="urn:schemas-microsoft-com:office:powerpoint" xmlns:com="http://schemas.openxmlformats.org/drawingml/2006/compatibility" xmlns:p14="http://schemas.microsoft.com/office/powerpoint/2010/main" xmlns:p15="http://schemas.microsoft.com/office/powerpoint/2012/main" xmlns:ahyp="http://schemas.microsoft.com/office/drawing/2018/hyperlinkcolor">
+  <p:cSld>
+    <p:spTree>
+      <p:nvGrpSpPr>
+        <p:cNvPr id="258" name="Shape 258"/>
+        <p:cNvGrpSpPr/>
+        <p:nvPr/>
+      </p:nvGrpSpPr>
+      <p:grpSpPr>
+        <a:xfrm>
+          <a:off x="0" y="0"/>
+          <a:ext cx="0" cy="0"/>
+          <a:chOff x="0" y="0"/>
+          <a:chExt cx="0" cy="0"/>
+        </a:xfrm>
+      </p:grpSpPr>
+      <p:sp>
+        <p:nvSpPr>
+          <p:cNvPr id="259" name="Google Shape;259;p39"/>
           <p:cNvSpPr txBox="1"/>
           <p:nvPr>
             <p:ph type="title"/>
@@ -22415,12 +22789,12 @@
 </p:sld>
 </file>
 
-<file path=ppt/slides/slide32.xml><?xml version="1.0" encoding="utf-8"?>
+<file path=ppt/slides/slide33.xml><?xml version="1.0" encoding="utf-8"?>
 <p:sld xmlns:a="http://schemas.openxmlformats.org/drawingml/2006/main" xmlns:r="http://schemas.openxmlformats.org/officeDocument/2006/relationships" xmlns:mc="http://schemas.openxmlformats.org/markup-compatibility/2006" xmlns:mv="urn:schemas-microsoft-com:mac:vml" xmlns:p="http://schemas.openxmlformats.org/presentationml/2006/main" xmlns:c="http://schemas.openxmlformats.org/drawingml/2006/chart" xmlns:dgm="http://schemas.openxmlformats.org/drawingml/2006/diagram" xmlns:o="urn:schemas-microsoft-com:office:office" xmlns:v="urn:schemas-microsoft-com:vml" xmlns:pvml="urn:schemas-microsoft-com:office:powerpoint" xmlns:com="http://schemas.openxmlformats.org/drawingml/2006/compatibility" xmlns:p14="http://schemas.microsoft.com/office/powerpoint/2010/main" xmlns:p15="http://schemas.microsoft.com/office/powerpoint/2012/main" xmlns:ahyp="http://schemas.microsoft.com/office/drawing/2018/hyperlinkcolor">
   <p:cSld>
     <p:spTree>
       <p:nvGrpSpPr>
-        <p:cNvPr id="255" name="Shape 255"/>
+        <p:cNvPr id="263" name="Shape 263"/>
         <p:cNvGrpSpPr/>
         <p:nvPr/>
       </p:nvGrpSpPr>
@@ -22434,7 +22808,7 @@
       </p:grpSpPr>
       <p:sp>
         <p:nvSpPr>
-          <p:cNvPr id="256" name="Google Shape;256;p39"/>
+          <p:cNvPr id="264" name="Google Shape;264;p40"/>
           <p:cNvSpPr txBox="1"/>
           <p:nvPr>
             <p:ph type="title"/>
@@ -22474,7 +22848,7 @@
       </p:sp>
       <p:sp>
         <p:nvSpPr>
-          <p:cNvPr id="257" name="Google Shape;257;p39"/>
+          <p:cNvPr id="265" name="Google Shape;265;p40"/>
           <p:cNvSpPr txBox="1"/>
           <p:nvPr>
             <p:ph idx="1" type="body"/>
@@ -22567,7 +22941,7 @@
       </p:sp>
       <p:sp>
         <p:nvSpPr>
-          <p:cNvPr id="258" name="Google Shape;258;p39"/>
+          <p:cNvPr id="266" name="Google Shape;266;p40"/>
           <p:cNvSpPr txBox="1"/>
           <p:nvPr>
             <p:ph idx="12" type="sldNum"/>
@@ -22646,12 +23020,12 @@
 </p:sld>
 </file>
 
-<file path=ppt/slides/slide33.xml><?xml version="1.0" encoding="utf-8"?>
+<file path=ppt/slides/slide34.xml><?xml version="1.0" encoding="utf-8"?>
 <p:sld xmlns:a="http://schemas.openxmlformats.org/drawingml/2006/main" xmlns:r="http://schemas.openxmlformats.org/officeDocument/2006/relationships" xmlns:mc="http://schemas.openxmlformats.org/markup-compatibility/2006" xmlns:mv="urn:schemas-microsoft-com:mac:vml" xmlns:p="http://schemas.openxmlformats.org/presentationml/2006/main" xmlns:c="http://schemas.openxmlformats.org/drawingml/2006/chart" xmlns:dgm="http://schemas.openxmlformats.org/drawingml/2006/diagram" xmlns:o="urn:schemas-microsoft-com:office:office" xmlns:v="urn:schemas-microsoft-com:vml" xmlns:pvml="urn:schemas-microsoft-com:office:powerpoint" xmlns:com="http://schemas.openxmlformats.org/drawingml/2006/compatibility" xmlns:p14="http://schemas.microsoft.com/office/powerpoint/2010/main" xmlns:p15="http://schemas.microsoft.com/office/powerpoint/2012/main" xmlns:ahyp="http://schemas.microsoft.com/office/drawing/2018/hyperlinkcolor">
   <p:cSld>
     <p:spTree>
       <p:nvGrpSpPr>
-        <p:cNvPr id="262" name="Shape 262"/>
+        <p:cNvPr id="270" name="Shape 270"/>
         <p:cNvGrpSpPr/>
         <p:nvPr/>
       </p:nvGrpSpPr>
@@ -22665,7 +23039,7 @@
       </p:grpSpPr>
       <p:sp>
         <p:nvSpPr>
-          <p:cNvPr id="263" name="Google Shape;263;p40"/>
+          <p:cNvPr id="271" name="Google Shape;271;p41"/>
           <p:cNvSpPr txBox="1"/>
           <p:nvPr>
             <p:ph type="title"/>
@@ -22705,7 +23079,7 @@
       </p:sp>
       <p:sp>
         <p:nvSpPr>
-          <p:cNvPr id="264" name="Google Shape;264;p40"/>
+          <p:cNvPr id="272" name="Google Shape;272;p41"/>
           <p:cNvSpPr txBox="1"/>
           <p:nvPr>
             <p:ph idx="12" type="sldNum"/>
@@ -22778,7 +23152,7 @@
       </p:sp>
       <p:pic>
         <p:nvPicPr>
-          <p:cNvPr id="265" name="Google Shape;265;p40"/>
+          <p:cNvPr id="273" name="Google Shape;273;p41"/>
           <p:cNvPicPr preferRelativeResize="0"/>
           <p:nvPr/>
         </p:nvPicPr>
@@ -22812,12 +23186,12 @@
 </p:sld>
 </file>
 
-<file path=ppt/slides/slide34.xml><?xml version="1.0" encoding="utf-8"?>
+<file path=ppt/slides/slide35.xml><?xml version="1.0" encoding="utf-8"?>
 <p:sld xmlns:a="http://schemas.openxmlformats.org/drawingml/2006/main" xmlns:r="http://schemas.openxmlformats.org/officeDocument/2006/relationships" xmlns:mc="http://schemas.openxmlformats.org/markup-compatibility/2006" xmlns:mv="urn:schemas-microsoft-com:mac:vml" xmlns:p="http://schemas.openxmlformats.org/presentationml/2006/main" xmlns:c="http://schemas.openxmlformats.org/drawingml/2006/chart" xmlns:dgm="http://schemas.openxmlformats.org/drawingml/2006/diagram" xmlns:o="urn:schemas-microsoft-com:office:office" xmlns:v="urn:schemas-microsoft-com:vml" xmlns:pvml="urn:schemas-microsoft-com:office:powerpoint" xmlns:com="http://schemas.openxmlformats.org/drawingml/2006/compatibility" xmlns:p14="http://schemas.microsoft.com/office/powerpoint/2010/main" xmlns:p15="http://schemas.microsoft.com/office/powerpoint/2012/main" xmlns:ahyp="http://schemas.microsoft.com/office/drawing/2018/hyperlinkcolor">
   <p:cSld>
     <p:spTree>
       <p:nvGrpSpPr>
-        <p:cNvPr id="269" name="Shape 269"/>
+        <p:cNvPr id="277" name="Shape 277"/>
         <p:cNvGrpSpPr/>
         <p:nvPr/>
       </p:nvGrpSpPr>
@@ -22831,7 +23205,7 @@
       </p:grpSpPr>
       <p:sp>
         <p:nvSpPr>
-          <p:cNvPr id="270" name="Google Shape;270;p41"/>
+          <p:cNvPr id="278" name="Google Shape;278;p42"/>
           <p:cNvSpPr txBox="1"/>
           <p:nvPr>
             <p:ph type="title"/>
@@ -22871,7 +23245,7 @@
       </p:sp>
       <p:sp>
         <p:nvSpPr>
-          <p:cNvPr id="271" name="Google Shape;271;p41"/>
+          <p:cNvPr id="279" name="Google Shape;279;p42"/>
           <p:cNvSpPr txBox="1"/>
           <p:nvPr>
             <p:ph idx="1" type="body"/>
@@ -22970,7 +23344,7 @@
       </p:sp>
       <p:sp>
         <p:nvSpPr>
-          <p:cNvPr id="272" name="Google Shape;272;p41"/>
+          <p:cNvPr id="280" name="Google Shape;280;p42"/>
           <p:cNvSpPr txBox="1"/>
           <p:nvPr>
             <p:ph idx="12" type="sldNum"/>
@@ -23049,12 +23423,12 @@
 </p:sld>
 </file>
 
-<file path=ppt/slides/slide35.xml><?xml version="1.0" encoding="utf-8"?>
+<file path=ppt/slides/slide36.xml><?xml version="1.0" encoding="utf-8"?>
 <p:sld xmlns:a="http://schemas.openxmlformats.org/drawingml/2006/main" xmlns:r="http://schemas.openxmlformats.org/officeDocument/2006/relationships" xmlns:mc="http://schemas.openxmlformats.org/markup-compatibility/2006" xmlns:mv="urn:schemas-microsoft-com:mac:vml" xmlns:p="http://schemas.openxmlformats.org/presentationml/2006/main" xmlns:c="http://schemas.openxmlformats.org/drawingml/2006/chart" xmlns:dgm="http://schemas.openxmlformats.org/drawingml/2006/diagram" xmlns:o="urn:schemas-microsoft-com:office:office" xmlns:v="urn:schemas-microsoft-com:vml" xmlns:pvml="urn:schemas-microsoft-com:office:powerpoint" xmlns:com="http://schemas.openxmlformats.org/drawingml/2006/compatibility" xmlns:p14="http://schemas.microsoft.com/office/powerpoint/2010/main" xmlns:p15="http://schemas.microsoft.com/office/powerpoint/2012/main" xmlns:ahyp="http://schemas.microsoft.com/office/drawing/2018/hyperlinkcolor">
   <p:cSld>
     <p:spTree>
       <p:nvGrpSpPr>
-        <p:cNvPr id="276" name="Shape 276"/>
+        <p:cNvPr id="284" name="Shape 284"/>
         <p:cNvGrpSpPr/>
         <p:nvPr/>
       </p:nvGrpSpPr>
@@ -23068,7 +23442,7 @@
       </p:grpSpPr>
       <p:sp>
         <p:nvSpPr>
-          <p:cNvPr id="277" name="Google Shape;277;p42"/>
+          <p:cNvPr id="285" name="Google Shape;285;p43"/>
           <p:cNvSpPr txBox="1"/>
           <p:nvPr>
             <p:ph type="title"/>
@@ -23108,7 +23482,7 @@
       </p:sp>
       <p:sp>
         <p:nvSpPr>
-          <p:cNvPr id="278" name="Google Shape;278;p42"/>
+          <p:cNvPr id="286" name="Google Shape;286;p43"/>
           <p:cNvSpPr txBox="1"/>
           <p:nvPr>
             <p:ph idx="1" type="body"/>
@@ -25388,7 +25762,7 @@
       </p:sp>
       <p:sp>
         <p:nvSpPr>
-          <p:cNvPr id="279" name="Google Shape;279;p42"/>
+          <p:cNvPr id="287" name="Google Shape;287;p43"/>
           <p:cNvSpPr txBox="1"/>
           <p:nvPr>
             <p:ph idx="12" type="sldNum"/>
@@ -25467,12 +25841,12 @@
 </p:sld>
 </file>
 
-<file path=ppt/slides/slide36.xml><?xml version="1.0" encoding="utf-8"?>
+<file path=ppt/slides/slide37.xml><?xml version="1.0" encoding="utf-8"?>
 <p:sld xmlns:a="http://schemas.openxmlformats.org/drawingml/2006/main" xmlns:r="http://schemas.openxmlformats.org/officeDocument/2006/relationships" xmlns:mc="http://schemas.openxmlformats.org/markup-compatibility/2006" xmlns:mv="urn:schemas-microsoft-com:mac:vml" xmlns:p="http://schemas.openxmlformats.org/presentationml/2006/main" xmlns:c="http://schemas.openxmlformats.org/drawingml/2006/chart" xmlns:dgm="http://schemas.openxmlformats.org/drawingml/2006/diagram" xmlns:o="urn:schemas-microsoft-com:office:office" xmlns:v="urn:schemas-microsoft-com:vml" xmlns:pvml="urn:schemas-microsoft-com:office:powerpoint" xmlns:com="http://schemas.openxmlformats.org/drawingml/2006/compatibility" xmlns:p14="http://schemas.microsoft.com/office/powerpoint/2010/main" xmlns:p15="http://schemas.microsoft.com/office/powerpoint/2012/main" xmlns:ahyp="http://schemas.microsoft.com/office/drawing/2018/hyperlinkcolor">
   <p:cSld>
     <p:spTree>
       <p:nvGrpSpPr>
-        <p:cNvPr id="283" name="Shape 283"/>
+        <p:cNvPr id="291" name="Shape 291"/>
         <p:cNvGrpSpPr/>
         <p:nvPr/>
       </p:nvGrpSpPr>
@@ -25486,7 +25860,7 @@
       </p:grpSpPr>
       <p:sp>
         <p:nvSpPr>
-          <p:cNvPr id="284" name="Google Shape;284;p43"/>
+          <p:cNvPr id="292" name="Google Shape;292;p44"/>
           <p:cNvSpPr txBox="1"/>
           <p:nvPr>
             <p:ph type="title"/>
@@ -25526,7 +25900,7 @@
       </p:sp>
       <p:sp>
         <p:nvSpPr>
-          <p:cNvPr id="285" name="Google Shape;285;p43"/>
+          <p:cNvPr id="293" name="Google Shape;293;p44"/>
           <p:cNvSpPr txBox="1"/>
           <p:nvPr>
             <p:ph idx="1" type="body"/>
@@ -25622,7 +25996,7 @@
       </p:sp>
       <p:sp>
         <p:nvSpPr>
-          <p:cNvPr id="286" name="Google Shape;286;p43"/>
+          <p:cNvPr id="294" name="Google Shape;294;p44"/>
           <p:cNvSpPr txBox="1"/>
           <p:nvPr>
             <p:ph idx="12" type="sldNum"/>
@@ -25701,12 +26075,12 @@
 </p:sld>
 </file>
 
-<file path=ppt/slides/slide37.xml><?xml version="1.0" encoding="utf-8"?>
+<file path=ppt/slides/slide38.xml><?xml version="1.0" encoding="utf-8"?>
 <p:sld xmlns:a="http://schemas.openxmlformats.org/drawingml/2006/main" xmlns:r="http://schemas.openxmlformats.org/officeDocument/2006/relationships" xmlns:mc="http://schemas.openxmlformats.org/markup-compatibility/2006" xmlns:mv="urn:schemas-microsoft-com:mac:vml" xmlns:p="http://schemas.openxmlformats.org/presentationml/2006/main" xmlns:c="http://schemas.openxmlformats.org/drawingml/2006/chart" xmlns:dgm="http://schemas.openxmlformats.org/drawingml/2006/diagram" xmlns:o="urn:schemas-microsoft-com:office:office" xmlns:v="urn:schemas-microsoft-com:vml" xmlns:pvml="urn:schemas-microsoft-com:office:powerpoint" xmlns:com="http://schemas.openxmlformats.org/drawingml/2006/compatibility" xmlns:p14="http://schemas.microsoft.com/office/powerpoint/2010/main" xmlns:p15="http://schemas.microsoft.com/office/powerpoint/2012/main" xmlns:ahyp="http://schemas.microsoft.com/office/drawing/2018/hyperlinkcolor">
   <p:cSld>
     <p:spTree>
       <p:nvGrpSpPr>
-        <p:cNvPr id="290" name="Shape 290"/>
+        <p:cNvPr id="298" name="Shape 298"/>
         <p:cNvGrpSpPr/>
         <p:nvPr/>
       </p:nvGrpSpPr>
@@ -25720,7 +26094,7 @@
       </p:grpSpPr>
       <p:sp>
         <p:nvSpPr>
-          <p:cNvPr id="291" name="Google Shape;291;p44"/>
+          <p:cNvPr id="299" name="Google Shape;299;p45"/>
           <p:cNvSpPr txBox="1"/>
           <p:nvPr>
             <p:ph type="title"/>
@@ -25760,7 +26134,7 @@
       </p:sp>
       <p:sp>
         <p:nvSpPr>
-          <p:cNvPr id="292" name="Google Shape;292;p44"/>
+          <p:cNvPr id="300" name="Google Shape;300;p45"/>
           <p:cNvSpPr txBox="1"/>
           <p:nvPr>
             <p:ph idx="1" type="body"/>
@@ -25816,7 +26190,7 @@
       </p:sp>
       <p:sp>
         <p:nvSpPr>
-          <p:cNvPr id="293" name="Google Shape;293;p44"/>
+          <p:cNvPr id="301" name="Google Shape;301;p45"/>
           <p:cNvSpPr txBox="1"/>
           <p:nvPr>
             <p:ph idx="12" type="sldNum"/>
@@ -25895,12 +26269,12 @@
 </p:sld>
 </file>
 
-<file path=ppt/slides/slide38.xml><?xml version="1.0" encoding="utf-8"?>
+<file path=ppt/slides/slide39.xml><?xml version="1.0" encoding="utf-8"?>
 <p:sld xmlns:a="http://schemas.openxmlformats.org/drawingml/2006/main" xmlns:r="http://schemas.openxmlformats.org/officeDocument/2006/relationships" xmlns:mc="http://schemas.openxmlformats.org/markup-compatibility/2006" xmlns:mv="urn:schemas-microsoft-com:mac:vml" xmlns:p="http://schemas.openxmlformats.org/presentationml/2006/main" xmlns:c="http://schemas.openxmlformats.org/drawingml/2006/chart" xmlns:dgm="http://schemas.openxmlformats.org/drawingml/2006/diagram" xmlns:o="urn:schemas-microsoft-com:office:office" xmlns:v="urn:schemas-microsoft-com:vml" xmlns:pvml="urn:schemas-microsoft-com:office:powerpoint" xmlns:com="http://schemas.openxmlformats.org/drawingml/2006/compatibility" xmlns:p14="http://schemas.microsoft.com/office/powerpoint/2010/main" xmlns:p15="http://schemas.microsoft.com/office/powerpoint/2012/main" xmlns:ahyp="http://schemas.microsoft.com/office/drawing/2018/hyperlinkcolor">
   <p:cSld>
     <p:spTree>
       <p:nvGrpSpPr>
-        <p:cNvPr id="297" name="Shape 297"/>
+        <p:cNvPr id="305" name="Shape 305"/>
         <p:cNvGrpSpPr/>
         <p:nvPr/>
       </p:nvGrpSpPr>
@@ -25914,7 +26288,7 @@
       </p:grpSpPr>
       <p:sp>
         <p:nvSpPr>
-          <p:cNvPr id="298" name="Google Shape;298;p45"/>
+          <p:cNvPr id="306" name="Google Shape;306;p46"/>
           <p:cNvSpPr txBox="1"/>
           <p:nvPr>
             <p:ph type="title"/>
@@ -25954,7 +26328,7 @@
       </p:sp>
       <p:sp>
         <p:nvSpPr>
-          <p:cNvPr id="299" name="Google Shape;299;p45"/>
+          <p:cNvPr id="307" name="Google Shape;307;p46"/>
           <p:cNvSpPr txBox="1"/>
           <p:nvPr>
             <p:ph idx="1" type="body"/>
@@ -26034,217 +26408,7 @@
       </p:sp>
       <p:sp>
         <p:nvSpPr>
-          <p:cNvPr id="300" name="Google Shape;300;p45"/>
-          <p:cNvSpPr txBox="1"/>
-          <p:nvPr>
-            <p:ph idx="12" type="sldNum"/>
-          </p:nvPr>
-        </p:nvSpPr>
-        <p:spPr>
-          <a:xfrm>
-            <a:off x="7315202" y="4416550"/>
-            <a:ext cx="1828800" cy="731400"/>
-          </a:xfrm>
-          <a:prstGeom prst="rect">
-            <a:avLst/>
-          </a:prstGeom>
-        </p:spPr>
-        <p:txBody>
-          <a:bodyPr anchorCtr="0" anchor="b" bIns="91425" lIns="91425" spcFirstLastPara="1" rIns="91425" wrap="square" tIns="91425">
-            <a:noAutofit/>
-          </a:bodyPr>
-          <a:lstStyle/>
-          <a:p>
-            <a:pPr indent="0" lvl="0" marL="0" rtl="0" algn="r">
-              <a:spcBef>
-                <a:spcPts val="0"/>
-              </a:spcBef>
-              <a:spcAft>
-                <a:spcPts val="0"/>
-              </a:spcAft>
-              <a:buNone/>
-            </a:pPr>
-            <a:fld id="{00000000-1234-1234-1234-123412341234}" type="slidenum">
-              <a:rPr lang="en"/>
-              <a:t>‹#›</a:t>
-            </a:fld>
-            <a:endParaRPr/>
-          </a:p>
-          <a:p>
-            <a:pPr indent="0" lvl="0" marL="0" rtl="0" algn="r">
-              <a:spcBef>
-                <a:spcPts val="0"/>
-              </a:spcBef>
-              <a:spcAft>
-                <a:spcPts val="0"/>
-              </a:spcAft>
-              <a:buNone/>
-            </a:pPr>
-            <a:r>
-              <a:rPr b="0" lang="en" sz="900" u="sng">
-                <a:solidFill>
-                  <a:schemeClr val="hlink"/>
-                </a:solidFill>
-                <a:hlinkClick r:id="rId3"/>
-              </a:rPr>
-              <a:t>https://oss.cs.fau.de</a:t>
-            </a:r>
-            <a:r>
-              <a:rPr b="0" lang="en" sz="900">
-                <a:solidFill>
-                  <a:schemeClr val="dk2"/>
-                </a:solidFill>
-              </a:rPr>
-              <a:t> </a:t>
-            </a:r>
-            <a:endParaRPr b="0" sz="900">
-              <a:solidFill>
-                <a:schemeClr val="dk2"/>
-              </a:solidFill>
-            </a:endParaRPr>
-          </a:p>
-        </p:txBody>
-      </p:sp>
-    </p:spTree>
-  </p:cSld>
-  <p:clrMapOvr>
-    <a:masterClrMapping/>
-  </p:clrMapOvr>
-</p:sld>
-</file>
-
-<file path=ppt/slides/slide39.xml><?xml version="1.0" encoding="utf-8"?>
-<p:sld xmlns:a="http://schemas.openxmlformats.org/drawingml/2006/main" xmlns:r="http://schemas.openxmlformats.org/officeDocument/2006/relationships" xmlns:mc="http://schemas.openxmlformats.org/markup-compatibility/2006" xmlns:mv="urn:schemas-microsoft-com:mac:vml" xmlns:p="http://schemas.openxmlformats.org/presentationml/2006/main" xmlns:c="http://schemas.openxmlformats.org/drawingml/2006/chart" xmlns:dgm="http://schemas.openxmlformats.org/drawingml/2006/diagram" xmlns:o="urn:schemas-microsoft-com:office:office" xmlns:v="urn:schemas-microsoft-com:vml" xmlns:pvml="urn:schemas-microsoft-com:office:powerpoint" xmlns:com="http://schemas.openxmlformats.org/drawingml/2006/compatibility" xmlns:p14="http://schemas.microsoft.com/office/powerpoint/2010/main" xmlns:p15="http://schemas.microsoft.com/office/powerpoint/2012/main" xmlns:ahyp="http://schemas.microsoft.com/office/drawing/2018/hyperlinkcolor">
-  <p:cSld>
-    <p:spTree>
-      <p:nvGrpSpPr>
-        <p:cNvPr id="304" name="Shape 304"/>
-        <p:cNvGrpSpPr/>
-        <p:nvPr/>
-      </p:nvGrpSpPr>
-      <p:grpSpPr>
-        <a:xfrm>
-          <a:off x="0" y="0"/>
-          <a:ext cx="0" cy="0"/>
-          <a:chOff x="0" y="0"/>
-          <a:chExt cx="0" cy="0"/>
-        </a:xfrm>
-      </p:grpSpPr>
-      <p:sp>
-        <p:nvSpPr>
-          <p:cNvPr id="305" name="Google Shape;305;p46"/>
-          <p:cNvSpPr txBox="1"/>
-          <p:nvPr>
-            <p:ph type="title"/>
-          </p:nvPr>
-        </p:nvSpPr>
-        <p:spPr>
-          <a:xfrm>
-            <a:off x="0" y="0"/>
-            <a:ext cx="9144000" cy="685800"/>
-          </a:xfrm>
-          <a:prstGeom prst="rect">
-            <a:avLst/>
-          </a:prstGeom>
-        </p:spPr>
-        <p:txBody>
-          <a:bodyPr anchorCtr="0" anchor="ctr" bIns="91425" lIns="274300" spcFirstLastPara="1" rIns="91425" wrap="square" tIns="91425">
-            <a:noAutofit/>
-          </a:bodyPr>
-          <a:lstStyle/>
-          <a:p>
-            <a:pPr indent="0" lvl="0" marL="0" rtl="0" algn="l">
-              <a:spcBef>
-                <a:spcPts val="0"/>
-              </a:spcBef>
-              <a:spcAft>
-                <a:spcPts val="0"/>
-              </a:spcAft>
-              <a:buNone/>
-            </a:pPr>
-            <a:r>
-              <a:rPr lang="en"/>
-              <a:t>The Open / Closed Principle</a:t>
-            </a:r>
-            <a:endParaRPr/>
-          </a:p>
-        </p:txBody>
-      </p:sp>
-      <p:sp>
-        <p:nvSpPr>
-          <p:cNvPr id="306" name="Google Shape;306;p46"/>
-          <p:cNvSpPr txBox="1"/>
-          <p:nvPr>
-            <p:ph idx="1" type="body"/>
-          </p:nvPr>
-        </p:nvSpPr>
-        <p:spPr>
-          <a:xfrm>
-            <a:off x="274320" y="914400"/>
-            <a:ext cx="8595300" cy="4114800"/>
-          </a:xfrm>
-          <a:prstGeom prst="rect">
-            <a:avLst/>
-          </a:prstGeom>
-        </p:spPr>
-        <p:txBody>
-          <a:bodyPr anchorCtr="0" anchor="t" bIns="0" lIns="0" spcFirstLastPara="1" rIns="0" wrap="square" tIns="0">
-            <a:noAutofit/>
-          </a:bodyPr>
-          <a:lstStyle/>
-          <a:p>
-            <a:pPr indent="0" lvl="0" marL="0" rtl="0" algn="l">
-              <a:spcBef>
-                <a:spcPts val="0"/>
-              </a:spcBef>
-              <a:spcAft>
-                <a:spcPts val="0"/>
-              </a:spcAft>
-              <a:buNone/>
-            </a:pPr>
-            <a:r>
-              <a:rPr lang="en"/>
-              <a:t>A class should be open for extension and closed for modification</a:t>
-            </a:r>
-            <a:endParaRPr/>
-          </a:p>
-          <a:p>
-            <a:pPr indent="0" lvl="0" marL="0" rtl="0" algn="l">
-              <a:spcBef>
-                <a:spcPts val="1200"/>
-              </a:spcBef>
-              <a:spcAft>
-                <a:spcPts val="0"/>
-              </a:spcAft>
-              <a:buNone/>
-            </a:pPr>
-            <a:r>
-              <a:rPr lang="en"/>
-              <a:t>Open for extension through a well-defined inheritance interface</a:t>
-            </a:r>
-            <a:endParaRPr/>
-          </a:p>
-          <a:p>
-            <a:pPr indent="0" lvl="0" marL="0" rtl="0" algn="l">
-              <a:spcBef>
-                <a:spcPts val="1200"/>
-              </a:spcBef>
-              <a:spcAft>
-                <a:spcPts val="1200"/>
-              </a:spcAft>
-              <a:buNone/>
-            </a:pPr>
-            <a:r>
-              <a:rPr lang="en"/>
-              <a:t>Closed for modification by not violating the use-client interface</a:t>
-            </a:r>
-            <a:endParaRPr/>
-          </a:p>
-        </p:txBody>
-      </p:sp>
-      <p:sp>
-        <p:nvSpPr>
-          <p:cNvPr id="307" name="Google Shape;307;p46"/>
+          <p:cNvPr id="308" name="Google Shape;308;p46"/>
           <p:cNvSpPr txBox="1"/>
           <p:nvPr>
             <p:ph idx="12" type="sldNum"/>
@@ -26615,7 +26779,7 @@
   <p:cSld>
     <p:spTree>
       <p:nvGrpSpPr>
-        <p:cNvPr id="311" name="Shape 311"/>
+        <p:cNvPr id="312" name="Shape 312"/>
         <p:cNvGrpSpPr/>
         <p:nvPr/>
       </p:nvGrpSpPr>
@@ -26629,7 +26793,217 @@
       </p:grpSpPr>
       <p:sp>
         <p:nvSpPr>
-          <p:cNvPr id="312" name="Google Shape;312;p47"/>
+          <p:cNvPr id="313" name="Google Shape;313;p47"/>
+          <p:cNvSpPr txBox="1"/>
+          <p:nvPr>
+            <p:ph type="title"/>
+          </p:nvPr>
+        </p:nvSpPr>
+        <p:spPr>
+          <a:xfrm>
+            <a:off x="0" y="0"/>
+            <a:ext cx="9144000" cy="685800"/>
+          </a:xfrm>
+          <a:prstGeom prst="rect">
+            <a:avLst/>
+          </a:prstGeom>
+        </p:spPr>
+        <p:txBody>
+          <a:bodyPr anchorCtr="0" anchor="ctr" bIns="91425" lIns="274300" spcFirstLastPara="1" rIns="91425" wrap="square" tIns="91425">
+            <a:noAutofit/>
+          </a:bodyPr>
+          <a:lstStyle/>
+          <a:p>
+            <a:pPr indent="0" lvl="0" marL="0" rtl="0" algn="l">
+              <a:spcBef>
+                <a:spcPts val="0"/>
+              </a:spcBef>
+              <a:spcAft>
+                <a:spcPts val="0"/>
+              </a:spcAft>
+              <a:buNone/>
+            </a:pPr>
+            <a:r>
+              <a:rPr lang="en"/>
+              <a:t>The Open / Closed Principle</a:t>
+            </a:r>
+            <a:endParaRPr/>
+          </a:p>
+        </p:txBody>
+      </p:sp>
+      <p:sp>
+        <p:nvSpPr>
+          <p:cNvPr id="314" name="Google Shape;314;p47"/>
+          <p:cNvSpPr txBox="1"/>
+          <p:nvPr>
+            <p:ph idx="1" type="body"/>
+          </p:nvPr>
+        </p:nvSpPr>
+        <p:spPr>
+          <a:xfrm>
+            <a:off x="274320" y="914400"/>
+            <a:ext cx="8595300" cy="4114800"/>
+          </a:xfrm>
+          <a:prstGeom prst="rect">
+            <a:avLst/>
+          </a:prstGeom>
+        </p:spPr>
+        <p:txBody>
+          <a:bodyPr anchorCtr="0" anchor="t" bIns="0" lIns="0" spcFirstLastPara="1" rIns="0" wrap="square" tIns="0">
+            <a:noAutofit/>
+          </a:bodyPr>
+          <a:lstStyle/>
+          <a:p>
+            <a:pPr indent="0" lvl="0" marL="0" rtl="0" algn="l">
+              <a:spcBef>
+                <a:spcPts val="0"/>
+              </a:spcBef>
+              <a:spcAft>
+                <a:spcPts val="0"/>
+              </a:spcAft>
+              <a:buNone/>
+            </a:pPr>
+            <a:r>
+              <a:rPr lang="en"/>
+              <a:t>A class should be open for extension and closed for modification</a:t>
+            </a:r>
+            <a:endParaRPr/>
+          </a:p>
+          <a:p>
+            <a:pPr indent="0" lvl="0" marL="0" rtl="0" algn="l">
+              <a:spcBef>
+                <a:spcPts val="1200"/>
+              </a:spcBef>
+              <a:spcAft>
+                <a:spcPts val="0"/>
+              </a:spcAft>
+              <a:buNone/>
+            </a:pPr>
+            <a:r>
+              <a:rPr lang="en"/>
+              <a:t>Open for extension through a well-defined inheritance interface</a:t>
+            </a:r>
+            <a:endParaRPr/>
+          </a:p>
+          <a:p>
+            <a:pPr indent="0" lvl="0" marL="0" rtl="0" algn="l">
+              <a:spcBef>
+                <a:spcPts val="1200"/>
+              </a:spcBef>
+              <a:spcAft>
+                <a:spcPts val="1200"/>
+              </a:spcAft>
+              <a:buNone/>
+            </a:pPr>
+            <a:r>
+              <a:rPr lang="en"/>
+              <a:t>Closed for modification by not violating the use-client interface</a:t>
+            </a:r>
+            <a:endParaRPr/>
+          </a:p>
+        </p:txBody>
+      </p:sp>
+      <p:sp>
+        <p:nvSpPr>
+          <p:cNvPr id="315" name="Google Shape;315;p47"/>
+          <p:cNvSpPr txBox="1"/>
+          <p:nvPr>
+            <p:ph idx="12" type="sldNum"/>
+          </p:nvPr>
+        </p:nvSpPr>
+        <p:spPr>
+          <a:xfrm>
+            <a:off x="7315202" y="4416550"/>
+            <a:ext cx="1828800" cy="731400"/>
+          </a:xfrm>
+          <a:prstGeom prst="rect">
+            <a:avLst/>
+          </a:prstGeom>
+        </p:spPr>
+        <p:txBody>
+          <a:bodyPr anchorCtr="0" anchor="b" bIns="91425" lIns="91425" spcFirstLastPara="1" rIns="91425" wrap="square" tIns="91425">
+            <a:noAutofit/>
+          </a:bodyPr>
+          <a:lstStyle/>
+          <a:p>
+            <a:pPr indent="0" lvl="0" marL="0" rtl="0" algn="r">
+              <a:spcBef>
+                <a:spcPts val="0"/>
+              </a:spcBef>
+              <a:spcAft>
+                <a:spcPts val="0"/>
+              </a:spcAft>
+              <a:buNone/>
+            </a:pPr>
+            <a:fld id="{00000000-1234-1234-1234-123412341234}" type="slidenum">
+              <a:rPr lang="en"/>
+              <a:t>‹#›</a:t>
+            </a:fld>
+            <a:endParaRPr/>
+          </a:p>
+          <a:p>
+            <a:pPr indent="0" lvl="0" marL="0" rtl="0" algn="r">
+              <a:spcBef>
+                <a:spcPts val="0"/>
+              </a:spcBef>
+              <a:spcAft>
+                <a:spcPts val="0"/>
+              </a:spcAft>
+              <a:buNone/>
+            </a:pPr>
+            <a:r>
+              <a:rPr b="0" lang="en" sz="900" u="sng">
+                <a:solidFill>
+                  <a:schemeClr val="hlink"/>
+                </a:solidFill>
+                <a:hlinkClick r:id="rId3"/>
+              </a:rPr>
+              <a:t>https://oss.cs.fau.de</a:t>
+            </a:r>
+            <a:r>
+              <a:rPr b="0" lang="en" sz="900">
+                <a:solidFill>
+                  <a:schemeClr val="dk2"/>
+                </a:solidFill>
+              </a:rPr>
+              <a:t> </a:t>
+            </a:r>
+            <a:endParaRPr b="0" sz="900">
+              <a:solidFill>
+                <a:schemeClr val="dk2"/>
+              </a:solidFill>
+            </a:endParaRPr>
+          </a:p>
+        </p:txBody>
+      </p:sp>
+    </p:spTree>
+  </p:cSld>
+  <p:clrMapOvr>
+    <a:masterClrMapping/>
+  </p:clrMapOvr>
+</p:sld>
+</file>
+
+<file path=ppt/slides/slide41.xml><?xml version="1.0" encoding="utf-8"?>
+<p:sld xmlns:a="http://schemas.openxmlformats.org/drawingml/2006/main" xmlns:r="http://schemas.openxmlformats.org/officeDocument/2006/relationships" xmlns:mc="http://schemas.openxmlformats.org/markup-compatibility/2006" xmlns:mv="urn:schemas-microsoft-com:mac:vml" xmlns:p="http://schemas.openxmlformats.org/presentationml/2006/main" xmlns:c="http://schemas.openxmlformats.org/drawingml/2006/chart" xmlns:dgm="http://schemas.openxmlformats.org/drawingml/2006/diagram" xmlns:o="urn:schemas-microsoft-com:office:office" xmlns:v="urn:schemas-microsoft-com:vml" xmlns:pvml="urn:schemas-microsoft-com:office:powerpoint" xmlns:com="http://schemas.openxmlformats.org/drawingml/2006/compatibility" xmlns:p14="http://schemas.microsoft.com/office/powerpoint/2010/main" xmlns:p15="http://schemas.microsoft.com/office/powerpoint/2012/main" xmlns:ahyp="http://schemas.microsoft.com/office/drawing/2018/hyperlinkcolor">
+  <p:cSld>
+    <p:spTree>
+      <p:nvGrpSpPr>
+        <p:cNvPr id="319" name="Shape 319"/>
+        <p:cNvGrpSpPr/>
+        <p:nvPr/>
+      </p:nvGrpSpPr>
+      <p:grpSpPr>
+        <a:xfrm>
+          <a:off x="0" y="0"/>
+          <a:ext cx="0" cy="0"/>
+          <a:chOff x="0" y="0"/>
+          <a:chExt cx="0" cy="0"/>
+        </a:xfrm>
+      </p:grpSpPr>
+      <p:sp>
+        <p:nvSpPr>
+          <p:cNvPr id="320" name="Google Shape;320;p48"/>
           <p:cNvSpPr txBox="1"/>
           <p:nvPr>
             <p:ph type="title"/>
@@ -26675,12 +27049,12 @@
 </p:sld>
 </file>
 
-<file path=ppt/slides/slide41.xml><?xml version="1.0" encoding="utf-8"?>
+<file path=ppt/slides/slide42.xml><?xml version="1.0" encoding="utf-8"?>
 <p:sld xmlns:a="http://schemas.openxmlformats.org/drawingml/2006/main" xmlns:r="http://schemas.openxmlformats.org/officeDocument/2006/relationships" xmlns:mc="http://schemas.openxmlformats.org/markup-compatibility/2006" xmlns:mv="urn:schemas-microsoft-com:mac:vml" xmlns:p="http://schemas.openxmlformats.org/presentationml/2006/main" xmlns:c="http://schemas.openxmlformats.org/drawingml/2006/chart" xmlns:dgm="http://schemas.openxmlformats.org/drawingml/2006/diagram" xmlns:o="urn:schemas-microsoft-com:office:office" xmlns:v="urn:schemas-microsoft-com:vml" xmlns:pvml="urn:schemas-microsoft-com:office:powerpoint" xmlns:com="http://schemas.openxmlformats.org/drawingml/2006/compatibility" xmlns:p14="http://schemas.microsoft.com/office/powerpoint/2010/main" xmlns:p15="http://schemas.microsoft.com/office/powerpoint/2012/main" xmlns:ahyp="http://schemas.microsoft.com/office/drawing/2018/hyperlinkcolor">
   <p:cSld>
     <p:spTree>
       <p:nvGrpSpPr>
-        <p:cNvPr id="316" name="Shape 316"/>
+        <p:cNvPr id="324" name="Shape 324"/>
         <p:cNvGrpSpPr/>
         <p:nvPr/>
       </p:nvGrpSpPr>
@@ -26694,7 +27068,7 @@
       </p:grpSpPr>
       <p:sp>
         <p:nvSpPr>
-          <p:cNvPr id="317" name="Google Shape;317;p48"/>
+          <p:cNvPr id="325" name="Google Shape;325;p49"/>
           <p:cNvSpPr txBox="1"/>
           <p:nvPr>
             <p:ph type="title"/>
@@ -26738,7 +27112,7 @@
       </p:sp>
       <p:sp>
         <p:nvSpPr>
-          <p:cNvPr id="318" name="Google Shape;318;p48"/>
+          <p:cNvPr id="326" name="Google Shape;326;p49"/>
           <p:cNvSpPr txBox="1"/>
           <p:nvPr>
             <p:ph idx="1" type="body"/>
@@ -26838,7 +27212,7 @@
       </p:sp>
       <p:sp>
         <p:nvSpPr>
-          <p:cNvPr id="319" name="Google Shape;319;p48"/>
+          <p:cNvPr id="327" name="Google Shape;327;p49"/>
           <p:cNvSpPr txBox="1"/>
           <p:nvPr>
             <p:ph idx="12" type="sldNum"/>
@@ -26917,12 +27291,12 @@
 </p:sld>
 </file>
 
-<file path=ppt/slides/slide42.xml><?xml version="1.0" encoding="utf-8"?>
+<file path=ppt/slides/slide43.xml><?xml version="1.0" encoding="utf-8"?>
 <p:sld xmlns:a="http://schemas.openxmlformats.org/drawingml/2006/main" xmlns:r="http://schemas.openxmlformats.org/officeDocument/2006/relationships" xmlns:mc="http://schemas.openxmlformats.org/markup-compatibility/2006" xmlns:mv="urn:schemas-microsoft-com:mac:vml" xmlns:p="http://schemas.openxmlformats.org/presentationml/2006/main" xmlns:c="http://schemas.openxmlformats.org/drawingml/2006/chart" xmlns:dgm="http://schemas.openxmlformats.org/drawingml/2006/diagram" xmlns:o="urn:schemas-microsoft-com:office:office" xmlns:v="urn:schemas-microsoft-com:vml" xmlns:pvml="urn:schemas-microsoft-com:office:powerpoint" xmlns:com="http://schemas.openxmlformats.org/drawingml/2006/compatibility" xmlns:p14="http://schemas.microsoft.com/office/powerpoint/2010/main" xmlns:p15="http://schemas.microsoft.com/office/powerpoint/2012/main" xmlns:ahyp="http://schemas.microsoft.com/office/drawing/2018/hyperlinkcolor">
   <p:cSld>
     <p:spTree>
       <p:nvGrpSpPr>
-        <p:cNvPr id="323" name="Shape 323"/>
+        <p:cNvPr id="331" name="Shape 331"/>
         <p:cNvGrpSpPr/>
         <p:nvPr/>
       </p:nvGrpSpPr>
@@ -26936,7 +27310,7 @@
       </p:grpSpPr>
       <p:sp>
         <p:nvSpPr>
-          <p:cNvPr id="324" name="Google Shape;324;p49"/>
+          <p:cNvPr id="332" name="Google Shape;332;p50"/>
           <p:cNvSpPr txBox="1"/>
           <p:nvPr>
             <p:ph type="title"/>
@@ -26976,7 +27350,7 @@
       </p:sp>
       <p:sp>
         <p:nvSpPr>
-          <p:cNvPr id="325" name="Google Shape;325;p49"/>
+          <p:cNvPr id="333" name="Google Shape;333;p50"/>
           <p:cNvSpPr txBox="1"/>
           <p:nvPr>
             <p:ph idx="12" type="sldNum"/>
@@ -27049,173 +27423,7 @@
       </p:sp>
       <p:pic>
         <p:nvPicPr>
-          <p:cNvPr id="326" name="Google Shape;326;p49"/>
-          <p:cNvPicPr preferRelativeResize="0"/>
-          <p:nvPr/>
-        </p:nvPicPr>
-        <p:blipFill>
-          <a:blip r:embed="rId4">
-            <a:alphaModFix/>
-          </a:blip>
-          <a:stretch>
-            <a:fillRect/>
-          </a:stretch>
-        </p:blipFill>
-        <p:spPr>
-          <a:xfrm>
-            <a:off x="274320" y="914400"/>
-            <a:ext cx="8595360" cy="3502840"/>
-          </a:xfrm>
-          <a:prstGeom prst="rect">
-            <a:avLst/>
-          </a:prstGeom>
-          <a:noFill/>
-          <a:ln>
-            <a:noFill/>
-          </a:ln>
-        </p:spPr>
-      </p:pic>
-    </p:spTree>
-  </p:cSld>
-  <p:clrMapOvr>
-    <a:masterClrMapping/>
-  </p:clrMapOvr>
-</p:sld>
-</file>
-
-<file path=ppt/slides/slide43.xml><?xml version="1.0" encoding="utf-8"?>
-<p:sld xmlns:a="http://schemas.openxmlformats.org/drawingml/2006/main" xmlns:r="http://schemas.openxmlformats.org/officeDocument/2006/relationships" xmlns:mc="http://schemas.openxmlformats.org/markup-compatibility/2006" xmlns:mv="urn:schemas-microsoft-com:mac:vml" xmlns:p="http://schemas.openxmlformats.org/presentationml/2006/main" xmlns:c="http://schemas.openxmlformats.org/drawingml/2006/chart" xmlns:dgm="http://schemas.openxmlformats.org/drawingml/2006/diagram" xmlns:o="urn:schemas-microsoft-com:office:office" xmlns:v="urn:schemas-microsoft-com:vml" xmlns:pvml="urn:schemas-microsoft-com:office:powerpoint" xmlns:com="http://schemas.openxmlformats.org/drawingml/2006/compatibility" xmlns:p14="http://schemas.microsoft.com/office/powerpoint/2010/main" xmlns:p15="http://schemas.microsoft.com/office/powerpoint/2012/main" xmlns:ahyp="http://schemas.microsoft.com/office/drawing/2018/hyperlinkcolor">
-  <p:cSld>
-    <p:spTree>
-      <p:nvGrpSpPr>
-        <p:cNvPr id="330" name="Shape 330"/>
-        <p:cNvGrpSpPr/>
-        <p:nvPr/>
-      </p:nvGrpSpPr>
-      <p:grpSpPr>
-        <a:xfrm>
-          <a:off x="0" y="0"/>
-          <a:ext cx="0" cy="0"/>
-          <a:chOff x="0" y="0"/>
-          <a:chExt cx="0" cy="0"/>
-        </a:xfrm>
-      </p:grpSpPr>
-      <p:sp>
-        <p:nvSpPr>
-          <p:cNvPr id="331" name="Google Shape;331;p50"/>
-          <p:cNvSpPr txBox="1"/>
-          <p:nvPr>
-            <p:ph type="title"/>
-          </p:nvPr>
-        </p:nvSpPr>
-        <p:spPr>
-          <a:xfrm>
-            <a:off x="0" y="0"/>
-            <a:ext cx="9144000" cy="685800"/>
-          </a:xfrm>
-          <a:prstGeom prst="rect">
-            <a:avLst/>
-          </a:prstGeom>
-        </p:spPr>
-        <p:txBody>
-          <a:bodyPr anchorCtr="0" anchor="ctr" bIns="0" lIns="274300" spcFirstLastPara="1" rIns="0" wrap="square" tIns="0">
-            <a:noAutofit/>
-          </a:bodyPr>
-          <a:lstStyle/>
-          <a:p>
-            <a:pPr indent="0" lvl="0" marL="0" rtl="0" algn="l">
-              <a:spcBef>
-                <a:spcPts val="0"/>
-              </a:spcBef>
-              <a:spcAft>
-                <a:spcPts val="0"/>
-              </a:spcAft>
-              <a:buNone/>
-            </a:pPr>
-            <a:r>
-              <a:rPr lang="en"/>
-              <a:t>2. Interface Extraction</a:t>
-            </a:r>
-            <a:endParaRPr/>
-          </a:p>
-        </p:txBody>
-      </p:sp>
-      <p:sp>
-        <p:nvSpPr>
-          <p:cNvPr id="332" name="Google Shape;332;p50"/>
-          <p:cNvSpPr txBox="1"/>
-          <p:nvPr>
-            <p:ph idx="12" type="sldNum"/>
-          </p:nvPr>
-        </p:nvSpPr>
-        <p:spPr>
-          <a:xfrm>
-            <a:off x="7315202" y="4416550"/>
-            <a:ext cx="1828800" cy="731400"/>
-          </a:xfrm>
-          <a:prstGeom prst="rect">
-            <a:avLst/>
-          </a:prstGeom>
-        </p:spPr>
-        <p:txBody>
-          <a:bodyPr anchorCtr="0" anchor="b" bIns="91425" lIns="91425" spcFirstLastPara="1" rIns="91425" wrap="square" tIns="91425">
-            <a:noAutofit/>
-          </a:bodyPr>
-          <a:lstStyle/>
-          <a:p>
-            <a:pPr indent="0" lvl="0" marL="0" rtl="0" algn="r">
-              <a:spcBef>
-                <a:spcPts val="0"/>
-              </a:spcBef>
-              <a:spcAft>
-                <a:spcPts val="0"/>
-              </a:spcAft>
-              <a:buNone/>
-            </a:pPr>
-            <a:fld id="{00000000-1234-1234-1234-123412341234}" type="slidenum">
-              <a:rPr lang="en"/>
-              <a:t>‹#›</a:t>
-            </a:fld>
-            <a:endParaRPr/>
-          </a:p>
-          <a:p>
-            <a:pPr indent="0" lvl="0" marL="0" rtl="0" algn="r">
-              <a:spcBef>
-                <a:spcPts val="0"/>
-              </a:spcBef>
-              <a:spcAft>
-                <a:spcPts val="0"/>
-              </a:spcAft>
-              <a:buNone/>
-            </a:pPr>
-            <a:r>
-              <a:rPr b="0" lang="en" sz="900" u="sng">
-                <a:solidFill>
-                  <a:schemeClr val="hlink"/>
-                </a:solidFill>
-                <a:hlinkClick r:id="rId3"/>
-              </a:rPr>
-              <a:t>https://oss.cs.fau.de</a:t>
-            </a:r>
-            <a:r>
-              <a:rPr b="0" lang="en" sz="900">
-                <a:solidFill>
-                  <a:schemeClr val="dk2"/>
-                </a:solidFill>
-              </a:rPr>
-              <a:t> </a:t>
-            </a:r>
-            <a:endParaRPr>
-              <a:solidFill>
-                <a:schemeClr val="dk2"/>
-              </a:solidFill>
-            </a:endParaRPr>
-          </a:p>
-        </p:txBody>
-      </p:sp>
-      <p:pic>
-        <p:nvPicPr>
-          <p:cNvPr id="333" name="Google Shape;333;p50"/>
+          <p:cNvPr id="334" name="Google Shape;334;p50"/>
           <p:cNvPicPr preferRelativeResize="0"/>
           <p:nvPr/>
         </p:nvPicPr>
@@ -27254,7 +27462,7 @@
   <p:cSld>
     <p:spTree>
       <p:nvGrpSpPr>
-        <p:cNvPr id="337" name="Shape 337"/>
+        <p:cNvPr id="338" name="Shape 338"/>
         <p:cNvGrpSpPr/>
         <p:nvPr/>
       </p:nvGrpSpPr>
@@ -27268,7 +27476,7 @@
       </p:grpSpPr>
       <p:sp>
         <p:nvSpPr>
-          <p:cNvPr id="338" name="Google Shape;338;p51"/>
+          <p:cNvPr id="339" name="Google Shape;339;p51"/>
           <p:cNvSpPr txBox="1"/>
           <p:nvPr>
             <p:ph type="title"/>
@@ -27300,7 +27508,7 @@
             </a:pPr>
             <a:r>
               <a:rPr lang="en"/>
-              <a:t>3. Addition of Implementation Classes </a:t>
+              <a:t>2. Interface Extraction</a:t>
             </a:r>
             <a:endParaRPr/>
           </a:p>
@@ -27308,7 +27516,7 @@
       </p:sp>
       <p:sp>
         <p:nvSpPr>
-          <p:cNvPr id="339" name="Google Shape;339;p51"/>
+          <p:cNvPr id="340" name="Google Shape;340;p51"/>
           <p:cNvSpPr txBox="1"/>
           <p:nvPr>
             <p:ph idx="12" type="sldNum"/>
@@ -27381,7 +27589,7 @@
       </p:sp>
       <p:pic>
         <p:nvPicPr>
-          <p:cNvPr id="340" name="Google Shape;340;p51"/>
+          <p:cNvPr id="341" name="Google Shape;341;p51"/>
           <p:cNvPicPr preferRelativeResize="0"/>
           <p:nvPr/>
         </p:nvPicPr>
@@ -27420,7 +27628,7 @@
   <p:cSld>
     <p:spTree>
       <p:nvGrpSpPr>
-        <p:cNvPr id="344" name="Shape 344"/>
+        <p:cNvPr id="345" name="Shape 345"/>
         <p:cNvGrpSpPr/>
         <p:nvPr/>
       </p:nvGrpSpPr>
@@ -27434,7 +27642,7 @@
       </p:grpSpPr>
       <p:sp>
         <p:nvSpPr>
-          <p:cNvPr id="345" name="Google Shape;345;p52"/>
+          <p:cNvPr id="346" name="Google Shape;346;p52"/>
           <p:cNvSpPr txBox="1"/>
           <p:nvPr>
             <p:ph type="title"/>
@@ -27466,7 +27674,7 @@
             </a:pPr>
             <a:r>
               <a:rPr lang="en"/>
-              <a:t>4. Introduction of Abstract Superclass</a:t>
+              <a:t>3. Addition of Implementation Classes </a:t>
             </a:r>
             <a:endParaRPr/>
           </a:p>
@@ -27474,7 +27682,7 @@
       </p:sp>
       <p:sp>
         <p:nvSpPr>
-          <p:cNvPr id="346" name="Google Shape;346;p52"/>
+          <p:cNvPr id="347" name="Google Shape;347;p52"/>
           <p:cNvSpPr txBox="1"/>
           <p:nvPr>
             <p:ph idx="12" type="sldNum"/>
@@ -27547,7 +27755,7 @@
       </p:sp>
       <p:pic>
         <p:nvPicPr>
-          <p:cNvPr id="347" name="Google Shape;347;p52"/>
+          <p:cNvPr id="348" name="Google Shape;348;p52"/>
           <p:cNvPicPr preferRelativeResize="0"/>
           <p:nvPr/>
         </p:nvPicPr>
@@ -27586,7 +27794,7 @@
   <p:cSld>
     <p:spTree>
       <p:nvGrpSpPr>
-        <p:cNvPr id="351" name="Shape 351"/>
+        <p:cNvPr id="352" name="Shape 352"/>
         <p:cNvGrpSpPr/>
         <p:nvPr/>
       </p:nvGrpSpPr>
@@ -27600,7 +27808,7 @@
       </p:grpSpPr>
       <p:sp>
         <p:nvSpPr>
-          <p:cNvPr id="352" name="Google Shape;352;p53"/>
+          <p:cNvPr id="353" name="Google Shape;353;p53"/>
           <p:cNvSpPr txBox="1"/>
           <p:nvPr>
             <p:ph type="title"/>
@@ -27632,7 +27840,7 @@
             </a:pPr>
             <a:r>
               <a:rPr lang="en"/>
-              <a:t>Naming Conventions of Classes [1]</a:t>
+              <a:t>4. Introduction of Abstract Superclass</a:t>
             </a:r>
             <a:endParaRPr/>
           </a:p>
@@ -27640,7 +27848,7 @@
       </p:sp>
       <p:sp>
         <p:nvSpPr>
-          <p:cNvPr id="353" name="Google Shape;353;p53"/>
+          <p:cNvPr id="354" name="Google Shape;354;p53"/>
           <p:cNvSpPr txBox="1"/>
           <p:nvPr>
             <p:ph idx="12" type="sldNum"/>
@@ -27684,6 +27892,172 @@
               <a:spcAft>
                 <a:spcPts val="0"/>
               </a:spcAft>
+              <a:buNone/>
+            </a:pPr>
+            <a:r>
+              <a:rPr b="0" lang="en" sz="900" u="sng">
+                <a:solidFill>
+                  <a:schemeClr val="hlink"/>
+                </a:solidFill>
+                <a:hlinkClick r:id="rId3"/>
+              </a:rPr>
+              <a:t>https://oss.cs.fau.de</a:t>
+            </a:r>
+            <a:r>
+              <a:rPr b="0" lang="en" sz="900">
+                <a:solidFill>
+                  <a:schemeClr val="dk2"/>
+                </a:solidFill>
+              </a:rPr>
+              <a:t> </a:t>
+            </a:r>
+            <a:endParaRPr>
+              <a:solidFill>
+                <a:schemeClr val="dk2"/>
+              </a:solidFill>
+            </a:endParaRPr>
+          </a:p>
+        </p:txBody>
+      </p:sp>
+      <p:pic>
+        <p:nvPicPr>
+          <p:cNvPr id="355" name="Google Shape;355;p53"/>
+          <p:cNvPicPr preferRelativeResize="0"/>
+          <p:nvPr/>
+        </p:nvPicPr>
+        <p:blipFill>
+          <a:blip r:embed="rId4">
+            <a:alphaModFix/>
+          </a:blip>
+          <a:stretch>
+            <a:fillRect/>
+          </a:stretch>
+        </p:blipFill>
+        <p:spPr>
+          <a:xfrm>
+            <a:off x="274320" y="914400"/>
+            <a:ext cx="8595360" cy="3502840"/>
+          </a:xfrm>
+          <a:prstGeom prst="rect">
+            <a:avLst/>
+          </a:prstGeom>
+          <a:noFill/>
+          <a:ln>
+            <a:noFill/>
+          </a:ln>
+        </p:spPr>
+      </p:pic>
+    </p:spTree>
+  </p:cSld>
+  <p:clrMapOvr>
+    <a:masterClrMapping/>
+  </p:clrMapOvr>
+</p:sld>
+</file>
+
+<file path=ppt/slides/slide47.xml><?xml version="1.0" encoding="utf-8"?>
+<p:sld xmlns:a="http://schemas.openxmlformats.org/drawingml/2006/main" xmlns:r="http://schemas.openxmlformats.org/officeDocument/2006/relationships" xmlns:mc="http://schemas.openxmlformats.org/markup-compatibility/2006" xmlns:mv="urn:schemas-microsoft-com:mac:vml" xmlns:p="http://schemas.openxmlformats.org/presentationml/2006/main" xmlns:c="http://schemas.openxmlformats.org/drawingml/2006/chart" xmlns:dgm="http://schemas.openxmlformats.org/drawingml/2006/diagram" xmlns:o="urn:schemas-microsoft-com:office:office" xmlns:v="urn:schemas-microsoft-com:vml" xmlns:pvml="urn:schemas-microsoft-com:office:powerpoint" xmlns:com="http://schemas.openxmlformats.org/drawingml/2006/compatibility" xmlns:p14="http://schemas.microsoft.com/office/powerpoint/2010/main" xmlns:p15="http://schemas.microsoft.com/office/powerpoint/2012/main" xmlns:ahyp="http://schemas.microsoft.com/office/drawing/2018/hyperlinkcolor">
+  <p:cSld>
+    <p:spTree>
+      <p:nvGrpSpPr>
+        <p:cNvPr id="359" name="Shape 359"/>
+        <p:cNvGrpSpPr/>
+        <p:nvPr/>
+      </p:nvGrpSpPr>
+      <p:grpSpPr>
+        <a:xfrm>
+          <a:off x="0" y="0"/>
+          <a:ext cx="0" cy="0"/>
+          <a:chOff x="0" y="0"/>
+          <a:chExt cx="0" cy="0"/>
+        </a:xfrm>
+      </p:grpSpPr>
+      <p:sp>
+        <p:nvSpPr>
+          <p:cNvPr id="360" name="Google Shape;360;p54"/>
+          <p:cNvSpPr txBox="1"/>
+          <p:nvPr>
+            <p:ph type="title"/>
+          </p:nvPr>
+        </p:nvSpPr>
+        <p:spPr>
+          <a:xfrm>
+            <a:off x="0" y="0"/>
+            <a:ext cx="9144000" cy="685800"/>
+          </a:xfrm>
+          <a:prstGeom prst="rect">
+            <a:avLst/>
+          </a:prstGeom>
+        </p:spPr>
+        <p:txBody>
+          <a:bodyPr anchorCtr="0" anchor="ctr" bIns="0" lIns="274300" spcFirstLastPara="1" rIns="0" wrap="square" tIns="0">
+            <a:noAutofit/>
+          </a:bodyPr>
+          <a:lstStyle/>
+          <a:p>
+            <a:pPr indent="0" lvl="0" marL="0" rtl="0" algn="l">
+              <a:spcBef>
+                <a:spcPts val="0"/>
+              </a:spcBef>
+              <a:spcAft>
+                <a:spcPts val="0"/>
+              </a:spcAft>
+              <a:buNone/>
+            </a:pPr>
+            <a:r>
+              <a:rPr lang="en"/>
+              <a:t>Naming Conventions of Classes [1]</a:t>
+            </a:r>
+            <a:endParaRPr/>
+          </a:p>
+        </p:txBody>
+      </p:sp>
+      <p:sp>
+        <p:nvSpPr>
+          <p:cNvPr id="361" name="Google Shape;361;p54"/>
+          <p:cNvSpPr txBox="1"/>
+          <p:nvPr>
+            <p:ph idx="12" type="sldNum"/>
+          </p:nvPr>
+        </p:nvSpPr>
+        <p:spPr>
+          <a:xfrm>
+            <a:off x="7315202" y="4416550"/>
+            <a:ext cx="1828800" cy="731400"/>
+          </a:xfrm>
+          <a:prstGeom prst="rect">
+            <a:avLst/>
+          </a:prstGeom>
+        </p:spPr>
+        <p:txBody>
+          <a:bodyPr anchorCtr="0" anchor="b" bIns="91425" lIns="91425" spcFirstLastPara="1" rIns="91425" wrap="square" tIns="91425">
+            <a:noAutofit/>
+          </a:bodyPr>
+          <a:lstStyle/>
+          <a:p>
+            <a:pPr indent="0" lvl="0" marL="0" rtl="0" algn="r">
+              <a:spcBef>
+                <a:spcPts val="0"/>
+              </a:spcBef>
+              <a:spcAft>
+                <a:spcPts val="0"/>
+              </a:spcAft>
+              <a:buNone/>
+            </a:pPr>
+            <a:fld id="{00000000-1234-1234-1234-123412341234}" type="slidenum">
+              <a:rPr lang="en"/>
+              <a:t>‹#›</a:t>
+            </a:fld>
+            <a:endParaRPr/>
+          </a:p>
+          <a:p>
+            <a:pPr indent="0" lvl="0" marL="0" rtl="0" algn="r">
+              <a:spcBef>
+                <a:spcPts val="0"/>
+              </a:spcBef>
+              <a:spcAft>
+                <a:spcPts val="0"/>
+              </a:spcAft>
               <a:buClr>
                 <a:schemeClr val="dk1"/>
               </a:buClr>
@@ -27710,7 +28084,7 @@
       </p:sp>
       <p:sp>
         <p:nvSpPr>
-          <p:cNvPr id="354" name="Google Shape;354;p53"/>
+          <p:cNvPr id="362" name="Google Shape;362;p54"/>
           <p:cNvSpPr txBox="1"/>
           <p:nvPr>
             <p:ph idx="1" type="body"/>
@@ -27903,7 +28277,7 @@
       </p:sp>
       <p:sp>
         <p:nvSpPr>
-          <p:cNvPr id="355" name="Google Shape;355;p53"/>
+          <p:cNvPr id="363" name="Google Shape;363;p54"/>
           <p:cNvSpPr txBox="1"/>
           <p:nvPr>
             <p:ph idx="2" type="body"/>
@@ -28062,7 +28436,7 @@
       </p:sp>
       <p:sp>
         <p:nvSpPr>
-          <p:cNvPr id="356" name="Google Shape;356;p53"/>
+          <p:cNvPr id="364" name="Google Shape;364;p54"/>
           <p:cNvSpPr txBox="1"/>
           <p:nvPr/>
         </p:nvSpPr>
@@ -28110,12 +28484,12 @@
 </p:sld>
 </file>
 
-<file path=ppt/slides/slide47.xml><?xml version="1.0" encoding="utf-8"?>
+<file path=ppt/slides/slide48.xml><?xml version="1.0" encoding="utf-8"?>
 <p:sld xmlns:a="http://schemas.openxmlformats.org/drawingml/2006/main" xmlns:r="http://schemas.openxmlformats.org/officeDocument/2006/relationships" xmlns:mc="http://schemas.openxmlformats.org/markup-compatibility/2006" xmlns:mv="urn:schemas-microsoft-com:mac:vml" xmlns:p="http://schemas.openxmlformats.org/presentationml/2006/main" xmlns:c="http://schemas.openxmlformats.org/drawingml/2006/chart" xmlns:dgm="http://schemas.openxmlformats.org/drawingml/2006/diagram" xmlns:o="urn:schemas-microsoft-com:office:office" xmlns:v="urn:schemas-microsoft-com:vml" xmlns:pvml="urn:schemas-microsoft-com:office:powerpoint" xmlns:com="http://schemas.openxmlformats.org/drawingml/2006/compatibility" xmlns:p14="http://schemas.microsoft.com/office/powerpoint/2010/main" xmlns:p15="http://schemas.microsoft.com/office/powerpoint/2012/main" xmlns:ahyp="http://schemas.microsoft.com/office/drawing/2018/hyperlinkcolor">
   <p:cSld>
     <p:spTree>
       <p:nvGrpSpPr>
-        <p:cNvPr id="360" name="Shape 360"/>
+        <p:cNvPr id="368" name="Shape 368"/>
         <p:cNvGrpSpPr/>
         <p:nvPr/>
       </p:nvGrpSpPr>
@@ -28129,7 +28503,7 @@
       </p:grpSpPr>
       <p:sp>
         <p:nvSpPr>
-          <p:cNvPr id="361" name="Google Shape;361;p54"/>
+          <p:cNvPr id="369" name="Google Shape;369;p55"/>
           <p:cNvSpPr txBox="1"/>
           <p:nvPr>
             <p:ph type="title"/>
@@ -28169,7 +28543,7 @@
       </p:sp>
       <p:sp>
         <p:nvSpPr>
-          <p:cNvPr id="362" name="Google Shape;362;p54"/>
+          <p:cNvPr id="370" name="Google Shape;370;p55"/>
           <p:cNvSpPr txBox="1"/>
           <p:nvPr>
             <p:ph idx="1" type="body"/>
@@ -28325,7 +28699,7 @@
       </p:sp>
       <p:sp>
         <p:nvSpPr>
-          <p:cNvPr id="363" name="Google Shape;363;p54"/>
+          <p:cNvPr id="371" name="Google Shape;371;p55"/>
           <p:cNvSpPr txBox="1"/>
           <p:nvPr>
             <p:ph idx="12" type="sldNum"/>
@@ -28404,12 +28778,12 @@
 </p:sld>
 </file>
 
-<file path=ppt/slides/slide48.xml><?xml version="1.0" encoding="utf-8"?>
+<file path=ppt/slides/slide49.xml><?xml version="1.0" encoding="utf-8"?>
 <p:sld xmlns:a="http://schemas.openxmlformats.org/drawingml/2006/main" xmlns:r="http://schemas.openxmlformats.org/officeDocument/2006/relationships" xmlns:mc="http://schemas.openxmlformats.org/markup-compatibility/2006" xmlns:mv="urn:schemas-microsoft-com:mac:vml" xmlns:p="http://schemas.openxmlformats.org/presentationml/2006/main" xmlns:c="http://schemas.openxmlformats.org/drawingml/2006/chart" xmlns:dgm="http://schemas.openxmlformats.org/drawingml/2006/diagram" xmlns:o="urn:schemas-microsoft-com:office:office" xmlns:v="urn:schemas-microsoft-com:vml" xmlns:pvml="urn:schemas-microsoft-com:office:powerpoint" xmlns:com="http://schemas.openxmlformats.org/drawingml/2006/compatibility" xmlns:p14="http://schemas.microsoft.com/office/powerpoint/2010/main" xmlns:p15="http://schemas.microsoft.com/office/powerpoint/2012/main" xmlns:ahyp="http://schemas.microsoft.com/office/drawing/2018/hyperlinkcolor">
   <p:cSld>
     <p:spTree>
       <p:nvGrpSpPr>
-        <p:cNvPr id="367" name="Shape 367"/>
+        <p:cNvPr id="375" name="Shape 375"/>
         <p:cNvGrpSpPr/>
         <p:nvPr/>
       </p:nvGrpSpPr>
@@ -28423,7 +28797,7 @@
       </p:grpSpPr>
       <p:sp>
         <p:nvSpPr>
-          <p:cNvPr id="368" name="Google Shape;368;p55"/>
+          <p:cNvPr id="376" name="Google Shape;376;p56"/>
           <p:cNvSpPr txBox="1"/>
           <p:nvPr>
             <p:ph type="title"/>
@@ -28463,7 +28837,7 @@
       </p:sp>
       <p:sp>
         <p:nvSpPr>
-          <p:cNvPr id="369" name="Google Shape;369;p55"/>
+          <p:cNvPr id="377" name="Google Shape;377;p56"/>
           <p:cNvSpPr txBox="1"/>
           <p:nvPr>
             <p:ph idx="1" type="body"/>
@@ -28641,7 +29015,7 @@
       </p:sp>
       <p:sp>
         <p:nvSpPr>
-          <p:cNvPr id="370" name="Google Shape;370;p55"/>
+          <p:cNvPr id="378" name="Google Shape;378;p56"/>
           <p:cNvSpPr txBox="1"/>
           <p:nvPr>
             <p:ph idx="12" type="sldNum"/>
@@ -28709,190 +29083,6 @@
                 <a:schemeClr val="dk2"/>
               </a:solidFill>
             </a:endParaRPr>
-          </a:p>
-        </p:txBody>
-      </p:sp>
-    </p:spTree>
-  </p:cSld>
-  <p:clrMapOvr>
-    <a:masterClrMapping/>
-  </p:clrMapOvr>
-</p:sld>
-</file>
-
-<file path=ppt/slides/slide49.xml><?xml version="1.0" encoding="utf-8"?>
-<p:sld xmlns:a="http://schemas.openxmlformats.org/drawingml/2006/main" xmlns:r="http://schemas.openxmlformats.org/officeDocument/2006/relationships" xmlns:mc="http://schemas.openxmlformats.org/markup-compatibility/2006" xmlns:mv="urn:schemas-microsoft-com:mac:vml" xmlns:p="http://schemas.openxmlformats.org/presentationml/2006/main" xmlns:c="http://schemas.openxmlformats.org/drawingml/2006/chart" xmlns:dgm="http://schemas.openxmlformats.org/drawingml/2006/diagram" xmlns:o="urn:schemas-microsoft-com:office:office" xmlns:v="urn:schemas-microsoft-com:vml" xmlns:pvml="urn:schemas-microsoft-com:office:powerpoint" xmlns:com="http://schemas.openxmlformats.org/drawingml/2006/compatibility" xmlns:p14="http://schemas.microsoft.com/office/powerpoint/2010/main" xmlns:p15="http://schemas.microsoft.com/office/powerpoint/2012/main" xmlns:ahyp="http://schemas.microsoft.com/office/drawing/2018/hyperlinkcolor">
-  <p:cSld>
-    <p:spTree>
-      <p:nvGrpSpPr>
-        <p:cNvPr id="374" name="Shape 374"/>
-        <p:cNvGrpSpPr/>
-        <p:nvPr/>
-      </p:nvGrpSpPr>
-      <p:grpSpPr>
-        <a:xfrm>
-          <a:off x="0" y="0"/>
-          <a:ext cx="0" cy="0"/>
-          <a:chOff x="0" y="0"/>
-          <a:chExt cx="0" cy="0"/>
-        </a:xfrm>
-      </p:grpSpPr>
-      <p:sp>
-        <p:nvSpPr>
-          <p:cNvPr id="375" name="Google Shape;375;p56"/>
-          <p:cNvSpPr txBox="1"/>
-          <p:nvPr>
-            <p:ph type="ctrTitle"/>
-          </p:nvPr>
-        </p:nvSpPr>
-        <p:spPr>
-          <a:xfrm>
-            <a:off x="0" y="0"/>
-            <a:ext cx="9144000" cy="2388900"/>
-          </a:xfrm>
-          <a:prstGeom prst="rect">
-            <a:avLst/>
-          </a:prstGeom>
-        </p:spPr>
-        <p:txBody>
-          <a:bodyPr anchorCtr="0" anchor="b" bIns="274300" lIns="91425" spcFirstLastPara="1" rIns="91425" wrap="square" tIns="91425">
-            <a:noAutofit/>
-          </a:bodyPr>
-          <a:lstStyle/>
-          <a:p>
-            <a:pPr indent="0" lvl="0" marL="0" rtl="0" algn="ctr">
-              <a:spcBef>
-                <a:spcPts val="0"/>
-              </a:spcBef>
-              <a:spcAft>
-                <a:spcPts val="0"/>
-              </a:spcAft>
-              <a:buNone/>
-            </a:pPr>
-            <a:r>
-              <a:rPr lang="en"/>
-              <a:t>Thank you! Any questions?</a:t>
-            </a:r>
-            <a:endParaRPr/>
-          </a:p>
-        </p:txBody>
-      </p:sp>
-      <p:sp>
-        <p:nvSpPr>
-          <p:cNvPr id="376" name="Google Shape;376;p56"/>
-          <p:cNvSpPr txBox="1"/>
-          <p:nvPr>
-            <p:ph idx="1" type="subTitle"/>
-          </p:nvPr>
-        </p:nvSpPr>
-        <p:spPr>
-          <a:xfrm>
-            <a:off x="0" y="2569475"/>
-            <a:ext cx="9144000" cy="2574000"/>
-          </a:xfrm>
-          <a:prstGeom prst="rect">
-            <a:avLst/>
-          </a:prstGeom>
-        </p:spPr>
-        <p:txBody>
-          <a:bodyPr anchorCtr="0" anchor="t" bIns="91425" lIns="91425" spcFirstLastPara="1" rIns="91425" wrap="square" tIns="274300">
-            <a:noAutofit/>
-          </a:bodyPr>
-          <a:lstStyle/>
-          <a:p>
-            <a:pPr indent="0" lvl="0" marL="0" rtl="0" algn="ctr">
-              <a:lnSpc>
-                <a:spcPct val="150000"/>
-              </a:lnSpc>
-              <a:spcBef>
-                <a:spcPts val="0"/>
-              </a:spcBef>
-              <a:spcAft>
-                <a:spcPts val="0"/>
-              </a:spcAft>
-              <a:buNone/>
-            </a:pPr>
-            <a:r>
-              <a:rPr lang="en" u="sng">
-                <a:solidFill>
-                  <a:schemeClr val="hlink"/>
-                </a:solidFill>
-                <a:hlinkClick r:id="rId3"/>
-              </a:rPr>
-              <a:t>dirk.riehle@fau.de</a:t>
-            </a:r>
-            <a:r>
-              <a:rPr lang="en"/>
-              <a:t> </a:t>
-            </a:r>
-            <a:r>
-              <a:rPr lang="en" sz="2400"/>
-              <a:t>–</a:t>
-            </a:r>
-            <a:r>
-              <a:rPr lang="en"/>
-              <a:t> </a:t>
-            </a:r>
-            <a:r>
-              <a:rPr lang="en" u="sng">
-                <a:solidFill>
-                  <a:schemeClr val="hlink"/>
-                </a:solidFill>
-                <a:hlinkClick r:id="rId4"/>
-              </a:rPr>
-              <a:t>https://oss.cs.fau.de</a:t>
-            </a:r>
-            <a:endParaRPr/>
-          </a:p>
-          <a:p>
-            <a:pPr indent="0" lvl="0" marL="0" rtl="0" algn="ctr">
-              <a:lnSpc>
-                <a:spcPct val="150000"/>
-              </a:lnSpc>
-              <a:spcBef>
-                <a:spcPts val="0"/>
-              </a:spcBef>
-              <a:spcAft>
-                <a:spcPts val="0"/>
-              </a:spcAft>
-              <a:buNone/>
-            </a:pPr>
-            <a:r>
-              <a:rPr lang="en" sz="2400" u="sng">
-                <a:solidFill>
-                  <a:schemeClr val="hlink"/>
-                </a:solidFill>
-                <a:hlinkClick r:id="rId5"/>
-              </a:rPr>
-              <a:t>dirk@riehle.org</a:t>
-            </a:r>
-            <a:r>
-              <a:rPr lang="en" sz="2400"/>
-              <a:t> – </a:t>
-            </a:r>
-            <a:r>
-              <a:rPr lang="en" sz="2400" u="sng">
-                <a:solidFill>
-                  <a:schemeClr val="hlink"/>
-                </a:solidFill>
-                <a:hlinkClick r:id="rId6"/>
-              </a:rPr>
-              <a:t>https://dirkriehle.com</a:t>
-            </a:r>
-            <a:r>
-              <a:rPr lang="en" sz="2400"/>
-              <a:t> – </a:t>
-            </a:r>
-            <a:r>
-              <a:rPr lang="en" sz="2400" u="sng">
-                <a:solidFill>
-                  <a:schemeClr val="hlink"/>
-                </a:solidFill>
-                <a:hlinkClick r:id="rId7"/>
-              </a:rPr>
-              <a:t>@dirkriehle</a:t>
-            </a:r>
-            <a:endParaRPr sz="2400"/>
           </a:p>
         </p:txBody>
       </p:sp>
@@ -29224,7 +29414,7 @@
   <p:cSld>
     <p:spTree>
       <p:nvGrpSpPr>
-        <p:cNvPr id="380" name="Shape 380"/>
+        <p:cNvPr id="382" name="Shape 382"/>
         <p:cNvGrpSpPr/>
         <p:nvPr/>
       </p:nvGrpSpPr>
@@ -29238,7 +29428,191 @@
       </p:grpSpPr>
       <p:sp>
         <p:nvSpPr>
-          <p:cNvPr id="381" name="Google Shape;381;p57"/>
+          <p:cNvPr id="383" name="Google Shape;383;p57"/>
+          <p:cNvSpPr txBox="1"/>
+          <p:nvPr>
+            <p:ph type="ctrTitle"/>
+          </p:nvPr>
+        </p:nvSpPr>
+        <p:spPr>
+          <a:xfrm>
+            <a:off x="0" y="0"/>
+            <a:ext cx="9144000" cy="2388900"/>
+          </a:xfrm>
+          <a:prstGeom prst="rect">
+            <a:avLst/>
+          </a:prstGeom>
+        </p:spPr>
+        <p:txBody>
+          <a:bodyPr anchorCtr="0" anchor="b" bIns="274300" lIns="91425" spcFirstLastPara="1" rIns="91425" wrap="square" tIns="91425">
+            <a:noAutofit/>
+          </a:bodyPr>
+          <a:lstStyle/>
+          <a:p>
+            <a:pPr indent="0" lvl="0" marL="0" rtl="0" algn="ctr">
+              <a:spcBef>
+                <a:spcPts val="0"/>
+              </a:spcBef>
+              <a:spcAft>
+                <a:spcPts val="0"/>
+              </a:spcAft>
+              <a:buNone/>
+            </a:pPr>
+            <a:r>
+              <a:rPr lang="en"/>
+              <a:t>Thank you! Any questions?</a:t>
+            </a:r>
+            <a:endParaRPr/>
+          </a:p>
+        </p:txBody>
+      </p:sp>
+      <p:sp>
+        <p:nvSpPr>
+          <p:cNvPr id="384" name="Google Shape;384;p57"/>
+          <p:cNvSpPr txBox="1"/>
+          <p:nvPr>
+            <p:ph idx="1" type="subTitle"/>
+          </p:nvPr>
+        </p:nvSpPr>
+        <p:spPr>
+          <a:xfrm>
+            <a:off x="0" y="2569475"/>
+            <a:ext cx="9144000" cy="2574000"/>
+          </a:xfrm>
+          <a:prstGeom prst="rect">
+            <a:avLst/>
+          </a:prstGeom>
+        </p:spPr>
+        <p:txBody>
+          <a:bodyPr anchorCtr="0" anchor="t" bIns="91425" lIns="91425" spcFirstLastPara="1" rIns="91425" wrap="square" tIns="274300">
+            <a:noAutofit/>
+          </a:bodyPr>
+          <a:lstStyle/>
+          <a:p>
+            <a:pPr indent="0" lvl="0" marL="0" rtl="0" algn="ctr">
+              <a:lnSpc>
+                <a:spcPct val="150000"/>
+              </a:lnSpc>
+              <a:spcBef>
+                <a:spcPts val="0"/>
+              </a:spcBef>
+              <a:spcAft>
+                <a:spcPts val="0"/>
+              </a:spcAft>
+              <a:buNone/>
+            </a:pPr>
+            <a:r>
+              <a:rPr lang="en" u="sng">
+                <a:solidFill>
+                  <a:schemeClr val="hlink"/>
+                </a:solidFill>
+                <a:hlinkClick r:id="rId3"/>
+              </a:rPr>
+              <a:t>dirk.riehle@fau.de</a:t>
+            </a:r>
+            <a:r>
+              <a:rPr lang="en"/>
+              <a:t> </a:t>
+            </a:r>
+            <a:r>
+              <a:rPr lang="en" sz="2400"/>
+              <a:t>–</a:t>
+            </a:r>
+            <a:r>
+              <a:rPr lang="en"/>
+              <a:t> </a:t>
+            </a:r>
+            <a:r>
+              <a:rPr lang="en" u="sng">
+                <a:solidFill>
+                  <a:schemeClr val="hlink"/>
+                </a:solidFill>
+                <a:hlinkClick r:id="rId4"/>
+              </a:rPr>
+              <a:t>https://oss.cs.fau.de</a:t>
+            </a:r>
+            <a:endParaRPr/>
+          </a:p>
+          <a:p>
+            <a:pPr indent="0" lvl="0" marL="0" rtl="0" algn="ctr">
+              <a:lnSpc>
+                <a:spcPct val="150000"/>
+              </a:lnSpc>
+              <a:spcBef>
+                <a:spcPts val="0"/>
+              </a:spcBef>
+              <a:spcAft>
+                <a:spcPts val="0"/>
+              </a:spcAft>
+              <a:buNone/>
+            </a:pPr>
+            <a:r>
+              <a:rPr lang="en" sz="2400" u="sng">
+                <a:solidFill>
+                  <a:schemeClr val="hlink"/>
+                </a:solidFill>
+                <a:hlinkClick r:id="rId5"/>
+              </a:rPr>
+              <a:t>dirk@riehle.org</a:t>
+            </a:r>
+            <a:r>
+              <a:rPr lang="en" sz="2400"/>
+              <a:t> – </a:t>
+            </a:r>
+            <a:r>
+              <a:rPr lang="en" sz="2400" u="sng">
+                <a:solidFill>
+                  <a:schemeClr val="hlink"/>
+                </a:solidFill>
+                <a:hlinkClick r:id="rId6"/>
+              </a:rPr>
+              <a:t>https://dirkriehle.com</a:t>
+            </a:r>
+            <a:r>
+              <a:rPr lang="en" sz="2400"/>
+              <a:t> – </a:t>
+            </a:r>
+            <a:r>
+              <a:rPr lang="en" sz="2400" u="sng">
+                <a:solidFill>
+                  <a:schemeClr val="hlink"/>
+                </a:solidFill>
+                <a:hlinkClick r:id="rId7"/>
+              </a:rPr>
+              <a:t>@dirkriehle</a:t>
+            </a:r>
+            <a:endParaRPr sz="2400"/>
+          </a:p>
+        </p:txBody>
+      </p:sp>
+    </p:spTree>
+  </p:cSld>
+  <p:clrMapOvr>
+    <a:masterClrMapping/>
+  </p:clrMapOvr>
+</p:sld>
+</file>
+
+<file path=ppt/slides/slide51.xml><?xml version="1.0" encoding="utf-8"?>
+<p:sld xmlns:a="http://schemas.openxmlformats.org/drawingml/2006/main" xmlns:r="http://schemas.openxmlformats.org/officeDocument/2006/relationships" xmlns:mc="http://schemas.openxmlformats.org/markup-compatibility/2006" xmlns:mv="urn:schemas-microsoft-com:mac:vml" xmlns:p="http://schemas.openxmlformats.org/presentationml/2006/main" xmlns:c="http://schemas.openxmlformats.org/drawingml/2006/chart" xmlns:dgm="http://schemas.openxmlformats.org/drawingml/2006/diagram" xmlns:o="urn:schemas-microsoft-com:office:office" xmlns:v="urn:schemas-microsoft-com:vml" xmlns:pvml="urn:schemas-microsoft-com:office:powerpoint" xmlns:com="http://schemas.openxmlformats.org/drawingml/2006/compatibility" xmlns:p14="http://schemas.microsoft.com/office/powerpoint/2010/main" xmlns:p15="http://schemas.microsoft.com/office/powerpoint/2012/main" xmlns:ahyp="http://schemas.microsoft.com/office/drawing/2018/hyperlinkcolor">
+  <p:cSld>
+    <p:spTree>
+      <p:nvGrpSpPr>
+        <p:cNvPr id="388" name="Shape 388"/>
+        <p:cNvGrpSpPr/>
+        <p:nvPr/>
+      </p:nvGrpSpPr>
+      <p:grpSpPr>
+        <a:xfrm>
+          <a:off x="0" y="0"/>
+          <a:ext cx="0" cy="0"/>
+          <a:chOff x="0" y="0"/>
+          <a:chExt cx="0" cy="0"/>
+        </a:xfrm>
+      </p:grpSpPr>
+      <p:sp>
+        <p:nvSpPr>
+          <p:cNvPr id="389" name="Google Shape;389;p58"/>
           <p:cNvSpPr txBox="1"/>
           <p:nvPr>
             <p:ph type="title"/>
@@ -29278,7 +29652,7 @@
       </p:sp>
       <p:sp>
         <p:nvSpPr>
-          <p:cNvPr id="382" name="Google Shape;382;p57"/>
+          <p:cNvPr id="390" name="Google Shape;390;p58"/>
           <p:cNvSpPr txBox="1"/>
           <p:nvPr>
             <p:ph idx="12" type="sldNum"/>
@@ -29351,7 +29725,7 @@
       </p:sp>
       <p:sp>
         <p:nvSpPr>
-          <p:cNvPr id="383" name="Google Shape;383;p57"/>
+          <p:cNvPr id="391" name="Google Shape;391;p58"/>
           <p:cNvSpPr txBox="1"/>
           <p:nvPr>
             <p:ph idx="1" type="body"/>

--- a/Lecture slides/ADAP B02 - Class and Interface Design.pptx
+++ b/Lecture slides/ADAP B02 - Class and Interface Design.pptx
@@ -30755,6 +30755,285 @@
 </file>
 
 <file path=ppt/theme/theme1.xml><?xml version="1.0" encoding="utf-8"?>
+<a:theme xmlns:a="http://schemas.openxmlformats.org/drawingml/2006/main" xmlns:r="http://schemas.openxmlformats.org/officeDocument/2006/relationships" name="POSS Slides Template">
+  <a:themeElements>
+    <a:clrScheme name="Simple Light">
+      <a:dk1>
+        <a:srgbClr val="000000"/>
+      </a:dk1>
+      <a:lt1>
+        <a:srgbClr val="FFFFFF"/>
+      </a:lt1>
+      <a:dk2>
+        <a:srgbClr val="404040"/>
+      </a:dk2>
+      <a:lt2>
+        <a:srgbClr val="808080"/>
+      </a:lt2>
+      <a:accent1>
+        <a:srgbClr val="D0D0D0"/>
+      </a:accent1>
+      <a:accent2>
+        <a:srgbClr val="4169E1"/>
+      </a:accent2>
+      <a:accent3>
+        <a:srgbClr val="4CAF50"/>
+      </a:accent3>
+      <a:accent4>
+        <a:srgbClr val="FEB612"/>
+      </a:accent4>
+      <a:accent5>
+        <a:srgbClr val="F36838"/>
+      </a:accent5>
+      <a:accent6>
+        <a:srgbClr val="8E44AD"/>
+      </a:accent6>
+      <a:hlink>
+        <a:srgbClr val="1E90FF"/>
+      </a:hlink>
+      <a:folHlink>
+        <a:srgbClr val="0097A7"/>
+      </a:folHlink>
+    </a:clrScheme>
+    <a:fontScheme name="Office">
+      <a:majorFont>
+        <a:latin typeface="Arial"/>
+        <a:ea typeface=""/>
+        <a:cs typeface=""/>
+        <a:font script="Jpan" typeface="ＭＳ Ｐゴシック"/>
+        <a:font script="Hang" typeface="맑은 고딕"/>
+        <a:font script="Hans" typeface="宋体"/>
+        <a:font script="Hant" typeface="新細明體"/>
+        <a:font script="Arab" typeface="Times New Roman"/>
+        <a:font script="Hebr" typeface="Times New Roman"/>
+        <a:font script="Thai" typeface="Angsana New"/>
+        <a:font script="Ethi" typeface="Nyala"/>
+        <a:font script="Beng" typeface="Vrinda"/>
+        <a:font script="Gujr" typeface="Shruti"/>
+        <a:font script="Khmr" typeface="MoolBoran"/>
+        <a:font script="Knda" typeface="Tunga"/>
+        <a:font script="Guru" typeface="Raavi"/>
+        <a:font script="Cans" typeface="Euphemia"/>
+        <a:font script="Cher" typeface="Plantagenet Cherokee"/>
+        <a:font script="Yiii" typeface="Microsoft Yi Baiti"/>
+        <a:font script="Tibt" typeface="Microsoft Himalaya"/>
+        <a:font script="Thaa" typeface="MV Boli"/>
+        <a:font script="Deva" typeface="Mangal"/>
+        <a:font script="Telu" typeface="Gautami"/>
+        <a:font script="Taml" typeface="Latha"/>
+        <a:font script="Syrc" typeface="Estrangelo Edessa"/>
+        <a:font script="Orya" typeface="Kalinga"/>
+        <a:font script="Mlym" typeface="Kartika"/>
+        <a:font script="Laoo" typeface="DokChampa"/>
+        <a:font script="Sinh" typeface="Iskoola Pota"/>
+        <a:font script="Mong" typeface="Mongolian Baiti"/>
+        <a:font script="Viet" typeface="Times New Roman"/>
+        <a:font script="Uigh" typeface="Microsoft Uighur"/>
+        <a:font script="Geor" typeface="Sylfaen"/>
+      </a:majorFont>
+      <a:minorFont>
+        <a:latin typeface="Arial"/>
+        <a:ea typeface=""/>
+        <a:cs typeface=""/>
+        <a:font script="Jpan" typeface="ＭＳ Ｐゴシック"/>
+        <a:font script="Hang" typeface="맑은 고딕"/>
+        <a:font script="Hans" typeface="宋体"/>
+        <a:font script="Hant" typeface="新細明體"/>
+        <a:font script="Arab" typeface="Arial"/>
+        <a:font script="Hebr" typeface="Arial"/>
+        <a:font script="Thai" typeface="Cordia New"/>
+        <a:font script="Ethi" typeface="Nyala"/>
+        <a:font script="Beng" typeface="Vrinda"/>
+        <a:font script="Gujr" typeface="Shruti"/>
+        <a:font script="Khmr" typeface="DaunPenh"/>
+        <a:font script="Knda" typeface="Tunga"/>
+        <a:font script="Guru" typeface="Raavi"/>
+        <a:font script="Cans" typeface="Euphemia"/>
+        <a:font script="Cher" typeface="Plantagenet Cherokee"/>
+        <a:font script="Yiii" typeface="Microsoft Yi Baiti"/>
+        <a:font script="Tibt" typeface="Microsoft Himalaya"/>
+        <a:font script="Thaa" typeface="MV Boli"/>
+        <a:font script="Deva" typeface="Mangal"/>
+        <a:font script="Telu" typeface="Gautami"/>
+        <a:font script="Taml" typeface="Latha"/>
+        <a:font script="Syrc" typeface="Estrangelo Edessa"/>
+        <a:font script="Orya" typeface="Kalinga"/>
+        <a:font script="Mlym" typeface="Kartika"/>
+        <a:font script="Laoo" typeface="DokChampa"/>
+        <a:font script="Sinh" typeface="Iskoola Pota"/>
+        <a:font script="Mong" typeface="Mongolian Baiti"/>
+        <a:font script="Viet" typeface="Arial"/>
+        <a:font script="Uigh" typeface="Microsoft Uighur"/>
+        <a:font script="Geor" typeface="Sylfaen"/>
+      </a:minorFont>
+    </a:fontScheme>
+    <a:fmtScheme name="Office">
+      <a:fillStyleLst>
+        <a:solidFill>
+          <a:schemeClr val="phClr"/>
+        </a:solidFill>
+        <a:gradFill rotWithShape="1">
+          <a:gsLst>
+            <a:gs pos="0">
+              <a:schemeClr val="phClr">
+                <a:tint val="50000"/>
+                <a:satMod val="300000"/>
+              </a:schemeClr>
+            </a:gs>
+            <a:gs pos="35000">
+              <a:schemeClr val="phClr">
+                <a:tint val="37000"/>
+                <a:satMod val="300000"/>
+              </a:schemeClr>
+            </a:gs>
+            <a:gs pos="100000">
+              <a:schemeClr val="phClr">
+                <a:tint val="15000"/>
+                <a:satMod val="350000"/>
+              </a:schemeClr>
+            </a:gs>
+          </a:gsLst>
+          <a:lin ang="16200000" scaled="1"/>
+        </a:gradFill>
+        <a:gradFill rotWithShape="1">
+          <a:gsLst>
+            <a:gs pos="0">
+              <a:schemeClr val="phClr">
+                <a:tint val="100000"/>
+                <a:shade val="100000"/>
+                <a:satMod val="130000"/>
+              </a:schemeClr>
+            </a:gs>
+            <a:gs pos="100000">
+              <a:schemeClr val="phClr">
+                <a:tint val="50000"/>
+                <a:shade val="100000"/>
+                <a:satMod val="350000"/>
+              </a:schemeClr>
+            </a:gs>
+          </a:gsLst>
+          <a:lin ang="16200000" scaled="0"/>
+        </a:gradFill>
+      </a:fillStyleLst>
+      <a:lnStyleLst>
+        <a:ln w="9525" cap="flat" cmpd="sng" algn="ctr">
+          <a:solidFill>
+            <a:schemeClr val="phClr">
+              <a:shade val="95000"/>
+              <a:satMod val="105000"/>
+            </a:schemeClr>
+          </a:solidFill>
+          <a:prstDash val="solid"/>
+        </a:ln>
+        <a:ln w="25400" cap="flat" cmpd="sng" algn="ctr">
+          <a:solidFill>
+            <a:schemeClr val="phClr"/>
+          </a:solidFill>
+          <a:prstDash val="solid"/>
+        </a:ln>
+        <a:ln w="38100" cap="flat" cmpd="sng" algn="ctr">
+          <a:solidFill>
+            <a:schemeClr val="phClr"/>
+          </a:solidFill>
+          <a:prstDash val="solid"/>
+        </a:ln>
+      </a:lnStyleLst>
+      <a:effectStyleLst>
+        <a:effectStyle>
+          <a:effectLst>
+            <a:outerShdw blurRad="40000" dist="20000" dir="5400000" rotWithShape="0">
+              <a:srgbClr val="000000">
+                <a:alpha val="38000"/>
+              </a:srgbClr>
+            </a:outerShdw>
+          </a:effectLst>
+        </a:effectStyle>
+        <a:effectStyle>
+          <a:effectLst>
+            <a:outerShdw blurRad="40000" dist="23000" dir="5400000" rotWithShape="0">
+              <a:srgbClr val="000000">
+                <a:alpha val="35000"/>
+              </a:srgbClr>
+            </a:outerShdw>
+          </a:effectLst>
+        </a:effectStyle>
+        <a:effectStyle>
+          <a:effectLst>
+            <a:outerShdw blurRad="40000" dist="23000" dir="5400000" rotWithShape="0">
+              <a:srgbClr val="000000">
+                <a:alpha val="35000"/>
+              </a:srgbClr>
+            </a:outerShdw>
+          </a:effectLst>
+          <a:scene3d>
+            <a:camera prst="orthographicFront">
+              <a:rot lat="0" lon="0" rev="0"/>
+            </a:camera>
+            <a:lightRig rig="threePt" dir="t">
+              <a:rot lat="0" lon="0" rev="1200000"/>
+            </a:lightRig>
+          </a:scene3d>
+          <a:sp3d>
+            <a:bevelT w="63500" h="25400"/>
+          </a:sp3d>
+        </a:effectStyle>
+      </a:effectStyleLst>
+      <a:bgFillStyleLst>
+        <a:solidFill>
+          <a:schemeClr val="phClr"/>
+        </a:solidFill>
+        <a:gradFill rotWithShape="1">
+          <a:gsLst>
+            <a:gs pos="0">
+              <a:schemeClr val="phClr">
+                <a:tint val="40000"/>
+                <a:satMod val="350000"/>
+              </a:schemeClr>
+            </a:gs>
+            <a:gs pos="40000">
+              <a:schemeClr val="phClr">
+                <a:tint val="45000"/>
+                <a:shade val="99000"/>
+                <a:satMod val="350000"/>
+              </a:schemeClr>
+            </a:gs>
+            <a:gs pos="100000">
+              <a:schemeClr val="phClr">
+                <a:shade val="20000"/>
+                <a:satMod val="255000"/>
+              </a:schemeClr>
+            </a:gs>
+          </a:gsLst>
+          <a:path path="circle">
+            <a:fillToRect l="50000" t="-80000" r="50000" b="180000"/>
+          </a:path>
+        </a:gradFill>
+        <a:gradFill rotWithShape="1">
+          <a:gsLst>
+            <a:gs pos="0">
+              <a:schemeClr val="phClr">
+                <a:tint val="80000"/>
+                <a:satMod val="300000"/>
+              </a:schemeClr>
+            </a:gs>
+            <a:gs pos="100000">
+              <a:schemeClr val="phClr">
+                <a:shade val="30000"/>
+                <a:satMod val="200000"/>
+              </a:schemeClr>
+            </a:gs>
+          </a:gsLst>
+          <a:path path="circle">
+            <a:fillToRect l="50000" t="50000" r="50000" b="50000"/>
+          </a:path>
+        </a:gradFill>
+      </a:bgFillStyleLst>
+    </a:fmtScheme>
+  </a:themeElements>
+</a:theme>
+</file>
+
+<file path=ppt/theme/theme2.xml><?xml version="1.0" encoding="utf-8"?>
 <a:theme xmlns:a="http://schemas.openxmlformats.org/drawingml/2006/main" xmlns:r="http://schemas.openxmlformats.org/officeDocument/2006/relationships">
   <a:themeElements>
     <a:clrScheme name="Default">
@@ -31031,283 +31310,4 @@
     </a:fmtScheme>
   </a:themeElements>
 </a:theme>
-</file>
-
-<file path=ppt/theme/theme2.xml><?xml version="1.0" encoding="utf-8"?>
-<a:theme xmlns:a="http://schemas.openxmlformats.org/drawingml/2006/main" xmlns:r="http://schemas.openxmlformats.org/officeDocument/2006/relationships" name="POSS Slides Template">
-  <a:themeElements>
-    <a:clrScheme name="Simple Light">
-      <a:dk1>
-        <a:srgbClr val="000000"/>
-      </a:dk1>
-      <a:lt1>
-        <a:srgbClr val="FFFFFF"/>
-      </a:lt1>
-      <a:dk2>
-        <a:srgbClr val="404040"/>
-      </a:dk2>
-      <a:lt2>
-        <a:srgbClr val="808080"/>
-      </a:lt2>
-      <a:accent1>
-        <a:srgbClr val="D0D0D0"/>
-      </a:accent1>
-      <a:accent2>
-        <a:srgbClr val="4169E1"/>
-      </a:accent2>
-      <a:accent3>
-        <a:srgbClr val="4CAF50"/>
-      </a:accent3>
-      <a:accent4>
-        <a:srgbClr val="FEB612"/>
-      </a:accent4>
-      <a:accent5>
-        <a:srgbClr val="F36838"/>
-      </a:accent5>
-      <a:accent6>
-        <a:srgbClr val="8E44AD"/>
-      </a:accent6>
-      <a:hlink>
-        <a:srgbClr val="1E90FF"/>
-      </a:hlink>
-      <a:folHlink>
-        <a:srgbClr val="0097A7"/>
-      </a:folHlink>
-    </a:clrScheme>
-    <a:fontScheme name="Office">
-      <a:majorFont>
-        <a:latin typeface="Arial"/>
-        <a:ea typeface=""/>
-        <a:cs typeface=""/>
-        <a:font script="Jpan" typeface="ＭＳ Ｐゴシック"/>
-        <a:font script="Hang" typeface="맑은 고딕"/>
-        <a:font script="Hans" typeface="宋体"/>
-        <a:font script="Hant" typeface="新細明體"/>
-        <a:font script="Arab" typeface="Times New Roman"/>
-        <a:font script="Hebr" typeface="Times New Roman"/>
-        <a:font script="Thai" typeface="Angsana New"/>
-        <a:font script="Ethi" typeface="Nyala"/>
-        <a:font script="Beng" typeface="Vrinda"/>
-        <a:font script="Gujr" typeface="Shruti"/>
-        <a:font script="Khmr" typeface="MoolBoran"/>
-        <a:font script="Knda" typeface="Tunga"/>
-        <a:font script="Guru" typeface="Raavi"/>
-        <a:font script="Cans" typeface="Euphemia"/>
-        <a:font script="Cher" typeface="Plantagenet Cherokee"/>
-        <a:font script="Yiii" typeface="Microsoft Yi Baiti"/>
-        <a:font script="Tibt" typeface="Microsoft Himalaya"/>
-        <a:font script="Thaa" typeface="MV Boli"/>
-        <a:font script="Deva" typeface="Mangal"/>
-        <a:font script="Telu" typeface="Gautami"/>
-        <a:font script="Taml" typeface="Latha"/>
-        <a:font script="Syrc" typeface="Estrangelo Edessa"/>
-        <a:font script="Orya" typeface="Kalinga"/>
-        <a:font script="Mlym" typeface="Kartika"/>
-        <a:font script="Laoo" typeface="DokChampa"/>
-        <a:font script="Sinh" typeface="Iskoola Pota"/>
-        <a:font script="Mong" typeface="Mongolian Baiti"/>
-        <a:font script="Viet" typeface="Times New Roman"/>
-        <a:font script="Uigh" typeface="Microsoft Uighur"/>
-        <a:font script="Geor" typeface="Sylfaen"/>
-      </a:majorFont>
-      <a:minorFont>
-        <a:latin typeface="Arial"/>
-        <a:ea typeface=""/>
-        <a:cs typeface=""/>
-        <a:font script="Jpan" typeface="ＭＳ Ｐゴシック"/>
-        <a:font script="Hang" typeface="맑은 고딕"/>
-        <a:font script="Hans" typeface="宋体"/>
-        <a:font script="Hant" typeface="新細明體"/>
-        <a:font script="Arab" typeface="Arial"/>
-        <a:font script="Hebr" typeface="Arial"/>
-        <a:font script="Thai" typeface="Cordia New"/>
-        <a:font script="Ethi" typeface="Nyala"/>
-        <a:font script="Beng" typeface="Vrinda"/>
-        <a:font script="Gujr" typeface="Shruti"/>
-        <a:font script="Khmr" typeface="DaunPenh"/>
-        <a:font script="Knda" typeface="Tunga"/>
-        <a:font script="Guru" typeface="Raavi"/>
-        <a:font script="Cans" typeface="Euphemia"/>
-        <a:font script="Cher" typeface="Plantagenet Cherokee"/>
-        <a:font script="Yiii" typeface="Microsoft Yi Baiti"/>
-        <a:font script="Tibt" typeface="Microsoft Himalaya"/>
-        <a:font script="Thaa" typeface="MV Boli"/>
-        <a:font script="Deva" typeface="Mangal"/>
-        <a:font script="Telu" typeface="Gautami"/>
-        <a:font script="Taml" typeface="Latha"/>
-        <a:font script="Syrc" typeface="Estrangelo Edessa"/>
-        <a:font script="Orya" typeface="Kalinga"/>
-        <a:font script="Mlym" typeface="Kartika"/>
-        <a:font script="Laoo" typeface="DokChampa"/>
-        <a:font script="Sinh" typeface="Iskoola Pota"/>
-        <a:font script="Mong" typeface="Mongolian Baiti"/>
-        <a:font script="Viet" typeface="Arial"/>
-        <a:font script="Uigh" typeface="Microsoft Uighur"/>
-        <a:font script="Geor" typeface="Sylfaen"/>
-      </a:minorFont>
-    </a:fontScheme>
-    <a:fmtScheme name="Office">
-      <a:fillStyleLst>
-        <a:solidFill>
-          <a:schemeClr val="phClr"/>
-        </a:solidFill>
-        <a:gradFill rotWithShape="1">
-          <a:gsLst>
-            <a:gs pos="0">
-              <a:schemeClr val="phClr">
-                <a:tint val="50000"/>
-                <a:satMod val="300000"/>
-              </a:schemeClr>
-            </a:gs>
-            <a:gs pos="35000">
-              <a:schemeClr val="phClr">
-                <a:tint val="37000"/>
-                <a:satMod val="300000"/>
-              </a:schemeClr>
-            </a:gs>
-            <a:gs pos="100000">
-              <a:schemeClr val="phClr">
-                <a:tint val="15000"/>
-                <a:satMod val="350000"/>
-              </a:schemeClr>
-            </a:gs>
-          </a:gsLst>
-          <a:lin ang="16200000" scaled="1"/>
-        </a:gradFill>
-        <a:gradFill rotWithShape="1">
-          <a:gsLst>
-            <a:gs pos="0">
-              <a:schemeClr val="phClr">
-                <a:tint val="100000"/>
-                <a:shade val="100000"/>
-                <a:satMod val="130000"/>
-              </a:schemeClr>
-            </a:gs>
-            <a:gs pos="100000">
-              <a:schemeClr val="phClr">
-                <a:tint val="50000"/>
-                <a:shade val="100000"/>
-                <a:satMod val="350000"/>
-              </a:schemeClr>
-            </a:gs>
-          </a:gsLst>
-          <a:lin ang="16200000" scaled="0"/>
-        </a:gradFill>
-      </a:fillStyleLst>
-      <a:lnStyleLst>
-        <a:ln w="9525" cap="flat" cmpd="sng" algn="ctr">
-          <a:solidFill>
-            <a:schemeClr val="phClr">
-              <a:shade val="95000"/>
-              <a:satMod val="105000"/>
-            </a:schemeClr>
-          </a:solidFill>
-          <a:prstDash val="solid"/>
-        </a:ln>
-        <a:ln w="25400" cap="flat" cmpd="sng" algn="ctr">
-          <a:solidFill>
-            <a:schemeClr val="phClr"/>
-          </a:solidFill>
-          <a:prstDash val="solid"/>
-        </a:ln>
-        <a:ln w="38100" cap="flat" cmpd="sng" algn="ctr">
-          <a:solidFill>
-            <a:schemeClr val="phClr"/>
-          </a:solidFill>
-          <a:prstDash val="solid"/>
-        </a:ln>
-      </a:lnStyleLst>
-      <a:effectStyleLst>
-        <a:effectStyle>
-          <a:effectLst>
-            <a:outerShdw blurRad="40000" dist="20000" dir="5400000" rotWithShape="0">
-              <a:srgbClr val="000000">
-                <a:alpha val="38000"/>
-              </a:srgbClr>
-            </a:outerShdw>
-          </a:effectLst>
-        </a:effectStyle>
-        <a:effectStyle>
-          <a:effectLst>
-            <a:outerShdw blurRad="40000" dist="23000" dir="5400000" rotWithShape="0">
-              <a:srgbClr val="000000">
-                <a:alpha val="35000"/>
-              </a:srgbClr>
-            </a:outerShdw>
-          </a:effectLst>
-        </a:effectStyle>
-        <a:effectStyle>
-          <a:effectLst>
-            <a:outerShdw blurRad="40000" dist="23000" dir="5400000" rotWithShape="0">
-              <a:srgbClr val="000000">
-                <a:alpha val="35000"/>
-              </a:srgbClr>
-            </a:outerShdw>
-          </a:effectLst>
-          <a:scene3d>
-            <a:camera prst="orthographicFront">
-              <a:rot lat="0" lon="0" rev="0"/>
-            </a:camera>
-            <a:lightRig rig="threePt" dir="t">
-              <a:rot lat="0" lon="0" rev="1200000"/>
-            </a:lightRig>
-          </a:scene3d>
-          <a:sp3d>
-            <a:bevelT w="63500" h="25400"/>
-          </a:sp3d>
-        </a:effectStyle>
-      </a:effectStyleLst>
-      <a:bgFillStyleLst>
-        <a:solidFill>
-          <a:schemeClr val="phClr"/>
-        </a:solidFill>
-        <a:gradFill rotWithShape="1">
-          <a:gsLst>
-            <a:gs pos="0">
-              <a:schemeClr val="phClr">
-                <a:tint val="40000"/>
-                <a:satMod val="350000"/>
-              </a:schemeClr>
-            </a:gs>
-            <a:gs pos="40000">
-              <a:schemeClr val="phClr">
-                <a:tint val="45000"/>
-                <a:shade val="99000"/>
-                <a:satMod val="350000"/>
-              </a:schemeClr>
-            </a:gs>
-            <a:gs pos="100000">
-              <a:schemeClr val="phClr">
-                <a:shade val="20000"/>
-                <a:satMod val="255000"/>
-              </a:schemeClr>
-            </a:gs>
-          </a:gsLst>
-          <a:path path="circle">
-            <a:fillToRect l="50000" t="-80000" r="50000" b="180000"/>
-          </a:path>
-        </a:gradFill>
-        <a:gradFill rotWithShape="1">
-          <a:gsLst>
-            <a:gs pos="0">
-              <a:schemeClr val="phClr">
-                <a:tint val="80000"/>
-                <a:satMod val="300000"/>
-              </a:schemeClr>
-            </a:gs>
-            <a:gs pos="100000">
-              <a:schemeClr val="phClr">
-                <a:shade val="30000"/>
-                <a:satMod val="200000"/>
-              </a:schemeClr>
-            </a:gs>
-          </a:gsLst>
-          <a:path path="circle">
-            <a:fillToRect l="50000" t="50000" r="50000" b="50000"/>
-          </a:path>
-        </a:gradFill>
-      </a:bgFillStyleLst>
-    </a:fmtScheme>
-  </a:themeElements>
-</a:theme>
 </file>